--- a/Consumer Finance Complaint Product Classification_Presentation.pptx
+++ b/Consumer Finance Complaint Product Classification_Presentation.pptx
@@ -1,43 +1,50 @@
 
 <file path=ppt/presentation.xml><?xml version="1.0" encoding="utf-8"?>
-<p:presentation xmlns:a="http://schemas.openxmlformats.org/drawingml/2006/main" xmlns:r="http://schemas.openxmlformats.org/officeDocument/2006/relationships" xmlns:mc="http://schemas.openxmlformats.org/markup-compatibility/2006" xmlns:mv="urn:schemas-microsoft-com:mac:vml" xmlns:p="http://schemas.openxmlformats.org/presentationml/2006/main" xmlns:c="http://schemas.openxmlformats.org/drawingml/2006/chart" xmlns:dgm="http://schemas.openxmlformats.org/drawingml/2006/diagram" xmlns:o="urn:schemas-microsoft-com:office:office" xmlns:v="urn:schemas-microsoft-com:vml" xmlns:pvml="urn:schemas-microsoft-com:office:powerpoint" xmlns:com="http://schemas.openxmlformats.org/drawingml/2006/compatibility" xmlns:p14="http://schemas.microsoft.com/office/powerpoint/2010/main" xmlns:p15="http://schemas.microsoft.com/office/powerpoint/2012/main" autoCompressPictures="0" embedTrueTypeFonts="1" strictFirstAndLastChars="0" saveSubsetFonts="1">
+<p:presentation xmlns:a="http://schemas.openxmlformats.org/drawingml/2006/main" xmlns:r="http://schemas.openxmlformats.org/officeDocument/2006/relationships" xmlns:p="http://schemas.openxmlformats.org/presentationml/2006/main" strictFirstAndLastChars="0" embedTrueTypeFonts="1" saveSubsetFonts="1" autoCompressPictures="0">
   <p:sldMasterIdLst>
-    <p:sldMasterId id="2147483663" r:id="rId4"/>
+    <p:sldMasterId id="2147483663" r:id="rId1"/>
   </p:sldMasterIdLst>
   <p:notesMasterIdLst>
-    <p:notesMasterId r:id="rId5"/>
+    <p:notesMasterId r:id="rId11"/>
   </p:notesMasterIdLst>
   <p:sldIdLst>
-    <p:sldId id="256" r:id="rId6"/>
-    <p:sldId id="257" r:id="rId7"/>
-    <p:sldId id="258" r:id="rId8"/>
-    <p:sldId id="259" r:id="rId9"/>
-    <p:sldId id="260" r:id="rId10"/>
-    <p:sldId id="261" r:id="rId11"/>
-    <p:sldId id="262" r:id="rId12"/>
-    <p:sldId id="263" r:id="rId13"/>
-    <p:sldId id="264" r:id="rId14"/>
+    <p:sldId id="256" r:id="rId2"/>
+    <p:sldId id="257" r:id="rId3"/>
+    <p:sldId id="258" r:id="rId4"/>
+    <p:sldId id="259" r:id="rId5"/>
+    <p:sldId id="260" r:id="rId6"/>
+    <p:sldId id="261" r:id="rId7"/>
+    <p:sldId id="262" r:id="rId8"/>
+    <p:sldId id="263" r:id="rId9"/>
+    <p:sldId id="264" r:id="rId10"/>
   </p:sldIdLst>
-  <p:sldSz cy="5143500" cx="9144000"/>
+  <p:sldSz cx="9144000" cy="5143500" type="screen16x9"/>
   <p:notesSz cx="6858000" cy="9144000"/>
   <p:embeddedFontLst>
     <p:embeddedFont>
-      <p:font typeface="Raleway"/>
-      <p:regular r:id="rId15"/>
-      <p:bold r:id="rId16"/>
-      <p:italic r:id="rId17"/>
-      <p:boldItalic r:id="rId18"/>
+      <p:font typeface="Calibri" panose="020F0502020204030204" pitchFamily="34" charset="0"/>
+      <p:regular r:id="rId12"/>
+      <p:bold r:id="rId13"/>
+      <p:italic r:id="rId14"/>
+      <p:boldItalic r:id="rId15"/>
     </p:embeddedFont>
     <p:embeddedFont>
-      <p:font typeface="Lato"/>
-      <p:regular r:id="rId19"/>
-      <p:bold r:id="rId20"/>
-      <p:italic r:id="rId21"/>
-      <p:boldItalic r:id="rId22"/>
+      <p:font typeface="Lato" panose="020B0604020202020204" charset="0"/>
+      <p:regular r:id="rId16"/>
+      <p:bold r:id="rId17"/>
+      <p:italic r:id="rId18"/>
+      <p:boldItalic r:id="rId19"/>
+    </p:embeddedFont>
+    <p:embeddedFont>
+      <p:font typeface="Raleway" panose="020B0604020202020204" charset="0"/>
+      <p:regular r:id="rId20"/>
+      <p:bold r:id="rId21"/>
+      <p:italic r:id="rId22"/>
+      <p:boldItalic r:id="rId23"/>
     </p:embeddedFont>
   </p:embeddedFontLst>
   <p:defaultTextStyle>
-    <a:defPPr lvl="0" marR="0" rtl="0" algn="l">
+    <a:defPPr marR="0" lvl="0" algn="l" rtl="0">
       <a:lnSpc>
         <a:spcPct val="100000"/>
       </a:lnSpc>
@@ -48,7 +55,7 @@
         <a:spcPts val="0"/>
       </a:spcAft>
     </a:defPPr>
-    <a:lvl1pPr lvl="0" marR="0" rtl="0" algn="l">
+    <a:lvl1pPr marR="0" lvl="0" algn="l" rtl="0">
       <a:lnSpc>
         <a:spcPct val="100000"/>
       </a:lnSpc>
@@ -62,7 +69,7 @@
         <a:srgbClr val="000000"/>
       </a:buClr>
       <a:buFont typeface="Arial"/>
-      <a:defRPr b="0" i="0" sz="1400" u="none" cap="none" strike="noStrike">
+      <a:defRPr sz="1400" b="0" i="0" u="none" strike="noStrike" cap="none">
         <a:solidFill>
           <a:srgbClr val="000000"/>
         </a:solidFill>
@@ -72,7 +79,7 @@
         <a:sym typeface="Arial"/>
       </a:defRPr>
     </a:lvl1pPr>
-    <a:lvl2pPr lvl="1" marR="0" rtl="0" algn="l">
+    <a:lvl2pPr marR="0" lvl="1" algn="l" rtl="0">
       <a:lnSpc>
         <a:spcPct val="100000"/>
       </a:lnSpc>
@@ -86,7 +93,7 @@
         <a:srgbClr val="000000"/>
       </a:buClr>
       <a:buFont typeface="Arial"/>
-      <a:defRPr b="0" i="0" sz="1400" u="none" cap="none" strike="noStrike">
+      <a:defRPr sz="1400" b="0" i="0" u="none" strike="noStrike" cap="none">
         <a:solidFill>
           <a:srgbClr val="000000"/>
         </a:solidFill>
@@ -96,7 +103,7 @@
         <a:sym typeface="Arial"/>
       </a:defRPr>
     </a:lvl2pPr>
-    <a:lvl3pPr lvl="2" marR="0" rtl="0" algn="l">
+    <a:lvl3pPr marR="0" lvl="2" algn="l" rtl="0">
       <a:lnSpc>
         <a:spcPct val="100000"/>
       </a:lnSpc>
@@ -110,7 +117,7 @@
         <a:srgbClr val="000000"/>
       </a:buClr>
       <a:buFont typeface="Arial"/>
-      <a:defRPr b="0" i="0" sz="1400" u="none" cap="none" strike="noStrike">
+      <a:defRPr sz="1400" b="0" i="0" u="none" strike="noStrike" cap="none">
         <a:solidFill>
           <a:srgbClr val="000000"/>
         </a:solidFill>
@@ -120,7 +127,7 @@
         <a:sym typeface="Arial"/>
       </a:defRPr>
     </a:lvl3pPr>
-    <a:lvl4pPr lvl="3" marR="0" rtl="0" algn="l">
+    <a:lvl4pPr marR="0" lvl="3" algn="l" rtl="0">
       <a:lnSpc>
         <a:spcPct val="100000"/>
       </a:lnSpc>
@@ -134,7 +141,7 @@
         <a:srgbClr val="000000"/>
       </a:buClr>
       <a:buFont typeface="Arial"/>
-      <a:defRPr b="0" i="0" sz="1400" u="none" cap="none" strike="noStrike">
+      <a:defRPr sz="1400" b="0" i="0" u="none" strike="noStrike" cap="none">
         <a:solidFill>
           <a:srgbClr val="000000"/>
         </a:solidFill>
@@ -144,7 +151,7 @@
         <a:sym typeface="Arial"/>
       </a:defRPr>
     </a:lvl4pPr>
-    <a:lvl5pPr lvl="4" marR="0" rtl="0" algn="l">
+    <a:lvl5pPr marR="0" lvl="4" algn="l" rtl="0">
       <a:lnSpc>
         <a:spcPct val="100000"/>
       </a:lnSpc>
@@ -158,7 +165,7 @@
         <a:srgbClr val="000000"/>
       </a:buClr>
       <a:buFont typeface="Arial"/>
-      <a:defRPr b="0" i="0" sz="1400" u="none" cap="none" strike="noStrike">
+      <a:defRPr sz="1400" b="0" i="0" u="none" strike="noStrike" cap="none">
         <a:solidFill>
           <a:srgbClr val="000000"/>
         </a:solidFill>
@@ -168,7 +175,7 @@
         <a:sym typeface="Arial"/>
       </a:defRPr>
     </a:lvl5pPr>
-    <a:lvl6pPr lvl="5" marR="0" rtl="0" algn="l">
+    <a:lvl6pPr marR="0" lvl="5" algn="l" rtl="0">
       <a:lnSpc>
         <a:spcPct val="100000"/>
       </a:lnSpc>
@@ -182,7 +189,7 @@
         <a:srgbClr val="000000"/>
       </a:buClr>
       <a:buFont typeface="Arial"/>
-      <a:defRPr b="0" i="0" sz="1400" u="none" cap="none" strike="noStrike">
+      <a:defRPr sz="1400" b="0" i="0" u="none" strike="noStrike" cap="none">
         <a:solidFill>
           <a:srgbClr val="000000"/>
         </a:solidFill>
@@ -192,7 +199,7 @@
         <a:sym typeface="Arial"/>
       </a:defRPr>
     </a:lvl6pPr>
-    <a:lvl7pPr lvl="6" marR="0" rtl="0" algn="l">
+    <a:lvl7pPr marR="0" lvl="6" algn="l" rtl="0">
       <a:lnSpc>
         <a:spcPct val="100000"/>
       </a:lnSpc>
@@ -206,7 +213,7 @@
         <a:srgbClr val="000000"/>
       </a:buClr>
       <a:buFont typeface="Arial"/>
-      <a:defRPr b="0" i="0" sz="1400" u="none" cap="none" strike="noStrike">
+      <a:defRPr sz="1400" b="0" i="0" u="none" strike="noStrike" cap="none">
         <a:solidFill>
           <a:srgbClr val="000000"/>
         </a:solidFill>
@@ -216,7 +223,7 @@
         <a:sym typeface="Arial"/>
       </a:defRPr>
     </a:lvl7pPr>
-    <a:lvl8pPr lvl="7" marR="0" rtl="0" algn="l">
+    <a:lvl8pPr marR="0" lvl="7" algn="l" rtl="0">
       <a:lnSpc>
         <a:spcPct val="100000"/>
       </a:lnSpc>
@@ -230,7 +237,7 @@
         <a:srgbClr val="000000"/>
       </a:buClr>
       <a:buFont typeface="Arial"/>
-      <a:defRPr b="0" i="0" sz="1400" u="none" cap="none" strike="noStrike">
+      <a:defRPr sz="1400" b="0" i="0" u="none" strike="noStrike" cap="none">
         <a:solidFill>
           <a:srgbClr val="000000"/>
         </a:solidFill>
@@ -240,7 +247,7 @@
         <a:sym typeface="Arial"/>
       </a:defRPr>
     </a:lvl8pPr>
-    <a:lvl9pPr lvl="8" marR="0" rtl="0" algn="l">
+    <a:lvl9pPr marR="0" lvl="8" algn="l" rtl="0">
       <a:lnSpc>
         <a:spcPct val="100000"/>
       </a:lnSpc>
@@ -254,7 +261,7 @@
         <a:srgbClr val="000000"/>
       </a:buClr>
       <a:buFont typeface="Arial"/>
-      <a:defRPr b="0" i="0" sz="1400" u="none" cap="none" strike="noStrike">
+      <a:defRPr sz="1400" b="0" i="0" u="none" strike="noStrike" cap="none">
         <a:solidFill>
           <a:srgbClr val="000000"/>
         </a:solidFill>
@@ -267,7 +274,7 @@
   </p:defaultTextStyle>
   <p:extLst>
     <p:ext uri="{EFAFB233-063F-42B5-8137-9DF3F51BA10A}">
-      <p15:sldGuideLst>
+      <p15:sldGuideLst xmlns:p15="http://schemas.microsoft.com/office/powerpoint/2012/main">
         <p15:guide id="1" orient="horz" pos="1620">
           <p15:clr>
             <a:srgbClr val="A4A3A4"/>
@@ -285,11 +292,16 @@
 </file>
 
 <file path=ppt/notesMasters/notesMaster1.xml><?xml version="1.0" encoding="utf-8"?>
-<p:notesMaster xmlns:a="http://schemas.openxmlformats.org/drawingml/2006/main" xmlns:r="http://schemas.openxmlformats.org/officeDocument/2006/relationships" xmlns:mc="http://schemas.openxmlformats.org/markup-compatibility/2006" xmlns:mv="urn:schemas-microsoft-com:mac:vml" xmlns:p="http://schemas.openxmlformats.org/presentationml/2006/main" xmlns:c="http://schemas.openxmlformats.org/drawingml/2006/chart" xmlns:dgm="http://schemas.openxmlformats.org/drawingml/2006/diagram" xmlns:o="urn:schemas-microsoft-com:office:office" xmlns:v="urn:schemas-microsoft-com:vml" xmlns:pvml="urn:schemas-microsoft-com:office:powerpoint" xmlns:com="http://schemas.openxmlformats.org/drawingml/2006/compatibility" xmlns:p14="http://schemas.microsoft.com/office/powerpoint/2010/main" xmlns:p15="http://schemas.microsoft.com/office/powerpoint/2012/main">
+<p:notesMaster xmlns:a="http://schemas.openxmlformats.org/drawingml/2006/main" xmlns:r="http://schemas.openxmlformats.org/officeDocument/2006/relationships" xmlns:p="http://schemas.openxmlformats.org/presentationml/2006/main">
   <p:cSld>
+    <p:bg>
+      <p:bgRef idx="1001">
+        <a:schemeClr val="bg1"/>
+      </p:bgRef>
+    </p:bg>
     <p:spTree>
       <p:nvGrpSpPr>
-        <p:cNvPr id="2" name="Shape 2"/>
+        <p:cNvPr id="1" name="Shape 2"/>
         <p:cNvGrpSpPr/>
         <p:nvPr/>
       </p:nvGrpSpPr>
@@ -304,9 +316,11 @@
       <p:sp>
         <p:nvSpPr>
           <p:cNvPr id="3" name="Google Shape;3;n"/>
-          <p:cNvSpPr/>
+          <p:cNvSpPr>
+            <a:spLocks noGrp="1" noRot="1" noChangeAspect="1"/>
+          </p:cNvSpPr>
           <p:nvPr>
-            <p:ph idx="2" type="sldImg"/>
+            <p:ph type="sldImg" idx="2"/>
           </p:nvPr>
         </p:nvSpPr>
         <p:spPr>
@@ -315,9 +329,13 @@
             <a:ext cx="6096075" cy="3429000"/>
           </a:xfrm>
           <a:custGeom>
-            <a:rect b="b" l="l" r="r" t="t"/>
+            <a:avLst/>
+            <a:gdLst/>
+            <a:ahLst/>
+            <a:cxnLst/>
+            <a:rect l="l" t="t" r="r" b="b"/>
             <a:pathLst>
-              <a:path extrusionOk="0" h="120000" w="120000">
+              <a:path w="120000" h="120000" extrusionOk="0">
                 <a:moveTo>
                   <a:pt x="0" y="0"/>
                 </a:moveTo>
@@ -335,23 +353,25 @@
             </a:pathLst>
           </a:custGeom>
           <a:noFill/>
-          <a:ln cap="flat" cmpd="sng" w="9525">
+          <a:ln w="9525" cap="flat" cmpd="sng">
             <a:solidFill>
               <a:srgbClr val="000000"/>
             </a:solidFill>
             <a:prstDash val="solid"/>
             <a:round/>
-            <a:headEnd len="sm" w="sm" type="none"/>
-            <a:tailEnd len="sm" w="sm" type="none"/>
+            <a:headEnd type="none" w="sm" len="sm"/>
+            <a:tailEnd type="none" w="sm" len="sm"/>
           </a:ln>
         </p:spPr>
       </p:sp>
       <p:sp>
         <p:nvSpPr>
           <p:cNvPr id="4" name="Google Shape;4;n"/>
-          <p:cNvSpPr txBox="1"/>
+          <p:cNvSpPr txBox="1">
+            <a:spLocks noGrp="1"/>
+          </p:cNvSpPr>
           <p:nvPr>
-            <p:ph idx="1" type="body"/>
+            <p:ph type="body" idx="1"/>
           </p:nvPr>
         </p:nvSpPr>
         <p:spPr>
@@ -368,11 +388,11 @@
           </a:ln>
         </p:spPr>
         <p:txBody>
-          <a:bodyPr anchorCtr="0" anchor="t" bIns="91425" lIns="91425" spcFirstLastPara="1" rIns="91425" wrap="square" tIns="91425">
+          <a:bodyPr spcFirstLastPara="1" wrap="square" lIns="91425" tIns="91425" rIns="91425" bIns="91425" anchor="t" anchorCtr="0">
             <a:noAutofit/>
           </a:bodyPr>
           <a:lstStyle>
-            <a:lvl1pPr indent="-298450" lvl="0" marL="457200">
+            <a:lvl1pPr marL="457200" lvl="0" indent="-298450">
               <a:spcBef>
                 <a:spcPts val="0"/>
               </a:spcBef>
@@ -383,7 +403,7 @@
               <a:buChar char="●"/>
               <a:defRPr sz="1100"/>
             </a:lvl1pPr>
-            <a:lvl2pPr indent="-298450" lvl="1" marL="914400">
+            <a:lvl2pPr marL="914400" lvl="1" indent="-298450">
               <a:spcBef>
                 <a:spcPts val="0"/>
               </a:spcBef>
@@ -394,7 +414,7 @@
               <a:buChar char="○"/>
               <a:defRPr sz="1100"/>
             </a:lvl2pPr>
-            <a:lvl3pPr indent="-298450" lvl="2" marL="1371600">
+            <a:lvl3pPr marL="1371600" lvl="2" indent="-298450">
               <a:spcBef>
                 <a:spcPts val="0"/>
               </a:spcBef>
@@ -405,7 +425,7 @@
               <a:buChar char="■"/>
               <a:defRPr sz="1100"/>
             </a:lvl3pPr>
-            <a:lvl4pPr indent="-298450" lvl="3" marL="1828800">
+            <a:lvl4pPr marL="1828800" lvl="3" indent="-298450">
               <a:spcBef>
                 <a:spcPts val="0"/>
               </a:spcBef>
@@ -416,7 +436,7 @@
               <a:buChar char="●"/>
               <a:defRPr sz="1100"/>
             </a:lvl4pPr>
-            <a:lvl5pPr indent="-298450" lvl="4" marL="2286000">
+            <a:lvl5pPr marL="2286000" lvl="4" indent="-298450">
               <a:spcBef>
                 <a:spcPts val="0"/>
               </a:spcBef>
@@ -427,7 +447,7 @@
               <a:buChar char="○"/>
               <a:defRPr sz="1100"/>
             </a:lvl5pPr>
-            <a:lvl6pPr indent="-298450" lvl="5" marL="2743200">
+            <a:lvl6pPr marL="2743200" lvl="5" indent="-298450">
               <a:spcBef>
                 <a:spcPts val="0"/>
               </a:spcBef>
@@ -438,7 +458,7 @@
               <a:buChar char="■"/>
               <a:defRPr sz="1100"/>
             </a:lvl6pPr>
-            <a:lvl7pPr indent="-298450" lvl="6" marL="3200400">
+            <a:lvl7pPr marL="3200400" lvl="6" indent="-298450">
               <a:spcBef>
                 <a:spcPts val="0"/>
               </a:spcBef>
@@ -449,7 +469,7 @@
               <a:buChar char="●"/>
               <a:defRPr sz="1100"/>
             </a:lvl7pPr>
-            <a:lvl8pPr indent="-298450" lvl="7" marL="3657600">
+            <a:lvl8pPr marL="3657600" lvl="7" indent="-298450">
               <a:spcBef>
                 <a:spcPts val="0"/>
               </a:spcBef>
@@ -460,7 +480,7 @@
               <a:buChar char="○"/>
               <a:defRPr sz="1100"/>
             </a:lvl8pPr>
-            <a:lvl9pPr indent="-298450" lvl="8" marL="4114800">
+            <a:lvl9pPr marL="4114800" lvl="8" indent="-298450">
               <a:spcBef>
                 <a:spcPts val="0"/>
               </a:spcBef>
@@ -472,14 +492,16 @@
               <a:defRPr sz="1100"/>
             </a:lvl9pPr>
           </a:lstStyle>
-          <a:p/>
+          <a:p>
+            <a:endParaRPr/>
+          </a:p>
         </p:txBody>
       </p:sp>
     </p:spTree>
   </p:cSld>
-  <p:clrMap accent1="accent1" accent2="accent2" accent3="accent3" accent4="accent4" accent5="accent5" accent6="accent6" bg1="lt1" bg2="dk2" tx1="dk1" tx2="lt2" folHlink="folHlink" hlink="hlink"/>
+  <p:clrMap bg1="lt1" tx1="dk1" bg2="dk2" tx2="lt2" accent1="accent1" accent2="accent2" accent3="accent3" accent4="accent4" accent5="accent5" accent6="accent6" hlink="hlink" folHlink="folHlink"/>
   <p:notesStyle>
-    <a:defPPr lvl="0" marR="0" rtl="0" algn="l">
+    <a:defPPr marR="0" lvl="0" algn="l" rtl="0">
       <a:lnSpc>
         <a:spcPct val="100000"/>
       </a:lnSpc>
@@ -490,7 +512,7 @@
         <a:spcPts val="0"/>
       </a:spcAft>
     </a:defPPr>
-    <a:lvl1pPr lvl="0" marR="0" rtl="0" algn="l">
+    <a:lvl1pPr marR="0" lvl="0" algn="l" rtl="0">
       <a:lnSpc>
         <a:spcPct val="100000"/>
       </a:lnSpc>
@@ -504,7 +526,7 @@
         <a:srgbClr val="000000"/>
       </a:buClr>
       <a:buFont typeface="Arial"/>
-      <a:defRPr b="0" i="0" sz="1400" u="none" cap="none" strike="noStrike">
+      <a:defRPr sz="1400" b="0" i="0" u="none" strike="noStrike" cap="none">
         <a:solidFill>
           <a:srgbClr val="000000"/>
         </a:solidFill>
@@ -514,7 +536,7 @@
         <a:sym typeface="Arial"/>
       </a:defRPr>
     </a:lvl1pPr>
-    <a:lvl2pPr lvl="1" marR="0" rtl="0" algn="l">
+    <a:lvl2pPr marR="0" lvl="1" algn="l" rtl="0">
       <a:lnSpc>
         <a:spcPct val="100000"/>
       </a:lnSpc>
@@ -528,7 +550,7 @@
         <a:srgbClr val="000000"/>
       </a:buClr>
       <a:buFont typeface="Arial"/>
-      <a:defRPr b="0" i="0" sz="1400" u="none" cap="none" strike="noStrike">
+      <a:defRPr sz="1400" b="0" i="0" u="none" strike="noStrike" cap="none">
         <a:solidFill>
           <a:srgbClr val="000000"/>
         </a:solidFill>
@@ -538,7 +560,7 @@
         <a:sym typeface="Arial"/>
       </a:defRPr>
     </a:lvl2pPr>
-    <a:lvl3pPr lvl="2" marR="0" rtl="0" algn="l">
+    <a:lvl3pPr marR="0" lvl="2" algn="l" rtl="0">
       <a:lnSpc>
         <a:spcPct val="100000"/>
       </a:lnSpc>
@@ -552,7 +574,7 @@
         <a:srgbClr val="000000"/>
       </a:buClr>
       <a:buFont typeface="Arial"/>
-      <a:defRPr b="0" i="0" sz="1400" u="none" cap="none" strike="noStrike">
+      <a:defRPr sz="1400" b="0" i="0" u="none" strike="noStrike" cap="none">
         <a:solidFill>
           <a:srgbClr val="000000"/>
         </a:solidFill>
@@ -562,7 +584,7 @@
         <a:sym typeface="Arial"/>
       </a:defRPr>
     </a:lvl3pPr>
-    <a:lvl4pPr lvl="3" marR="0" rtl="0" algn="l">
+    <a:lvl4pPr marR="0" lvl="3" algn="l" rtl="0">
       <a:lnSpc>
         <a:spcPct val="100000"/>
       </a:lnSpc>
@@ -576,7 +598,7 @@
         <a:srgbClr val="000000"/>
       </a:buClr>
       <a:buFont typeface="Arial"/>
-      <a:defRPr b="0" i="0" sz="1400" u="none" cap="none" strike="noStrike">
+      <a:defRPr sz="1400" b="0" i="0" u="none" strike="noStrike" cap="none">
         <a:solidFill>
           <a:srgbClr val="000000"/>
         </a:solidFill>
@@ -586,7 +608,7 @@
         <a:sym typeface="Arial"/>
       </a:defRPr>
     </a:lvl4pPr>
-    <a:lvl5pPr lvl="4" marR="0" rtl="0" algn="l">
+    <a:lvl5pPr marR="0" lvl="4" algn="l" rtl="0">
       <a:lnSpc>
         <a:spcPct val="100000"/>
       </a:lnSpc>
@@ -600,7 +622,7 @@
         <a:srgbClr val="000000"/>
       </a:buClr>
       <a:buFont typeface="Arial"/>
-      <a:defRPr b="0" i="0" sz="1400" u="none" cap="none" strike="noStrike">
+      <a:defRPr sz="1400" b="0" i="0" u="none" strike="noStrike" cap="none">
         <a:solidFill>
           <a:srgbClr val="000000"/>
         </a:solidFill>
@@ -610,7 +632,7 @@
         <a:sym typeface="Arial"/>
       </a:defRPr>
     </a:lvl5pPr>
-    <a:lvl6pPr lvl="5" marR="0" rtl="0" algn="l">
+    <a:lvl6pPr marR="0" lvl="5" algn="l" rtl="0">
       <a:lnSpc>
         <a:spcPct val="100000"/>
       </a:lnSpc>
@@ -624,7 +646,7 @@
         <a:srgbClr val="000000"/>
       </a:buClr>
       <a:buFont typeface="Arial"/>
-      <a:defRPr b="0" i="0" sz="1400" u="none" cap="none" strike="noStrike">
+      <a:defRPr sz="1400" b="0" i="0" u="none" strike="noStrike" cap="none">
         <a:solidFill>
           <a:srgbClr val="000000"/>
         </a:solidFill>
@@ -634,7 +656,7 @@
         <a:sym typeface="Arial"/>
       </a:defRPr>
     </a:lvl6pPr>
-    <a:lvl7pPr lvl="6" marR="0" rtl="0" algn="l">
+    <a:lvl7pPr marR="0" lvl="6" algn="l" rtl="0">
       <a:lnSpc>
         <a:spcPct val="100000"/>
       </a:lnSpc>
@@ -648,7 +670,7 @@
         <a:srgbClr val="000000"/>
       </a:buClr>
       <a:buFont typeface="Arial"/>
-      <a:defRPr b="0" i="0" sz="1400" u="none" cap="none" strike="noStrike">
+      <a:defRPr sz="1400" b="0" i="0" u="none" strike="noStrike" cap="none">
         <a:solidFill>
           <a:srgbClr val="000000"/>
         </a:solidFill>
@@ -658,7 +680,7 @@
         <a:sym typeface="Arial"/>
       </a:defRPr>
     </a:lvl7pPr>
-    <a:lvl8pPr lvl="7" marR="0" rtl="0" algn="l">
+    <a:lvl8pPr marR="0" lvl="7" algn="l" rtl="0">
       <a:lnSpc>
         <a:spcPct val="100000"/>
       </a:lnSpc>
@@ -672,7 +694,7 @@
         <a:srgbClr val="000000"/>
       </a:buClr>
       <a:buFont typeface="Arial"/>
-      <a:defRPr b="0" i="0" sz="1400" u="none" cap="none" strike="noStrike">
+      <a:defRPr sz="1400" b="0" i="0" u="none" strike="noStrike" cap="none">
         <a:solidFill>
           <a:srgbClr val="000000"/>
         </a:solidFill>
@@ -682,7 +704,7 @@
         <a:sym typeface="Arial"/>
       </a:defRPr>
     </a:lvl8pPr>
-    <a:lvl9pPr lvl="8" marR="0" rtl="0" algn="l">
+    <a:lvl9pPr marR="0" lvl="8" algn="l" rtl="0">
       <a:lnSpc>
         <a:spcPct val="100000"/>
       </a:lnSpc>
@@ -696,7 +718,7 @@
         <a:srgbClr val="000000"/>
       </a:buClr>
       <a:buFont typeface="Arial"/>
-      <a:defRPr b="0" i="0" sz="1400" u="none" cap="none" strike="noStrike">
+      <a:defRPr sz="1400" b="0" i="0" u="none" strike="noStrike" cap="none">
         <a:solidFill>
           <a:srgbClr val="000000"/>
         </a:solidFill>
@@ -711,11 +733,11 @@
 </file>
 
 <file path=ppt/notesSlides/notesSlide1.xml><?xml version="1.0" encoding="utf-8"?>
-<p:notes xmlns:a="http://schemas.openxmlformats.org/drawingml/2006/main" xmlns:r="http://schemas.openxmlformats.org/officeDocument/2006/relationships" xmlns:mc="http://schemas.openxmlformats.org/markup-compatibility/2006" xmlns:mv="urn:schemas-microsoft-com:mac:vml" xmlns:p="http://schemas.openxmlformats.org/presentationml/2006/main" xmlns:c="http://schemas.openxmlformats.org/drawingml/2006/chart" xmlns:dgm="http://schemas.openxmlformats.org/drawingml/2006/diagram" xmlns:o="urn:schemas-microsoft-com:office:office" xmlns:v="urn:schemas-microsoft-com:vml" xmlns:pvml="urn:schemas-microsoft-com:office:powerpoint" xmlns:com="http://schemas.openxmlformats.org/drawingml/2006/compatibility" xmlns:p14="http://schemas.microsoft.com/office/powerpoint/2010/main" xmlns:p15="http://schemas.microsoft.com/office/powerpoint/2012/main" showMasterPhAnim="0" showMasterSp="0">
+<p:notes xmlns:a="http://schemas.openxmlformats.org/drawingml/2006/main" xmlns:r="http://schemas.openxmlformats.org/officeDocument/2006/relationships" xmlns:p="http://schemas.openxmlformats.org/presentationml/2006/main" showMasterSp="0" showMasterPhAnim="0">
   <p:cSld>
     <p:spTree>
       <p:nvGrpSpPr>
-        <p:cNvPr id="114" name="Shape 114"/>
+        <p:cNvPr id="1" name="Shape 114"/>
         <p:cNvGrpSpPr/>
         <p:nvPr/>
       </p:nvGrpSpPr>
@@ -747,12 +769,12 @@
           </a:ln>
         </p:spPr>
         <p:txBody>
-          <a:bodyPr anchorCtr="0" anchor="b" bIns="45700" lIns="91425" spcFirstLastPara="1" rIns="91425" wrap="square" tIns="45700">
+          <a:bodyPr spcFirstLastPara="1" wrap="square" lIns="91425" tIns="45700" rIns="91425" bIns="45700" anchor="b" anchorCtr="0">
             <a:noAutofit/>
           </a:bodyPr>
           <a:lstStyle/>
           <a:p>
-            <a:pPr indent="0" lvl="0" marL="0" marR="0" rtl="0" algn="r">
+            <a:pPr marL="0" marR="0" lvl="0" indent="0" algn="r" rtl="0">
               <a:spcBef>
                 <a:spcPts val="0"/>
               </a:spcBef>
@@ -771,7 +793,7 @@
                 <a:cs typeface="Calibri"/>
                 <a:sym typeface="Calibri"/>
               </a:rPr>
-              <a:t>‹#›</a:t>
+              <a:t>1</a:t>
             </a:fld>
             <a:endParaRPr sz="1200">
               <a:solidFill>
@@ -805,12 +827,12 @@
           </a:ln>
         </p:spPr>
         <p:txBody>
-          <a:bodyPr anchorCtr="0" anchor="b" bIns="47400" lIns="94800" spcFirstLastPara="1" rIns="94800" wrap="square" tIns="47400">
+          <a:bodyPr spcFirstLastPara="1" wrap="square" lIns="94800" tIns="47400" rIns="94800" bIns="47400" anchor="b" anchorCtr="0">
             <a:noAutofit/>
           </a:bodyPr>
           <a:lstStyle/>
           <a:p>
-            <a:pPr indent="0" lvl="0" marL="0" marR="0" rtl="0" algn="r">
+            <a:pPr marL="0" marR="0" lvl="0" indent="0" algn="r" rtl="0">
               <a:spcBef>
                 <a:spcPts val="0"/>
               </a:spcBef>
@@ -829,7 +851,7 @@
                 <a:cs typeface="Calibri"/>
                 <a:sym typeface="Calibri"/>
               </a:rPr>
-              <a:t>‹#›</a:t>
+              <a:t>1</a:t>
             </a:fld>
             <a:endParaRPr sz="1300">
               <a:solidFill>
@@ -846,9 +868,11 @@
       <p:sp>
         <p:nvSpPr>
           <p:cNvPr id="117" name="Google Shape;117;g7a9d52cbb8_2_66:notes"/>
-          <p:cNvSpPr/>
+          <p:cNvSpPr>
+            <a:spLocks noGrp="1" noRot="1" noChangeAspect="1"/>
+          </p:cNvSpPr>
           <p:nvPr>
-            <p:ph idx="2" type="sldImg"/>
+            <p:ph type="sldImg" idx="2"/>
           </p:nvPr>
         </p:nvSpPr>
         <p:spPr>
@@ -857,9 +881,13 @@
             <a:ext cx="6808300" cy="3430650"/>
           </a:xfrm>
           <a:custGeom>
-            <a:rect b="b" l="l" r="r" t="t"/>
+            <a:avLst/>
+            <a:gdLst/>
+            <a:ahLst/>
+            <a:cxnLst/>
+            <a:rect l="l" t="t" r="r" b="b"/>
             <a:pathLst>
-              <a:path extrusionOk="0" h="120000" w="120000">
+              <a:path w="120000" h="120000" extrusionOk="0">
                 <a:moveTo>
                   <a:pt x="0" y="0"/>
                 </a:moveTo>
@@ -885,9 +913,11 @@
       <p:sp>
         <p:nvSpPr>
           <p:cNvPr id="118" name="Google Shape;118;g7a9d52cbb8_2_66:notes"/>
-          <p:cNvSpPr txBox="1"/>
+          <p:cNvSpPr txBox="1">
+            <a:spLocks noGrp="1"/>
+          </p:cNvSpPr>
           <p:nvPr>
-            <p:ph idx="1" type="body"/>
+            <p:ph type="body" idx="1"/>
           </p:nvPr>
         </p:nvSpPr>
         <p:spPr>
@@ -904,12 +934,12 @@
           </a:ln>
         </p:spPr>
         <p:txBody>
-          <a:bodyPr anchorCtr="0" anchor="t" bIns="47400" lIns="94800" spcFirstLastPara="1" rIns="94800" wrap="square" tIns="47400">
+          <a:bodyPr spcFirstLastPara="1" wrap="square" lIns="94800" tIns="47400" rIns="94800" bIns="47400" anchor="t" anchorCtr="0">
             <a:noAutofit/>
           </a:bodyPr>
           <a:lstStyle/>
           <a:p>
-            <a:pPr indent="0" lvl="0" marL="0" rtl="0" algn="l">
+            <a:pPr marL="0" lvl="0" indent="0" algn="l" rtl="0">
               <a:spcBef>
                 <a:spcPts val="0"/>
               </a:spcBef>
@@ -918,9 +948,6 @@
               </a:spcAft>
               <a:buNone/>
             </a:pPr>
-            <a:r>
-              <a:t/>
-            </a:r>
             <a:endParaRPr/>
           </a:p>
         </p:txBody>
@@ -934,11 +961,11 @@
 </file>
 
 <file path=ppt/notesSlides/notesSlide2.xml><?xml version="1.0" encoding="utf-8"?>
-<p:notes xmlns:a="http://schemas.openxmlformats.org/drawingml/2006/main" xmlns:r="http://schemas.openxmlformats.org/officeDocument/2006/relationships" xmlns:mc="http://schemas.openxmlformats.org/markup-compatibility/2006" xmlns:mv="urn:schemas-microsoft-com:mac:vml" xmlns:p="http://schemas.openxmlformats.org/presentationml/2006/main" xmlns:c="http://schemas.openxmlformats.org/drawingml/2006/chart" xmlns:dgm="http://schemas.openxmlformats.org/drawingml/2006/diagram" xmlns:o="urn:schemas-microsoft-com:office:office" xmlns:v="urn:schemas-microsoft-com:vml" xmlns:pvml="urn:schemas-microsoft-com:office:powerpoint" xmlns:com="http://schemas.openxmlformats.org/drawingml/2006/compatibility" xmlns:p14="http://schemas.microsoft.com/office/powerpoint/2010/main" xmlns:p15="http://schemas.microsoft.com/office/powerpoint/2012/main" showMasterPhAnim="0" showMasterSp="0">
+<p:notes xmlns:a="http://schemas.openxmlformats.org/drawingml/2006/main" xmlns:r="http://schemas.openxmlformats.org/officeDocument/2006/relationships" xmlns:p="http://schemas.openxmlformats.org/presentationml/2006/main" showMasterSp="0" showMasterPhAnim="0">
   <p:cSld>
     <p:spTree>
       <p:nvGrpSpPr>
-        <p:cNvPr id="122" name="Shape 122"/>
+        <p:cNvPr id="1" name="Shape 122"/>
         <p:cNvGrpSpPr/>
         <p:nvPr/>
       </p:nvGrpSpPr>
@@ -953,9 +980,11 @@
       <p:sp>
         <p:nvSpPr>
           <p:cNvPr id="123" name="Google Shape;123;g7a9d52cbb8_2_145:notes"/>
-          <p:cNvSpPr/>
+          <p:cNvSpPr>
+            <a:spLocks noGrp="1" noRot="1" noChangeAspect="1"/>
+          </p:cNvSpPr>
           <p:nvPr>
-            <p:ph idx="2" type="sldImg"/>
+            <p:ph type="sldImg" idx="2"/>
           </p:nvPr>
         </p:nvSpPr>
         <p:spPr>
@@ -964,9 +993,13 @@
             <a:ext cx="6806667" cy="3429187"/>
           </a:xfrm>
           <a:custGeom>
-            <a:rect b="b" l="l" r="r" t="t"/>
+            <a:avLst/>
+            <a:gdLst/>
+            <a:ahLst/>
+            <a:cxnLst/>
+            <a:rect l="l" t="t" r="r" b="b"/>
             <a:pathLst>
-              <a:path extrusionOk="0" h="120000" w="120000">
+              <a:path w="120000" h="120000" extrusionOk="0">
                 <a:moveTo>
                   <a:pt x="0" y="0"/>
                 </a:moveTo>
@@ -984,23 +1017,25 @@
             </a:pathLst>
           </a:custGeom>
           <a:noFill/>
-          <a:ln cap="flat" cmpd="sng" w="12700">
+          <a:ln w="12700" cap="flat" cmpd="sng">
             <a:solidFill>
               <a:srgbClr val="000000"/>
             </a:solidFill>
             <a:prstDash val="solid"/>
             <a:round/>
-            <a:headEnd len="sm" w="sm" type="none"/>
-            <a:tailEnd len="sm" w="sm" type="none"/>
+            <a:headEnd type="none" w="sm" len="sm"/>
+            <a:tailEnd type="none" w="sm" len="sm"/>
           </a:ln>
         </p:spPr>
       </p:sp>
       <p:sp>
         <p:nvSpPr>
           <p:cNvPr id="124" name="Google Shape;124;g7a9d52cbb8_2_145:notes"/>
-          <p:cNvSpPr txBox="1"/>
+          <p:cNvSpPr txBox="1">
+            <a:spLocks noGrp="1"/>
+          </p:cNvSpPr>
           <p:nvPr>
-            <p:ph idx="1" type="body"/>
+            <p:ph type="body" idx="1"/>
           </p:nvPr>
         </p:nvSpPr>
         <p:spPr>
@@ -1017,12 +1052,12 @@
           </a:ln>
         </p:spPr>
         <p:txBody>
-          <a:bodyPr anchorCtr="0" anchor="t" bIns="45700" lIns="91425" spcFirstLastPara="1" rIns="91425" wrap="square" tIns="45700">
+          <a:bodyPr spcFirstLastPara="1" wrap="square" lIns="91425" tIns="45700" rIns="91425" bIns="45700" anchor="t" anchorCtr="0">
             <a:noAutofit/>
           </a:bodyPr>
           <a:lstStyle/>
           <a:p>
-            <a:pPr indent="0" lvl="0" marL="0" rtl="0" algn="l">
+            <a:pPr marL="0" lvl="0" indent="0" algn="l" rtl="0">
               <a:spcBef>
                 <a:spcPts val="0"/>
               </a:spcBef>
@@ -1031,9 +1066,6 @@
               </a:spcAft>
               <a:buNone/>
             </a:pPr>
-            <a:r>
-              <a:t/>
-            </a:r>
             <a:endParaRPr/>
           </a:p>
         </p:txBody>
@@ -1041,9 +1073,11 @@
       <p:sp>
         <p:nvSpPr>
           <p:cNvPr id="125" name="Google Shape;125;g7a9d52cbb8_2_145:notes"/>
-          <p:cNvSpPr txBox="1"/>
+          <p:cNvSpPr txBox="1">
+            <a:spLocks noGrp="1"/>
+          </p:cNvSpPr>
           <p:nvPr>
-            <p:ph idx="12" type="sldNum"/>
+            <p:ph type="sldNum" idx="12"/>
           </p:nvPr>
         </p:nvSpPr>
         <p:spPr>
@@ -1060,12 +1094,12 @@
           </a:ln>
         </p:spPr>
         <p:txBody>
-          <a:bodyPr anchorCtr="0" anchor="b" bIns="45700" lIns="91425" spcFirstLastPara="1" rIns="91425" wrap="square" tIns="45700">
+          <a:bodyPr spcFirstLastPara="1" wrap="square" lIns="91425" tIns="45700" rIns="91425" bIns="45700" anchor="b" anchorCtr="0">
             <a:noAutofit/>
           </a:bodyPr>
           <a:lstStyle/>
           <a:p>
-            <a:pPr indent="0" lvl="0" marL="0" rtl="0" algn="r">
+            <a:pPr marL="0" lvl="0" indent="0" algn="r" rtl="0">
               <a:spcBef>
                 <a:spcPts val="0"/>
               </a:spcBef>
@@ -1076,7 +1110,7 @@
             </a:pPr>
             <a:fld id="{00000000-1234-1234-1234-123412341234}" type="slidenum">
               <a:rPr lang="en"/>
-              <a:t>‹#›</a:t>
+              <a:t>2</a:t>
             </a:fld>
             <a:endParaRPr/>
           </a:p>
@@ -1091,11 +1125,11 @@
 </file>
 
 <file path=ppt/notesSlides/notesSlide3.xml><?xml version="1.0" encoding="utf-8"?>
-<p:notes xmlns:a="http://schemas.openxmlformats.org/drawingml/2006/main" xmlns:r="http://schemas.openxmlformats.org/officeDocument/2006/relationships" xmlns:mc="http://schemas.openxmlformats.org/markup-compatibility/2006" xmlns:mv="urn:schemas-microsoft-com:mac:vml" xmlns:p="http://schemas.openxmlformats.org/presentationml/2006/main" xmlns:c="http://schemas.openxmlformats.org/drawingml/2006/chart" xmlns:dgm="http://schemas.openxmlformats.org/drawingml/2006/diagram" xmlns:o="urn:schemas-microsoft-com:office:office" xmlns:v="urn:schemas-microsoft-com:vml" xmlns:pvml="urn:schemas-microsoft-com:office:powerpoint" xmlns:com="http://schemas.openxmlformats.org/drawingml/2006/compatibility" xmlns:p14="http://schemas.microsoft.com/office/powerpoint/2010/main" xmlns:p15="http://schemas.microsoft.com/office/powerpoint/2012/main" showMasterPhAnim="0" showMasterSp="0">
+<p:notes xmlns:a="http://schemas.openxmlformats.org/drawingml/2006/main" xmlns:r="http://schemas.openxmlformats.org/officeDocument/2006/relationships" xmlns:p="http://schemas.openxmlformats.org/presentationml/2006/main" showMasterSp="0" showMasterPhAnim="0">
   <p:cSld>
     <p:spTree>
       <p:nvGrpSpPr>
-        <p:cNvPr id="130" name="Shape 130"/>
+        <p:cNvPr id="1" name="Shape 130"/>
         <p:cNvGrpSpPr/>
         <p:nvPr/>
       </p:nvGrpSpPr>
@@ -1110,9 +1144,11 @@
       <p:sp>
         <p:nvSpPr>
           <p:cNvPr id="131" name="Google Shape;131;g7a9d52cbb8_2_159:notes"/>
-          <p:cNvSpPr/>
+          <p:cNvSpPr>
+            <a:spLocks noGrp="1" noRot="1" noChangeAspect="1"/>
+          </p:cNvSpPr>
           <p:nvPr>
-            <p:ph idx="2" type="sldImg"/>
+            <p:ph type="sldImg" idx="2"/>
           </p:nvPr>
         </p:nvSpPr>
         <p:spPr>
@@ -1121,9 +1157,13 @@
             <a:ext cx="6806667" cy="3429187"/>
           </a:xfrm>
           <a:custGeom>
-            <a:rect b="b" l="l" r="r" t="t"/>
+            <a:avLst/>
+            <a:gdLst/>
+            <a:ahLst/>
+            <a:cxnLst/>
+            <a:rect l="l" t="t" r="r" b="b"/>
             <a:pathLst>
-              <a:path extrusionOk="0" h="120000" w="120000">
+              <a:path w="120000" h="120000" extrusionOk="0">
                 <a:moveTo>
                   <a:pt x="0" y="0"/>
                 </a:moveTo>
@@ -1141,23 +1181,25 @@
             </a:pathLst>
           </a:custGeom>
           <a:noFill/>
-          <a:ln cap="flat" cmpd="sng" w="12700">
+          <a:ln w="12700" cap="flat" cmpd="sng">
             <a:solidFill>
               <a:srgbClr val="000000"/>
             </a:solidFill>
             <a:prstDash val="solid"/>
             <a:round/>
-            <a:headEnd len="sm" w="sm" type="none"/>
-            <a:tailEnd len="sm" w="sm" type="none"/>
+            <a:headEnd type="none" w="sm" len="sm"/>
+            <a:tailEnd type="none" w="sm" len="sm"/>
           </a:ln>
         </p:spPr>
       </p:sp>
       <p:sp>
         <p:nvSpPr>
           <p:cNvPr id="132" name="Google Shape;132;g7a9d52cbb8_2_159:notes"/>
-          <p:cNvSpPr txBox="1"/>
+          <p:cNvSpPr txBox="1">
+            <a:spLocks noGrp="1"/>
+          </p:cNvSpPr>
           <p:nvPr>
-            <p:ph idx="1" type="body"/>
+            <p:ph type="body" idx="1"/>
           </p:nvPr>
         </p:nvSpPr>
         <p:spPr>
@@ -1174,12 +1216,12 @@
           </a:ln>
         </p:spPr>
         <p:txBody>
-          <a:bodyPr anchorCtr="0" anchor="t" bIns="45700" lIns="91425" spcFirstLastPara="1" rIns="91425" wrap="square" tIns="45700">
+          <a:bodyPr spcFirstLastPara="1" wrap="square" lIns="91425" tIns="45700" rIns="91425" bIns="45700" anchor="t" anchorCtr="0">
             <a:noAutofit/>
           </a:bodyPr>
           <a:lstStyle/>
           <a:p>
-            <a:pPr indent="0" lvl="0" marL="0" rtl="0" algn="l">
+            <a:pPr marL="0" lvl="0" indent="0" algn="l" rtl="0">
               <a:spcBef>
                 <a:spcPts val="0"/>
               </a:spcBef>
@@ -1188,9 +1230,6 @@
               </a:spcAft>
               <a:buNone/>
             </a:pPr>
-            <a:r>
-              <a:t/>
-            </a:r>
             <a:endParaRPr/>
           </a:p>
         </p:txBody>
@@ -1198,9 +1237,11 @@
       <p:sp>
         <p:nvSpPr>
           <p:cNvPr id="133" name="Google Shape;133;g7a9d52cbb8_2_159:notes"/>
-          <p:cNvSpPr txBox="1"/>
+          <p:cNvSpPr txBox="1">
+            <a:spLocks noGrp="1"/>
+          </p:cNvSpPr>
           <p:nvPr>
-            <p:ph idx="12" type="sldNum"/>
+            <p:ph type="sldNum" idx="12"/>
           </p:nvPr>
         </p:nvSpPr>
         <p:spPr>
@@ -1217,12 +1258,12 @@
           </a:ln>
         </p:spPr>
         <p:txBody>
-          <a:bodyPr anchorCtr="0" anchor="b" bIns="45700" lIns="91425" spcFirstLastPara="1" rIns="91425" wrap="square" tIns="45700">
+          <a:bodyPr spcFirstLastPara="1" wrap="square" lIns="91425" tIns="45700" rIns="91425" bIns="45700" anchor="b" anchorCtr="0">
             <a:noAutofit/>
           </a:bodyPr>
           <a:lstStyle/>
           <a:p>
-            <a:pPr indent="0" lvl="0" marL="0" rtl="0" algn="r">
+            <a:pPr marL="0" lvl="0" indent="0" algn="r" rtl="0">
               <a:spcBef>
                 <a:spcPts val="0"/>
               </a:spcBef>
@@ -1233,7 +1274,7 @@
             </a:pPr>
             <a:fld id="{00000000-1234-1234-1234-123412341234}" type="slidenum">
               <a:rPr lang="en"/>
-              <a:t>‹#›</a:t>
+              <a:t>3</a:t>
             </a:fld>
             <a:endParaRPr/>
           </a:p>
@@ -1248,11 +1289,11 @@
 </file>
 
 <file path=ppt/notesSlides/notesSlide4.xml><?xml version="1.0" encoding="utf-8"?>
-<p:notes xmlns:a="http://schemas.openxmlformats.org/drawingml/2006/main" xmlns:r="http://schemas.openxmlformats.org/officeDocument/2006/relationships" xmlns:mc="http://schemas.openxmlformats.org/markup-compatibility/2006" xmlns:mv="urn:schemas-microsoft-com:mac:vml" xmlns:p="http://schemas.openxmlformats.org/presentationml/2006/main" xmlns:c="http://schemas.openxmlformats.org/drawingml/2006/chart" xmlns:dgm="http://schemas.openxmlformats.org/drawingml/2006/diagram" xmlns:o="urn:schemas-microsoft-com:office:office" xmlns:v="urn:schemas-microsoft-com:vml" xmlns:pvml="urn:schemas-microsoft-com:office:powerpoint" xmlns:com="http://schemas.openxmlformats.org/drawingml/2006/compatibility" xmlns:p14="http://schemas.microsoft.com/office/powerpoint/2010/main" xmlns:p15="http://schemas.microsoft.com/office/powerpoint/2012/main" showMasterPhAnim="0" showMasterSp="0">
+<p:notes xmlns:a="http://schemas.openxmlformats.org/drawingml/2006/main" xmlns:r="http://schemas.openxmlformats.org/officeDocument/2006/relationships" xmlns:p="http://schemas.openxmlformats.org/presentationml/2006/main" showMasterSp="0" showMasterPhAnim="0">
   <p:cSld>
     <p:spTree>
       <p:nvGrpSpPr>
-        <p:cNvPr id="138" name="Shape 138"/>
+        <p:cNvPr id="1" name="Shape 138"/>
         <p:cNvGrpSpPr/>
         <p:nvPr/>
       </p:nvGrpSpPr>
@@ -1267,9 +1308,11 @@
       <p:sp>
         <p:nvSpPr>
           <p:cNvPr id="139" name="Google Shape;139;g7a9d52cbb8_2_229:notes"/>
-          <p:cNvSpPr/>
+          <p:cNvSpPr>
+            <a:spLocks noGrp="1" noRot="1" noChangeAspect="1"/>
+          </p:cNvSpPr>
           <p:nvPr>
-            <p:ph idx="2" type="sldImg"/>
+            <p:ph type="sldImg" idx="2"/>
           </p:nvPr>
         </p:nvSpPr>
         <p:spPr>
@@ -1278,9 +1321,13 @@
             <a:ext cx="6806667" cy="3429187"/>
           </a:xfrm>
           <a:custGeom>
-            <a:rect b="b" l="l" r="r" t="t"/>
+            <a:avLst/>
+            <a:gdLst/>
+            <a:ahLst/>
+            <a:cxnLst/>
+            <a:rect l="l" t="t" r="r" b="b"/>
             <a:pathLst>
-              <a:path extrusionOk="0" h="120000" w="120000">
+              <a:path w="120000" h="120000" extrusionOk="0">
                 <a:moveTo>
                   <a:pt x="0" y="0"/>
                 </a:moveTo>
@@ -1298,23 +1345,25 @@
             </a:pathLst>
           </a:custGeom>
           <a:noFill/>
-          <a:ln cap="flat" cmpd="sng" w="12700">
+          <a:ln w="12700" cap="flat" cmpd="sng">
             <a:solidFill>
               <a:srgbClr val="000000"/>
             </a:solidFill>
             <a:prstDash val="solid"/>
             <a:round/>
-            <a:headEnd len="sm" w="sm" type="none"/>
-            <a:tailEnd len="sm" w="sm" type="none"/>
+            <a:headEnd type="none" w="sm" len="sm"/>
+            <a:tailEnd type="none" w="sm" len="sm"/>
           </a:ln>
         </p:spPr>
       </p:sp>
       <p:sp>
         <p:nvSpPr>
           <p:cNvPr id="140" name="Google Shape;140;g7a9d52cbb8_2_229:notes"/>
-          <p:cNvSpPr txBox="1"/>
+          <p:cNvSpPr txBox="1">
+            <a:spLocks noGrp="1"/>
+          </p:cNvSpPr>
           <p:nvPr>
-            <p:ph idx="1" type="body"/>
+            <p:ph type="body" idx="1"/>
           </p:nvPr>
         </p:nvSpPr>
         <p:spPr>
@@ -1331,12 +1380,12 @@
           </a:ln>
         </p:spPr>
         <p:txBody>
-          <a:bodyPr anchorCtr="0" anchor="t" bIns="45700" lIns="91425" spcFirstLastPara="1" rIns="91425" wrap="square" tIns="45700">
+          <a:bodyPr spcFirstLastPara="1" wrap="square" lIns="91425" tIns="45700" rIns="91425" bIns="45700" anchor="t" anchorCtr="0">
             <a:noAutofit/>
           </a:bodyPr>
           <a:lstStyle/>
           <a:p>
-            <a:pPr indent="0" lvl="0" marL="0" rtl="0" algn="l">
+            <a:pPr marL="0" lvl="0" indent="0" algn="l" rtl="0">
               <a:spcBef>
                 <a:spcPts val="0"/>
               </a:spcBef>
@@ -1345,9 +1394,6 @@
               </a:spcAft>
               <a:buNone/>
             </a:pPr>
-            <a:r>
-              <a:t/>
-            </a:r>
             <a:endParaRPr/>
           </a:p>
         </p:txBody>
@@ -1355,9 +1401,11 @@
       <p:sp>
         <p:nvSpPr>
           <p:cNvPr id="141" name="Google Shape;141;g7a9d52cbb8_2_229:notes"/>
-          <p:cNvSpPr txBox="1"/>
+          <p:cNvSpPr txBox="1">
+            <a:spLocks noGrp="1"/>
+          </p:cNvSpPr>
           <p:nvPr>
-            <p:ph idx="12" type="sldNum"/>
+            <p:ph type="sldNum" idx="12"/>
           </p:nvPr>
         </p:nvSpPr>
         <p:spPr>
@@ -1374,12 +1422,12 @@
           </a:ln>
         </p:spPr>
         <p:txBody>
-          <a:bodyPr anchorCtr="0" anchor="b" bIns="45700" lIns="91425" spcFirstLastPara="1" rIns="91425" wrap="square" tIns="45700">
+          <a:bodyPr spcFirstLastPara="1" wrap="square" lIns="91425" tIns="45700" rIns="91425" bIns="45700" anchor="b" anchorCtr="0">
             <a:noAutofit/>
           </a:bodyPr>
           <a:lstStyle/>
           <a:p>
-            <a:pPr indent="0" lvl="0" marL="0" rtl="0" algn="r">
+            <a:pPr marL="0" lvl="0" indent="0" algn="r" rtl="0">
               <a:spcBef>
                 <a:spcPts val="0"/>
               </a:spcBef>
@@ -1390,7 +1438,7 @@
             </a:pPr>
             <a:fld id="{00000000-1234-1234-1234-123412341234}" type="slidenum">
               <a:rPr lang="en"/>
-              <a:t>‹#›</a:t>
+              <a:t>4</a:t>
             </a:fld>
             <a:endParaRPr/>
           </a:p>
@@ -1405,11 +1453,11 @@
 </file>
 
 <file path=ppt/notesSlides/notesSlide5.xml><?xml version="1.0" encoding="utf-8"?>
-<p:notes xmlns:a="http://schemas.openxmlformats.org/drawingml/2006/main" xmlns:r="http://schemas.openxmlformats.org/officeDocument/2006/relationships" xmlns:mc="http://schemas.openxmlformats.org/markup-compatibility/2006" xmlns:mv="urn:schemas-microsoft-com:mac:vml" xmlns:p="http://schemas.openxmlformats.org/presentationml/2006/main" xmlns:c="http://schemas.openxmlformats.org/drawingml/2006/chart" xmlns:dgm="http://schemas.openxmlformats.org/drawingml/2006/diagram" xmlns:o="urn:schemas-microsoft-com:office:office" xmlns:v="urn:schemas-microsoft-com:vml" xmlns:pvml="urn:schemas-microsoft-com:office:powerpoint" xmlns:com="http://schemas.openxmlformats.org/drawingml/2006/compatibility" xmlns:p14="http://schemas.microsoft.com/office/powerpoint/2010/main" xmlns:p15="http://schemas.microsoft.com/office/powerpoint/2012/main" showMasterPhAnim="0" showMasterSp="0">
+<p:notes xmlns:a="http://schemas.openxmlformats.org/drawingml/2006/main" xmlns:r="http://schemas.openxmlformats.org/officeDocument/2006/relationships" xmlns:p="http://schemas.openxmlformats.org/presentationml/2006/main" showMasterSp="0" showMasterPhAnim="0">
   <p:cSld>
     <p:spTree>
       <p:nvGrpSpPr>
-        <p:cNvPr id="147" name="Shape 147"/>
+        <p:cNvPr id="1" name="Shape 147"/>
         <p:cNvGrpSpPr/>
         <p:nvPr/>
       </p:nvGrpSpPr>
@@ -1424,9 +1472,11 @@
       <p:sp>
         <p:nvSpPr>
           <p:cNvPr id="148" name="Google Shape;148;g7a9d52cbb8_2_237:notes"/>
-          <p:cNvSpPr/>
+          <p:cNvSpPr>
+            <a:spLocks noGrp="1" noRot="1" noChangeAspect="1"/>
+          </p:cNvSpPr>
           <p:nvPr>
-            <p:ph idx="2" type="sldImg"/>
+            <p:ph type="sldImg" idx="2"/>
           </p:nvPr>
         </p:nvSpPr>
         <p:spPr>
@@ -1435,9 +1485,13 @@
             <a:ext cx="6806667" cy="3429187"/>
           </a:xfrm>
           <a:custGeom>
-            <a:rect b="b" l="l" r="r" t="t"/>
+            <a:avLst/>
+            <a:gdLst/>
+            <a:ahLst/>
+            <a:cxnLst/>
+            <a:rect l="l" t="t" r="r" b="b"/>
             <a:pathLst>
-              <a:path extrusionOk="0" h="120000" w="120000">
+              <a:path w="120000" h="120000" extrusionOk="0">
                 <a:moveTo>
                   <a:pt x="0" y="0"/>
                 </a:moveTo>
@@ -1455,23 +1509,25 @@
             </a:pathLst>
           </a:custGeom>
           <a:noFill/>
-          <a:ln cap="flat" cmpd="sng" w="12700">
+          <a:ln w="12700" cap="flat" cmpd="sng">
             <a:solidFill>
               <a:srgbClr val="000000"/>
             </a:solidFill>
             <a:prstDash val="solid"/>
             <a:round/>
-            <a:headEnd len="sm" w="sm" type="none"/>
-            <a:tailEnd len="sm" w="sm" type="none"/>
+            <a:headEnd type="none" w="sm" len="sm"/>
+            <a:tailEnd type="none" w="sm" len="sm"/>
           </a:ln>
         </p:spPr>
       </p:sp>
       <p:sp>
         <p:nvSpPr>
           <p:cNvPr id="149" name="Google Shape;149;g7a9d52cbb8_2_237:notes"/>
-          <p:cNvSpPr txBox="1"/>
+          <p:cNvSpPr txBox="1">
+            <a:spLocks noGrp="1"/>
+          </p:cNvSpPr>
           <p:nvPr>
-            <p:ph idx="1" type="body"/>
+            <p:ph type="body" idx="1"/>
           </p:nvPr>
         </p:nvSpPr>
         <p:spPr>
@@ -1488,12 +1544,12 @@
           </a:ln>
         </p:spPr>
         <p:txBody>
-          <a:bodyPr anchorCtr="0" anchor="t" bIns="45700" lIns="91425" spcFirstLastPara="1" rIns="91425" wrap="square" tIns="45700">
+          <a:bodyPr spcFirstLastPara="1" wrap="square" lIns="91425" tIns="45700" rIns="91425" bIns="45700" anchor="t" anchorCtr="0">
             <a:noAutofit/>
           </a:bodyPr>
           <a:lstStyle/>
           <a:p>
-            <a:pPr indent="0" lvl="0" marL="0" rtl="0" algn="l">
+            <a:pPr marL="0" lvl="0" indent="0" algn="l" rtl="0">
               <a:spcBef>
                 <a:spcPts val="0"/>
               </a:spcBef>
@@ -1502,9 +1558,6 @@
               </a:spcAft>
               <a:buNone/>
             </a:pPr>
-            <a:r>
-              <a:t/>
-            </a:r>
             <a:endParaRPr/>
           </a:p>
         </p:txBody>
@@ -1512,9 +1565,11 @@
       <p:sp>
         <p:nvSpPr>
           <p:cNvPr id="150" name="Google Shape;150;g7a9d52cbb8_2_237:notes"/>
-          <p:cNvSpPr txBox="1"/>
+          <p:cNvSpPr txBox="1">
+            <a:spLocks noGrp="1"/>
+          </p:cNvSpPr>
           <p:nvPr>
-            <p:ph idx="12" type="sldNum"/>
+            <p:ph type="sldNum" idx="12"/>
           </p:nvPr>
         </p:nvSpPr>
         <p:spPr>
@@ -1531,12 +1586,12 @@
           </a:ln>
         </p:spPr>
         <p:txBody>
-          <a:bodyPr anchorCtr="0" anchor="b" bIns="45700" lIns="91425" spcFirstLastPara="1" rIns="91425" wrap="square" tIns="45700">
+          <a:bodyPr spcFirstLastPara="1" wrap="square" lIns="91425" tIns="45700" rIns="91425" bIns="45700" anchor="b" anchorCtr="0">
             <a:noAutofit/>
           </a:bodyPr>
           <a:lstStyle/>
           <a:p>
-            <a:pPr indent="0" lvl="0" marL="0" rtl="0" algn="r">
+            <a:pPr marL="0" lvl="0" indent="0" algn="r" rtl="0">
               <a:spcBef>
                 <a:spcPts val="0"/>
               </a:spcBef>
@@ -1547,7 +1602,7 @@
             </a:pPr>
             <a:fld id="{00000000-1234-1234-1234-123412341234}" type="slidenum">
               <a:rPr lang="en"/>
-              <a:t>‹#›</a:t>
+              <a:t>5</a:t>
             </a:fld>
             <a:endParaRPr/>
           </a:p>
@@ -1562,11 +1617,11 @@
 </file>
 
 <file path=ppt/notesSlides/notesSlide6.xml><?xml version="1.0" encoding="utf-8"?>
-<p:notes xmlns:a="http://schemas.openxmlformats.org/drawingml/2006/main" xmlns:r="http://schemas.openxmlformats.org/officeDocument/2006/relationships" xmlns:mc="http://schemas.openxmlformats.org/markup-compatibility/2006" xmlns:mv="urn:schemas-microsoft-com:mac:vml" xmlns:p="http://schemas.openxmlformats.org/presentationml/2006/main" xmlns:c="http://schemas.openxmlformats.org/drawingml/2006/chart" xmlns:dgm="http://schemas.openxmlformats.org/drawingml/2006/diagram" xmlns:o="urn:schemas-microsoft-com:office:office" xmlns:v="urn:schemas-microsoft-com:vml" xmlns:pvml="urn:schemas-microsoft-com:office:powerpoint" xmlns:com="http://schemas.openxmlformats.org/drawingml/2006/compatibility" xmlns:p14="http://schemas.microsoft.com/office/powerpoint/2010/main" xmlns:p15="http://schemas.microsoft.com/office/powerpoint/2012/main" showMasterPhAnim="0" showMasterSp="0">
+<p:notes xmlns:a="http://schemas.openxmlformats.org/drawingml/2006/main" xmlns:r="http://schemas.openxmlformats.org/officeDocument/2006/relationships" xmlns:p="http://schemas.openxmlformats.org/presentationml/2006/main" showMasterSp="0" showMasterPhAnim="0">
   <p:cSld>
     <p:spTree>
       <p:nvGrpSpPr>
-        <p:cNvPr id="156" name="Shape 156"/>
+        <p:cNvPr id="1" name="Shape 156"/>
         <p:cNvGrpSpPr/>
         <p:nvPr/>
       </p:nvGrpSpPr>
@@ -1581,20 +1636,26 @@
       <p:sp>
         <p:nvSpPr>
           <p:cNvPr id="157" name="Google Shape;157;g7a9d52cbb8_2_245:notes"/>
-          <p:cNvSpPr/>
+          <p:cNvSpPr>
+            <a:spLocks noGrp="1" noRot="1" noChangeAspect="1"/>
+          </p:cNvSpPr>
           <p:nvPr>
-            <p:ph idx="2" type="sldImg"/>
+            <p:ph type="sldImg" idx="2"/>
           </p:nvPr>
         </p:nvSpPr>
         <p:spPr>
           <a:xfrm>
-            <a:off x="25673" y="685838"/>
-            <a:ext cx="6806667" cy="3429187"/>
+            <a:off x="381000" y="685800"/>
+            <a:ext cx="6096000" cy="3429000"/>
           </a:xfrm>
           <a:custGeom>
-            <a:rect b="b" l="l" r="r" t="t"/>
+            <a:avLst/>
+            <a:gdLst/>
+            <a:ahLst/>
+            <a:cxnLst/>
+            <a:rect l="l" t="t" r="r" b="b"/>
             <a:pathLst>
-              <a:path extrusionOk="0" h="120000" w="120000">
+              <a:path w="120000" h="120000" extrusionOk="0">
                 <a:moveTo>
                   <a:pt x="0" y="0"/>
                 </a:moveTo>
@@ -1612,23 +1673,25 @@
             </a:pathLst>
           </a:custGeom>
           <a:noFill/>
-          <a:ln cap="flat" cmpd="sng" w="12700">
+          <a:ln w="12700" cap="flat" cmpd="sng">
             <a:solidFill>
               <a:srgbClr val="000000"/>
             </a:solidFill>
             <a:prstDash val="solid"/>
             <a:round/>
-            <a:headEnd len="sm" w="sm" type="none"/>
-            <a:tailEnd len="sm" w="sm" type="none"/>
+            <a:headEnd type="none" w="sm" len="sm"/>
+            <a:tailEnd type="none" w="sm" len="sm"/>
           </a:ln>
         </p:spPr>
       </p:sp>
       <p:sp>
         <p:nvSpPr>
           <p:cNvPr id="158" name="Google Shape;158;g7a9d52cbb8_2_245:notes"/>
-          <p:cNvSpPr txBox="1"/>
+          <p:cNvSpPr txBox="1">
+            <a:spLocks noGrp="1"/>
+          </p:cNvSpPr>
           <p:nvPr>
-            <p:ph idx="1" type="body"/>
+            <p:ph type="body" idx="1"/>
           </p:nvPr>
         </p:nvSpPr>
         <p:spPr>
@@ -1645,12 +1708,12 @@
           </a:ln>
         </p:spPr>
         <p:txBody>
-          <a:bodyPr anchorCtr="0" anchor="t" bIns="45700" lIns="91425" spcFirstLastPara="1" rIns="91425" wrap="square" tIns="45700">
+          <a:bodyPr spcFirstLastPara="1" wrap="square" lIns="91425" tIns="45700" rIns="91425" bIns="45700" anchor="t" anchorCtr="0">
             <a:noAutofit/>
           </a:bodyPr>
           <a:lstStyle/>
           <a:p>
-            <a:pPr indent="0" lvl="0" marL="0" rtl="0" algn="l">
+            <a:pPr marL="0" lvl="0" indent="0" algn="l" rtl="0">
               <a:spcBef>
                 <a:spcPts val="0"/>
               </a:spcBef>
@@ -1659,9 +1722,6 @@
               </a:spcAft>
               <a:buNone/>
             </a:pPr>
-            <a:r>
-              <a:t/>
-            </a:r>
             <a:endParaRPr/>
           </a:p>
         </p:txBody>
@@ -1669,9 +1729,11 @@
       <p:sp>
         <p:nvSpPr>
           <p:cNvPr id="159" name="Google Shape;159;g7a9d52cbb8_2_245:notes"/>
-          <p:cNvSpPr txBox="1"/>
+          <p:cNvSpPr txBox="1">
+            <a:spLocks noGrp="1"/>
+          </p:cNvSpPr>
           <p:nvPr>
-            <p:ph idx="12" type="sldNum"/>
+            <p:ph type="sldNum" idx="12"/>
           </p:nvPr>
         </p:nvSpPr>
         <p:spPr>
@@ -1688,12 +1750,12 @@
           </a:ln>
         </p:spPr>
         <p:txBody>
-          <a:bodyPr anchorCtr="0" anchor="b" bIns="45700" lIns="91425" spcFirstLastPara="1" rIns="91425" wrap="square" tIns="45700">
+          <a:bodyPr spcFirstLastPara="1" wrap="square" lIns="91425" tIns="45700" rIns="91425" bIns="45700" anchor="b" anchorCtr="0">
             <a:noAutofit/>
           </a:bodyPr>
           <a:lstStyle/>
           <a:p>
-            <a:pPr indent="0" lvl="0" marL="0" rtl="0" algn="r">
+            <a:pPr marL="0" lvl="0" indent="0" algn="r" rtl="0">
               <a:spcBef>
                 <a:spcPts val="0"/>
               </a:spcBef>
@@ -1704,7 +1766,7 @@
             </a:pPr>
             <a:fld id="{00000000-1234-1234-1234-123412341234}" type="slidenum">
               <a:rPr lang="en"/>
-              <a:t>‹#›</a:t>
+              <a:t>6</a:t>
             </a:fld>
             <a:endParaRPr/>
           </a:p>
@@ -1719,11 +1781,11 @@
 </file>
 
 <file path=ppt/notesSlides/notesSlide7.xml><?xml version="1.0" encoding="utf-8"?>
-<p:notes xmlns:a="http://schemas.openxmlformats.org/drawingml/2006/main" xmlns:r="http://schemas.openxmlformats.org/officeDocument/2006/relationships" xmlns:mc="http://schemas.openxmlformats.org/markup-compatibility/2006" xmlns:mv="urn:schemas-microsoft-com:mac:vml" xmlns:p="http://schemas.openxmlformats.org/presentationml/2006/main" xmlns:c="http://schemas.openxmlformats.org/drawingml/2006/chart" xmlns:dgm="http://schemas.openxmlformats.org/drawingml/2006/diagram" xmlns:o="urn:schemas-microsoft-com:office:office" xmlns:v="urn:schemas-microsoft-com:vml" xmlns:pvml="urn:schemas-microsoft-com:office:powerpoint" xmlns:com="http://schemas.openxmlformats.org/drawingml/2006/compatibility" xmlns:p14="http://schemas.microsoft.com/office/powerpoint/2010/main" xmlns:p15="http://schemas.microsoft.com/office/powerpoint/2012/main" showMasterPhAnim="0" showMasterSp="0">
+<p:notes xmlns:a="http://schemas.openxmlformats.org/drawingml/2006/main" xmlns:r="http://schemas.openxmlformats.org/officeDocument/2006/relationships" xmlns:p="http://schemas.openxmlformats.org/presentationml/2006/main" showMasterSp="0" showMasterPhAnim="0">
   <p:cSld>
     <p:spTree>
       <p:nvGrpSpPr>
-        <p:cNvPr id="165" name="Shape 165"/>
+        <p:cNvPr id="1" name="Shape 165"/>
         <p:cNvGrpSpPr/>
         <p:nvPr/>
       </p:nvGrpSpPr>
@@ -1738,9 +1800,11 @@
       <p:sp>
         <p:nvSpPr>
           <p:cNvPr id="166" name="Google Shape;166;g7ab538e104_1_0:notes"/>
-          <p:cNvSpPr/>
+          <p:cNvSpPr>
+            <a:spLocks noGrp="1" noRot="1" noChangeAspect="1"/>
+          </p:cNvSpPr>
           <p:nvPr>
-            <p:ph idx="2" type="sldImg"/>
+            <p:ph type="sldImg" idx="2"/>
           </p:nvPr>
         </p:nvSpPr>
         <p:spPr>
@@ -1749,9 +1813,13 @@
             <a:ext cx="6806700" cy="3429300"/>
           </a:xfrm>
           <a:custGeom>
-            <a:rect b="b" l="l" r="r" t="t"/>
+            <a:avLst/>
+            <a:gdLst/>
+            <a:ahLst/>
+            <a:cxnLst/>
+            <a:rect l="l" t="t" r="r" b="b"/>
             <a:pathLst>
-              <a:path extrusionOk="0" h="120000" w="120000">
+              <a:path w="120000" h="120000" extrusionOk="0">
                 <a:moveTo>
                   <a:pt x="0" y="0"/>
                 </a:moveTo>
@@ -1769,23 +1837,25 @@
             </a:pathLst>
           </a:custGeom>
           <a:noFill/>
-          <a:ln cap="flat" cmpd="sng" w="12700">
+          <a:ln w="12700" cap="flat" cmpd="sng">
             <a:solidFill>
               <a:srgbClr val="000000"/>
             </a:solidFill>
             <a:prstDash val="solid"/>
             <a:round/>
-            <a:headEnd len="sm" w="sm" type="none"/>
-            <a:tailEnd len="sm" w="sm" type="none"/>
+            <a:headEnd type="none" w="sm" len="sm"/>
+            <a:tailEnd type="none" w="sm" len="sm"/>
           </a:ln>
         </p:spPr>
       </p:sp>
       <p:sp>
         <p:nvSpPr>
           <p:cNvPr id="167" name="Google Shape;167;g7ab538e104_1_0:notes"/>
-          <p:cNvSpPr txBox="1"/>
+          <p:cNvSpPr txBox="1">
+            <a:spLocks noGrp="1"/>
+          </p:cNvSpPr>
           <p:nvPr>
-            <p:ph idx="1" type="body"/>
+            <p:ph type="body" idx="1"/>
           </p:nvPr>
         </p:nvSpPr>
         <p:spPr>
@@ -1802,12 +1872,12 @@
           </a:ln>
         </p:spPr>
         <p:txBody>
-          <a:bodyPr anchorCtr="0" anchor="t" bIns="45700" lIns="91425" spcFirstLastPara="1" rIns="91425" wrap="square" tIns="45700">
+          <a:bodyPr spcFirstLastPara="1" wrap="square" lIns="91425" tIns="45700" rIns="91425" bIns="45700" anchor="t" anchorCtr="0">
             <a:noAutofit/>
           </a:bodyPr>
           <a:lstStyle/>
           <a:p>
-            <a:pPr indent="0" lvl="0" marL="0" rtl="0" algn="l">
+            <a:pPr marL="0" lvl="0" indent="0" algn="l" rtl="0">
               <a:spcBef>
                 <a:spcPts val="0"/>
               </a:spcBef>
@@ -1816,9 +1886,6 @@
               </a:spcAft>
               <a:buNone/>
             </a:pPr>
-            <a:r>
-              <a:t/>
-            </a:r>
             <a:endParaRPr/>
           </a:p>
         </p:txBody>
@@ -1826,9 +1893,11 @@
       <p:sp>
         <p:nvSpPr>
           <p:cNvPr id="168" name="Google Shape;168;g7ab538e104_1_0:notes"/>
-          <p:cNvSpPr txBox="1"/>
+          <p:cNvSpPr txBox="1">
+            <a:spLocks noGrp="1"/>
+          </p:cNvSpPr>
           <p:nvPr>
-            <p:ph idx="12" type="sldNum"/>
+            <p:ph type="sldNum" idx="12"/>
           </p:nvPr>
         </p:nvSpPr>
         <p:spPr>
@@ -1845,12 +1914,12 @@
           </a:ln>
         </p:spPr>
         <p:txBody>
-          <a:bodyPr anchorCtr="0" anchor="b" bIns="45700" lIns="91425" spcFirstLastPara="1" rIns="91425" wrap="square" tIns="45700">
+          <a:bodyPr spcFirstLastPara="1" wrap="square" lIns="91425" tIns="45700" rIns="91425" bIns="45700" anchor="b" anchorCtr="0">
             <a:noAutofit/>
           </a:bodyPr>
           <a:lstStyle/>
           <a:p>
-            <a:pPr indent="0" lvl="0" marL="0" rtl="0" algn="r">
+            <a:pPr marL="0" lvl="0" indent="0" algn="r" rtl="0">
               <a:spcBef>
                 <a:spcPts val="0"/>
               </a:spcBef>
@@ -1861,7 +1930,7 @@
             </a:pPr>
             <a:fld id="{00000000-1234-1234-1234-123412341234}" type="slidenum">
               <a:rPr lang="en"/>
-              <a:t>‹#›</a:t>
+              <a:t>7</a:t>
             </a:fld>
             <a:endParaRPr/>
           </a:p>
@@ -1876,11 +1945,11 @@
 </file>
 
 <file path=ppt/notesSlides/notesSlide8.xml><?xml version="1.0" encoding="utf-8"?>
-<p:notes xmlns:a="http://schemas.openxmlformats.org/drawingml/2006/main" xmlns:r="http://schemas.openxmlformats.org/officeDocument/2006/relationships" xmlns:mc="http://schemas.openxmlformats.org/markup-compatibility/2006" xmlns:mv="urn:schemas-microsoft-com:mac:vml" xmlns:p="http://schemas.openxmlformats.org/presentationml/2006/main" xmlns:c="http://schemas.openxmlformats.org/drawingml/2006/chart" xmlns:dgm="http://schemas.openxmlformats.org/drawingml/2006/diagram" xmlns:o="urn:schemas-microsoft-com:office:office" xmlns:v="urn:schemas-microsoft-com:vml" xmlns:pvml="urn:schemas-microsoft-com:office:powerpoint" xmlns:com="http://schemas.openxmlformats.org/drawingml/2006/compatibility" xmlns:p14="http://schemas.microsoft.com/office/powerpoint/2010/main" xmlns:p15="http://schemas.microsoft.com/office/powerpoint/2012/main" showMasterPhAnim="0" showMasterSp="0">
+<p:notes xmlns:a="http://schemas.openxmlformats.org/drawingml/2006/main" xmlns:r="http://schemas.openxmlformats.org/officeDocument/2006/relationships" xmlns:p="http://schemas.openxmlformats.org/presentationml/2006/main" showMasterSp="0" showMasterPhAnim="0">
   <p:cSld>
     <p:spTree>
       <p:nvGrpSpPr>
-        <p:cNvPr id="173" name="Shape 173"/>
+        <p:cNvPr id="1" name="Shape 173"/>
         <p:cNvGrpSpPr/>
         <p:nvPr/>
       </p:nvGrpSpPr>
@@ -1895,9 +1964,11 @@
       <p:sp>
         <p:nvSpPr>
           <p:cNvPr id="174" name="Google Shape;174;g7ab538e104_1_25:notes"/>
-          <p:cNvSpPr/>
+          <p:cNvSpPr>
+            <a:spLocks noGrp="1" noRot="1" noChangeAspect="1"/>
+          </p:cNvSpPr>
           <p:nvPr>
-            <p:ph idx="2" type="sldImg"/>
+            <p:ph type="sldImg" idx="2"/>
           </p:nvPr>
         </p:nvSpPr>
         <p:spPr>
@@ -1906,9 +1977,13 @@
             <a:ext cx="6806700" cy="3429300"/>
           </a:xfrm>
           <a:custGeom>
-            <a:rect b="b" l="l" r="r" t="t"/>
+            <a:avLst/>
+            <a:gdLst/>
+            <a:ahLst/>
+            <a:cxnLst/>
+            <a:rect l="l" t="t" r="r" b="b"/>
             <a:pathLst>
-              <a:path extrusionOk="0" h="120000" w="120000">
+              <a:path w="120000" h="120000" extrusionOk="0">
                 <a:moveTo>
                   <a:pt x="0" y="0"/>
                 </a:moveTo>
@@ -1926,23 +2001,25 @@
             </a:pathLst>
           </a:custGeom>
           <a:noFill/>
-          <a:ln cap="flat" cmpd="sng" w="12700">
+          <a:ln w="12700" cap="flat" cmpd="sng">
             <a:solidFill>
               <a:srgbClr val="000000"/>
             </a:solidFill>
             <a:prstDash val="solid"/>
             <a:round/>
-            <a:headEnd len="sm" w="sm" type="none"/>
-            <a:tailEnd len="sm" w="sm" type="none"/>
+            <a:headEnd type="none" w="sm" len="sm"/>
+            <a:tailEnd type="none" w="sm" len="sm"/>
           </a:ln>
         </p:spPr>
       </p:sp>
       <p:sp>
         <p:nvSpPr>
           <p:cNvPr id="175" name="Google Shape;175;g7ab538e104_1_25:notes"/>
-          <p:cNvSpPr txBox="1"/>
+          <p:cNvSpPr txBox="1">
+            <a:spLocks noGrp="1"/>
+          </p:cNvSpPr>
           <p:nvPr>
-            <p:ph idx="1" type="body"/>
+            <p:ph type="body" idx="1"/>
           </p:nvPr>
         </p:nvSpPr>
         <p:spPr>
@@ -1959,12 +2036,12 @@
           </a:ln>
         </p:spPr>
         <p:txBody>
-          <a:bodyPr anchorCtr="0" anchor="t" bIns="45700" lIns="91425" spcFirstLastPara="1" rIns="91425" wrap="square" tIns="45700">
+          <a:bodyPr spcFirstLastPara="1" wrap="square" lIns="91425" tIns="45700" rIns="91425" bIns="45700" anchor="t" anchorCtr="0">
             <a:noAutofit/>
           </a:bodyPr>
           <a:lstStyle/>
           <a:p>
-            <a:pPr indent="0" lvl="0" marL="0" rtl="0" algn="l">
+            <a:pPr marL="0" lvl="0" indent="0" algn="l" rtl="0">
               <a:spcBef>
                 <a:spcPts val="0"/>
               </a:spcBef>
@@ -1973,9 +2050,6 @@
               </a:spcAft>
               <a:buNone/>
             </a:pPr>
-            <a:r>
-              <a:t/>
-            </a:r>
             <a:endParaRPr/>
           </a:p>
         </p:txBody>
@@ -1983,9 +2057,11 @@
       <p:sp>
         <p:nvSpPr>
           <p:cNvPr id="176" name="Google Shape;176;g7ab538e104_1_25:notes"/>
-          <p:cNvSpPr txBox="1"/>
+          <p:cNvSpPr txBox="1">
+            <a:spLocks noGrp="1"/>
+          </p:cNvSpPr>
           <p:nvPr>
-            <p:ph idx="12" type="sldNum"/>
+            <p:ph type="sldNum" idx="12"/>
           </p:nvPr>
         </p:nvSpPr>
         <p:spPr>
@@ -2002,12 +2078,12 @@
           </a:ln>
         </p:spPr>
         <p:txBody>
-          <a:bodyPr anchorCtr="0" anchor="b" bIns="45700" lIns="91425" spcFirstLastPara="1" rIns="91425" wrap="square" tIns="45700">
+          <a:bodyPr spcFirstLastPara="1" wrap="square" lIns="91425" tIns="45700" rIns="91425" bIns="45700" anchor="b" anchorCtr="0">
             <a:noAutofit/>
           </a:bodyPr>
           <a:lstStyle/>
           <a:p>
-            <a:pPr indent="0" lvl="0" marL="0" rtl="0" algn="r">
+            <a:pPr marL="0" lvl="0" indent="0" algn="r" rtl="0">
               <a:spcBef>
                 <a:spcPts val="0"/>
               </a:spcBef>
@@ -2018,7 +2094,7 @@
             </a:pPr>
             <a:fld id="{00000000-1234-1234-1234-123412341234}" type="slidenum">
               <a:rPr lang="en"/>
-              <a:t>‹#›</a:t>
+              <a:t>8</a:t>
             </a:fld>
             <a:endParaRPr/>
           </a:p>
@@ -2033,11 +2109,11 @@
 </file>
 
 <file path=ppt/notesSlides/notesSlide9.xml><?xml version="1.0" encoding="utf-8"?>
-<p:notes xmlns:a="http://schemas.openxmlformats.org/drawingml/2006/main" xmlns:r="http://schemas.openxmlformats.org/officeDocument/2006/relationships" xmlns:mc="http://schemas.openxmlformats.org/markup-compatibility/2006" xmlns:mv="urn:schemas-microsoft-com:mac:vml" xmlns:p="http://schemas.openxmlformats.org/presentationml/2006/main" xmlns:c="http://schemas.openxmlformats.org/drawingml/2006/chart" xmlns:dgm="http://schemas.openxmlformats.org/drawingml/2006/diagram" xmlns:o="urn:schemas-microsoft-com:office:office" xmlns:v="urn:schemas-microsoft-com:vml" xmlns:pvml="urn:schemas-microsoft-com:office:powerpoint" xmlns:com="http://schemas.openxmlformats.org/drawingml/2006/compatibility" xmlns:p14="http://schemas.microsoft.com/office/powerpoint/2010/main" xmlns:p15="http://schemas.microsoft.com/office/powerpoint/2012/main" showMasterPhAnim="0" showMasterSp="0">
+<p:notes xmlns:a="http://schemas.openxmlformats.org/drawingml/2006/main" xmlns:r="http://schemas.openxmlformats.org/officeDocument/2006/relationships" xmlns:p="http://schemas.openxmlformats.org/presentationml/2006/main" showMasterSp="0" showMasterPhAnim="0">
   <p:cSld>
     <p:spTree>
       <p:nvGrpSpPr>
-        <p:cNvPr id="181" name="Shape 181"/>
+        <p:cNvPr id="1" name="Shape 181"/>
         <p:cNvGrpSpPr/>
         <p:nvPr/>
       </p:nvGrpSpPr>
@@ -2052,9 +2128,11 @@
       <p:sp>
         <p:nvSpPr>
           <p:cNvPr id="182" name="Google Shape;182;g7a9d52cbb8_2_260:notes"/>
-          <p:cNvSpPr txBox="1"/>
+          <p:cNvSpPr txBox="1">
+            <a:spLocks noGrp="1"/>
+          </p:cNvSpPr>
           <p:nvPr>
-            <p:ph idx="1" type="body"/>
+            <p:ph type="body" idx="1"/>
           </p:nvPr>
         </p:nvSpPr>
         <p:spPr>
@@ -2067,12 +2145,12 @@
           </a:prstGeom>
         </p:spPr>
         <p:txBody>
-          <a:bodyPr anchorCtr="0" anchor="t" bIns="91425" lIns="91425" spcFirstLastPara="1" rIns="91425" wrap="square" tIns="91425">
+          <a:bodyPr spcFirstLastPara="1" wrap="square" lIns="91425" tIns="91425" rIns="91425" bIns="91425" anchor="t" anchorCtr="0">
             <a:noAutofit/>
           </a:bodyPr>
           <a:lstStyle/>
           <a:p>
-            <a:pPr indent="0" lvl="0" marL="0" rtl="0" algn="l">
+            <a:pPr marL="0" lvl="0" indent="0" algn="l" rtl="0">
               <a:spcBef>
                 <a:spcPts val="0"/>
               </a:spcBef>
@@ -2081,9 +2159,6 @@
               </a:spcAft>
               <a:buNone/>
             </a:pPr>
-            <a:r>
-              <a:t/>
-            </a:r>
             <a:endParaRPr/>
           </a:p>
         </p:txBody>
@@ -2091,9 +2166,11 @@
       <p:sp>
         <p:nvSpPr>
           <p:cNvPr id="183" name="Google Shape;183;g7a9d52cbb8_2_260:notes"/>
-          <p:cNvSpPr/>
+          <p:cNvSpPr>
+            <a:spLocks noGrp="1" noRot="1" noChangeAspect="1"/>
+          </p:cNvSpPr>
           <p:nvPr>
-            <p:ph idx="2" type="sldImg"/>
+            <p:ph type="sldImg" idx="2"/>
           </p:nvPr>
         </p:nvSpPr>
         <p:spPr>
@@ -2102,9 +2179,13 @@
             <a:ext cx="6806667" cy="3429187"/>
           </a:xfrm>
           <a:custGeom>
-            <a:rect b="b" l="l" r="r" t="t"/>
+            <a:avLst/>
+            <a:gdLst/>
+            <a:ahLst/>
+            <a:cxnLst/>
+            <a:rect l="l" t="t" r="r" b="b"/>
             <a:pathLst>
-              <a:path extrusionOk="0" h="120000" w="120000">
+              <a:path w="120000" h="120000" extrusionOk="0">
                 <a:moveTo>
                   <a:pt x="0" y="0"/>
                 </a:moveTo>
@@ -2132,18 +2213,19 @@
 </file>
 
 <file path=ppt/slideLayouts/slideLayout1.xml><?xml version="1.0" encoding="utf-8"?>
-<p:sldLayout xmlns:a="http://schemas.openxmlformats.org/drawingml/2006/main" xmlns:r="http://schemas.openxmlformats.org/officeDocument/2006/relationships" xmlns:mc="http://schemas.openxmlformats.org/markup-compatibility/2006" xmlns:mv="urn:schemas-microsoft-com:mac:vml" xmlns:p="http://schemas.openxmlformats.org/presentationml/2006/main" xmlns:c="http://schemas.openxmlformats.org/drawingml/2006/chart" xmlns:dgm="http://schemas.openxmlformats.org/drawingml/2006/diagram" xmlns:o="urn:schemas-microsoft-com:office:office" xmlns:v="urn:schemas-microsoft-com:vml" xmlns:pvml="urn:schemas-microsoft-com:office:powerpoint" xmlns:com="http://schemas.openxmlformats.org/drawingml/2006/compatibility" xmlns:p14="http://schemas.microsoft.com/office/powerpoint/2010/main" xmlns:p15="http://schemas.microsoft.com/office/powerpoint/2012/main" matchingName="Title slide" type="title">
+<p:sldLayout xmlns:a="http://schemas.openxmlformats.org/drawingml/2006/main" xmlns:r="http://schemas.openxmlformats.org/officeDocument/2006/relationships" xmlns:p="http://schemas.openxmlformats.org/presentationml/2006/main" matchingName="Title slide" type="title">
   <p:cSld name="TITLE">
     <p:bg>
       <p:bgPr>
         <a:solidFill>
           <a:schemeClr val="lt2"/>
         </a:solidFill>
+        <a:effectLst/>
       </p:bgPr>
     </p:bg>
     <p:spTree>
       <p:nvGrpSpPr>
-        <p:cNvPr id="9" name="Shape 9"/>
+        <p:cNvPr id="1" name="Shape 9"/>
         <p:cNvGrpSpPr/>
         <p:nvPr/>
       </p:nvGrpSpPr>
@@ -2177,12 +2259,12 @@
           </a:ln>
         </p:spPr>
         <p:txBody>
-          <a:bodyPr anchorCtr="0" anchor="ctr" bIns="91425" lIns="91425" spcFirstLastPara="1" rIns="91425" wrap="square" tIns="91425">
+          <a:bodyPr spcFirstLastPara="1" wrap="square" lIns="91425" tIns="91425" rIns="91425" bIns="91425" anchor="ctr" anchorCtr="0">
             <a:noAutofit/>
           </a:bodyPr>
           <a:lstStyle/>
           <a:p>
-            <a:pPr indent="0" lvl="0" marL="0" rtl="0" algn="l">
+            <a:pPr marL="0" lvl="0" indent="0" algn="l" rtl="0">
               <a:spcBef>
                 <a:spcPts val="0"/>
               </a:spcBef>
@@ -2191,9 +2273,6 @@
               </a:spcAft>
               <a:buNone/>
             </a:pPr>
-            <a:r>
-              <a:t/>
-            </a:r>
             <a:endParaRPr/>
           </a:p>
         </p:txBody>
@@ -2234,12 +2313,12 @@
             </a:ln>
           </p:spPr>
           <p:txBody>
-            <a:bodyPr anchorCtr="0" anchor="ctr" bIns="91425" lIns="91425" spcFirstLastPara="1" rIns="91425" wrap="square" tIns="91425">
+            <a:bodyPr spcFirstLastPara="1" wrap="square" lIns="91425" tIns="91425" rIns="91425" bIns="91425" anchor="ctr" anchorCtr="0">
               <a:noAutofit/>
             </a:bodyPr>
             <a:lstStyle/>
             <a:p>
-              <a:pPr indent="0" lvl="0" marL="0" rtl="0" algn="l">
+              <a:pPr marL="0" lvl="0" indent="0" algn="l" rtl="0">
                 <a:spcBef>
                   <a:spcPts val="0"/>
                 </a:spcBef>
@@ -2248,9 +2327,6 @@
                 </a:spcAft>
                 <a:buNone/>
               </a:pPr>
-              <a:r>
-                <a:t/>
-              </a:r>
               <a:endParaRPr/>
             </a:p>
           </p:txBody>
@@ -2277,12 +2353,12 @@
             </a:ln>
           </p:spPr>
           <p:txBody>
-            <a:bodyPr anchorCtr="0" anchor="ctr" bIns="91425" lIns="91425" spcFirstLastPara="1" rIns="91425" wrap="square" tIns="91425">
+            <a:bodyPr spcFirstLastPara="1" wrap="square" lIns="91425" tIns="91425" rIns="91425" bIns="91425" anchor="ctr" anchorCtr="0">
               <a:noAutofit/>
             </a:bodyPr>
             <a:lstStyle/>
             <a:p>
-              <a:pPr indent="0" lvl="0" marL="0" rtl="0" algn="l">
+              <a:pPr marL="0" lvl="0" indent="0" algn="l" rtl="0">
                 <a:spcBef>
                   <a:spcPts val="0"/>
                 </a:spcBef>
@@ -2291,9 +2367,6 @@
                 </a:spcAft>
                 <a:buNone/>
               </a:pPr>
-              <a:r>
-                <a:t/>
-              </a:r>
               <a:endParaRPr/>
             </a:p>
           </p:txBody>
@@ -2302,7 +2375,9 @@
       <p:sp>
         <p:nvSpPr>
           <p:cNvPr id="14" name="Google Shape;14;p2"/>
-          <p:cNvSpPr txBox="1"/>
+          <p:cNvSpPr txBox="1">
+            <a:spLocks noGrp="1"/>
+          </p:cNvSpPr>
           <p:nvPr>
             <p:ph type="ctrTitle"/>
           </p:nvPr>
@@ -2317,7 +2392,7 @@
           </a:prstGeom>
         </p:spPr>
         <p:txBody>
-          <a:bodyPr anchorCtr="0" anchor="t" bIns="91425" lIns="91425" spcFirstLastPara="1" rIns="91425" wrap="square" tIns="91425">
+          <a:bodyPr spcFirstLastPara="1" wrap="square" lIns="91425" tIns="91425" rIns="91425" bIns="91425" anchor="t" anchorCtr="0">
             <a:noAutofit/>
           </a:bodyPr>
           <a:lstStyle>
@@ -2484,15 +2559,19 @@
               </a:defRPr>
             </a:lvl9pPr>
           </a:lstStyle>
-          <a:p/>
+          <a:p>
+            <a:endParaRPr/>
+          </a:p>
         </p:txBody>
       </p:sp>
       <p:sp>
         <p:nvSpPr>
           <p:cNvPr id="15" name="Google Shape;15;p2"/>
-          <p:cNvSpPr txBox="1"/>
+          <p:cNvSpPr txBox="1">
+            <a:spLocks noGrp="1"/>
+          </p:cNvSpPr>
           <p:nvPr>
-            <p:ph idx="1" type="subTitle"/>
+            <p:ph type="subTitle" idx="1"/>
           </p:nvPr>
         </p:nvSpPr>
         <p:spPr>
@@ -2505,7 +2584,7 @@
           </a:prstGeom>
         </p:spPr>
         <p:txBody>
-          <a:bodyPr anchorCtr="0" anchor="t" bIns="91425" lIns="91425" spcFirstLastPara="1" rIns="91425" wrap="square" tIns="91425">
+          <a:bodyPr spcFirstLastPara="1" wrap="square" lIns="91425" tIns="91425" rIns="91425" bIns="91425" anchor="t" anchorCtr="0">
             <a:noAutofit/>
           </a:bodyPr>
           <a:lstStyle>
@@ -2636,15 +2715,19 @@
               <a:defRPr sz="1600"/>
             </a:lvl9pPr>
           </a:lstStyle>
-          <a:p/>
+          <a:p>
+            <a:endParaRPr/>
+          </a:p>
         </p:txBody>
       </p:sp>
       <p:sp>
         <p:nvSpPr>
           <p:cNvPr id="16" name="Google Shape;16;p2"/>
-          <p:cNvSpPr txBox="1"/>
+          <p:cNvSpPr txBox="1">
+            <a:spLocks noGrp="1"/>
+          </p:cNvSpPr>
           <p:nvPr>
-            <p:ph idx="12" type="sldNum"/>
+            <p:ph type="sldNum" idx="12"/>
           </p:nvPr>
         </p:nvSpPr>
         <p:spPr>
@@ -2657,7 +2740,7 @@
           </a:prstGeom>
         </p:spPr>
         <p:txBody>
-          <a:bodyPr anchorCtr="0" anchor="ctr" bIns="91425" lIns="91425" spcFirstLastPara="1" rIns="91425" wrap="square" tIns="91425">
+          <a:bodyPr spcFirstLastPara="1" wrap="square" lIns="91425" tIns="91425" rIns="91425" bIns="91425" anchor="ctr" anchorCtr="0">
             <a:noAutofit/>
           </a:bodyPr>
           <a:lstStyle>
@@ -2699,7 +2782,7 @@
             </a:lvl9pPr>
           </a:lstStyle>
           <a:p>
-            <a:pPr indent="0" lvl="0" marL="0" rtl="0" algn="r">
+            <a:pPr marL="0" lvl="0" indent="0" algn="r" rtl="0">
               <a:spcBef>
                 <a:spcPts val="0"/>
               </a:spcBef>
@@ -2725,18 +2808,19 @@
 </file>
 
 <file path=ppt/slideLayouts/slideLayout10.xml><?xml version="1.0" encoding="utf-8"?>
-<p:sldLayout xmlns:a="http://schemas.openxmlformats.org/drawingml/2006/main" xmlns:r="http://schemas.openxmlformats.org/officeDocument/2006/relationships" xmlns:mc="http://schemas.openxmlformats.org/markup-compatibility/2006" xmlns:mv="urn:schemas-microsoft-com:mac:vml" xmlns:p="http://schemas.openxmlformats.org/presentationml/2006/main" xmlns:c="http://schemas.openxmlformats.org/drawingml/2006/chart" xmlns:dgm="http://schemas.openxmlformats.org/drawingml/2006/diagram" xmlns:o="urn:schemas-microsoft-com:office:office" xmlns:v="urn:schemas-microsoft-com:vml" xmlns:pvml="urn:schemas-microsoft-com:office:powerpoint" xmlns:com="http://schemas.openxmlformats.org/drawingml/2006/compatibility" xmlns:p14="http://schemas.microsoft.com/office/powerpoint/2010/main" xmlns:p15="http://schemas.microsoft.com/office/powerpoint/2012/main" matchingName="Big number">
+<p:sldLayout xmlns:a="http://schemas.openxmlformats.org/drawingml/2006/main" xmlns:r="http://schemas.openxmlformats.org/officeDocument/2006/relationships" xmlns:p="http://schemas.openxmlformats.org/presentationml/2006/main" matchingName="Big number">
   <p:cSld name="BIG_NUMBER">
     <p:bg>
       <p:bgPr>
         <a:solidFill>
           <a:schemeClr val="dk1"/>
         </a:solidFill>
+        <a:effectLst/>
       </p:bgPr>
     </p:bg>
     <p:spTree>
       <p:nvGrpSpPr>
-        <p:cNvPr id="73" name="Shape 73"/>
+        <p:cNvPr id="1" name="Shape 73"/>
         <p:cNvGrpSpPr/>
         <p:nvPr/>
       </p:nvGrpSpPr>
@@ -2784,12 +2868,12 @@
             </a:ln>
           </p:spPr>
           <p:txBody>
-            <a:bodyPr anchorCtr="0" anchor="ctr" bIns="91425" lIns="91425" spcFirstLastPara="1" rIns="91425" wrap="square" tIns="91425">
+            <a:bodyPr spcFirstLastPara="1" wrap="square" lIns="91425" tIns="91425" rIns="91425" bIns="91425" anchor="ctr" anchorCtr="0">
               <a:noAutofit/>
             </a:bodyPr>
             <a:lstStyle/>
             <a:p>
-              <a:pPr indent="0" lvl="0" marL="0" rtl="0" algn="l">
+              <a:pPr marL="0" lvl="0" indent="0" algn="l" rtl="0">
                 <a:spcBef>
                   <a:spcPts val="0"/>
                 </a:spcBef>
@@ -2798,9 +2882,6 @@
                 </a:spcAft>
                 <a:buNone/>
               </a:pPr>
-              <a:r>
-                <a:t/>
-              </a:r>
               <a:endParaRPr/>
             </a:p>
           </p:txBody>
@@ -2827,12 +2908,12 @@
             </a:ln>
           </p:spPr>
           <p:txBody>
-            <a:bodyPr anchorCtr="0" anchor="ctr" bIns="91425" lIns="91425" spcFirstLastPara="1" rIns="91425" wrap="square" tIns="91425">
+            <a:bodyPr spcFirstLastPara="1" wrap="square" lIns="91425" tIns="91425" rIns="91425" bIns="91425" anchor="ctr" anchorCtr="0">
               <a:noAutofit/>
             </a:bodyPr>
             <a:lstStyle/>
             <a:p>
-              <a:pPr indent="0" lvl="0" marL="0" rtl="0" algn="l">
+              <a:pPr marL="0" lvl="0" indent="0" algn="l" rtl="0">
                 <a:spcBef>
                   <a:spcPts val="0"/>
                 </a:spcBef>
@@ -2841,9 +2922,6 @@
                 </a:spcAft>
                 <a:buNone/>
               </a:pPr>
-              <a:r>
-                <a:t/>
-              </a:r>
               <a:endParaRPr/>
             </a:p>
           </p:txBody>
@@ -2852,9 +2930,11 @@
       <p:sp>
         <p:nvSpPr>
           <p:cNvPr id="77" name="Google Shape;77;p11"/>
-          <p:cNvSpPr txBox="1"/>
+          <p:cNvSpPr txBox="1">
+            <a:spLocks noGrp="1"/>
+          </p:cNvSpPr>
           <p:nvPr>
-            <p:ph hasCustomPrompt="1" type="title"/>
+            <p:ph type="title" hasCustomPrompt="1"/>
           </p:nvPr>
         </p:nvSpPr>
         <p:spPr>
@@ -2867,7 +2947,7 @@
           </a:prstGeom>
         </p:spPr>
         <p:txBody>
-          <a:bodyPr anchorCtr="0" anchor="t" bIns="91425" lIns="91425" spcFirstLastPara="1" rIns="91425" wrap="square" tIns="91425">
+          <a:bodyPr spcFirstLastPara="1" wrap="square" lIns="91425" tIns="91425" rIns="91425" bIns="91425" anchor="t" anchorCtr="0">
             <a:noAutofit/>
           </a:bodyPr>
           <a:lstStyle>
@@ -3044,9 +3124,11 @@
       <p:sp>
         <p:nvSpPr>
           <p:cNvPr id="78" name="Google Shape;78;p11"/>
-          <p:cNvSpPr txBox="1"/>
+          <p:cNvSpPr txBox="1">
+            <a:spLocks noGrp="1"/>
+          </p:cNvSpPr>
           <p:nvPr>
-            <p:ph idx="1" type="body"/>
+            <p:ph type="body" idx="1"/>
           </p:nvPr>
         </p:nvSpPr>
         <p:spPr>
@@ -3059,11 +3141,11 @@
           </a:prstGeom>
         </p:spPr>
         <p:txBody>
-          <a:bodyPr anchorCtr="0" anchor="t" bIns="91425" lIns="91425" spcFirstLastPara="1" rIns="91425" wrap="square" tIns="91425">
+          <a:bodyPr spcFirstLastPara="1" wrap="square" lIns="91425" tIns="91425" rIns="91425" bIns="91425" anchor="t" anchorCtr="0">
             <a:noAutofit/>
           </a:bodyPr>
           <a:lstStyle>
-            <a:lvl1pPr indent="-311150" lvl="0" marL="457200">
+            <a:lvl1pPr marL="457200" lvl="0" indent="-311150">
               <a:spcBef>
                 <a:spcPts val="0"/>
               </a:spcBef>
@@ -3081,7 +3163,7 @@
                 </a:solidFill>
               </a:defRPr>
             </a:lvl1pPr>
-            <a:lvl2pPr indent="-298450" lvl="1" marL="914400">
+            <a:lvl2pPr marL="914400" lvl="1" indent="-298450">
               <a:spcBef>
                 <a:spcPts val="1600"/>
               </a:spcBef>
@@ -3099,7 +3181,7 @@
                 </a:solidFill>
               </a:defRPr>
             </a:lvl2pPr>
-            <a:lvl3pPr indent="-298450" lvl="2" marL="1371600">
+            <a:lvl3pPr marL="1371600" lvl="2" indent="-298450">
               <a:spcBef>
                 <a:spcPts val="1600"/>
               </a:spcBef>
@@ -3117,7 +3199,7 @@
                 </a:solidFill>
               </a:defRPr>
             </a:lvl3pPr>
-            <a:lvl4pPr indent="-298450" lvl="3" marL="1828800">
+            <a:lvl4pPr marL="1828800" lvl="3" indent="-298450">
               <a:spcBef>
                 <a:spcPts val="1600"/>
               </a:spcBef>
@@ -3135,7 +3217,7 @@
                 </a:solidFill>
               </a:defRPr>
             </a:lvl4pPr>
-            <a:lvl5pPr indent="-298450" lvl="4" marL="2286000">
+            <a:lvl5pPr marL="2286000" lvl="4" indent="-298450">
               <a:spcBef>
                 <a:spcPts val="1600"/>
               </a:spcBef>
@@ -3153,7 +3235,7 @@
                 </a:solidFill>
               </a:defRPr>
             </a:lvl5pPr>
-            <a:lvl6pPr indent="-298450" lvl="5" marL="2743200">
+            <a:lvl6pPr marL="2743200" lvl="5" indent="-298450">
               <a:spcBef>
                 <a:spcPts val="1600"/>
               </a:spcBef>
@@ -3171,7 +3253,7 @@
                 </a:solidFill>
               </a:defRPr>
             </a:lvl6pPr>
-            <a:lvl7pPr indent="-298450" lvl="6" marL="3200400">
+            <a:lvl7pPr marL="3200400" lvl="6" indent="-298450">
               <a:spcBef>
                 <a:spcPts val="1600"/>
               </a:spcBef>
@@ -3189,7 +3271,7 @@
                 </a:solidFill>
               </a:defRPr>
             </a:lvl7pPr>
-            <a:lvl8pPr indent="-298450" lvl="7" marL="3657600">
+            <a:lvl8pPr marL="3657600" lvl="7" indent="-298450">
               <a:spcBef>
                 <a:spcPts val="1600"/>
               </a:spcBef>
@@ -3207,7 +3289,7 @@
                 </a:solidFill>
               </a:defRPr>
             </a:lvl8pPr>
-            <a:lvl9pPr indent="-298450" lvl="8" marL="4114800">
+            <a:lvl9pPr marL="4114800" lvl="8" indent="-298450">
               <a:spcBef>
                 <a:spcPts val="1600"/>
               </a:spcBef>
@@ -3226,15 +3308,19 @@
               </a:defRPr>
             </a:lvl9pPr>
           </a:lstStyle>
-          <a:p/>
+          <a:p>
+            <a:endParaRPr/>
+          </a:p>
         </p:txBody>
       </p:sp>
       <p:sp>
         <p:nvSpPr>
           <p:cNvPr id="79" name="Google Shape;79;p11"/>
-          <p:cNvSpPr txBox="1"/>
+          <p:cNvSpPr txBox="1">
+            <a:spLocks noGrp="1"/>
+          </p:cNvSpPr>
           <p:nvPr>
-            <p:ph idx="12" type="sldNum"/>
+            <p:ph type="sldNum" idx="12"/>
           </p:nvPr>
         </p:nvSpPr>
         <p:spPr>
@@ -3247,7 +3333,7 @@
           </a:prstGeom>
         </p:spPr>
         <p:txBody>
-          <a:bodyPr anchorCtr="0" anchor="ctr" bIns="91425" lIns="91425" spcFirstLastPara="1" rIns="91425" wrap="square" tIns="91425">
+          <a:bodyPr spcFirstLastPara="1" wrap="square" lIns="91425" tIns="91425" rIns="91425" bIns="91425" anchor="ctr" anchorCtr="0">
             <a:noAutofit/>
           </a:bodyPr>
           <a:lstStyle>
@@ -3325,7 +3411,7 @@
             </a:lvl9pPr>
           </a:lstStyle>
           <a:p>
-            <a:pPr indent="0" lvl="0" marL="0" rtl="0" algn="r">
+            <a:pPr marL="0" lvl="0" indent="0" algn="r" rtl="0">
               <a:spcBef>
                 <a:spcPts val="0"/>
               </a:spcBef>
@@ -3351,11 +3437,11 @@
 </file>
 
 <file path=ppt/slideLayouts/slideLayout11.xml><?xml version="1.0" encoding="utf-8"?>
-<p:sldLayout xmlns:a="http://schemas.openxmlformats.org/drawingml/2006/main" xmlns:r="http://schemas.openxmlformats.org/officeDocument/2006/relationships" xmlns:mc="http://schemas.openxmlformats.org/markup-compatibility/2006" xmlns:mv="urn:schemas-microsoft-com:mac:vml" xmlns:p="http://schemas.openxmlformats.org/presentationml/2006/main" xmlns:c="http://schemas.openxmlformats.org/drawingml/2006/chart" xmlns:dgm="http://schemas.openxmlformats.org/drawingml/2006/diagram" xmlns:o="urn:schemas-microsoft-com:office:office" xmlns:v="urn:schemas-microsoft-com:vml" xmlns:pvml="urn:schemas-microsoft-com:office:powerpoint" xmlns:com="http://schemas.openxmlformats.org/drawingml/2006/compatibility" xmlns:p14="http://schemas.microsoft.com/office/powerpoint/2010/main" xmlns:p15="http://schemas.microsoft.com/office/powerpoint/2012/main" matchingName="Blank" type="blank">
+<p:sldLayout xmlns:a="http://schemas.openxmlformats.org/drawingml/2006/main" xmlns:r="http://schemas.openxmlformats.org/officeDocument/2006/relationships" xmlns:p="http://schemas.openxmlformats.org/presentationml/2006/main" matchingName="Blank" type="blank">
   <p:cSld name="BLANK">
     <p:spTree>
       <p:nvGrpSpPr>
-        <p:cNvPr id="80" name="Shape 80"/>
+        <p:cNvPr id="1" name="Shape 80"/>
         <p:cNvGrpSpPr/>
         <p:nvPr/>
       </p:nvGrpSpPr>
@@ -3370,9 +3456,11 @@
       <p:sp>
         <p:nvSpPr>
           <p:cNvPr id="81" name="Google Shape;81;p12"/>
-          <p:cNvSpPr txBox="1"/>
+          <p:cNvSpPr txBox="1">
+            <a:spLocks noGrp="1"/>
+          </p:cNvSpPr>
           <p:nvPr>
-            <p:ph idx="12" type="sldNum"/>
+            <p:ph type="sldNum" idx="12"/>
           </p:nvPr>
         </p:nvSpPr>
         <p:spPr>
@@ -3385,7 +3473,7 @@
           </a:prstGeom>
         </p:spPr>
         <p:txBody>
-          <a:bodyPr anchorCtr="0" anchor="ctr" bIns="91425" lIns="91425" spcFirstLastPara="1" rIns="91425" wrap="square" tIns="91425">
+          <a:bodyPr spcFirstLastPara="1" wrap="square" lIns="91425" tIns="91425" rIns="91425" bIns="91425" anchor="ctr" anchorCtr="0">
             <a:noAutofit/>
           </a:bodyPr>
           <a:lstStyle>
@@ -3427,7 +3515,7 @@
             </a:lvl9pPr>
           </a:lstStyle>
           <a:p>
-            <a:pPr indent="0" lvl="0" marL="0" rtl="0" algn="r">
+            <a:pPr marL="0" lvl="0" indent="0" algn="r" rtl="0">
               <a:spcBef>
                 <a:spcPts val="0"/>
               </a:spcBef>
@@ -3453,11 +3541,11 @@
 </file>
 
 <file path=ppt/slideLayouts/slideLayout12.xml><?xml version="1.0" encoding="utf-8"?>
-<p:sldLayout xmlns:a="http://schemas.openxmlformats.org/drawingml/2006/main" xmlns:r="http://schemas.openxmlformats.org/officeDocument/2006/relationships" xmlns:mc="http://schemas.openxmlformats.org/markup-compatibility/2006" xmlns:mv="urn:schemas-microsoft-com:mac:vml" xmlns:p="http://schemas.openxmlformats.org/presentationml/2006/main" xmlns:c="http://schemas.openxmlformats.org/drawingml/2006/chart" xmlns:dgm="http://schemas.openxmlformats.org/drawingml/2006/diagram" xmlns:o="urn:schemas-microsoft-com:office:office" xmlns:v="urn:schemas-microsoft-com:vml" xmlns:pvml="urn:schemas-microsoft-com:office:powerpoint" xmlns:com="http://schemas.openxmlformats.org/drawingml/2006/compatibility" xmlns:p14="http://schemas.microsoft.com/office/powerpoint/2010/main" xmlns:p15="http://schemas.microsoft.com/office/powerpoint/2012/main" matchingName="SEPERATOR" showMasterSp="0">
+<p:sldLayout xmlns:a="http://schemas.openxmlformats.org/drawingml/2006/main" xmlns:r="http://schemas.openxmlformats.org/officeDocument/2006/relationships" xmlns:p="http://schemas.openxmlformats.org/presentationml/2006/main" showMasterSp="0" matchingName="SEPERATOR">
   <p:cSld name="SEPERATOR">
     <p:spTree>
       <p:nvGrpSpPr>
-        <p:cNvPr id="82" name="Shape 82"/>
+        <p:cNvPr id="1" name="Shape 82"/>
         <p:cNvGrpSpPr/>
         <p:nvPr/>
       </p:nvGrpSpPr>
@@ -3505,12 +3593,12 @@
             </a:ln>
           </p:spPr>
           <p:txBody>
-            <a:bodyPr anchorCtr="0" anchor="t" bIns="34275" lIns="68575" spcFirstLastPara="1" rIns="68575" wrap="square" tIns="34275">
+            <a:bodyPr spcFirstLastPara="1" wrap="square" lIns="68575" tIns="34275" rIns="68575" bIns="34275" anchor="t" anchorCtr="0">
               <a:noAutofit/>
             </a:bodyPr>
             <a:lstStyle/>
             <a:p>
-              <a:pPr indent="0" lvl="0" marL="0" marR="0" rtl="0" algn="l">
+              <a:pPr marL="0" marR="0" lvl="0" indent="0" algn="l" rtl="0">
                 <a:spcBef>
                   <a:spcPts val="0"/>
                 </a:spcBef>
@@ -3519,9 +3607,6 @@
                 </a:spcAft>
                 <a:buNone/>
               </a:pPr>
-              <a:r>
-                <a:t/>
-              </a:r>
               <a:endParaRPr sz="1400">
                 <a:solidFill>
                   <a:schemeClr val="dk1"/>
@@ -3560,9 +3645,13 @@
                 <a:ext cx="12108033" cy="2001797"/>
               </a:xfrm>
               <a:custGeom>
-                <a:rect b="b" l="l" r="r" t="t"/>
+                <a:avLst/>
+                <a:gdLst/>
+                <a:ahLst/>
+                <a:cxnLst/>
+                <a:rect l="l" t="t" r="r" b="b"/>
                 <a:pathLst>
-                  <a:path extrusionOk="0" h="54" w="453">
+                  <a:path w="453" h="54" extrusionOk="0">
                     <a:moveTo>
                       <a:pt x="453" y="54"/>
                     </a:moveTo>
@@ -3596,12 +3685,12 @@
               </a:ln>
             </p:spPr>
             <p:txBody>
-              <a:bodyPr anchorCtr="0" anchor="t" bIns="34275" lIns="68575" spcFirstLastPara="1" rIns="68575" wrap="square" tIns="34275">
+              <a:bodyPr spcFirstLastPara="1" wrap="square" lIns="68575" tIns="34275" rIns="68575" bIns="34275" anchor="t" anchorCtr="0">
                 <a:noAutofit/>
               </a:bodyPr>
               <a:lstStyle/>
               <a:p>
-                <a:pPr indent="0" lvl="0" marL="0" marR="0" rtl="0" algn="l">
+                <a:pPr marL="0" marR="0" lvl="0" indent="0" algn="l" rtl="0">
                   <a:spcBef>
                     <a:spcPts val="0"/>
                   </a:spcBef>
@@ -3610,9 +3699,6 @@
                   </a:spcAft>
                   <a:buNone/>
                 </a:pPr>
-                <a:r>
-                  <a:t/>
-                </a:r>
                 <a:endParaRPr sz="1400">
                   <a:solidFill>
                     <a:schemeClr val="dk1"/>
@@ -3637,9 +3723,13 @@
                 <a:ext cx="9998695" cy="1375230"/>
               </a:xfrm>
               <a:custGeom>
-                <a:rect b="b" l="l" r="r" t="t"/>
+                <a:avLst/>
+                <a:gdLst/>
+                <a:ahLst/>
+                <a:cxnLst/>
+                <a:rect l="l" t="t" r="r" b="b"/>
                 <a:pathLst>
-                  <a:path extrusionOk="0" h="54" w="453">
+                  <a:path w="453" h="54" extrusionOk="0">
                     <a:moveTo>
                       <a:pt x="453" y="54"/>
                     </a:moveTo>
@@ -3673,12 +3763,12 @@
               </a:ln>
             </p:spPr>
             <p:txBody>
-              <a:bodyPr anchorCtr="0" anchor="t" bIns="34275" lIns="68575" spcFirstLastPara="1" rIns="68575" wrap="square" tIns="34275">
+              <a:bodyPr spcFirstLastPara="1" wrap="square" lIns="68575" tIns="34275" rIns="68575" bIns="34275" anchor="t" anchorCtr="0">
                 <a:noAutofit/>
               </a:bodyPr>
               <a:lstStyle/>
               <a:p>
-                <a:pPr indent="0" lvl="0" marL="0" marR="0" rtl="0" algn="l">
+                <a:pPr marL="0" marR="0" lvl="0" indent="0" algn="l" rtl="0">
                   <a:spcBef>
                     <a:spcPts val="0"/>
                   </a:spcBef>
@@ -3687,9 +3777,6 @@
                   </a:spcAft>
                   <a:buNone/>
                 </a:pPr>
-                <a:r>
-                  <a:t/>
-                </a:r>
                 <a:endParaRPr sz="1400">
                   <a:solidFill>
                     <a:schemeClr val="dk1"/>
@@ -3737,12 +3824,12 @@
           </a:ln>
         </p:spPr>
         <p:txBody>
-          <a:bodyPr anchorCtr="0" anchor="ctr" bIns="34275" lIns="68550" spcFirstLastPara="1" rIns="68550" wrap="square" tIns="34275">
+          <a:bodyPr spcFirstLastPara="1" wrap="square" lIns="68550" tIns="34275" rIns="68550" bIns="34275" anchor="ctr" anchorCtr="0">
             <a:noAutofit/>
           </a:bodyPr>
           <a:lstStyle/>
           <a:p>
-            <a:pPr indent="0" lvl="0" marL="0" marR="0" rtl="0" algn="ctr">
+            <a:pPr marL="0" marR="0" lvl="0" indent="0" algn="ctr" rtl="0">
               <a:spcBef>
                 <a:spcPts val="0"/>
               </a:spcBef>
@@ -3751,9 +3838,6 @@
               </a:spcAft>
               <a:buNone/>
             </a:pPr>
-            <a:r>
-              <a:t/>
-            </a:r>
             <a:endParaRPr sz="1400">
               <a:solidFill>
                 <a:schemeClr val="lt1"/>
@@ -3802,12 +3886,12 @@
             </a:ln>
           </p:spPr>
           <p:txBody>
-            <a:bodyPr anchorCtr="0" anchor="t" bIns="34275" lIns="68575" spcFirstLastPara="1" rIns="68575" wrap="square" tIns="34275">
+            <a:bodyPr spcFirstLastPara="1" wrap="square" lIns="68575" tIns="34275" rIns="68575" bIns="34275" anchor="t" anchorCtr="0">
               <a:noAutofit/>
             </a:bodyPr>
             <a:lstStyle/>
             <a:p>
-              <a:pPr indent="0" lvl="0" marL="0" marR="0" rtl="0" algn="l">
+              <a:pPr marL="0" marR="0" lvl="0" indent="0" algn="l" rtl="0">
                 <a:spcBef>
                   <a:spcPts val="0"/>
                 </a:spcBef>
@@ -3816,9 +3900,6 @@
                 </a:spcAft>
                 <a:buNone/>
               </a:pPr>
-              <a:r>
-                <a:t/>
-              </a:r>
               <a:endParaRPr sz="1400">
                 <a:solidFill>
                   <a:schemeClr val="dk1"/>
@@ -3843,9 +3924,13 @@
               <a:ext cx="12749217" cy="3163886"/>
             </a:xfrm>
             <a:custGeom>
-              <a:rect b="b" l="l" r="r" t="t"/>
+              <a:avLst/>
+              <a:gdLst/>
+              <a:ahLst/>
+              <a:cxnLst/>
+              <a:rect l="l" t="t" r="r" b="b"/>
               <a:pathLst>
-                <a:path extrusionOk="0" h="996" w="4014">
+                <a:path w="4014" h="996" extrusionOk="0">
                   <a:moveTo>
                     <a:pt x="3930" y="287"/>
                   </a:moveTo>
@@ -5185,12 +5270,12 @@
             </a:ln>
           </p:spPr>
           <p:txBody>
-            <a:bodyPr anchorCtr="0" anchor="t" bIns="34275" lIns="68575" spcFirstLastPara="1" rIns="68575" wrap="square" tIns="34275">
+            <a:bodyPr spcFirstLastPara="1" wrap="square" lIns="68575" tIns="34275" rIns="68575" bIns="34275" anchor="t" anchorCtr="0">
               <a:noAutofit/>
             </a:bodyPr>
             <a:lstStyle/>
             <a:p>
-              <a:pPr indent="0" lvl="0" marL="0" marR="0" rtl="0" algn="l">
+              <a:pPr marL="0" marR="0" lvl="0" indent="0" algn="l" rtl="0">
                 <a:spcBef>
                   <a:spcPts val="0"/>
                 </a:spcBef>
@@ -5199,9 +5284,6 @@
                 </a:spcAft>
                 <a:buNone/>
               </a:pPr>
-              <a:r>
-                <a:t/>
-              </a:r>
               <a:endParaRPr sz="1400">
                 <a:solidFill>
                   <a:schemeClr val="dk1"/>
@@ -5218,7 +5300,9 @@
       <p:sp>
         <p:nvSpPr>
           <p:cNvPr id="92" name="Google Shape;92;p13"/>
-          <p:cNvSpPr txBox="1"/>
+          <p:cNvSpPr txBox="1">
+            <a:spLocks noGrp="1"/>
+          </p:cNvSpPr>
           <p:nvPr>
             <p:ph type="title"/>
           </p:nvPr>
@@ -5237,11 +5321,11 @@
           </a:ln>
         </p:spPr>
         <p:txBody>
-          <a:bodyPr anchorCtr="0" anchor="b" bIns="0" lIns="0" spcFirstLastPara="1" rIns="0" wrap="square" tIns="0">
+          <a:bodyPr spcFirstLastPara="1" wrap="square" lIns="0" tIns="0" rIns="0" bIns="0" anchor="b" anchorCtr="0">
             <a:noAutofit/>
           </a:bodyPr>
           <a:lstStyle>
-            <a:lvl1pPr lvl="0" rtl="0" algn="l">
+            <a:lvl1pPr lvl="0" algn="l" rtl="0">
               <a:lnSpc>
                 <a:spcPct val="80000"/>
               </a:lnSpc>
@@ -5257,7 +5341,7 @@
               <a:buSzPts val="4500"/>
               <a:buFont typeface="Arial"/>
               <a:buNone/>
-              <a:defRPr b="0" sz="4500" cap="none">
+              <a:defRPr sz="4500" b="0" cap="none">
                 <a:solidFill>
                   <a:srgbClr val="ADD5F0"/>
                 </a:solidFill>
@@ -5356,15 +5440,19 @@
               <a:defRPr/>
             </a:lvl9pPr>
           </a:lstStyle>
-          <a:p/>
+          <a:p>
+            <a:endParaRPr/>
+          </a:p>
         </p:txBody>
       </p:sp>
       <p:sp>
         <p:nvSpPr>
           <p:cNvPr id="93" name="Google Shape;93;p13"/>
-          <p:cNvSpPr txBox="1"/>
+          <p:cNvSpPr txBox="1">
+            <a:spLocks noGrp="1"/>
+          </p:cNvSpPr>
           <p:nvPr>
-            <p:ph idx="1" type="body"/>
+            <p:ph type="body" idx="1"/>
           </p:nvPr>
         </p:nvSpPr>
         <p:spPr>
@@ -5381,11 +5469,11 @@
           </a:ln>
         </p:spPr>
         <p:txBody>
-          <a:bodyPr anchorCtr="0" anchor="t" bIns="0" lIns="8075" spcFirstLastPara="1" rIns="0" wrap="square" tIns="0">
+          <a:bodyPr spcFirstLastPara="1" wrap="square" lIns="8075" tIns="0" rIns="0" bIns="0" anchor="t" anchorCtr="0">
             <a:noAutofit/>
           </a:bodyPr>
           <a:lstStyle>
-            <a:lvl1pPr indent="-228600" lvl="0" marL="457200" marR="0" rtl="0" algn="l">
+            <a:lvl1pPr marL="457200" marR="0" lvl="0" indent="-228600" algn="l" rtl="0">
               <a:lnSpc>
                 <a:spcPct val="80000"/>
               </a:lnSpc>
@@ -5411,7 +5499,7 @@
                 <a:sym typeface="Calibri"/>
               </a:defRPr>
             </a:lvl1pPr>
-            <a:lvl2pPr indent="-228600" lvl="1" marL="914400" rtl="0" algn="l">
+            <a:lvl2pPr marL="914400" lvl="1" indent="-228600" algn="l" rtl="0">
               <a:lnSpc>
                 <a:spcPct val="90000"/>
               </a:lnSpc>
@@ -5432,7 +5520,7 @@
                 </a:solidFill>
               </a:defRPr>
             </a:lvl2pPr>
-            <a:lvl3pPr indent="-228600" lvl="2" marL="1371600" rtl="0" algn="l">
+            <a:lvl3pPr marL="1371600" lvl="2" indent="-228600" algn="l" rtl="0">
               <a:lnSpc>
                 <a:spcPct val="90000"/>
               </a:lnSpc>
@@ -5453,7 +5541,7 @@
                 </a:solidFill>
               </a:defRPr>
             </a:lvl3pPr>
-            <a:lvl4pPr indent="-228600" lvl="3" marL="1828800" rtl="0" algn="l">
+            <a:lvl4pPr marL="1828800" lvl="3" indent="-228600" algn="l" rtl="0">
               <a:lnSpc>
                 <a:spcPct val="90000"/>
               </a:lnSpc>
@@ -5474,7 +5562,7 @@
                 </a:solidFill>
               </a:defRPr>
             </a:lvl4pPr>
-            <a:lvl5pPr indent="-228600" lvl="4" marL="2286000" rtl="0" algn="l">
+            <a:lvl5pPr marL="2286000" lvl="4" indent="-228600" algn="l" rtl="0">
               <a:lnSpc>
                 <a:spcPct val="90000"/>
               </a:lnSpc>
@@ -5495,7 +5583,7 @@
                 </a:solidFill>
               </a:defRPr>
             </a:lvl5pPr>
-            <a:lvl6pPr indent="-228600" lvl="5" marL="2743200" rtl="0" algn="l">
+            <a:lvl6pPr marL="2743200" lvl="5" indent="-228600" algn="l" rtl="0">
               <a:spcBef>
                 <a:spcPts val="800"/>
               </a:spcBef>
@@ -5513,7 +5601,7 @@
                 </a:solidFill>
               </a:defRPr>
             </a:lvl6pPr>
-            <a:lvl7pPr indent="-228600" lvl="6" marL="3200400" rtl="0" algn="l">
+            <a:lvl7pPr marL="3200400" lvl="6" indent="-228600" algn="l" rtl="0">
               <a:spcBef>
                 <a:spcPts val="1600"/>
               </a:spcBef>
@@ -5531,7 +5619,7 @@
                 </a:solidFill>
               </a:defRPr>
             </a:lvl7pPr>
-            <a:lvl8pPr indent="-228600" lvl="7" marL="3657600" rtl="0" algn="l">
+            <a:lvl8pPr marL="3657600" lvl="7" indent="-228600" algn="l" rtl="0">
               <a:spcBef>
                 <a:spcPts val="1600"/>
               </a:spcBef>
@@ -5549,7 +5637,7 @@
                 </a:solidFill>
               </a:defRPr>
             </a:lvl8pPr>
-            <a:lvl9pPr indent="-228600" lvl="8" marL="4114800" rtl="0" algn="l">
+            <a:lvl9pPr marL="4114800" lvl="8" indent="-228600" algn="l" rtl="0">
               <a:spcBef>
                 <a:spcPts val="1600"/>
               </a:spcBef>
@@ -5568,7 +5656,9 @@
               </a:defRPr>
             </a:lvl9pPr>
           </a:lstStyle>
-          <a:p/>
+          <a:p>
+            <a:endParaRPr/>
+          </a:p>
         </p:txBody>
       </p:sp>
     </p:spTree>
@@ -5576,13 +5666,13 @@
   <p:clrMapOvr>
     <a:masterClrMapping/>
   </p:clrMapOvr>
-  <mc:AlternateContent>
+  <mc:AlternateContent xmlns:mc="http://schemas.openxmlformats.org/markup-compatibility/2006" xmlns:p14="http://schemas.microsoft.com/office/powerpoint/2010/main">
     <mc:Choice Requires="p14">
-      <p:transition spd="slow" p14:dur="700">
+      <p:transition spd="med" p14:dur="700">
         <p:fade/>
       </p:transition>
     </mc:Choice>
-    <mc:Fallback>
+    <mc:Fallback xmlns:p15="http://schemas.microsoft.com/office/powerpoint/2012/main" xmlns:com="http://schemas.openxmlformats.org/drawingml/2006/compatibility" xmlns:pvml="urn:schemas-microsoft-com:office:powerpoint" xmlns:v="urn:schemas-microsoft-com:vml" xmlns:o="urn:schemas-microsoft-com:office:office" xmlns:dgm="http://schemas.openxmlformats.org/drawingml/2006/diagram" xmlns:c="http://schemas.openxmlformats.org/drawingml/2006/chart" xmlns:mv="urn:schemas-microsoft-com:mac:vml" xmlns="">
       <p:transition spd="slow">
         <p:fade/>
       </p:transition>
@@ -5592,11 +5682,11 @@
 </file>
 
 <file path=ppt/slideLayouts/slideLayout13.xml><?xml version="1.0" encoding="utf-8"?>
-<p:sldLayout xmlns:a="http://schemas.openxmlformats.org/drawingml/2006/main" xmlns:r="http://schemas.openxmlformats.org/officeDocument/2006/relationships" xmlns:mc="http://schemas.openxmlformats.org/markup-compatibility/2006" xmlns:mv="urn:schemas-microsoft-com:mac:vml" xmlns:p="http://schemas.openxmlformats.org/presentationml/2006/main" xmlns:c="http://schemas.openxmlformats.org/drawingml/2006/chart" xmlns:dgm="http://schemas.openxmlformats.org/drawingml/2006/diagram" xmlns:o="urn:schemas-microsoft-com:office:office" xmlns:v="urn:schemas-microsoft-com:vml" xmlns:pvml="urn:schemas-microsoft-com:office:powerpoint" xmlns:com="http://schemas.openxmlformats.org/drawingml/2006/compatibility" xmlns:p14="http://schemas.microsoft.com/office/powerpoint/2010/main" xmlns:p15="http://schemas.microsoft.com/office/powerpoint/2012/main" matchingName="SLIDE 2">
+<p:sldLayout xmlns:a="http://schemas.openxmlformats.org/drawingml/2006/main" xmlns:r="http://schemas.openxmlformats.org/officeDocument/2006/relationships" xmlns:p="http://schemas.openxmlformats.org/presentationml/2006/main" matchingName="SLIDE 2">
   <p:cSld name="SLIDE 2">
     <p:spTree>
       <p:nvGrpSpPr>
-        <p:cNvPr id="94" name="Shape 94"/>
+        <p:cNvPr id="1" name="Shape 94"/>
         <p:cNvGrpSpPr/>
         <p:nvPr/>
       </p:nvGrpSpPr>
@@ -5611,7 +5701,9 @@
       <p:sp>
         <p:nvSpPr>
           <p:cNvPr id="95" name="Google Shape;95;p14"/>
-          <p:cNvSpPr txBox="1"/>
+          <p:cNvSpPr txBox="1">
+            <a:spLocks noGrp="1"/>
+          </p:cNvSpPr>
           <p:nvPr>
             <p:ph type="title"/>
           </p:nvPr>
@@ -5630,11 +5722,11 @@
           </a:ln>
         </p:spPr>
         <p:txBody>
-          <a:bodyPr anchorCtr="0" anchor="t" bIns="0" lIns="0" spcFirstLastPara="1" rIns="0" wrap="square" tIns="0">
+          <a:bodyPr spcFirstLastPara="1" wrap="square" lIns="0" tIns="0" rIns="0" bIns="0" anchor="t" anchorCtr="0">
             <a:noAutofit/>
           </a:bodyPr>
           <a:lstStyle>
-            <a:lvl1pPr lvl="0" rtl="0" algn="l">
+            <a:lvl1pPr lvl="0" algn="l" rtl="0">
               <a:spcBef>
                 <a:spcPts val="0"/>
               </a:spcBef>
@@ -5742,15 +5834,19 @@
               <a:defRPr/>
             </a:lvl9pPr>
           </a:lstStyle>
-          <a:p/>
+          <a:p>
+            <a:endParaRPr/>
+          </a:p>
         </p:txBody>
       </p:sp>
       <p:sp>
         <p:nvSpPr>
           <p:cNvPr id="96" name="Google Shape;96;p14"/>
-          <p:cNvSpPr txBox="1"/>
+          <p:cNvSpPr txBox="1">
+            <a:spLocks noGrp="1"/>
+          </p:cNvSpPr>
           <p:nvPr>
-            <p:ph idx="1" type="body"/>
+            <p:ph type="body" idx="1"/>
           </p:nvPr>
         </p:nvSpPr>
         <p:spPr>
@@ -5767,11 +5863,11 @@
           </a:ln>
         </p:spPr>
         <p:txBody>
-          <a:bodyPr anchorCtr="0" anchor="t" bIns="0" lIns="8075" spcFirstLastPara="1" rIns="0" wrap="square" tIns="0">
+          <a:bodyPr spcFirstLastPara="1" wrap="square" lIns="8075" tIns="0" rIns="0" bIns="0" anchor="t" anchorCtr="0">
             <a:noAutofit/>
           </a:bodyPr>
           <a:lstStyle>
-            <a:lvl1pPr indent="-228600" lvl="0" marL="457200" rtl="0" algn="l">
+            <a:lvl1pPr marL="457200" lvl="0" indent="-228600" algn="l" rtl="0">
               <a:lnSpc>
                 <a:spcPct val="90000"/>
               </a:lnSpc>
@@ -5789,7 +5885,7 @@
               <a:buNone/>
               <a:defRPr/>
             </a:lvl1pPr>
-            <a:lvl2pPr indent="-317500" lvl="1" marL="914400" rtl="0" algn="l">
+            <a:lvl2pPr marL="914400" lvl="1" indent="-317500" algn="l" rtl="0">
               <a:lnSpc>
                 <a:spcPct val="90000"/>
               </a:lnSpc>
@@ -5806,7 +5902,7 @@
               <a:buChar char="○"/>
               <a:defRPr/>
             </a:lvl2pPr>
-            <a:lvl3pPr indent="-317500" lvl="2" marL="1371600" rtl="0" algn="l">
+            <a:lvl3pPr marL="1371600" lvl="2" indent="-317500" algn="l" rtl="0">
               <a:lnSpc>
                 <a:spcPct val="90000"/>
               </a:lnSpc>
@@ -5823,7 +5919,7 @@
               <a:buChar char="■"/>
               <a:defRPr/>
             </a:lvl3pPr>
-            <a:lvl4pPr indent="-317500" lvl="3" marL="1828800" rtl="0" algn="l">
+            <a:lvl4pPr marL="1828800" lvl="3" indent="-317500" algn="l" rtl="0">
               <a:lnSpc>
                 <a:spcPct val="90000"/>
               </a:lnSpc>
@@ -5840,7 +5936,7 @@
               <a:buChar char="●"/>
               <a:defRPr/>
             </a:lvl4pPr>
-            <a:lvl5pPr indent="-317500" lvl="4" marL="2286000" rtl="0" algn="l">
+            <a:lvl5pPr marL="2286000" lvl="4" indent="-317500" algn="l" rtl="0">
               <a:lnSpc>
                 <a:spcPct val="90000"/>
               </a:lnSpc>
@@ -5857,7 +5953,7 @@
               <a:buChar char="○"/>
               <a:defRPr/>
             </a:lvl5pPr>
-            <a:lvl6pPr indent="-317500" lvl="5" marL="2743200" rtl="0" algn="l">
+            <a:lvl6pPr marL="2743200" lvl="5" indent="-317500" algn="l" rtl="0">
               <a:spcBef>
                 <a:spcPts val="800"/>
               </a:spcBef>
@@ -5871,7 +5967,7 @@
               <a:buChar char="■"/>
               <a:defRPr/>
             </a:lvl6pPr>
-            <a:lvl7pPr indent="-317500" lvl="6" marL="3200400" rtl="0" algn="l">
+            <a:lvl7pPr marL="3200400" lvl="6" indent="-317500" algn="l" rtl="0">
               <a:spcBef>
                 <a:spcPts val="1600"/>
               </a:spcBef>
@@ -5885,7 +5981,7 @@
               <a:buChar char="●"/>
               <a:defRPr/>
             </a:lvl7pPr>
-            <a:lvl8pPr indent="-317500" lvl="7" marL="3657600" rtl="0" algn="l">
+            <a:lvl8pPr marL="3657600" lvl="7" indent="-317500" algn="l" rtl="0">
               <a:spcBef>
                 <a:spcPts val="1600"/>
               </a:spcBef>
@@ -5899,7 +5995,7 @@
               <a:buChar char="○"/>
               <a:defRPr/>
             </a:lvl8pPr>
-            <a:lvl9pPr indent="-317500" lvl="8" marL="4114800" rtl="0" algn="l">
+            <a:lvl9pPr marL="4114800" lvl="8" indent="-317500" algn="l" rtl="0">
               <a:spcBef>
                 <a:spcPts val="1600"/>
               </a:spcBef>
@@ -5914,15 +6010,19 @@
               <a:defRPr/>
             </a:lvl9pPr>
           </a:lstStyle>
-          <a:p/>
+          <a:p>
+            <a:endParaRPr/>
+          </a:p>
         </p:txBody>
       </p:sp>
       <p:sp>
         <p:nvSpPr>
           <p:cNvPr id="97" name="Google Shape;97;p14"/>
-          <p:cNvSpPr txBox="1"/>
+          <p:cNvSpPr txBox="1">
+            <a:spLocks noGrp="1"/>
+          </p:cNvSpPr>
           <p:nvPr>
-            <p:ph idx="11" type="ftr"/>
+            <p:ph type="ftr" idx="11"/>
           </p:nvPr>
         </p:nvSpPr>
         <p:spPr>
@@ -5939,11 +6039,11 @@
           </a:ln>
         </p:spPr>
         <p:txBody>
-          <a:bodyPr anchorCtr="0" anchor="b" bIns="0" lIns="0" spcFirstLastPara="1" rIns="0" wrap="square" tIns="0">
+          <a:bodyPr spcFirstLastPara="1" wrap="square" lIns="0" tIns="0" rIns="0" bIns="0" anchor="b" anchorCtr="0">
             <a:noAutofit/>
           </a:bodyPr>
           <a:lstStyle>
-            <a:lvl1pPr lvl="0" rtl="0" algn="ctr">
+            <a:lvl1pPr lvl="0" algn="ctr" rtl="0">
               <a:lnSpc>
                 <a:spcPct val="90000"/>
               </a:lnSpc>
@@ -5965,7 +6065,7 @@
                 <a:sym typeface="Calibri"/>
               </a:defRPr>
             </a:lvl1pPr>
-            <a:lvl2pPr lvl="1" rtl="0" algn="l">
+            <a:lvl2pPr lvl="1" algn="l" rtl="0">
               <a:spcBef>
                 <a:spcPts val="800"/>
               </a:spcBef>
@@ -5976,7 +6076,7 @@
               <a:buNone/>
               <a:defRPr/>
             </a:lvl2pPr>
-            <a:lvl3pPr lvl="2" rtl="0" algn="l">
+            <a:lvl3pPr lvl="2" algn="l" rtl="0">
               <a:spcBef>
                 <a:spcPts val="0"/>
               </a:spcBef>
@@ -5987,7 +6087,7 @@
               <a:buNone/>
               <a:defRPr/>
             </a:lvl3pPr>
-            <a:lvl4pPr lvl="3" rtl="0" algn="l">
+            <a:lvl4pPr lvl="3" algn="l" rtl="0">
               <a:spcBef>
                 <a:spcPts val="0"/>
               </a:spcBef>
@@ -5998,7 +6098,7 @@
               <a:buNone/>
               <a:defRPr/>
             </a:lvl4pPr>
-            <a:lvl5pPr lvl="4" rtl="0" algn="l">
+            <a:lvl5pPr lvl="4" algn="l" rtl="0">
               <a:spcBef>
                 <a:spcPts val="0"/>
               </a:spcBef>
@@ -6009,7 +6109,7 @@
               <a:buNone/>
               <a:defRPr/>
             </a:lvl5pPr>
-            <a:lvl6pPr lvl="5" rtl="0" algn="l">
+            <a:lvl6pPr lvl="5" algn="l" rtl="0">
               <a:spcBef>
                 <a:spcPts val="0"/>
               </a:spcBef>
@@ -6020,7 +6120,7 @@
               <a:buNone/>
               <a:defRPr/>
             </a:lvl6pPr>
-            <a:lvl7pPr lvl="6" rtl="0" algn="l">
+            <a:lvl7pPr lvl="6" algn="l" rtl="0">
               <a:spcBef>
                 <a:spcPts val="0"/>
               </a:spcBef>
@@ -6031,7 +6131,7 @@
               <a:buNone/>
               <a:defRPr/>
             </a:lvl7pPr>
-            <a:lvl8pPr lvl="7" rtl="0" algn="l">
+            <a:lvl8pPr lvl="7" algn="l" rtl="0">
               <a:spcBef>
                 <a:spcPts val="0"/>
               </a:spcBef>
@@ -6042,7 +6142,7 @@
               <a:buNone/>
               <a:defRPr/>
             </a:lvl8pPr>
-            <a:lvl9pPr lvl="8" rtl="0" algn="l">
+            <a:lvl9pPr lvl="8" algn="l" rtl="0">
               <a:spcBef>
                 <a:spcPts val="0"/>
               </a:spcBef>
@@ -6054,15 +6154,19 @@
               <a:defRPr/>
             </a:lvl9pPr>
           </a:lstStyle>
-          <a:p/>
+          <a:p>
+            <a:endParaRPr/>
+          </a:p>
         </p:txBody>
       </p:sp>
       <p:sp>
         <p:nvSpPr>
           <p:cNvPr id="98" name="Google Shape;98;p14"/>
-          <p:cNvSpPr txBox="1"/>
+          <p:cNvSpPr txBox="1">
+            <a:spLocks noGrp="1"/>
+          </p:cNvSpPr>
           <p:nvPr>
-            <p:ph idx="12" type="sldNum"/>
+            <p:ph type="sldNum" idx="12"/>
           </p:nvPr>
         </p:nvSpPr>
         <p:spPr>
@@ -6079,11 +6183,11 @@
           </a:ln>
         </p:spPr>
         <p:txBody>
-          <a:bodyPr anchorCtr="0" anchor="b" bIns="0" lIns="0" spcFirstLastPara="1" rIns="0" wrap="square" tIns="0">
+          <a:bodyPr spcFirstLastPara="1" wrap="square" lIns="0" tIns="0" rIns="0" bIns="0" anchor="b" anchorCtr="0">
             <a:noAutofit/>
           </a:bodyPr>
           <a:lstStyle>
-            <a:lvl1pPr indent="0" lvl="0" marL="0" rtl="0" algn="l">
+            <a:lvl1pPr marL="0" lvl="0" indent="0" algn="l" rtl="0">
               <a:lnSpc>
                 <a:spcPct val="90000"/>
               </a:lnSpc>
@@ -6094,7 +6198,7 @@
                 <a:spcPts val="0"/>
               </a:spcAft>
               <a:buNone/>
-              <a:defRPr b="1" sz="1100">
+              <a:defRPr sz="1100" b="1">
                 <a:solidFill>
                   <a:schemeClr val="lt1"/>
                 </a:solidFill>
@@ -6104,7 +6208,7 @@
                 <a:sym typeface="Calibri"/>
               </a:defRPr>
             </a:lvl1pPr>
-            <a:lvl2pPr indent="0" lvl="1" marL="0" rtl="0" algn="l">
+            <a:lvl2pPr marL="0" lvl="1" indent="0" algn="l" rtl="0">
               <a:lnSpc>
                 <a:spcPct val="90000"/>
               </a:lnSpc>
@@ -6115,7 +6219,7 @@
                 <a:spcPts val="0"/>
               </a:spcAft>
               <a:buNone/>
-              <a:defRPr b="1" sz="1100">
+              <a:defRPr sz="1100" b="1">
                 <a:solidFill>
                   <a:schemeClr val="lt1"/>
                 </a:solidFill>
@@ -6125,7 +6229,7 @@
                 <a:sym typeface="Calibri"/>
               </a:defRPr>
             </a:lvl2pPr>
-            <a:lvl3pPr indent="0" lvl="2" marL="0" rtl="0" algn="l">
+            <a:lvl3pPr marL="0" lvl="2" indent="0" algn="l" rtl="0">
               <a:lnSpc>
                 <a:spcPct val="90000"/>
               </a:lnSpc>
@@ -6136,7 +6240,7 @@
                 <a:spcPts val="0"/>
               </a:spcAft>
               <a:buNone/>
-              <a:defRPr b="1" sz="1100">
+              <a:defRPr sz="1100" b="1">
                 <a:solidFill>
                   <a:schemeClr val="lt1"/>
                 </a:solidFill>
@@ -6146,7 +6250,7 @@
                 <a:sym typeface="Calibri"/>
               </a:defRPr>
             </a:lvl3pPr>
-            <a:lvl4pPr indent="0" lvl="3" marL="0" rtl="0" algn="l">
+            <a:lvl4pPr marL="0" lvl="3" indent="0" algn="l" rtl="0">
               <a:lnSpc>
                 <a:spcPct val="90000"/>
               </a:lnSpc>
@@ -6157,7 +6261,7 @@
                 <a:spcPts val="0"/>
               </a:spcAft>
               <a:buNone/>
-              <a:defRPr b="1" sz="1100">
+              <a:defRPr sz="1100" b="1">
                 <a:solidFill>
                   <a:schemeClr val="lt1"/>
                 </a:solidFill>
@@ -6167,7 +6271,7 @@
                 <a:sym typeface="Calibri"/>
               </a:defRPr>
             </a:lvl4pPr>
-            <a:lvl5pPr indent="0" lvl="4" marL="0" rtl="0" algn="l">
+            <a:lvl5pPr marL="0" lvl="4" indent="0" algn="l" rtl="0">
               <a:lnSpc>
                 <a:spcPct val="90000"/>
               </a:lnSpc>
@@ -6178,7 +6282,7 @@
                 <a:spcPts val="0"/>
               </a:spcAft>
               <a:buNone/>
-              <a:defRPr b="1" sz="1100">
+              <a:defRPr sz="1100" b="1">
                 <a:solidFill>
                   <a:schemeClr val="lt1"/>
                 </a:solidFill>
@@ -6188,7 +6292,7 @@
                 <a:sym typeface="Calibri"/>
               </a:defRPr>
             </a:lvl5pPr>
-            <a:lvl6pPr indent="0" lvl="5" marL="0" rtl="0" algn="l">
+            <a:lvl6pPr marL="0" lvl="5" indent="0" algn="l" rtl="0">
               <a:lnSpc>
                 <a:spcPct val="90000"/>
               </a:lnSpc>
@@ -6199,7 +6303,7 @@
                 <a:spcPts val="0"/>
               </a:spcAft>
               <a:buNone/>
-              <a:defRPr b="1" sz="1100">
+              <a:defRPr sz="1100" b="1">
                 <a:solidFill>
                   <a:schemeClr val="lt1"/>
                 </a:solidFill>
@@ -6209,7 +6313,7 @@
                 <a:sym typeface="Calibri"/>
               </a:defRPr>
             </a:lvl6pPr>
-            <a:lvl7pPr indent="0" lvl="6" marL="0" rtl="0" algn="l">
+            <a:lvl7pPr marL="0" lvl="6" indent="0" algn="l" rtl="0">
               <a:lnSpc>
                 <a:spcPct val="90000"/>
               </a:lnSpc>
@@ -6220,7 +6324,7 @@
                 <a:spcPts val="0"/>
               </a:spcAft>
               <a:buNone/>
-              <a:defRPr b="1" sz="1100">
+              <a:defRPr sz="1100" b="1">
                 <a:solidFill>
                   <a:schemeClr val="lt1"/>
                 </a:solidFill>
@@ -6230,7 +6334,7 @@
                 <a:sym typeface="Calibri"/>
               </a:defRPr>
             </a:lvl7pPr>
-            <a:lvl8pPr indent="0" lvl="7" marL="0" rtl="0" algn="l">
+            <a:lvl8pPr marL="0" lvl="7" indent="0" algn="l" rtl="0">
               <a:lnSpc>
                 <a:spcPct val="90000"/>
               </a:lnSpc>
@@ -6241,7 +6345,7 @@
                 <a:spcPts val="0"/>
               </a:spcAft>
               <a:buNone/>
-              <a:defRPr b="1" sz="1100">
+              <a:defRPr sz="1100" b="1">
                 <a:solidFill>
                   <a:schemeClr val="lt1"/>
                 </a:solidFill>
@@ -6251,7 +6355,7 @@
                 <a:sym typeface="Calibri"/>
               </a:defRPr>
             </a:lvl8pPr>
-            <a:lvl9pPr indent="0" lvl="8" marL="0" rtl="0" algn="l">
+            <a:lvl9pPr marL="0" lvl="8" indent="0" algn="l" rtl="0">
               <a:lnSpc>
                 <a:spcPct val="90000"/>
               </a:lnSpc>
@@ -6262,7 +6366,7 @@
                 <a:spcPts val="0"/>
               </a:spcAft>
               <a:buNone/>
-              <a:defRPr b="1" sz="1100">
+              <a:defRPr sz="1100" b="1">
                 <a:solidFill>
                   <a:schemeClr val="lt1"/>
                 </a:solidFill>
@@ -6274,7 +6378,7 @@
             </a:lvl9pPr>
           </a:lstStyle>
           <a:p>
-            <a:pPr indent="0" lvl="0" marL="0" rtl="0" algn="l">
+            <a:pPr marL="0" lvl="0" indent="0" algn="l" rtl="0">
               <a:spcBef>
                 <a:spcPts val="0"/>
               </a:spcBef>
@@ -6294,9 +6398,11 @@
       <p:sp>
         <p:nvSpPr>
           <p:cNvPr id="99" name="Google Shape;99;p14"/>
-          <p:cNvSpPr txBox="1"/>
+          <p:cNvSpPr txBox="1">
+            <a:spLocks noGrp="1"/>
+          </p:cNvSpPr>
           <p:nvPr>
-            <p:ph idx="2" type="body"/>
+            <p:ph type="body" idx="2"/>
           </p:nvPr>
         </p:nvSpPr>
         <p:spPr>
@@ -6313,11 +6419,11 @@
           </a:ln>
         </p:spPr>
         <p:txBody>
-          <a:bodyPr anchorCtr="0" anchor="t" bIns="0" lIns="8075" spcFirstLastPara="1" rIns="0" wrap="square" tIns="0">
+          <a:bodyPr spcFirstLastPara="1" wrap="square" lIns="8075" tIns="0" rIns="0" bIns="0" anchor="t" anchorCtr="0">
             <a:noAutofit/>
           </a:bodyPr>
           <a:lstStyle>
-            <a:lvl1pPr indent="-336550" lvl="0" marL="457200" rtl="0" algn="l">
+            <a:lvl1pPr marL="457200" lvl="0" indent="-336550" algn="l" rtl="0">
               <a:lnSpc>
                 <a:spcPct val="90000"/>
               </a:lnSpc>
@@ -6334,7 +6440,7 @@
               <a:buChar char="●"/>
               <a:defRPr sz="1700"/>
             </a:lvl1pPr>
-            <a:lvl2pPr indent="-323850" lvl="1" marL="914400" rtl="0" algn="l">
+            <a:lvl2pPr marL="914400" lvl="1" indent="-323850" algn="l" rtl="0">
               <a:lnSpc>
                 <a:spcPct val="90000"/>
               </a:lnSpc>
@@ -6351,7 +6457,7 @@
               <a:buChar char="○"/>
               <a:defRPr sz="1500"/>
             </a:lvl2pPr>
-            <a:lvl3pPr indent="-317500" lvl="2" marL="1371600" rtl="0" algn="l">
+            <a:lvl3pPr marL="1371600" lvl="2" indent="-317500" algn="l" rtl="0">
               <a:lnSpc>
                 <a:spcPct val="90000"/>
               </a:lnSpc>
@@ -6368,7 +6474,7 @@
               <a:buChar char="■"/>
               <a:defRPr sz="1400"/>
             </a:lvl3pPr>
-            <a:lvl4pPr indent="-304800" lvl="3" marL="1828800" rtl="0" algn="l">
+            <a:lvl4pPr marL="1828800" lvl="3" indent="-304800" algn="l" rtl="0">
               <a:lnSpc>
                 <a:spcPct val="90000"/>
               </a:lnSpc>
@@ -6385,7 +6491,7 @@
               <a:buChar char="●"/>
               <a:defRPr sz="1200"/>
             </a:lvl4pPr>
-            <a:lvl5pPr indent="-304800" lvl="4" marL="2286000" rtl="0" algn="l">
+            <a:lvl5pPr marL="2286000" lvl="4" indent="-304800" algn="l" rtl="0">
               <a:lnSpc>
                 <a:spcPct val="90000"/>
               </a:lnSpc>
@@ -6402,7 +6508,7 @@
               <a:buChar char="○"/>
               <a:defRPr sz="1200"/>
             </a:lvl5pPr>
-            <a:lvl6pPr indent="-317500" lvl="5" marL="2743200" rtl="0" algn="l">
+            <a:lvl6pPr marL="2743200" lvl="5" indent="-317500" algn="l" rtl="0">
               <a:spcBef>
                 <a:spcPts val="800"/>
               </a:spcBef>
@@ -6416,7 +6522,7 @@
               <a:buChar char="■"/>
               <a:defRPr/>
             </a:lvl6pPr>
-            <a:lvl7pPr indent="-317500" lvl="6" marL="3200400" rtl="0" algn="l">
+            <a:lvl7pPr marL="3200400" lvl="6" indent="-317500" algn="l" rtl="0">
               <a:spcBef>
                 <a:spcPts val="1600"/>
               </a:spcBef>
@@ -6430,7 +6536,7 @@
               <a:buChar char="●"/>
               <a:defRPr/>
             </a:lvl7pPr>
-            <a:lvl8pPr indent="-317500" lvl="7" marL="3657600" rtl="0" algn="l">
+            <a:lvl8pPr marL="3657600" lvl="7" indent="-317500" algn="l" rtl="0">
               <a:spcBef>
                 <a:spcPts val="1600"/>
               </a:spcBef>
@@ -6444,7 +6550,7 @@
               <a:buChar char="○"/>
               <a:defRPr/>
             </a:lvl8pPr>
-            <a:lvl9pPr indent="-317500" lvl="8" marL="4114800" rtl="0" algn="l">
+            <a:lvl9pPr marL="4114800" lvl="8" indent="-317500" algn="l" rtl="0">
               <a:spcBef>
                 <a:spcPts val="1600"/>
               </a:spcBef>
@@ -6459,7 +6565,9 @@
               <a:defRPr/>
             </a:lvl9pPr>
           </a:lstStyle>
-          <a:p/>
+          <a:p>
+            <a:endParaRPr/>
+          </a:p>
         </p:txBody>
       </p:sp>
     </p:spTree>
@@ -6467,13 +6575,13 @@
   <p:clrMapOvr>
     <a:masterClrMapping/>
   </p:clrMapOvr>
-  <mc:AlternateContent>
+  <mc:AlternateContent xmlns:mc="http://schemas.openxmlformats.org/markup-compatibility/2006" xmlns:p14="http://schemas.microsoft.com/office/powerpoint/2010/main">
     <mc:Choice Requires="p14">
-      <p:transition spd="slow" p14:dur="700">
+      <p:transition spd="med" p14:dur="700">
         <p:fade/>
       </p:transition>
     </mc:Choice>
-    <mc:Fallback>
+    <mc:Fallback xmlns:p15="http://schemas.microsoft.com/office/powerpoint/2012/main" xmlns:com="http://schemas.openxmlformats.org/drawingml/2006/compatibility" xmlns:pvml="urn:schemas-microsoft-com:office:powerpoint" xmlns:v="urn:schemas-microsoft-com:vml" xmlns:o="urn:schemas-microsoft-com:office:office" xmlns:dgm="http://schemas.openxmlformats.org/drawingml/2006/diagram" xmlns:c="http://schemas.openxmlformats.org/drawingml/2006/chart" xmlns:mv="urn:schemas-microsoft-com:mac:vml" xmlns="">
       <p:transition spd="slow">
         <p:fade/>
       </p:transition>
@@ -6483,11 +6591,11 @@
 </file>
 
 <file path=ppt/slideLayouts/slideLayout14.xml><?xml version="1.0" encoding="utf-8"?>
-<p:sldLayout xmlns:a="http://schemas.openxmlformats.org/drawingml/2006/main" xmlns:r="http://schemas.openxmlformats.org/officeDocument/2006/relationships" xmlns:mc="http://schemas.openxmlformats.org/markup-compatibility/2006" xmlns:mv="urn:schemas-microsoft-com:mac:vml" xmlns:p="http://schemas.openxmlformats.org/presentationml/2006/main" xmlns:c="http://schemas.openxmlformats.org/drawingml/2006/chart" xmlns:dgm="http://schemas.openxmlformats.org/drawingml/2006/diagram" xmlns:o="urn:schemas-microsoft-com:office:office" xmlns:v="urn:schemas-microsoft-com:vml" xmlns:pvml="urn:schemas-microsoft-com:office:powerpoint" xmlns:com="http://schemas.openxmlformats.org/drawingml/2006/compatibility" xmlns:p14="http://schemas.microsoft.com/office/powerpoint/2010/main" xmlns:p15="http://schemas.microsoft.com/office/powerpoint/2012/main" matchingName="SLIDE 3">
+<p:sldLayout xmlns:a="http://schemas.openxmlformats.org/drawingml/2006/main" xmlns:r="http://schemas.openxmlformats.org/officeDocument/2006/relationships" xmlns:p="http://schemas.openxmlformats.org/presentationml/2006/main" matchingName="SLIDE 3">
   <p:cSld name="SLIDE 3">
     <p:spTree>
       <p:nvGrpSpPr>
-        <p:cNvPr id="100" name="Shape 100"/>
+        <p:cNvPr id="1" name="Shape 100"/>
         <p:cNvGrpSpPr/>
         <p:nvPr/>
       </p:nvGrpSpPr>
@@ -6502,7 +6610,9 @@
       <p:sp>
         <p:nvSpPr>
           <p:cNvPr id="101" name="Google Shape;101;p15"/>
-          <p:cNvSpPr txBox="1"/>
+          <p:cNvSpPr txBox="1">
+            <a:spLocks noGrp="1"/>
+          </p:cNvSpPr>
           <p:nvPr>
             <p:ph type="title"/>
           </p:nvPr>
@@ -6521,11 +6631,11 @@
           </a:ln>
         </p:spPr>
         <p:txBody>
-          <a:bodyPr anchorCtr="0" anchor="t" bIns="0" lIns="0" spcFirstLastPara="1" rIns="0" wrap="square" tIns="0">
+          <a:bodyPr spcFirstLastPara="1" wrap="square" lIns="0" tIns="0" rIns="0" bIns="0" anchor="t" anchorCtr="0">
             <a:noAutofit/>
           </a:bodyPr>
           <a:lstStyle>
-            <a:lvl1pPr lvl="0" rtl="0" algn="l">
+            <a:lvl1pPr lvl="0" algn="l" rtl="0">
               <a:spcBef>
                 <a:spcPts val="0"/>
               </a:spcBef>
@@ -6628,15 +6738,19 @@
               <a:defRPr/>
             </a:lvl9pPr>
           </a:lstStyle>
-          <a:p/>
+          <a:p>
+            <a:endParaRPr/>
+          </a:p>
         </p:txBody>
       </p:sp>
       <p:sp>
         <p:nvSpPr>
           <p:cNvPr id="102" name="Google Shape;102;p15"/>
-          <p:cNvSpPr txBox="1"/>
+          <p:cNvSpPr txBox="1">
+            <a:spLocks noGrp="1"/>
+          </p:cNvSpPr>
           <p:nvPr>
-            <p:ph idx="1" type="body"/>
+            <p:ph type="body" idx="1"/>
           </p:nvPr>
         </p:nvSpPr>
         <p:spPr>
@@ -6653,11 +6767,11 @@
           </a:ln>
         </p:spPr>
         <p:txBody>
-          <a:bodyPr anchorCtr="0" anchor="t" bIns="0" lIns="8075" spcFirstLastPara="1" rIns="0" wrap="square" tIns="0">
+          <a:bodyPr spcFirstLastPara="1" wrap="square" lIns="8075" tIns="0" rIns="0" bIns="0" anchor="t" anchorCtr="0">
             <a:noAutofit/>
           </a:bodyPr>
           <a:lstStyle>
-            <a:lvl1pPr indent="-228600" lvl="0" marL="457200" rtl="0" algn="l">
+            <a:lvl1pPr marL="457200" lvl="0" indent="-228600" algn="l" rtl="0">
               <a:lnSpc>
                 <a:spcPct val="90000"/>
               </a:lnSpc>
@@ -6674,7 +6788,7 @@
               <a:buNone/>
               <a:defRPr/>
             </a:lvl1pPr>
-            <a:lvl2pPr indent="-317500" lvl="1" marL="914400" rtl="0" algn="l">
+            <a:lvl2pPr marL="914400" lvl="1" indent="-317500" algn="l" rtl="0">
               <a:lnSpc>
                 <a:spcPct val="90000"/>
               </a:lnSpc>
@@ -6691,7 +6805,7 @@
               <a:buChar char="○"/>
               <a:defRPr/>
             </a:lvl2pPr>
-            <a:lvl3pPr indent="-317500" lvl="2" marL="1371600" rtl="0" algn="l">
+            <a:lvl3pPr marL="1371600" lvl="2" indent="-317500" algn="l" rtl="0">
               <a:lnSpc>
                 <a:spcPct val="90000"/>
               </a:lnSpc>
@@ -6708,7 +6822,7 @@
               <a:buChar char="■"/>
               <a:defRPr/>
             </a:lvl3pPr>
-            <a:lvl4pPr indent="-317500" lvl="3" marL="1828800" rtl="0" algn="l">
+            <a:lvl4pPr marL="1828800" lvl="3" indent="-317500" algn="l" rtl="0">
               <a:lnSpc>
                 <a:spcPct val="90000"/>
               </a:lnSpc>
@@ -6725,7 +6839,7 @@
               <a:buChar char="●"/>
               <a:defRPr/>
             </a:lvl4pPr>
-            <a:lvl5pPr indent="-317500" lvl="4" marL="2286000" rtl="0" algn="l">
+            <a:lvl5pPr marL="2286000" lvl="4" indent="-317500" algn="l" rtl="0">
               <a:lnSpc>
                 <a:spcPct val="90000"/>
               </a:lnSpc>
@@ -6742,7 +6856,7 @@
               <a:buChar char="○"/>
               <a:defRPr/>
             </a:lvl5pPr>
-            <a:lvl6pPr indent="-317500" lvl="5" marL="2743200" rtl="0" algn="l">
+            <a:lvl6pPr marL="2743200" lvl="5" indent="-317500" algn="l" rtl="0">
               <a:spcBef>
                 <a:spcPts val="800"/>
               </a:spcBef>
@@ -6756,7 +6870,7 @@
               <a:buChar char="■"/>
               <a:defRPr/>
             </a:lvl6pPr>
-            <a:lvl7pPr indent="-317500" lvl="6" marL="3200400" rtl="0" algn="l">
+            <a:lvl7pPr marL="3200400" lvl="6" indent="-317500" algn="l" rtl="0">
               <a:spcBef>
                 <a:spcPts val="1600"/>
               </a:spcBef>
@@ -6770,7 +6884,7 @@
               <a:buChar char="●"/>
               <a:defRPr/>
             </a:lvl7pPr>
-            <a:lvl8pPr indent="-317500" lvl="7" marL="3657600" rtl="0" algn="l">
+            <a:lvl8pPr marL="3657600" lvl="7" indent="-317500" algn="l" rtl="0">
               <a:spcBef>
                 <a:spcPts val="1600"/>
               </a:spcBef>
@@ -6784,7 +6898,7 @@
               <a:buChar char="○"/>
               <a:defRPr/>
             </a:lvl8pPr>
-            <a:lvl9pPr indent="-317500" lvl="8" marL="4114800" rtl="0" algn="l">
+            <a:lvl9pPr marL="4114800" lvl="8" indent="-317500" algn="l" rtl="0">
               <a:spcBef>
                 <a:spcPts val="1600"/>
               </a:spcBef>
@@ -6799,15 +6913,19 @@
               <a:defRPr/>
             </a:lvl9pPr>
           </a:lstStyle>
-          <a:p/>
+          <a:p>
+            <a:endParaRPr/>
+          </a:p>
         </p:txBody>
       </p:sp>
       <p:sp>
         <p:nvSpPr>
           <p:cNvPr id="103" name="Google Shape;103;p15"/>
-          <p:cNvSpPr txBox="1"/>
+          <p:cNvSpPr txBox="1">
+            <a:spLocks noGrp="1"/>
+          </p:cNvSpPr>
           <p:nvPr>
-            <p:ph idx="2" type="body"/>
+            <p:ph type="body" idx="2"/>
           </p:nvPr>
         </p:nvSpPr>
         <p:spPr>
@@ -6824,11 +6942,11 @@
           </a:ln>
         </p:spPr>
         <p:txBody>
-          <a:bodyPr anchorCtr="0" anchor="t" bIns="0" lIns="8075" spcFirstLastPara="1" rIns="0" wrap="square" tIns="0">
+          <a:bodyPr spcFirstLastPara="1" wrap="square" lIns="8075" tIns="0" rIns="0" bIns="0" anchor="t" anchorCtr="0">
             <a:noAutofit/>
           </a:bodyPr>
           <a:lstStyle>
-            <a:lvl1pPr indent="-336550" lvl="0" marL="457200" rtl="0" algn="l">
+            <a:lvl1pPr marL="457200" lvl="0" indent="-336550" algn="l" rtl="0">
               <a:lnSpc>
                 <a:spcPct val="90000"/>
               </a:lnSpc>
@@ -6845,7 +6963,7 @@
               <a:buChar char="●"/>
               <a:defRPr sz="1700"/>
             </a:lvl1pPr>
-            <a:lvl2pPr indent="-323850" lvl="1" marL="914400" rtl="0" algn="l">
+            <a:lvl2pPr marL="914400" lvl="1" indent="-323850" algn="l" rtl="0">
               <a:lnSpc>
                 <a:spcPct val="90000"/>
               </a:lnSpc>
@@ -6862,7 +6980,7 @@
               <a:buChar char="○"/>
               <a:defRPr sz="1500"/>
             </a:lvl2pPr>
-            <a:lvl3pPr indent="-317500" lvl="2" marL="1371600" rtl="0" algn="l">
+            <a:lvl3pPr marL="1371600" lvl="2" indent="-317500" algn="l" rtl="0">
               <a:lnSpc>
                 <a:spcPct val="90000"/>
               </a:lnSpc>
@@ -6879,7 +6997,7 @@
               <a:buChar char="■"/>
               <a:defRPr sz="1400"/>
             </a:lvl3pPr>
-            <a:lvl4pPr indent="-304800" lvl="3" marL="1828800" rtl="0" algn="l">
+            <a:lvl4pPr marL="1828800" lvl="3" indent="-304800" algn="l" rtl="0">
               <a:lnSpc>
                 <a:spcPct val="90000"/>
               </a:lnSpc>
@@ -6896,7 +7014,7 @@
               <a:buChar char="●"/>
               <a:defRPr sz="1200"/>
             </a:lvl4pPr>
-            <a:lvl5pPr indent="-304800" lvl="4" marL="2286000" rtl="0" algn="l">
+            <a:lvl5pPr marL="2286000" lvl="4" indent="-304800" algn="l" rtl="0">
               <a:lnSpc>
                 <a:spcPct val="90000"/>
               </a:lnSpc>
@@ -6913,7 +7031,7 @@
               <a:buChar char="○"/>
               <a:defRPr sz="1200"/>
             </a:lvl5pPr>
-            <a:lvl6pPr indent="-317500" lvl="5" marL="2743200" rtl="0" algn="l">
+            <a:lvl6pPr marL="2743200" lvl="5" indent="-317500" algn="l" rtl="0">
               <a:spcBef>
                 <a:spcPts val="800"/>
               </a:spcBef>
@@ -6927,7 +7045,7 @@
               <a:buChar char="■"/>
               <a:defRPr/>
             </a:lvl6pPr>
-            <a:lvl7pPr indent="-317500" lvl="6" marL="3200400" rtl="0" algn="l">
+            <a:lvl7pPr marL="3200400" lvl="6" indent="-317500" algn="l" rtl="0">
               <a:spcBef>
                 <a:spcPts val="1600"/>
               </a:spcBef>
@@ -6941,7 +7059,7 @@
               <a:buChar char="●"/>
               <a:defRPr/>
             </a:lvl7pPr>
-            <a:lvl8pPr indent="-317500" lvl="7" marL="3657600" rtl="0" algn="l">
+            <a:lvl8pPr marL="3657600" lvl="7" indent="-317500" algn="l" rtl="0">
               <a:spcBef>
                 <a:spcPts val="1600"/>
               </a:spcBef>
@@ -6955,7 +7073,7 @@
               <a:buChar char="○"/>
               <a:defRPr/>
             </a:lvl8pPr>
-            <a:lvl9pPr indent="-317500" lvl="8" marL="4114800" rtl="0" algn="l">
+            <a:lvl9pPr marL="4114800" lvl="8" indent="-317500" algn="l" rtl="0">
               <a:spcBef>
                 <a:spcPts val="1600"/>
               </a:spcBef>
@@ -6970,15 +7088,19 @@
               <a:defRPr/>
             </a:lvl9pPr>
           </a:lstStyle>
-          <a:p/>
+          <a:p>
+            <a:endParaRPr/>
+          </a:p>
         </p:txBody>
       </p:sp>
       <p:sp>
         <p:nvSpPr>
           <p:cNvPr id="104" name="Google Shape;104;p15"/>
-          <p:cNvSpPr txBox="1"/>
+          <p:cNvSpPr txBox="1">
+            <a:spLocks noGrp="1"/>
+          </p:cNvSpPr>
           <p:nvPr>
-            <p:ph idx="3" type="body"/>
+            <p:ph type="body" idx="3"/>
           </p:nvPr>
         </p:nvSpPr>
         <p:spPr>
@@ -6995,11 +7117,11 @@
           </a:ln>
         </p:spPr>
         <p:txBody>
-          <a:bodyPr anchorCtr="0" anchor="t" bIns="0" lIns="8075" spcFirstLastPara="1" rIns="0" wrap="square" tIns="0">
+          <a:bodyPr spcFirstLastPara="1" wrap="square" lIns="8075" tIns="0" rIns="0" bIns="0" anchor="t" anchorCtr="0">
             <a:noAutofit/>
           </a:bodyPr>
           <a:lstStyle>
-            <a:lvl1pPr indent="-336550" lvl="0" marL="457200" rtl="0" algn="l">
+            <a:lvl1pPr marL="457200" lvl="0" indent="-336550" algn="l" rtl="0">
               <a:lnSpc>
                 <a:spcPct val="90000"/>
               </a:lnSpc>
@@ -7016,7 +7138,7 @@
               <a:buChar char="●"/>
               <a:defRPr sz="1700"/>
             </a:lvl1pPr>
-            <a:lvl2pPr indent="-323850" lvl="1" marL="914400" rtl="0" algn="l">
+            <a:lvl2pPr marL="914400" lvl="1" indent="-323850" algn="l" rtl="0">
               <a:lnSpc>
                 <a:spcPct val="90000"/>
               </a:lnSpc>
@@ -7033,7 +7155,7 @@
               <a:buChar char="○"/>
               <a:defRPr sz="1500"/>
             </a:lvl2pPr>
-            <a:lvl3pPr indent="-317500" lvl="2" marL="1371600" rtl="0" algn="l">
+            <a:lvl3pPr marL="1371600" lvl="2" indent="-317500" algn="l" rtl="0">
               <a:lnSpc>
                 <a:spcPct val="90000"/>
               </a:lnSpc>
@@ -7050,7 +7172,7 @@
               <a:buChar char="■"/>
               <a:defRPr sz="1400"/>
             </a:lvl3pPr>
-            <a:lvl4pPr indent="-304800" lvl="3" marL="1828800" rtl="0" algn="l">
+            <a:lvl4pPr marL="1828800" lvl="3" indent="-304800" algn="l" rtl="0">
               <a:lnSpc>
                 <a:spcPct val="90000"/>
               </a:lnSpc>
@@ -7067,7 +7189,7 @@
               <a:buChar char="●"/>
               <a:defRPr sz="1200"/>
             </a:lvl4pPr>
-            <a:lvl5pPr indent="-304800" lvl="4" marL="2286000" rtl="0" algn="l">
+            <a:lvl5pPr marL="2286000" lvl="4" indent="-304800" algn="l" rtl="0">
               <a:lnSpc>
                 <a:spcPct val="90000"/>
               </a:lnSpc>
@@ -7084,7 +7206,7 @@
               <a:buChar char="○"/>
               <a:defRPr sz="1200"/>
             </a:lvl5pPr>
-            <a:lvl6pPr indent="-317500" lvl="5" marL="2743200" rtl="0" algn="l">
+            <a:lvl6pPr marL="2743200" lvl="5" indent="-317500" algn="l" rtl="0">
               <a:spcBef>
                 <a:spcPts val="800"/>
               </a:spcBef>
@@ -7098,7 +7220,7 @@
               <a:buChar char="■"/>
               <a:defRPr/>
             </a:lvl6pPr>
-            <a:lvl7pPr indent="-317500" lvl="6" marL="3200400" rtl="0" algn="l">
+            <a:lvl7pPr marL="3200400" lvl="6" indent="-317500" algn="l" rtl="0">
               <a:spcBef>
                 <a:spcPts val="1600"/>
               </a:spcBef>
@@ -7112,7 +7234,7 @@
               <a:buChar char="●"/>
               <a:defRPr/>
             </a:lvl7pPr>
-            <a:lvl8pPr indent="-317500" lvl="7" marL="3657600" rtl="0" algn="l">
+            <a:lvl8pPr marL="3657600" lvl="7" indent="-317500" algn="l" rtl="0">
               <a:spcBef>
                 <a:spcPts val="1600"/>
               </a:spcBef>
@@ -7126,7 +7248,7 @@
               <a:buChar char="○"/>
               <a:defRPr/>
             </a:lvl8pPr>
-            <a:lvl9pPr indent="-317500" lvl="8" marL="4114800" rtl="0" algn="l">
+            <a:lvl9pPr marL="4114800" lvl="8" indent="-317500" algn="l" rtl="0">
               <a:spcBef>
                 <a:spcPts val="1600"/>
               </a:spcBef>
@@ -7141,15 +7263,19 @@
               <a:defRPr/>
             </a:lvl9pPr>
           </a:lstStyle>
-          <a:p/>
+          <a:p>
+            <a:endParaRPr/>
+          </a:p>
         </p:txBody>
       </p:sp>
       <p:sp>
         <p:nvSpPr>
           <p:cNvPr id="105" name="Google Shape;105;p15"/>
-          <p:cNvSpPr txBox="1"/>
+          <p:cNvSpPr txBox="1">
+            <a:spLocks noGrp="1"/>
+          </p:cNvSpPr>
           <p:nvPr>
-            <p:ph idx="11" type="ftr"/>
+            <p:ph type="ftr" idx="11"/>
           </p:nvPr>
         </p:nvSpPr>
         <p:spPr>
@@ -7166,11 +7292,11 @@
           </a:ln>
         </p:spPr>
         <p:txBody>
-          <a:bodyPr anchorCtr="0" anchor="b" bIns="0" lIns="0" spcFirstLastPara="1" rIns="0" wrap="square" tIns="0">
+          <a:bodyPr spcFirstLastPara="1" wrap="square" lIns="0" tIns="0" rIns="0" bIns="0" anchor="b" anchorCtr="0">
             <a:noAutofit/>
           </a:bodyPr>
           <a:lstStyle>
-            <a:lvl1pPr lvl="0" rtl="0" algn="ctr">
+            <a:lvl1pPr lvl="0" algn="ctr" rtl="0">
               <a:lnSpc>
                 <a:spcPct val="90000"/>
               </a:lnSpc>
@@ -7192,7 +7318,7 @@
                 <a:sym typeface="Calibri"/>
               </a:defRPr>
             </a:lvl1pPr>
-            <a:lvl2pPr lvl="1" rtl="0" algn="l">
+            <a:lvl2pPr lvl="1" algn="l" rtl="0">
               <a:spcBef>
                 <a:spcPts val="800"/>
               </a:spcBef>
@@ -7203,7 +7329,7 @@
               <a:buNone/>
               <a:defRPr/>
             </a:lvl2pPr>
-            <a:lvl3pPr lvl="2" rtl="0" algn="l">
+            <a:lvl3pPr lvl="2" algn="l" rtl="0">
               <a:spcBef>
                 <a:spcPts val="0"/>
               </a:spcBef>
@@ -7214,7 +7340,7 @@
               <a:buNone/>
               <a:defRPr/>
             </a:lvl3pPr>
-            <a:lvl4pPr lvl="3" rtl="0" algn="l">
+            <a:lvl4pPr lvl="3" algn="l" rtl="0">
               <a:spcBef>
                 <a:spcPts val="0"/>
               </a:spcBef>
@@ -7225,7 +7351,7 @@
               <a:buNone/>
               <a:defRPr/>
             </a:lvl4pPr>
-            <a:lvl5pPr lvl="4" rtl="0" algn="l">
+            <a:lvl5pPr lvl="4" algn="l" rtl="0">
               <a:spcBef>
                 <a:spcPts val="0"/>
               </a:spcBef>
@@ -7236,7 +7362,7 @@
               <a:buNone/>
               <a:defRPr/>
             </a:lvl5pPr>
-            <a:lvl6pPr lvl="5" rtl="0" algn="l">
+            <a:lvl6pPr lvl="5" algn="l" rtl="0">
               <a:spcBef>
                 <a:spcPts val="0"/>
               </a:spcBef>
@@ -7247,7 +7373,7 @@
               <a:buNone/>
               <a:defRPr/>
             </a:lvl6pPr>
-            <a:lvl7pPr lvl="6" rtl="0" algn="l">
+            <a:lvl7pPr lvl="6" algn="l" rtl="0">
               <a:spcBef>
                 <a:spcPts val="0"/>
               </a:spcBef>
@@ -7258,7 +7384,7 @@
               <a:buNone/>
               <a:defRPr/>
             </a:lvl7pPr>
-            <a:lvl8pPr lvl="7" rtl="0" algn="l">
+            <a:lvl8pPr lvl="7" algn="l" rtl="0">
               <a:spcBef>
                 <a:spcPts val="0"/>
               </a:spcBef>
@@ -7269,7 +7395,7 @@
               <a:buNone/>
               <a:defRPr/>
             </a:lvl8pPr>
-            <a:lvl9pPr lvl="8" rtl="0" algn="l">
+            <a:lvl9pPr lvl="8" algn="l" rtl="0">
               <a:spcBef>
                 <a:spcPts val="0"/>
               </a:spcBef>
@@ -7281,15 +7407,19 @@
               <a:defRPr/>
             </a:lvl9pPr>
           </a:lstStyle>
-          <a:p/>
+          <a:p>
+            <a:endParaRPr/>
+          </a:p>
         </p:txBody>
       </p:sp>
       <p:sp>
         <p:nvSpPr>
           <p:cNvPr id="106" name="Google Shape;106;p15"/>
-          <p:cNvSpPr txBox="1"/>
+          <p:cNvSpPr txBox="1">
+            <a:spLocks noGrp="1"/>
+          </p:cNvSpPr>
           <p:nvPr>
-            <p:ph idx="12" type="sldNum"/>
+            <p:ph type="sldNum" idx="12"/>
           </p:nvPr>
         </p:nvSpPr>
         <p:spPr>
@@ -7306,11 +7436,11 @@
           </a:ln>
         </p:spPr>
         <p:txBody>
-          <a:bodyPr anchorCtr="0" anchor="b" bIns="0" lIns="0" spcFirstLastPara="1" rIns="0" wrap="square" tIns="0">
+          <a:bodyPr spcFirstLastPara="1" wrap="square" lIns="0" tIns="0" rIns="0" bIns="0" anchor="b" anchorCtr="0">
             <a:noAutofit/>
           </a:bodyPr>
           <a:lstStyle>
-            <a:lvl1pPr indent="0" lvl="0" marL="0" rtl="0" algn="l">
+            <a:lvl1pPr marL="0" lvl="0" indent="0" algn="l" rtl="0">
               <a:lnSpc>
                 <a:spcPct val="90000"/>
               </a:lnSpc>
@@ -7321,7 +7451,7 @@
                 <a:spcPts val="0"/>
               </a:spcAft>
               <a:buNone/>
-              <a:defRPr b="1" sz="1100">
+              <a:defRPr sz="1100" b="1">
                 <a:solidFill>
                   <a:schemeClr val="lt1"/>
                 </a:solidFill>
@@ -7331,7 +7461,7 @@
                 <a:sym typeface="Calibri"/>
               </a:defRPr>
             </a:lvl1pPr>
-            <a:lvl2pPr indent="0" lvl="1" marL="0" rtl="0" algn="l">
+            <a:lvl2pPr marL="0" lvl="1" indent="0" algn="l" rtl="0">
               <a:lnSpc>
                 <a:spcPct val="90000"/>
               </a:lnSpc>
@@ -7342,7 +7472,7 @@
                 <a:spcPts val="0"/>
               </a:spcAft>
               <a:buNone/>
-              <a:defRPr b="1" sz="1100">
+              <a:defRPr sz="1100" b="1">
                 <a:solidFill>
                   <a:schemeClr val="lt1"/>
                 </a:solidFill>
@@ -7352,7 +7482,7 @@
                 <a:sym typeface="Calibri"/>
               </a:defRPr>
             </a:lvl2pPr>
-            <a:lvl3pPr indent="0" lvl="2" marL="0" rtl="0" algn="l">
+            <a:lvl3pPr marL="0" lvl="2" indent="0" algn="l" rtl="0">
               <a:lnSpc>
                 <a:spcPct val="90000"/>
               </a:lnSpc>
@@ -7363,7 +7493,7 @@
                 <a:spcPts val="0"/>
               </a:spcAft>
               <a:buNone/>
-              <a:defRPr b="1" sz="1100">
+              <a:defRPr sz="1100" b="1">
                 <a:solidFill>
                   <a:schemeClr val="lt1"/>
                 </a:solidFill>
@@ -7373,7 +7503,7 @@
                 <a:sym typeface="Calibri"/>
               </a:defRPr>
             </a:lvl3pPr>
-            <a:lvl4pPr indent="0" lvl="3" marL="0" rtl="0" algn="l">
+            <a:lvl4pPr marL="0" lvl="3" indent="0" algn="l" rtl="0">
               <a:lnSpc>
                 <a:spcPct val="90000"/>
               </a:lnSpc>
@@ -7384,7 +7514,7 @@
                 <a:spcPts val="0"/>
               </a:spcAft>
               <a:buNone/>
-              <a:defRPr b="1" sz="1100">
+              <a:defRPr sz="1100" b="1">
                 <a:solidFill>
                   <a:schemeClr val="lt1"/>
                 </a:solidFill>
@@ -7394,7 +7524,7 @@
                 <a:sym typeface="Calibri"/>
               </a:defRPr>
             </a:lvl4pPr>
-            <a:lvl5pPr indent="0" lvl="4" marL="0" rtl="0" algn="l">
+            <a:lvl5pPr marL="0" lvl="4" indent="0" algn="l" rtl="0">
               <a:lnSpc>
                 <a:spcPct val="90000"/>
               </a:lnSpc>
@@ -7405,7 +7535,7 @@
                 <a:spcPts val="0"/>
               </a:spcAft>
               <a:buNone/>
-              <a:defRPr b="1" sz="1100">
+              <a:defRPr sz="1100" b="1">
                 <a:solidFill>
                   <a:schemeClr val="lt1"/>
                 </a:solidFill>
@@ -7415,7 +7545,7 @@
                 <a:sym typeface="Calibri"/>
               </a:defRPr>
             </a:lvl5pPr>
-            <a:lvl6pPr indent="0" lvl="5" marL="0" rtl="0" algn="l">
+            <a:lvl6pPr marL="0" lvl="5" indent="0" algn="l" rtl="0">
               <a:lnSpc>
                 <a:spcPct val="90000"/>
               </a:lnSpc>
@@ -7426,7 +7556,7 @@
                 <a:spcPts val="0"/>
               </a:spcAft>
               <a:buNone/>
-              <a:defRPr b="1" sz="1100">
+              <a:defRPr sz="1100" b="1">
                 <a:solidFill>
                   <a:schemeClr val="lt1"/>
                 </a:solidFill>
@@ -7436,7 +7566,7 @@
                 <a:sym typeface="Calibri"/>
               </a:defRPr>
             </a:lvl6pPr>
-            <a:lvl7pPr indent="0" lvl="6" marL="0" rtl="0" algn="l">
+            <a:lvl7pPr marL="0" lvl="6" indent="0" algn="l" rtl="0">
               <a:lnSpc>
                 <a:spcPct val="90000"/>
               </a:lnSpc>
@@ -7447,7 +7577,7 @@
                 <a:spcPts val="0"/>
               </a:spcAft>
               <a:buNone/>
-              <a:defRPr b="1" sz="1100">
+              <a:defRPr sz="1100" b="1">
                 <a:solidFill>
                   <a:schemeClr val="lt1"/>
                 </a:solidFill>
@@ -7457,7 +7587,7 @@
                 <a:sym typeface="Calibri"/>
               </a:defRPr>
             </a:lvl7pPr>
-            <a:lvl8pPr indent="0" lvl="7" marL="0" rtl="0" algn="l">
+            <a:lvl8pPr marL="0" lvl="7" indent="0" algn="l" rtl="0">
               <a:lnSpc>
                 <a:spcPct val="90000"/>
               </a:lnSpc>
@@ -7468,7 +7598,7 @@
                 <a:spcPts val="0"/>
               </a:spcAft>
               <a:buNone/>
-              <a:defRPr b="1" sz="1100">
+              <a:defRPr sz="1100" b="1">
                 <a:solidFill>
                   <a:schemeClr val="lt1"/>
                 </a:solidFill>
@@ -7478,7 +7608,7 @@
                 <a:sym typeface="Calibri"/>
               </a:defRPr>
             </a:lvl8pPr>
-            <a:lvl9pPr indent="0" lvl="8" marL="0" rtl="0" algn="l">
+            <a:lvl9pPr marL="0" lvl="8" indent="0" algn="l" rtl="0">
               <a:lnSpc>
                 <a:spcPct val="90000"/>
               </a:lnSpc>
@@ -7489,7 +7619,7 @@
                 <a:spcPts val="0"/>
               </a:spcAft>
               <a:buNone/>
-              <a:defRPr b="1" sz="1100">
+              <a:defRPr sz="1100" b="1">
                 <a:solidFill>
                   <a:schemeClr val="lt1"/>
                 </a:solidFill>
@@ -7501,7 +7631,7 @@
             </a:lvl9pPr>
           </a:lstStyle>
           <a:p>
-            <a:pPr indent="0" lvl="0" marL="0" rtl="0" algn="l">
+            <a:pPr marL="0" lvl="0" indent="0" algn="l" rtl="0">
               <a:spcBef>
                 <a:spcPts val="0"/>
               </a:spcBef>
@@ -7523,13 +7653,13 @@
   <p:clrMapOvr>
     <a:masterClrMapping/>
   </p:clrMapOvr>
-  <mc:AlternateContent>
+  <mc:AlternateContent xmlns:mc="http://schemas.openxmlformats.org/markup-compatibility/2006" xmlns:p14="http://schemas.microsoft.com/office/powerpoint/2010/main">
     <mc:Choice Requires="p14">
-      <p:transition spd="slow" p14:dur="700">
+      <p:transition spd="med" p14:dur="700">
         <p:fade/>
       </p:transition>
     </mc:Choice>
-    <mc:Fallback>
+    <mc:Fallback xmlns:p15="http://schemas.microsoft.com/office/powerpoint/2012/main" xmlns:com="http://schemas.openxmlformats.org/drawingml/2006/compatibility" xmlns:pvml="urn:schemas-microsoft-com:office:powerpoint" xmlns:v="urn:schemas-microsoft-com:vml" xmlns:o="urn:schemas-microsoft-com:office:office" xmlns:dgm="http://schemas.openxmlformats.org/drawingml/2006/diagram" xmlns:c="http://schemas.openxmlformats.org/drawingml/2006/chart" xmlns:mv="urn:schemas-microsoft-com:mac:vml" xmlns="">
       <p:transition spd="slow">
         <p:fade/>
       </p:transition>
@@ -7539,11 +7669,11 @@
 </file>
 
 <file path=ppt/slideLayouts/slideLayout15.xml><?xml version="1.0" encoding="utf-8"?>
-<p:sldLayout xmlns:a="http://schemas.openxmlformats.org/drawingml/2006/main" xmlns:r="http://schemas.openxmlformats.org/officeDocument/2006/relationships" xmlns:mc="http://schemas.openxmlformats.org/markup-compatibility/2006" xmlns:mv="urn:schemas-microsoft-com:mac:vml" xmlns:p="http://schemas.openxmlformats.org/presentationml/2006/main" xmlns:c="http://schemas.openxmlformats.org/drawingml/2006/chart" xmlns:dgm="http://schemas.openxmlformats.org/drawingml/2006/diagram" xmlns:o="urn:schemas-microsoft-com:office:office" xmlns:v="urn:schemas-microsoft-com:vml" xmlns:pvml="urn:schemas-microsoft-com:office:powerpoint" xmlns:com="http://schemas.openxmlformats.org/drawingml/2006/compatibility" xmlns:p14="http://schemas.microsoft.com/office/powerpoint/2010/main" xmlns:p15="http://schemas.microsoft.com/office/powerpoint/2012/main" matchingName="RED">
+<p:sldLayout xmlns:a="http://schemas.openxmlformats.org/drawingml/2006/main" xmlns:r="http://schemas.openxmlformats.org/officeDocument/2006/relationships" xmlns:p="http://schemas.openxmlformats.org/presentationml/2006/main" matchingName="RED">
   <p:cSld name="RED">
     <p:spTree>
       <p:nvGrpSpPr>
-        <p:cNvPr id="107" name="Shape 107"/>
+        <p:cNvPr id="1" name="Shape 107"/>
         <p:cNvGrpSpPr/>
         <p:nvPr/>
       </p:nvGrpSpPr>
@@ -7577,12 +7707,12 @@
           </a:ln>
         </p:spPr>
         <p:txBody>
-          <a:bodyPr anchorCtr="0" anchor="t" bIns="34275" lIns="68550" spcFirstLastPara="1" rIns="68550" wrap="square" tIns="34275">
+          <a:bodyPr spcFirstLastPara="1" wrap="square" lIns="68550" tIns="34275" rIns="68550" bIns="34275" anchor="t" anchorCtr="0">
             <a:noAutofit/>
           </a:bodyPr>
           <a:lstStyle/>
           <a:p>
-            <a:pPr indent="0" lvl="0" marL="0" marR="0" rtl="0" algn="l">
+            <a:pPr marL="0" marR="0" lvl="0" indent="0" algn="l" rtl="0">
               <a:spcBef>
                 <a:spcPts val="0"/>
               </a:spcBef>
@@ -7591,9 +7721,6 @@
               </a:spcAft>
               <a:buNone/>
             </a:pPr>
-            <a:r>
-              <a:t/>
-            </a:r>
             <a:endParaRPr sz="1400">
               <a:solidFill>
                 <a:schemeClr val="dk1"/>
@@ -7609,7 +7736,9 @@
       <p:sp>
         <p:nvSpPr>
           <p:cNvPr id="109" name="Google Shape;109;p16"/>
-          <p:cNvSpPr txBox="1"/>
+          <p:cNvSpPr txBox="1">
+            <a:spLocks noGrp="1"/>
+          </p:cNvSpPr>
           <p:nvPr>
             <p:ph type="title"/>
           </p:nvPr>
@@ -7628,11 +7757,11 @@
           </a:ln>
         </p:spPr>
         <p:txBody>
-          <a:bodyPr anchorCtr="0" anchor="t" bIns="0" lIns="0" spcFirstLastPara="1" rIns="0" wrap="square" tIns="0">
+          <a:bodyPr spcFirstLastPara="1" wrap="square" lIns="0" tIns="0" rIns="0" bIns="0" anchor="t" anchorCtr="0">
             <a:noAutofit/>
           </a:bodyPr>
           <a:lstStyle>
-            <a:lvl1pPr lvl="0" rtl="0" algn="l">
+            <a:lvl1pPr lvl="0" algn="l" rtl="0">
               <a:spcBef>
                 <a:spcPts val="0"/>
               </a:spcBef>
@@ -7740,15 +7869,19 @@
               <a:defRPr/>
             </a:lvl9pPr>
           </a:lstStyle>
-          <a:p/>
+          <a:p>
+            <a:endParaRPr/>
+          </a:p>
         </p:txBody>
       </p:sp>
       <p:sp>
         <p:nvSpPr>
           <p:cNvPr id="110" name="Google Shape;110;p16"/>
-          <p:cNvSpPr txBox="1"/>
+          <p:cNvSpPr txBox="1">
+            <a:spLocks noGrp="1"/>
+          </p:cNvSpPr>
           <p:nvPr>
-            <p:ph idx="11" type="ftr"/>
+            <p:ph type="ftr" idx="11"/>
           </p:nvPr>
         </p:nvSpPr>
         <p:spPr>
@@ -7765,11 +7898,11 @@
           </a:ln>
         </p:spPr>
         <p:txBody>
-          <a:bodyPr anchorCtr="0" anchor="b" bIns="0" lIns="0" spcFirstLastPara="1" rIns="0" wrap="square" tIns="0">
+          <a:bodyPr spcFirstLastPara="1" wrap="square" lIns="0" tIns="0" rIns="0" bIns="0" anchor="b" anchorCtr="0">
             <a:noAutofit/>
           </a:bodyPr>
           <a:lstStyle>
-            <a:lvl1pPr lvl="0" rtl="0" algn="ctr">
+            <a:lvl1pPr lvl="0" algn="ctr" rtl="0">
               <a:lnSpc>
                 <a:spcPct val="90000"/>
               </a:lnSpc>
@@ -7787,7 +7920,7 @@
                 </a:solidFill>
               </a:defRPr>
             </a:lvl1pPr>
-            <a:lvl2pPr lvl="1" rtl="0" algn="l">
+            <a:lvl2pPr lvl="1" algn="l" rtl="0">
               <a:spcBef>
                 <a:spcPts val="800"/>
               </a:spcBef>
@@ -7798,7 +7931,7 @@
               <a:buNone/>
               <a:defRPr/>
             </a:lvl2pPr>
-            <a:lvl3pPr lvl="2" rtl="0" algn="l">
+            <a:lvl3pPr lvl="2" algn="l" rtl="0">
               <a:spcBef>
                 <a:spcPts val="0"/>
               </a:spcBef>
@@ -7809,7 +7942,7 @@
               <a:buNone/>
               <a:defRPr/>
             </a:lvl3pPr>
-            <a:lvl4pPr lvl="3" rtl="0" algn="l">
+            <a:lvl4pPr lvl="3" algn="l" rtl="0">
               <a:spcBef>
                 <a:spcPts val="0"/>
               </a:spcBef>
@@ -7820,7 +7953,7 @@
               <a:buNone/>
               <a:defRPr/>
             </a:lvl4pPr>
-            <a:lvl5pPr lvl="4" rtl="0" algn="l">
+            <a:lvl5pPr lvl="4" algn="l" rtl="0">
               <a:spcBef>
                 <a:spcPts val="0"/>
               </a:spcBef>
@@ -7831,7 +7964,7 @@
               <a:buNone/>
               <a:defRPr/>
             </a:lvl5pPr>
-            <a:lvl6pPr lvl="5" rtl="0" algn="l">
+            <a:lvl6pPr lvl="5" algn="l" rtl="0">
               <a:spcBef>
                 <a:spcPts val="0"/>
               </a:spcBef>
@@ -7842,7 +7975,7 @@
               <a:buNone/>
               <a:defRPr/>
             </a:lvl6pPr>
-            <a:lvl7pPr lvl="6" rtl="0" algn="l">
+            <a:lvl7pPr lvl="6" algn="l" rtl="0">
               <a:spcBef>
                 <a:spcPts val="0"/>
               </a:spcBef>
@@ -7853,7 +7986,7 @@
               <a:buNone/>
               <a:defRPr/>
             </a:lvl7pPr>
-            <a:lvl8pPr lvl="7" rtl="0" algn="l">
+            <a:lvl8pPr lvl="7" algn="l" rtl="0">
               <a:spcBef>
                 <a:spcPts val="0"/>
               </a:spcBef>
@@ -7864,7 +7997,7 @@
               <a:buNone/>
               <a:defRPr/>
             </a:lvl8pPr>
-            <a:lvl9pPr lvl="8" rtl="0" algn="l">
+            <a:lvl9pPr lvl="8" algn="l" rtl="0">
               <a:spcBef>
                 <a:spcPts val="0"/>
               </a:spcBef>
@@ -7876,15 +8009,19 @@
               <a:defRPr/>
             </a:lvl9pPr>
           </a:lstStyle>
-          <a:p/>
+          <a:p>
+            <a:endParaRPr/>
+          </a:p>
         </p:txBody>
       </p:sp>
       <p:sp>
         <p:nvSpPr>
           <p:cNvPr id="111" name="Google Shape;111;p16"/>
-          <p:cNvSpPr txBox="1"/>
+          <p:cNvSpPr txBox="1">
+            <a:spLocks noGrp="1"/>
+          </p:cNvSpPr>
           <p:nvPr>
-            <p:ph idx="12" type="sldNum"/>
+            <p:ph type="sldNum" idx="12"/>
           </p:nvPr>
         </p:nvSpPr>
         <p:spPr>
@@ -7901,11 +8038,11 @@
           </a:ln>
         </p:spPr>
         <p:txBody>
-          <a:bodyPr anchorCtr="0" anchor="b" bIns="0" lIns="0" spcFirstLastPara="1" rIns="0" wrap="square" tIns="0">
+          <a:bodyPr spcFirstLastPara="1" wrap="square" lIns="0" tIns="0" rIns="0" bIns="0" anchor="b" anchorCtr="0">
             <a:noAutofit/>
           </a:bodyPr>
           <a:lstStyle>
-            <a:lvl1pPr indent="0" lvl="0" marL="0" rtl="0" algn="l">
+            <a:lvl1pPr marL="0" lvl="0" indent="0" algn="l" rtl="0">
               <a:lnSpc>
                 <a:spcPct val="90000"/>
               </a:lnSpc>
@@ -7916,7 +8053,7 @@
                 <a:spcPts val="0"/>
               </a:spcAft>
               <a:buNone/>
-              <a:defRPr b="1" sz="1100">
+              <a:defRPr sz="1100" b="1">
                 <a:solidFill>
                   <a:srgbClr val="FFFFFF"/>
                 </a:solidFill>
@@ -7926,7 +8063,7 @@
                 <a:sym typeface="Calibri"/>
               </a:defRPr>
             </a:lvl1pPr>
-            <a:lvl2pPr indent="0" lvl="1" marL="0" rtl="0" algn="l">
+            <a:lvl2pPr marL="0" lvl="1" indent="0" algn="l" rtl="0">
               <a:lnSpc>
                 <a:spcPct val="90000"/>
               </a:lnSpc>
@@ -7937,7 +8074,7 @@
                 <a:spcPts val="0"/>
               </a:spcAft>
               <a:buNone/>
-              <a:defRPr b="1" sz="1100">
+              <a:defRPr sz="1100" b="1">
                 <a:solidFill>
                   <a:srgbClr val="FFFFFF"/>
                 </a:solidFill>
@@ -7947,7 +8084,7 @@
                 <a:sym typeface="Calibri"/>
               </a:defRPr>
             </a:lvl2pPr>
-            <a:lvl3pPr indent="0" lvl="2" marL="0" rtl="0" algn="l">
+            <a:lvl3pPr marL="0" lvl="2" indent="0" algn="l" rtl="0">
               <a:lnSpc>
                 <a:spcPct val="90000"/>
               </a:lnSpc>
@@ -7958,7 +8095,7 @@
                 <a:spcPts val="0"/>
               </a:spcAft>
               <a:buNone/>
-              <a:defRPr b="1" sz="1100">
+              <a:defRPr sz="1100" b="1">
                 <a:solidFill>
                   <a:srgbClr val="FFFFFF"/>
                 </a:solidFill>
@@ -7968,7 +8105,7 @@
                 <a:sym typeface="Calibri"/>
               </a:defRPr>
             </a:lvl3pPr>
-            <a:lvl4pPr indent="0" lvl="3" marL="0" rtl="0" algn="l">
+            <a:lvl4pPr marL="0" lvl="3" indent="0" algn="l" rtl="0">
               <a:lnSpc>
                 <a:spcPct val="90000"/>
               </a:lnSpc>
@@ -7979,7 +8116,7 @@
                 <a:spcPts val="0"/>
               </a:spcAft>
               <a:buNone/>
-              <a:defRPr b="1" sz="1100">
+              <a:defRPr sz="1100" b="1">
                 <a:solidFill>
                   <a:srgbClr val="FFFFFF"/>
                 </a:solidFill>
@@ -7989,7 +8126,7 @@
                 <a:sym typeface="Calibri"/>
               </a:defRPr>
             </a:lvl4pPr>
-            <a:lvl5pPr indent="0" lvl="4" marL="0" rtl="0" algn="l">
+            <a:lvl5pPr marL="0" lvl="4" indent="0" algn="l" rtl="0">
               <a:lnSpc>
                 <a:spcPct val="90000"/>
               </a:lnSpc>
@@ -8000,7 +8137,7 @@
                 <a:spcPts val="0"/>
               </a:spcAft>
               <a:buNone/>
-              <a:defRPr b="1" sz="1100">
+              <a:defRPr sz="1100" b="1">
                 <a:solidFill>
                   <a:srgbClr val="FFFFFF"/>
                 </a:solidFill>
@@ -8010,7 +8147,7 @@
                 <a:sym typeface="Calibri"/>
               </a:defRPr>
             </a:lvl5pPr>
-            <a:lvl6pPr indent="0" lvl="5" marL="0" rtl="0" algn="l">
+            <a:lvl6pPr marL="0" lvl="5" indent="0" algn="l" rtl="0">
               <a:lnSpc>
                 <a:spcPct val="90000"/>
               </a:lnSpc>
@@ -8021,7 +8158,7 @@
                 <a:spcPts val="0"/>
               </a:spcAft>
               <a:buNone/>
-              <a:defRPr b="1" sz="1100">
+              <a:defRPr sz="1100" b="1">
                 <a:solidFill>
                   <a:srgbClr val="FFFFFF"/>
                 </a:solidFill>
@@ -8031,7 +8168,7 @@
                 <a:sym typeface="Calibri"/>
               </a:defRPr>
             </a:lvl6pPr>
-            <a:lvl7pPr indent="0" lvl="6" marL="0" rtl="0" algn="l">
+            <a:lvl7pPr marL="0" lvl="6" indent="0" algn="l" rtl="0">
               <a:lnSpc>
                 <a:spcPct val="90000"/>
               </a:lnSpc>
@@ -8042,7 +8179,7 @@
                 <a:spcPts val="0"/>
               </a:spcAft>
               <a:buNone/>
-              <a:defRPr b="1" sz="1100">
+              <a:defRPr sz="1100" b="1">
                 <a:solidFill>
                   <a:srgbClr val="FFFFFF"/>
                 </a:solidFill>
@@ -8052,7 +8189,7 @@
                 <a:sym typeface="Calibri"/>
               </a:defRPr>
             </a:lvl7pPr>
-            <a:lvl8pPr indent="0" lvl="7" marL="0" rtl="0" algn="l">
+            <a:lvl8pPr marL="0" lvl="7" indent="0" algn="l" rtl="0">
               <a:lnSpc>
                 <a:spcPct val="90000"/>
               </a:lnSpc>
@@ -8063,7 +8200,7 @@
                 <a:spcPts val="0"/>
               </a:spcAft>
               <a:buNone/>
-              <a:defRPr b="1" sz="1100">
+              <a:defRPr sz="1100" b="1">
                 <a:solidFill>
                   <a:srgbClr val="FFFFFF"/>
                 </a:solidFill>
@@ -8073,7 +8210,7 @@
                 <a:sym typeface="Calibri"/>
               </a:defRPr>
             </a:lvl8pPr>
-            <a:lvl9pPr indent="0" lvl="8" marL="0" rtl="0" algn="l">
+            <a:lvl9pPr marL="0" lvl="8" indent="0" algn="l" rtl="0">
               <a:lnSpc>
                 <a:spcPct val="90000"/>
               </a:lnSpc>
@@ -8084,7 +8221,7 @@
                 <a:spcPts val="0"/>
               </a:spcAft>
               <a:buNone/>
-              <a:defRPr b="1" sz="1100">
+              <a:defRPr sz="1100" b="1">
                 <a:solidFill>
                   <a:srgbClr val="FFFFFF"/>
                 </a:solidFill>
@@ -8096,7 +8233,7 @@
             </a:lvl9pPr>
           </a:lstStyle>
           <a:p>
-            <a:pPr indent="0" lvl="0" marL="0" rtl="0" algn="l">
+            <a:pPr marL="0" lvl="0" indent="0" algn="l" rtl="0">
               <a:spcBef>
                 <a:spcPts val="0"/>
               </a:spcBef>
@@ -8116,9 +8253,11 @@
       <p:sp>
         <p:nvSpPr>
           <p:cNvPr id="112" name="Google Shape;112;p16"/>
-          <p:cNvSpPr txBox="1"/>
+          <p:cNvSpPr txBox="1">
+            <a:spLocks noGrp="1"/>
+          </p:cNvSpPr>
           <p:nvPr>
-            <p:ph idx="1" type="body"/>
+            <p:ph type="body" idx="1"/>
           </p:nvPr>
         </p:nvSpPr>
         <p:spPr>
@@ -8135,11 +8274,11 @@
           </a:ln>
         </p:spPr>
         <p:txBody>
-          <a:bodyPr anchorCtr="0" anchor="t" bIns="0" lIns="8075" spcFirstLastPara="1" rIns="0" wrap="square" tIns="0">
+          <a:bodyPr spcFirstLastPara="1" wrap="square" lIns="8075" tIns="0" rIns="0" bIns="0" anchor="t" anchorCtr="0">
             <a:noAutofit/>
           </a:bodyPr>
           <a:lstStyle>
-            <a:lvl1pPr indent="-228600" lvl="0" marL="457200" rtl="0" algn="l">
+            <a:lvl1pPr marL="457200" lvl="0" indent="-228600" algn="l" rtl="0">
               <a:lnSpc>
                 <a:spcPct val="90000"/>
               </a:lnSpc>
@@ -8160,7 +8299,7 @@
                 </a:solidFill>
               </a:defRPr>
             </a:lvl1pPr>
-            <a:lvl2pPr indent="-317500" lvl="1" marL="914400" rtl="0" algn="l">
+            <a:lvl2pPr marL="914400" lvl="1" indent="-317500" algn="l" rtl="0">
               <a:lnSpc>
                 <a:spcPct val="90000"/>
               </a:lnSpc>
@@ -8177,7 +8316,7 @@
               <a:buChar char="○"/>
               <a:defRPr/>
             </a:lvl2pPr>
-            <a:lvl3pPr indent="-317500" lvl="2" marL="1371600" rtl="0" algn="l">
+            <a:lvl3pPr marL="1371600" lvl="2" indent="-317500" algn="l" rtl="0">
               <a:lnSpc>
                 <a:spcPct val="90000"/>
               </a:lnSpc>
@@ -8194,7 +8333,7 @@
               <a:buChar char="■"/>
               <a:defRPr/>
             </a:lvl3pPr>
-            <a:lvl4pPr indent="-317500" lvl="3" marL="1828800" rtl="0" algn="l">
+            <a:lvl4pPr marL="1828800" lvl="3" indent="-317500" algn="l" rtl="0">
               <a:lnSpc>
                 <a:spcPct val="90000"/>
               </a:lnSpc>
@@ -8211,7 +8350,7 @@
               <a:buChar char="●"/>
               <a:defRPr/>
             </a:lvl4pPr>
-            <a:lvl5pPr indent="-317500" lvl="4" marL="2286000" rtl="0" algn="l">
+            <a:lvl5pPr marL="2286000" lvl="4" indent="-317500" algn="l" rtl="0">
               <a:lnSpc>
                 <a:spcPct val="90000"/>
               </a:lnSpc>
@@ -8228,7 +8367,7 @@
               <a:buChar char="○"/>
               <a:defRPr/>
             </a:lvl5pPr>
-            <a:lvl6pPr indent="-317500" lvl="5" marL="2743200" rtl="0" algn="l">
+            <a:lvl6pPr marL="2743200" lvl="5" indent="-317500" algn="l" rtl="0">
               <a:spcBef>
                 <a:spcPts val="800"/>
               </a:spcBef>
@@ -8242,7 +8381,7 @@
               <a:buChar char="■"/>
               <a:defRPr/>
             </a:lvl6pPr>
-            <a:lvl7pPr indent="-317500" lvl="6" marL="3200400" rtl="0" algn="l">
+            <a:lvl7pPr marL="3200400" lvl="6" indent="-317500" algn="l" rtl="0">
               <a:spcBef>
                 <a:spcPts val="1600"/>
               </a:spcBef>
@@ -8256,7 +8395,7 @@
               <a:buChar char="●"/>
               <a:defRPr/>
             </a:lvl7pPr>
-            <a:lvl8pPr indent="-317500" lvl="7" marL="3657600" rtl="0" algn="l">
+            <a:lvl8pPr marL="3657600" lvl="7" indent="-317500" algn="l" rtl="0">
               <a:spcBef>
                 <a:spcPts val="1600"/>
               </a:spcBef>
@@ -8270,7 +8409,7 @@
               <a:buChar char="○"/>
               <a:defRPr/>
             </a:lvl8pPr>
-            <a:lvl9pPr indent="-317500" lvl="8" marL="4114800" rtl="0" algn="l">
+            <a:lvl9pPr marL="4114800" lvl="8" indent="-317500" algn="l" rtl="0">
               <a:spcBef>
                 <a:spcPts val="1600"/>
               </a:spcBef>
@@ -8285,15 +8424,19 @@
               <a:defRPr/>
             </a:lvl9pPr>
           </a:lstStyle>
-          <a:p/>
+          <a:p>
+            <a:endParaRPr/>
+          </a:p>
         </p:txBody>
       </p:sp>
       <p:sp>
         <p:nvSpPr>
           <p:cNvPr id="113" name="Google Shape;113;p16"/>
-          <p:cNvSpPr txBox="1"/>
+          <p:cNvSpPr txBox="1">
+            <a:spLocks noGrp="1"/>
+          </p:cNvSpPr>
           <p:nvPr>
-            <p:ph idx="2" type="body"/>
+            <p:ph type="body" idx="2"/>
           </p:nvPr>
         </p:nvSpPr>
         <p:spPr>
@@ -8310,11 +8453,11 @@
           </a:ln>
         </p:spPr>
         <p:txBody>
-          <a:bodyPr anchorCtr="0" anchor="t" bIns="0" lIns="8075" spcFirstLastPara="1" rIns="0" wrap="square" tIns="0">
+          <a:bodyPr spcFirstLastPara="1" wrap="square" lIns="8075" tIns="0" rIns="0" bIns="0" anchor="t" anchorCtr="0">
             <a:noAutofit/>
           </a:bodyPr>
           <a:lstStyle>
-            <a:lvl1pPr indent="-336550" lvl="0" marL="457200" rtl="0" algn="l">
+            <a:lvl1pPr marL="457200" lvl="0" indent="-336550" algn="l" rtl="0">
               <a:lnSpc>
                 <a:spcPct val="90000"/>
               </a:lnSpc>
@@ -8335,7 +8478,7 @@
                 </a:solidFill>
               </a:defRPr>
             </a:lvl1pPr>
-            <a:lvl2pPr indent="-323850" lvl="1" marL="914400" rtl="0" algn="l">
+            <a:lvl2pPr marL="914400" lvl="1" indent="-323850" algn="l" rtl="0">
               <a:lnSpc>
                 <a:spcPct val="90000"/>
               </a:lnSpc>
@@ -8356,7 +8499,7 @@
                 </a:solidFill>
               </a:defRPr>
             </a:lvl2pPr>
-            <a:lvl3pPr indent="-317500" lvl="2" marL="1371600" rtl="0" algn="l">
+            <a:lvl3pPr marL="1371600" lvl="2" indent="-317500" algn="l" rtl="0">
               <a:lnSpc>
                 <a:spcPct val="90000"/>
               </a:lnSpc>
@@ -8377,7 +8520,7 @@
                 </a:solidFill>
               </a:defRPr>
             </a:lvl3pPr>
-            <a:lvl4pPr indent="-304800" lvl="3" marL="1828800" rtl="0" algn="l">
+            <a:lvl4pPr marL="1828800" lvl="3" indent="-304800" algn="l" rtl="0">
               <a:lnSpc>
                 <a:spcPct val="90000"/>
               </a:lnSpc>
@@ -8398,7 +8541,7 @@
                 </a:solidFill>
               </a:defRPr>
             </a:lvl4pPr>
-            <a:lvl5pPr indent="-304800" lvl="4" marL="2286000" rtl="0" algn="l">
+            <a:lvl5pPr marL="2286000" lvl="4" indent="-304800" algn="l" rtl="0">
               <a:lnSpc>
                 <a:spcPct val="90000"/>
               </a:lnSpc>
@@ -8419,7 +8562,7 @@
                 </a:solidFill>
               </a:defRPr>
             </a:lvl5pPr>
-            <a:lvl6pPr indent="-317500" lvl="5" marL="2743200" rtl="0" algn="l">
+            <a:lvl6pPr marL="2743200" lvl="5" indent="-317500" algn="l" rtl="0">
               <a:spcBef>
                 <a:spcPts val="800"/>
               </a:spcBef>
@@ -8433,7 +8576,7 @@
               <a:buChar char="■"/>
               <a:defRPr/>
             </a:lvl6pPr>
-            <a:lvl7pPr indent="-317500" lvl="6" marL="3200400" rtl="0" algn="l">
+            <a:lvl7pPr marL="3200400" lvl="6" indent="-317500" algn="l" rtl="0">
               <a:spcBef>
                 <a:spcPts val="1600"/>
               </a:spcBef>
@@ -8447,7 +8590,7 @@
               <a:buChar char="●"/>
               <a:defRPr/>
             </a:lvl7pPr>
-            <a:lvl8pPr indent="-317500" lvl="7" marL="3657600" rtl="0" algn="l">
+            <a:lvl8pPr marL="3657600" lvl="7" indent="-317500" algn="l" rtl="0">
               <a:spcBef>
                 <a:spcPts val="1600"/>
               </a:spcBef>
@@ -8461,7 +8604,7 @@
               <a:buChar char="○"/>
               <a:defRPr/>
             </a:lvl8pPr>
-            <a:lvl9pPr indent="-317500" lvl="8" marL="4114800" rtl="0" algn="l">
+            <a:lvl9pPr marL="4114800" lvl="8" indent="-317500" algn="l" rtl="0">
               <a:spcBef>
                 <a:spcPts val="1600"/>
               </a:spcBef>
@@ -8476,7 +8619,9 @@
               <a:defRPr/>
             </a:lvl9pPr>
           </a:lstStyle>
-          <a:p/>
+          <a:p>
+            <a:endParaRPr/>
+          </a:p>
         </p:txBody>
       </p:sp>
     </p:spTree>
@@ -8484,13 +8629,13 @@
   <p:clrMapOvr>
     <a:masterClrMapping/>
   </p:clrMapOvr>
-  <mc:AlternateContent>
+  <mc:AlternateContent xmlns:mc="http://schemas.openxmlformats.org/markup-compatibility/2006" xmlns:p14="http://schemas.microsoft.com/office/powerpoint/2010/main">
     <mc:Choice Requires="p14">
-      <p:transition spd="slow" p14:dur="700">
+      <p:transition spd="med" p14:dur="700">
         <p:fade/>
       </p:transition>
     </mc:Choice>
-    <mc:Fallback>
+    <mc:Fallback xmlns:p15="http://schemas.microsoft.com/office/powerpoint/2012/main" xmlns:com="http://schemas.openxmlformats.org/drawingml/2006/compatibility" xmlns:pvml="urn:schemas-microsoft-com:office:powerpoint" xmlns:v="urn:schemas-microsoft-com:vml" xmlns:o="urn:schemas-microsoft-com:office:office" xmlns:dgm="http://schemas.openxmlformats.org/drawingml/2006/diagram" xmlns:c="http://schemas.openxmlformats.org/drawingml/2006/chart" xmlns:mv="urn:schemas-microsoft-com:mac:vml" xmlns="">
       <p:transition spd="slow">
         <p:fade/>
       </p:transition>
@@ -8500,18 +8645,19 @@
 </file>
 
 <file path=ppt/slideLayouts/slideLayout2.xml><?xml version="1.0" encoding="utf-8"?>
-<p:sldLayout xmlns:a="http://schemas.openxmlformats.org/drawingml/2006/main" xmlns:r="http://schemas.openxmlformats.org/officeDocument/2006/relationships" xmlns:mc="http://schemas.openxmlformats.org/markup-compatibility/2006" xmlns:mv="urn:schemas-microsoft-com:mac:vml" xmlns:p="http://schemas.openxmlformats.org/presentationml/2006/main" xmlns:c="http://schemas.openxmlformats.org/drawingml/2006/chart" xmlns:dgm="http://schemas.openxmlformats.org/drawingml/2006/diagram" xmlns:o="urn:schemas-microsoft-com:office:office" xmlns:v="urn:schemas-microsoft-com:vml" xmlns:pvml="urn:schemas-microsoft-com:office:powerpoint" xmlns:com="http://schemas.openxmlformats.org/drawingml/2006/compatibility" xmlns:p14="http://schemas.microsoft.com/office/powerpoint/2010/main" xmlns:p15="http://schemas.microsoft.com/office/powerpoint/2012/main" matchingName="Section header" type="secHead">
+<p:sldLayout xmlns:a="http://schemas.openxmlformats.org/drawingml/2006/main" xmlns:r="http://schemas.openxmlformats.org/officeDocument/2006/relationships" xmlns:p="http://schemas.openxmlformats.org/presentationml/2006/main" matchingName="Section header" type="secHead">
   <p:cSld name="SECTION_HEADER">
     <p:bg>
       <p:bgPr>
         <a:solidFill>
           <a:schemeClr val="dk1"/>
         </a:solidFill>
+        <a:effectLst/>
       </p:bgPr>
     </p:bg>
     <p:spTree>
       <p:nvGrpSpPr>
-        <p:cNvPr id="17" name="Shape 17"/>
+        <p:cNvPr id="1" name="Shape 17"/>
         <p:cNvGrpSpPr/>
         <p:nvPr/>
       </p:nvGrpSpPr>
@@ -8559,12 +8705,12 @@
             </a:ln>
           </p:spPr>
           <p:txBody>
-            <a:bodyPr anchorCtr="0" anchor="ctr" bIns="91425" lIns="91425" spcFirstLastPara="1" rIns="91425" wrap="square" tIns="91425">
+            <a:bodyPr spcFirstLastPara="1" wrap="square" lIns="91425" tIns="91425" rIns="91425" bIns="91425" anchor="ctr" anchorCtr="0">
               <a:noAutofit/>
             </a:bodyPr>
             <a:lstStyle/>
             <a:p>
-              <a:pPr indent="0" lvl="0" marL="0" rtl="0" algn="l">
+              <a:pPr marL="0" lvl="0" indent="0" algn="l" rtl="0">
                 <a:spcBef>
                   <a:spcPts val="0"/>
                 </a:spcBef>
@@ -8573,9 +8719,6 @@
                 </a:spcAft>
                 <a:buNone/>
               </a:pPr>
-              <a:r>
-                <a:t/>
-              </a:r>
               <a:endParaRPr/>
             </a:p>
           </p:txBody>
@@ -8602,12 +8745,12 @@
             </a:ln>
           </p:spPr>
           <p:txBody>
-            <a:bodyPr anchorCtr="0" anchor="ctr" bIns="91425" lIns="91425" spcFirstLastPara="1" rIns="91425" wrap="square" tIns="91425">
+            <a:bodyPr spcFirstLastPara="1" wrap="square" lIns="91425" tIns="91425" rIns="91425" bIns="91425" anchor="ctr" anchorCtr="0">
               <a:noAutofit/>
             </a:bodyPr>
             <a:lstStyle/>
             <a:p>
-              <a:pPr indent="0" lvl="0" marL="0" rtl="0" algn="l">
+              <a:pPr marL="0" lvl="0" indent="0" algn="l" rtl="0">
                 <a:spcBef>
                   <a:spcPts val="0"/>
                 </a:spcBef>
@@ -8616,9 +8759,6 @@
                 </a:spcAft>
                 <a:buNone/>
               </a:pPr>
-              <a:r>
-                <a:t/>
-              </a:r>
               <a:endParaRPr/>
             </a:p>
           </p:txBody>
@@ -8627,7 +8767,9 @@
       <p:sp>
         <p:nvSpPr>
           <p:cNvPr id="21" name="Google Shape;21;p3"/>
-          <p:cNvSpPr txBox="1"/>
+          <p:cNvSpPr txBox="1">
+            <a:spLocks noGrp="1"/>
+          </p:cNvSpPr>
           <p:nvPr>
             <p:ph type="title"/>
           </p:nvPr>
@@ -8642,7 +8784,7 @@
           </a:prstGeom>
         </p:spPr>
         <p:txBody>
-          <a:bodyPr anchorCtr="0" anchor="t" bIns="91425" lIns="91425" spcFirstLastPara="1" rIns="91425" wrap="square" tIns="91425">
+          <a:bodyPr spcFirstLastPara="1" wrap="square" lIns="91425" tIns="91425" rIns="91425" bIns="91425" anchor="t" anchorCtr="0">
             <a:noAutofit/>
           </a:bodyPr>
           <a:lstStyle>
@@ -8809,15 +8951,19 @@
               </a:defRPr>
             </a:lvl9pPr>
           </a:lstStyle>
-          <a:p/>
+          <a:p>
+            <a:endParaRPr/>
+          </a:p>
         </p:txBody>
       </p:sp>
       <p:sp>
         <p:nvSpPr>
           <p:cNvPr id="22" name="Google Shape;22;p3"/>
-          <p:cNvSpPr txBox="1"/>
+          <p:cNvSpPr txBox="1">
+            <a:spLocks noGrp="1"/>
+          </p:cNvSpPr>
           <p:nvPr>
-            <p:ph idx="12" type="sldNum"/>
+            <p:ph type="sldNum" idx="12"/>
           </p:nvPr>
         </p:nvSpPr>
         <p:spPr>
@@ -8830,7 +8976,7 @@
           </a:prstGeom>
         </p:spPr>
         <p:txBody>
-          <a:bodyPr anchorCtr="0" anchor="ctr" bIns="91425" lIns="91425" spcFirstLastPara="1" rIns="91425" wrap="square" tIns="91425">
+          <a:bodyPr spcFirstLastPara="1" wrap="square" lIns="91425" tIns="91425" rIns="91425" bIns="91425" anchor="ctr" anchorCtr="0">
             <a:noAutofit/>
           </a:bodyPr>
           <a:lstStyle>
@@ -8908,7 +9054,7 @@
             </a:lvl9pPr>
           </a:lstStyle>
           <a:p>
-            <a:pPr indent="0" lvl="0" marL="0" rtl="0" algn="r">
+            <a:pPr marL="0" lvl="0" indent="0" algn="r" rtl="0">
               <a:spcBef>
                 <a:spcPts val="0"/>
               </a:spcBef>
@@ -8934,11 +9080,11 @@
 </file>
 
 <file path=ppt/slideLayouts/slideLayout3.xml><?xml version="1.0" encoding="utf-8"?>
-<p:sldLayout xmlns:a="http://schemas.openxmlformats.org/drawingml/2006/main" xmlns:r="http://schemas.openxmlformats.org/officeDocument/2006/relationships" xmlns:mc="http://schemas.openxmlformats.org/markup-compatibility/2006" xmlns:mv="urn:schemas-microsoft-com:mac:vml" xmlns:p="http://schemas.openxmlformats.org/presentationml/2006/main" xmlns:c="http://schemas.openxmlformats.org/drawingml/2006/chart" xmlns:dgm="http://schemas.openxmlformats.org/drawingml/2006/diagram" xmlns:o="urn:schemas-microsoft-com:office:office" xmlns:v="urn:schemas-microsoft-com:vml" xmlns:pvml="urn:schemas-microsoft-com:office:powerpoint" xmlns:com="http://schemas.openxmlformats.org/drawingml/2006/compatibility" xmlns:p14="http://schemas.microsoft.com/office/powerpoint/2010/main" xmlns:p15="http://schemas.microsoft.com/office/powerpoint/2012/main" matchingName="Title and body" type="tx">
+<p:sldLayout xmlns:a="http://schemas.openxmlformats.org/drawingml/2006/main" xmlns:r="http://schemas.openxmlformats.org/officeDocument/2006/relationships" xmlns:p="http://schemas.openxmlformats.org/presentationml/2006/main" matchingName="Title and body" type="tx">
   <p:cSld name="TITLE_AND_BODY">
     <p:spTree>
       <p:nvGrpSpPr>
-        <p:cNvPr id="23" name="Shape 23"/>
+        <p:cNvPr id="1" name="Shape 23"/>
         <p:cNvGrpSpPr/>
         <p:nvPr/>
       </p:nvGrpSpPr>
@@ -8972,12 +9118,12 @@
           </a:ln>
         </p:spPr>
         <p:txBody>
-          <a:bodyPr anchorCtr="0" anchor="ctr" bIns="91425" lIns="91425" spcFirstLastPara="1" rIns="91425" wrap="square" tIns="91425">
+          <a:bodyPr spcFirstLastPara="1" wrap="square" lIns="91425" tIns="91425" rIns="91425" bIns="91425" anchor="ctr" anchorCtr="0">
             <a:noAutofit/>
           </a:bodyPr>
           <a:lstStyle/>
           <a:p>
-            <a:pPr indent="0" lvl="0" marL="0" rtl="0" algn="l">
+            <a:pPr marL="0" lvl="0" indent="0" algn="l" rtl="0">
               <a:spcBef>
                 <a:spcPts val="0"/>
               </a:spcBef>
@@ -8986,9 +9132,6 @@
               </a:spcAft>
               <a:buNone/>
             </a:pPr>
-            <a:r>
-              <a:t/>
-            </a:r>
             <a:endParaRPr/>
           </a:p>
         </p:txBody>
@@ -9029,12 +9172,12 @@
             </a:ln>
           </p:spPr>
           <p:txBody>
-            <a:bodyPr anchorCtr="0" anchor="ctr" bIns="91425" lIns="91425" spcFirstLastPara="1" rIns="91425" wrap="square" tIns="91425">
+            <a:bodyPr spcFirstLastPara="1" wrap="square" lIns="91425" tIns="91425" rIns="91425" bIns="91425" anchor="ctr" anchorCtr="0">
               <a:noAutofit/>
             </a:bodyPr>
             <a:lstStyle/>
             <a:p>
-              <a:pPr indent="0" lvl="0" marL="0" rtl="0" algn="l">
+              <a:pPr marL="0" lvl="0" indent="0" algn="l" rtl="0">
                 <a:spcBef>
                   <a:spcPts val="0"/>
                 </a:spcBef>
@@ -9043,9 +9186,6 @@
                 </a:spcAft>
                 <a:buNone/>
               </a:pPr>
-              <a:r>
-                <a:t/>
-              </a:r>
               <a:endParaRPr/>
             </a:p>
           </p:txBody>
@@ -9072,12 +9212,12 @@
             </a:ln>
           </p:spPr>
           <p:txBody>
-            <a:bodyPr anchorCtr="0" anchor="ctr" bIns="91425" lIns="91425" spcFirstLastPara="1" rIns="91425" wrap="square" tIns="91425">
+            <a:bodyPr spcFirstLastPara="1" wrap="square" lIns="91425" tIns="91425" rIns="91425" bIns="91425" anchor="ctr" anchorCtr="0">
               <a:noAutofit/>
             </a:bodyPr>
             <a:lstStyle/>
             <a:p>
-              <a:pPr indent="0" lvl="0" marL="0" rtl="0" algn="l">
+              <a:pPr marL="0" lvl="0" indent="0" algn="l" rtl="0">
                 <a:spcBef>
                   <a:spcPts val="0"/>
                 </a:spcBef>
@@ -9086,9 +9226,6 @@
                 </a:spcAft>
                 <a:buNone/>
               </a:pPr>
-              <a:r>
-                <a:t/>
-              </a:r>
               <a:endParaRPr/>
             </a:p>
           </p:txBody>
@@ -9097,7 +9234,9 @@
       <p:sp>
         <p:nvSpPr>
           <p:cNvPr id="28" name="Google Shape;28;p4"/>
-          <p:cNvSpPr txBox="1"/>
+          <p:cNvSpPr txBox="1">
+            <a:spLocks noGrp="1"/>
+          </p:cNvSpPr>
           <p:nvPr>
             <p:ph type="title"/>
           </p:nvPr>
@@ -9112,7 +9251,7 @@
           </a:prstGeom>
         </p:spPr>
         <p:txBody>
-          <a:bodyPr anchorCtr="0" anchor="t" bIns="91425" lIns="91425" spcFirstLastPara="1" rIns="91425" wrap="square" tIns="91425">
+          <a:bodyPr spcFirstLastPara="1" wrap="square" lIns="91425" tIns="91425" rIns="91425" bIns="91425" anchor="t" anchorCtr="0">
             <a:noAutofit/>
           </a:bodyPr>
           <a:lstStyle>
@@ -9279,15 +9418,19 @@
               </a:defRPr>
             </a:lvl9pPr>
           </a:lstStyle>
-          <a:p/>
+          <a:p>
+            <a:endParaRPr/>
+          </a:p>
         </p:txBody>
       </p:sp>
       <p:sp>
         <p:nvSpPr>
           <p:cNvPr id="29" name="Google Shape;29;p4"/>
-          <p:cNvSpPr txBox="1"/>
+          <p:cNvSpPr txBox="1">
+            <a:spLocks noGrp="1"/>
+          </p:cNvSpPr>
           <p:nvPr>
-            <p:ph idx="1" type="body"/>
+            <p:ph type="body" idx="1"/>
           </p:nvPr>
         </p:nvSpPr>
         <p:spPr>
@@ -9300,11 +9443,11 @@
           </a:prstGeom>
         </p:spPr>
         <p:txBody>
-          <a:bodyPr anchorCtr="0" anchor="t" bIns="91425" lIns="91425" spcFirstLastPara="1" rIns="91425" wrap="square" tIns="91425">
+          <a:bodyPr spcFirstLastPara="1" wrap="square" lIns="91425" tIns="91425" rIns="91425" bIns="91425" anchor="t" anchorCtr="0">
             <a:noAutofit/>
           </a:bodyPr>
           <a:lstStyle>
-            <a:lvl1pPr indent="-311150" lvl="0" marL="457200">
+            <a:lvl1pPr marL="457200" lvl="0" indent="-311150">
               <a:spcBef>
                 <a:spcPts val="0"/>
               </a:spcBef>
@@ -9315,7 +9458,7 @@
               <a:buChar char="●"/>
               <a:defRPr/>
             </a:lvl1pPr>
-            <a:lvl2pPr indent="-298450" lvl="1" marL="914400">
+            <a:lvl2pPr marL="914400" lvl="1" indent="-298450">
               <a:spcBef>
                 <a:spcPts val="1600"/>
               </a:spcBef>
@@ -9326,7 +9469,7 @@
               <a:buChar char="○"/>
               <a:defRPr/>
             </a:lvl2pPr>
-            <a:lvl3pPr indent="-298450" lvl="2" marL="1371600">
+            <a:lvl3pPr marL="1371600" lvl="2" indent="-298450">
               <a:spcBef>
                 <a:spcPts val="1600"/>
               </a:spcBef>
@@ -9337,7 +9480,7 @@
               <a:buChar char="■"/>
               <a:defRPr/>
             </a:lvl3pPr>
-            <a:lvl4pPr indent="-298450" lvl="3" marL="1828800">
+            <a:lvl4pPr marL="1828800" lvl="3" indent="-298450">
               <a:spcBef>
                 <a:spcPts val="1600"/>
               </a:spcBef>
@@ -9348,7 +9491,7 @@
               <a:buChar char="●"/>
               <a:defRPr/>
             </a:lvl4pPr>
-            <a:lvl5pPr indent="-298450" lvl="4" marL="2286000">
+            <a:lvl5pPr marL="2286000" lvl="4" indent="-298450">
               <a:spcBef>
                 <a:spcPts val="1600"/>
               </a:spcBef>
@@ -9359,7 +9502,7 @@
               <a:buChar char="○"/>
               <a:defRPr/>
             </a:lvl5pPr>
-            <a:lvl6pPr indent="-298450" lvl="5" marL="2743200">
+            <a:lvl6pPr marL="2743200" lvl="5" indent="-298450">
               <a:spcBef>
                 <a:spcPts val="1600"/>
               </a:spcBef>
@@ -9370,7 +9513,7 @@
               <a:buChar char="■"/>
               <a:defRPr/>
             </a:lvl6pPr>
-            <a:lvl7pPr indent="-298450" lvl="6" marL="3200400">
+            <a:lvl7pPr marL="3200400" lvl="6" indent="-298450">
               <a:spcBef>
                 <a:spcPts val="1600"/>
               </a:spcBef>
@@ -9381,7 +9524,7 @@
               <a:buChar char="●"/>
               <a:defRPr/>
             </a:lvl7pPr>
-            <a:lvl8pPr indent="-298450" lvl="7" marL="3657600">
+            <a:lvl8pPr marL="3657600" lvl="7" indent="-298450">
               <a:spcBef>
                 <a:spcPts val="1600"/>
               </a:spcBef>
@@ -9392,7 +9535,7 @@
               <a:buChar char="○"/>
               <a:defRPr/>
             </a:lvl8pPr>
-            <a:lvl9pPr indent="-298450" lvl="8" marL="4114800">
+            <a:lvl9pPr marL="4114800" lvl="8" indent="-298450">
               <a:spcBef>
                 <a:spcPts val="1600"/>
               </a:spcBef>
@@ -9404,15 +9547,19 @@
               <a:defRPr/>
             </a:lvl9pPr>
           </a:lstStyle>
-          <a:p/>
+          <a:p>
+            <a:endParaRPr/>
+          </a:p>
         </p:txBody>
       </p:sp>
       <p:sp>
         <p:nvSpPr>
           <p:cNvPr id="30" name="Google Shape;30;p4"/>
-          <p:cNvSpPr txBox="1"/>
+          <p:cNvSpPr txBox="1">
+            <a:spLocks noGrp="1"/>
+          </p:cNvSpPr>
           <p:nvPr>
-            <p:ph idx="12" type="sldNum"/>
+            <p:ph type="sldNum" idx="12"/>
           </p:nvPr>
         </p:nvSpPr>
         <p:spPr>
@@ -9425,7 +9572,7 @@
           </a:prstGeom>
         </p:spPr>
         <p:txBody>
-          <a:bodyPr anchorCtr="0" anchor="ctr" bIns="91425" lIns="91425" spcFirstLastPara="1" rIns="91425" wrap="square" tIns="91425">
+          <a:bodyPr spcFirstLastPara="1" wrap="square" lIns="91425" tIns="91425" rIns="91425" bIns="91425" anchor="ctr" anchorCtr="0">
             <a:noAutofit/>
           </a:bodyPr>
           <a:lstStyle>
@@ -9467,7 +9614,7 @@
             </a:lvl9pPr>
           </a:lstStyle>
           <a:p>
-            <a:pPr indent="0" lvl="0" marL="0" rtl="0" algn="r">
+            <a:pPr marL="0" lvl="0" indent="0" algn="r" rtl="0">
               <a:spcBef>
                 <a:spcPts val="0"/>
               </a:spcBef>
@@ -9493,11 +9640,11 @@
 </file>
 
 <file path=ppt/slideLayouts/slideLayout4.xml><?xml version="1.0" encoding="utf-8"?>
-<p:sldLayout xmlns:a="http://schemas.openxmlformats.org/drawingml/2006/main" xmlns:r="http://schemas.openxmlformats.org/officeDocument/2006/relationships" xmlns:mc="http://schemas.openxmlformats.org/markup-compatibility/2006" xmlns:mv="urn:schemas-microsoft-com:mac:vml" xmlns:p="http://schemas.openxmlformats.org/presentationml/2006/main" xmlns:c="http://schemas.openxmlformats.org/drawingml/2006/chart" xmlns:dgm="http://schemas.openxmlformats.org/drawingml/2006/diagram" xmlns:o="urn:schemas-microsoft-com:office:office" xmlns:v="urn:schemas-microsoft-com:vml" xmlns:pvml="urn:schemas-microsoft-com:office:powerpoint" xmlns:com="http://schemas.openxmlformats.org/drawingml/2006/compatibility" xmlns:p14="http://schemas.microsoft.com/office/powerpoint/2010/main" xmlns:p15="http://schemas.microsoft.com/office/powerpoint/2012/main" matchingName="Title and two columns" type="twoColTx">
+<p:sldLayout xmlns:a="http://schemas.openxmlformats.org/drawingml/2006/main" xmlns:r="http://schemas.openxmlformats.org/officeDocument/2006/relationships" xmlns:p="http://schemas.openxmlformats.org/presentationml/2006/main" matchingName="Title and two columns" type="twoColTx">
   <p:cSld name="TITLE_AND_TWO_COLUMNS">
     <p:spTree>
       <p:nvGrpSpPr>
-        <p:cNvPr id="31" name="Shape 31"/>
+        <p:cNvPr id="1" name="Shape 31"/>
         <p:cNvGrpSpPr/>
         <p:nvPr/>
       </p:nvGrpSpPr>
@@ -9531,12 +9678,12 @@
           </a:ln>
         </p:spPr>
         <p:txBody>
-          <a:bodyPr anchorCtr="0" anchor="ctr" bIns="91425" lIns="91425" spcFirstLastPara="1" rIns="91425" wrap="square" tIns="91425">
+          <a:bodyPr spcFirstLastPara="1" wrap="square" lIns="91425" tIns="91425" rIns="91425" bIns="91425" anchor="ctr" anchorCtr="0">
             <a:noAutofit/>
           </a:bodyPr>
           <a:lstStyle/>
           <a:p>
-            <a:pPr indent="0" lvl="0" marL="0" rtl="0" algn="l">
+            <a:pPr marL="0" lvl="0" indent="0" algn="l" rtl="0">
               <a:spcBef>
                 <a:spcPts val="0"/>
               </a:spcBef>
@@ -9545,9 +9692,6 @@
               </a:spcAft>
               <a:buNone/>
             </a:pPr>
-            <a:r>
-              <a:t/>
-            </a:r>
             <a:endParaRPr/>
           </a:p>
         </p:txBody>
@@ -9588,12 +9732,12 @@
             </a:ln>
           </p:spPr>
           <p:txBody>
-            <a:bodyPr anchorCtr="0" anchor="ctr" bIns="91425" lIns="91425" spcFirstLastPara="1" rIns="91425" wrap="square" tIns="91425">
+            <a:bodyPr spcFirstLastPara="1" wrap="square" lIns="91425" tIns="91425" rIns="91425" bIns="91425" anchor="ctr" anchorCtr="0">
               <a:noAutofit/>
             </a:bodyPr>
             <a:lstStyle/>
             <a:p>
-              <a:pPr indent="0" lvl="0" marL="0" rtl="0" algn="l">
+              <a:pPr marL="0" lvl="0" indent="0" algn="l" rtl="0">
                 <a:spcBef>
                   <a:spcPts val="0"/>
                 </a:spcBef>
@@ -9602,9 +9746,6 @@
                 </a:spcAft>
                 <a:buNone/>
               </a:pPr>
-              <a:r>
-                <a:t/>
-              </a:r>
               <a:endParaRPr/>
             </a:p>
           </p:txBody>
@@ -9631,12 +9772,12 @@
             </a:ln>
           </p:spPr>
           <p:txBody>
-            <a:bodyPr anchorCtr="0" anchor="ctr" bIns="91425" lIns="91425" spcFirstLastPara="1" rIns="91425" wrap="square" tIns="91425">
+            <a:bodyPr spcFirstLastPara="1" wrap="square" lIns="91425" tIns="91425" rIns="91425" bIns="91425" anchor="ctr" anchorCtr="0">
               <a:noAutofit/>
             </a:bodyPr>
             <a:lstStyle/>
             <a:p>
-              <a:pPr indent="0" lvl="0" marL="0" rtl="0" algn="l">
+              <a:pPr marL="0" lvl="0" indent="0" algn="l" rtl="0">
                 <a:spcBef>
                   <a:spcPts val="0"/>
                 </a:spcBef>
@@ -9645,9 +9786,6 @@
                 </a:spcAft>
                 <a:buNone/>
               </a:pPr>
-              <a:r>
-                <a:t/>
-              </a:r>
               <a:endParaRPr/>
             </a:p>
           </p:txBody>
@@ -9656,7 +9794,9 @@
       <p:sp>
         <p:nvSpPr>
           <p:cNvPr id="36" name="Google Shape;36;p5"/>
-          <p:cNvSpPr txBox="1"/>
+          <p:cNvSpPr txBox="1">
+            <a:spLocks noGrp="1"/>
+          </p:cNvSpPr>
           <p:nvPr>
             <p:ph type="title"/>
           </p:nvPr>
@@ -9671,7 +9811,7 @@
           </a:prstGeom>
         </p:spPr>
         <p:txBody>
-          <a:bodyPr anchorCtr="0" anchor="t" bIns="91425" lIns="91425" spcFirstLastPara="1" rIns="91425" wrap="square" tIns="91425">
+          <a:bodyPr spcFirstLastPara="1" wrap="square" lIns="91425" tIns="91425" rIns="91425" bIns="91425" anchor="t" anchorCtr="0">
             <a:noAutofit/>
           </a:bodyPr>
           <a:lstStyle>
@@ -9838,15 +9978,19 @@
               </a:defRPr>
             </a:lvl9pPr>
           </a:lstStyle>
-          <a:p/>
+          <a:p>
+            <a:endParaRPr/>
+          </a:p>
         </p:txBody>
       </p:sp>
       <p:sp>
         <p:nvSpPr>
           <p:cNvPr id="37" name="Google Shape;37;p5"/>
-          <p:cNvSpPr txBox="1"/>
+          <p:cNvSpPr txBox="1">
+            <a:spLocks noGrp="1"/>
+          </p:cNvSpPr>
           <p:nvPr>
-            <p:ph idx="1" type="body"/>
+            <p:ph type="body" idx="1"/>
           </p:nvPr>
         </p:nvSpPr>
         <p:spPr>
@@ -9859,11 +10003,11 @@
           </a:prstGeom>
         </p:spPr>
         <p:txBody>
-          <a:bodyPr anchorCtr="0" anchor="t" bIns="91425" lIns="91425" spcFirstLastPara="1" rIns="91425" wrap="square" tIns="91425">
+          <a:bodyPr spcFirstLastPara="1" wrap="square" lIns="91425" tIns="91425" rIns="91425" bIns="91425" anchor="t" anchorCtr="0">
             <a:noAutofit/>
           </a:bodyPr>
           <a:lstStyle>
-            <a:lvl1pPr indent="-311150" lvl="0" marL="457200">
+            <a:lvl1pPr marL="457200" lvl="0" indent="-311150">
               <a:spcBef>
                 <a:spcPts val="0"/>
               </a:spcBef>
@@ -9874,7 +10018,7 @@
               <a:buChar char="●"/>
               <a:defRPr/>
             </a:lvl1pPr>
-            <a:lvl2pPr indent="-298450" lvl="1" marL="914400">
+            <a:lvl2pPr marL="914400" lvl="1" indent="-298450">
               <a:spcBef>
                 <a:spcPts val="1600"/>
               </a:spcBef>
@@ -9885,7 +10029,7 @@
               <a:buChar char="○"/>
               <a:defRPr/>
             </a:lvl2pPr>
-            <a:lvl3pPr indent="-298450" lvl="2" marL="1371600">
+            <a:lvl3pPr marL="1371600" lvl="2" indent="-298450">
               <a:spcBef>
                 <a:spcPts val="1600"/>
               </a:spcBef>
@@ -9896,7 +10040,7 @@
               <a:buChar char="■"/>
               <a:defRPr/>
             </a:lvl3pPr>
-            <a:lvl4pPr indent="-298450" lvl="3" marL="1828800">
+            <a:lvl4pPr marL="1828800" lvl="3" indent="-298450">
               <a:spcBef>
                 <a:spcPts val="1600"/>
               </a:spcBef>
@@ -9907,7 +10051,7 @@
               <a:buChar char="●"/>
               <a:defRPr/>
             </a:lvl4pPr>
-            <a:lvl5pPr indent="-298450" lvl="4" marL="2286000">
+            <a:lvl5pPr marL="2286000" lvl="4" indent="-298450">
               <a:spcBef>
                 <a:spcPts val="1600"/>
               </a:spcBef>
@@ -9918,7 +10062,7 @@
               <a:buChar char="○"/>
               <a:defRPr/>
             </a:lvl5pPr>
-            <a:lvl6pPr indent="-298450" lvl="5" marL="2743200">
+            <a:lvl6pPr marL="2743200" lvl="5" indent="-298450">
               <a:spcBef>
                 <a:spcPts val="1600"/>
               </a:spcBef>
@@ -9929,7 +10073,7 @@
               <a:buChar char="■"/>
               <a:defRPr/>
             </a:lvl6pPr>
-            <a:lvl7pPr indent="-298450" lvl="6" marL="3200400">
+            <a:lvl7pPr marL="3200400" lvl="6" indent="-298450">
               <a:spcBef>
                 <a:spcPts val="1600"/>
               </a:spcBef>
@@ -9940,7 +10084,7 @@
               <a:buChar char="●"/>
               <a:defRPr/>
             </a:lvl7pPr>
-            <a:lvl8pPr indent="-298450" lvl="7" marL="3657600">
+            <a:lvl8pPr marL="3657600" lvl="7" indent="-298450">
               <a:spcBef>
                 <a:spcPts val="1600"/>
               </a:spcBef>
@@ -9951,7 +10095,7 @@
               <a:buChar char="○"/>
               <a:defRPr/>
             </a:lvl8pPr>
-            <a:lvl9pPr indent="-298450" lvl="8" marL="4114800">
+            <a:lvl9pPr marL="4114800" lvl="8" indent="-298450">
               <a:spcBef>
                 <a:spcPts val="1600"/>
               </a:spcBef>
@@ -9963,15 +10107,19 @@
               <a:defRPr/>
             </a:lvl9pPr>
           </a:lstStyle>
-          <a:p/>
+          <a:p>
+            <a:endParaRPr/>
+          </a:p>
         </p:txBody>
       </p:sp>
       <p:sp>
         <p:nvSpPr>
           <p:cNvPr id="38" name="Google Shape;38;p5"/>
-          <p:cNvSpPr txBox="1"/>
+          <p:cNvSpPr txBox="1">
+            <a:spLocks noGrp="1"/>
+          </p:cNvSpPr>
           <p:nvPr>
-            <p:ph idx="2" type="body"/>
+            <p:ph type="body" idx="2"/>
           </p:nvPr>
         </p:nvSpPr>
         <p:spPr>
@@ -9984,11 +10132,11 @@
           </a:prstGeom>
         </p:spPr>
         <p:txBody>
-          <a:bodyPr anchorCtr="0" anchor="t" bIns="91425" lIns="91425" spcFirstLastPara="1" rIns="91425" wrap="square" tIns="91425">
+          <a:bodyPr spcFirstLastPara="1" wrap="square" lIns="91425" tIns="91425" rIns="91425" bIns="91425" anchor="t" anchorCtr="0">
             <a:noAutofit/>
           </a:bodyPr>
           <a:lstStyle>
-            <a:lvl1pPr indent="-311150" lvl="0" marL="457200">
+            <a:lvl1pPr marL="457200" lvl="0" indent="-311150">
               <a:spcBef>
                 <a:spcPts val="0"/>
               </a:spcBef>
@@ -9999,7 +10147,7 @@
               <a:buChar char="●"/>
               <a:defRPr/>
             </a:lvl1pPr>
-            <a:lvl2pPr indent="-298450" lvl="1" marL="914400">
+            <a:lvl2pPr marL="914400" lvl="1" indent="-298450">
               <a:spcBef>
                 <a:spcPts val="1600"/>
               </a:spcBef>
@@ -10010,7 +10158,7 @@
               <a:buChar char="○"/>
               <a:defRPr/>
             </a:lvl2pPr>
-            <a:lvl3pPr indent="-298450" lvl="2" marL="1371600">
+            <a:lvl3pPr marL="1371600" lvl="2" indent="-298450">
               <a:spcBef>
                 <a:spcPts val="1600"/>
               </a:spcBef>
@@ -10021,7 +10169,7 @@
               <a:buChar char="■"/>
               <a:defRPr/>
             </a:lvl3pPr>
-            <a:lvl4pPr indent="-298450" lvl="3" marL="1828800">
+            <a:lvl4pPr marL="1828800" lvl="3" indent="-298450">
               <a:spcBef>
                 <a:spcPts val="1600"/>
               </a:spcBef>
@@ -10032,7 +10180,7 @@
               <a:buChar char="●"/>
               <a:defRPr/>
             </a:lvl4pPr>
-            <a:lvl5pPr indent="-298450" lvl="4" marL="2286000">
+            <a:lvl5pPr marL="2286000" lvl="4" indent="-298450">
               <a:spcBef>
                 <a:spcPts val="1600"/>
               </a:spcBef>
@@ -10043,7 +10191,7 @@
               <a:buChar char="○"/>
               <a:defRPr/>
             </a:lvl5pPr>
-            <a:lvl6pPr indent="-298450" lvl="5" marL="2743200">
+            <a:lvl6pPr marL="2743200" lvl="5" indent="-298450">
               <a:spcBef>
                 <a:spcPts val="1600"/>
               </a:spcBef>
@@ -10054,7 +10202,7 @@
               <a:buChar char="■"/>
               <a:defRPr/>
             </a:lvl6pPr>
-            <a:lvl7pPr indent="-298450" lvl="6" marL="3200400">
+            <a:lvl7pPr marL="3200400" lvl="6" indent="-298450">
               <a:spcBef>
                 <a:spcPts val="1600"/>
               </a:spcBef>
@@ -10065,7 +10213,7 @@
               <a:buChar char="●"/>
               <a:defRPr/>
             </a:lvl7pPr>
-            <a:lvl8pPr indent="-298450" lvl="7" marL="3657600">
+            <a:lvl8pPr marL="3657600" lvl="7" indent="-298450">
               <a:spcBef>
                 <a:spcPts val="1600"/>
               </a:spcBef>
@@ -10076,7 +10224,7 @@
               <a:buChar char="○"/>
               <a:defRPr/>
             </a:lvl8pPr>
-            <a:lvl9pPr indent="-298450" lvl="8" marL="4114800">
+            <a:lvl9pPr marL="4114800" lvl="8" indent="-298450">
               <a:spcBef>
                 <a:spcPts val="1600"/>
               </a:spcBef>
@@ -10088,15 +10236,19 @@
               <a:defRPr/>
             </a:lvl9pPr>
           </a:lstStyle>
-          <a:p/>
+          <a:p>
+            <a:endParaRPr/>
+          </a:p>
         </p:txBody>
       </p:sp>
       <p:sp>
         <p:nvSpPr>
           <p:cNvPr id="39" name="Google Shape;39;p5"/>
-          <p:cNvSpPr txBox="1"/>
+          <p:cNvSpPr txBox="1">
+            <a:spLocks noGrp="1"/>
+          </p:cNvSpPr>
           <p:nvPr>
-            <p:ph idx="12" type="sldNum"/>
+            <p:ph type="sldNum" idx="12"/>
           </p:nvPr>
         </p:nvSpPr>
         <p:spPr>
@@ -10109,7 +10261,7 @@
           </a:prstGeom>
         </p:spPr>
         <p:txBody>
-          <a:bodyPr anchorCtr="0" anchor="ctr" bIns="91425" lIns="91425" spcFirstLastPara="1" rIns="91425" wrap="square" tIns="91425">
+          <a:bodyPr spcFirstLastPara="1" wrap="square" lIns="91425" tIns="91425" rIns="91425" bIns="91425" anchor="ctr" anchorCtr="0">
             <a:noAutofit/>
           </a:bodyPr>
           <a:lstStyle>
@@ -10151,7 +10303,7 @@
             </a:lvl9pPr>
           </a:lstStyle>
           <a:p>
-            <a:pPr indent="0" lvl="0" marL="0" rtl="0" algn="r">
+            <a:pPr marL="0" lvl="0" indent="0" algn="r" rtl="0">
               <a:spcBef>
                 <a:spcPts val="0"/>
               </a:spcBef>
@@ -10177,11 +10329,11 @@
 </file>
 
 <file path=ppt/slideLayouts/slideLayout5.xml><?xml version="1.0" encoding="utf-8"?>
-<p:sldLayout xmlns:a="http://schemas.openxmlformats.org/drawingml/2006/main" xmlns:r="http://schemas.openxmlformats.org/officeDocument/2006/relationships" xmlns:mc="http://schemas.openxmlformats.org/markup-compatibility/2006" xmlns:mv="urn:schemas-microsoft-com:mac:vml" xmlns:p="http://schemas.openxmlformats.org/presentationml/2006/main" xmlns:c="http://schemas.openxmlformats.org/drawingml/2006/chart" xmlns:dgm="http://schemas.openxmlformats.org/drawingml/2006/diagram" xmlns:o="urn:schemas-microsoft-com:office:office" xmlns:v="urn:schemas-microsoft-com:vml" xmlns:pvml="urn:schemas-microsoft-com:office:powerpoint" xmlns:com="http://schemas.openxmlformats.org/drawingml/2006/compatibility" xmlns:p14="http://schemas.microsoft.com/office/powerpoint/2010/main" xmlns:p15="http://schemas.microsoft.com/office/powerpoint/2012/main" matchingName="Title only" type="titleOnly">
+<p:sldLayout xmlns:a="http://schemas.openxmlformats.org/drawingml/2006/main" xmlns:r="http://schemas.openxmlformats.org/officeDocument/2006/relationships" xmlns:p="http://schemas.openxmlformats.org/presentationml/2006/main" matchingName="Title only" type="titleOnly">
   <p:cSld name="TITLE_ONLY">
     <p:spTree>
       <p:nvGrpSpPr>
-        <p:cNvPr id="40" name="Shape 40"/>
+        <p:cNvPr id="1" name="Shape 40"/>
         <p:cNvGrpSpPr/>
         <p:nvPr/>
       </p:nvGrpSpPr>
@@ -10215,12 +10367,12 @@
           </a:ln>
         </p:spPr>
         <p:txBody>
-          <a:bodyPr anchorCtr="0" anchor="ctr" bIns="91425" lIns="91425" spcFirstLastPara="1" rIns="91425" wrap="square" tIns="91425">
+          <a:bodyPr spcFirstLastPara="1" wrap="square" lIns="91425" tIns="91425" rIns="91425" bIns="91425" anchor="ctr" anchorCtr="0">
             <a:noAutofit/>
           </a:bodyPr>
           <a:lstStyle/>
           <a:p>
-            <a:pPr indent="0" lvl="0" marL="0" rtl="0" algn="l">
+            <a:pPr marL="0" lvl="0" indent="0" algn="l" rtl="0">
               <a:spcBef>
                 <a:spcPts val="0"/>
               </a:spcBef>
@@ -10229,9 +10381,6 @@
               </a:spcAft>
               <a:buNone/>
             </a:pPr>
-            <a:r>
-              <a:t/>
-            </a:r>
             <a:endParaRPr/>
           </a:p>
         </p:txBody>
@@ -10272,12 +10421,12 @@
             </a:ln>
           </p:spPr>
           <p:txBody>
-            <a:bodyPr anchorCtr="0" anchor="ctr" bIns="91425" lIns="91425" spcFirstLastPara="1" rIns="91425" wrap="square" tIns="91425">
+            <a:bodyPr spcFirstLastPara="1" wrap="square" lIns="91425" tIns="91425" rIns="91425" bIns="91425" anchor="ctr" anchorCtr="0">
               <a:noAutofit/>
             </a:bodyPr>
             <a:lstStyle/>
             <a:p>
-              <a:pPr indent="0" lvl="0" marL="0" rtl="0" algn="l">
+              <a:pPr marL="0" lvl="0" indent="0" algn="l" rtl="0">
                 <a:spcBef>
                   <a:spcPts val="0"/>
                 </a:spcBef>
@@ -10286,9 +10435,6 @@
                 </a:spcAft>
                 <a:buNone/>
               </a:pPr>
-              <a:r>
-                <a:t/>
-              </a:r>
               <a:endParaRPr/>
             </a:p>
           </p:txBody>
@@ -10315,12 +10461,12 @@
             </a:ln>
           </p:spPr>
           <p:txBody>
-            <a:bodyPr anchorCtr="0" anchor="ctr" bIns="91425" lIns="91425" spcFirstLastPara="1" rIns="91425" wrap="square" tIns="91425">
+            <a:bodyPr spcFirstLastPara="1" wrap="square" lIns="91425" tIns="91425" rIns="91425" bIns="91425" anchor="ctr" anchorCtr="0">
               <a:noAutofit/>
             </a:bodyPr>
             <a:lstStyle/>
             <a:p>
-              <a:pPr indent="0" lvl="0" marL="0" rtl="0" algn="l">
+              <a:pPr marL="0" lvl="0" indent="0" algn="l" rtl="0">
                 <a:spcBef>
                   <a:spcPts val="0"/>
                 </a:spcBef>
@@ -10329,9 +10475,6 @@
                 </a:spcAft>
                 <a:buNone/>
               </a:pPr>
-              <a:r>
-                <a:t/>
-              </a:r>
               <a:endParaRPr/>
             </a:p>
           </p:txBody>
@@ -10340,7 +10483,9 @@
       <p:sp>
         <p:nvSpPr>
           <p:cNvPr id="45" name="Google Shape;45;p6"/>
-          <p:cNvSpPr txBox="1"/>
+          <p:cNvSpPr txBox="1">
+            <a:spLocks noGrp="1"/>
+          </p:cNvSpPr>
           <p:nvPr>
             <p:ph type="title"/>
           </p:nvPr>
@@ -10355,7 +10500,7 @@
           </a:prstGeom>
         </p:spPr>
         <p:txBody>
-          <a:bodyPr anchorCtr="0" anchor="t" bIns="91425" lIns="91425" spcFirstLastPara="1" rIns="91425" wrap="square" tIns="91425">
+          <a:bodyPr spcFirstLastPara="1" wrap="square" lIns="91425" tIns="91425" rIns="91425" bIns="91425" anchor="t" anchorCtr="0">
             <a:noAutofit/>
           </a:bodyPr>
           <a:lstStyle>
@@ -10522,15 +10667,19 @@
               </a:defRPr>
             </a:lvl9pPr>
           </a:lstStyle>
-          <a:p/>
+          <a:p>
+            <a:endParaRPr/>
+          </a:p>
         </p:txBody>
       </p:sp>
       <p:sp>
         <p:nvSpPr>
           <p:cNvPr id="46" name="Google Shape;46;p6"/>
-          <p:cNvSpPr txBox="1"/>
+          <p:cNvSpPr txBox="1">
+            <a:spLocks noGrp="1"/>
+          </p:cNvSpPr>
           <p:nvPr>
-            <p:ph idx="12" type="sldNum"/>
+            <p:ph type="sldNum" idx="12"/>
           </p:nvPr>
         </p:nvSpPr>
         <p:spPr>
@@ -10543,7 +10692,7 @@
           </a:prstGeom>
         </p:spPr>
         <p:txBody>
-          <a:bodyPr anchorCtr="0" anchor="ctr" bIns="91425" lIns="91425" spcFirstLastPara="1" rIns="91425" wrap="square" tIns="91425">
+          <a:bodyPr spcFirstLastPara="1" wrap="square" lIns="91425" tIns="91425" rIns="91425" bIns="91425" anchor="ctr" anchorCtr="0">
             <a:noAutofit/>
           </a:bodyPr>
           <a:lstStyle>
@@ -10585,7 +10734,7 @@
             </a:lvl9pPr>
           </a:lstStyle>
           <a:p>
-            <a:pPr indent="0" lvl="0" marL="0" rtl="0" algn="r">
+            <a:pPr marL="0" lvl="0" indent="0" algn="r" rtl="0">
               <a:spcBef>
                 <a:spcPts val="0"/>
               </a:spcBef>
@@ -10611,11 +10760,11 @@
 </file>
 
 <file path=ppt/slideLayouts/slideLayout6.xml><?xml version="1.0" encoding="utf-8"?>
-<p:sldLayout xmlns:a="http://schemas.openxmlformats.org/drawingml/2006/main" xmlns:r="http://schemas.openxmlformats.org/officeDocument/2006/relationships" xmlns:mc="http://schemas.openxmlformats.org/markup-compatibility/2006" xmlns:mv="urn:schemas-microsoft-com:mac:vml" xmlns:p="http://schemas.openxmlformats.org/presentationml/2006/main" xmlns:c="http://schemas.openxmlformats.org/drawingml/2006/chart" xmlns:dgm="http://schemas.openxmlformats.org/drawingml/2006/diagram" xmlns:o="urn:schemas-microsoft-com:office:office" xmlns:v="urn:schemas-microsoft-com:vml" xmlns:pvml="urn:schemas-microsoft-com:office:powerpoint" xmlns:com="http://schemas.openxmlformats.org/drawingml/2006/compatibility" xmlns:p14="http://schemas.microsoft.com/office/powerpoint/2010/main" xmlns:p15="http://schemas.microsoft.com/office/powerpoint/2012/main" matchingName="One column text">
+<p:sldLayout xmlns:a="http://schemas.openxmlformats.org/drawingml/2006/main" xmlns:r="http://schemas.openxmlformats.org/officeDocument/2006/relationships" xmlns:p="http://schemas.openxmlformats.org/presentationml/2006/main" matchingName="One column text">
   <p:cSld name="ONE_COLUMN_TEXT">
     <p:spTree>
       <p:nvGrpSpPr>
-        <p:cNvPr id="47" name="Shape 47"/>
+        <p:cNvPr id="1" name="Shape 47"/>
         <p:cNvGrpSpPr/>
         <p:nvPr/>
       </p:nvGrpSpPr>
@@ -10649,12 +10798,12 @@
           </a:ln>
         </p:spPr>
         <p:txBody>
-          <a:bodyPr anchorCtr="0" anchor="ctr" bIns="91425" lIns="91425" spcFirstLastPara="1" rIns="91425" wrap="square" tIns="91425">
+          <a:bodyPr spcFirstLastPara="1" wrap="square" lIns="91425" tIns="91425" rIns="91425" bIns="91425" anchor="ctr" anchorCtr="0">
             <a:noAutofit/>
           </a:bodyPr>
           <a:lstStyle/>
           <a:p>
-            <a:pPr indent="0" lvl="0" marL="0" rtl="0" algn="l">
+            <a:pPr marL="0" lvl="0" indent="0" algn="l" rtl="0">
               <a:spcBef>
                 <a:spcPts val="0"/>
               </a:spcBef>
@@ -10663,9 +10812,6 @@
               </a:spcAft>
               <a:buNone/>
             </a:pPr>
-            <a:r>
-              <a:t/>
-            </a:r>
             <a:endParaRPr/>
           </a:p>
         </p:txBody>
@@ -10706,12 +10852,12 @@
             </a:ln>
           </p:spPr>
           <p:txBody>
-            <a:bodyPr anchorCtr="0" anchor="ctr" bIns="91425" lIns="91425" spcFirstLastPara="1" rIns="91425" wrap="square" tIns="91425">
+            <a:bodyPr spcFirstLastPara="1" wrap="square" lIns="91425" tIns="91425" rIns="91425" bIns="91425" anchor="ctr" anchorCtr="0">
               <a:noAutofit/>
             </a:bodyPr>
             <a:lstStyle/>
             <a:p>
-              <a:pPr indent="0" lvl="0" marL="0" rtl="0" algn="l">
+              <a:pPr marL="0" lvl="0" indent="0" algn="l" rtl="0">
                 <a:spcBef>
                   <a:spcPts val="0"/>
                 </a:spcBef>
@@ -10720,9 +10866,6 @@
                 </a:spcAft>
                 <a:buNone/>
               </a:pPr>
-              <a:r>
-                <a:t/>
-              </a:r>
               <a:endParaRPr/>
             </a:p>
           </p:txBody>
@@ -10749,12 +10892,12 @@
             </a:ln>
           </p:spPr>
           <p:txBody>
-            <a:bodyPr anchorCtr="0" anchor="ctr" bIns="91425" lIns="91425" spcFirstLastPara="1" rIns="91425" wrap="square" tIns="91425">
+            <a:bodyPr spcFirstLastPara="1" wrap="square" lIns="91425" tIns="91425" rIns="91425" bIns="91425" anchor="ctr" anchorCtr="0">
               <a:noAutofit/>
             </a:bodyPr>
             <a:lstStyle/>
             <a:p>
-              <a:pPr indent="0" lvl="0" marL="0" rtl="0" algn="l">
+              <a:pPr marL="0" lvl="0" indent="0" algn="l" rtl="0">
                 <a:spcBef>
                   <a:spcPts val="0"/>
                 </a:spcBef>
@@ -10763,9 +10906,6 @@
                 </a:spcAft>
                 <a:buNone/>
               </a:pPr>
-              <a:r>
-                <a:t/>
-              </a:r>
               <a:endParaRPr/>
             </a:p>
           </p:txBody>
@@ -10774,7 +10914,9 @@
       <p:sp>
         <p:nvSpPr>
           <p:cNvPr id="52" name="Google Shape;52;p7"/>
-          <p:cNvSpPr txBox="1"/>
+          <p:cNvSpPr txBox="1">
+            <a:spLocks noGrp="1"/>
+          </p:cNvSpPr>
           <p:nvPr>
             <p:ph type="title"/>
           </p:nvPr>
@@ -10789,7 +10931,7 @@
           </a:prstGeom>
         </p:spPr>
         <p:txBody>
-          <a:bodyPr anchorCtr="0" anchor="t" bIns="91425" lIns="91425" spcFirstLastPara="1" rIns="91425" wrap="square" tIns="91425">
+          <a:bodyPr spcFirstLastPara="1" wrap="square" lIns="91425" tIns="91425" rIns="91425" bIns="91425" anchor="t" anchorCtr="0">
             <a:noAutofit/>
           </a:bodyPr>
           <a:lstStyle>
@@ -10956,15 +11098,19 @@
               </a:defRPr>
             </a:lvl9pPr>
           </a:lstStyle>
-          <a:p/>
+          <a:p>
+            <a:endParaRPr/>
+          </a:p>
         </p:txBody>
       </p:sp>
       <p:sp>
         <p:nvSpPr>
           <p:cNvPr id="53" name="Google Shape;53;p7"/>
-          <p:cNvSpPr txBox="1"/>
+          <p:cNvSpPr txBox="1">
+            <a:spLocks noGrp="1"/>
+          </p:cNvSpPr>
           <p:nvPr>
-            <p:ph idx="1" type="body"/>
+            <p:ph type="body" idx="1"/>
           </p:nvPr>
         </p:nvSpPr>
         <p:spPr>
@@ -10977,11 +11123,11 @@
           </a:prstGeom>
         </p:spPr>
         <p:txBody>
-          <a:bodyPr anchorCtr="0" anchor="t" bIns="91425" lIns="91425" spcFirstLastPara="1" rIns="91425" wrap="square" tIns="91425">
+          <a:bodyPr spcFirstLastPara="1" wrap="square" lIns="91425" tIns="91425" rIns="91425" bIns="91425" anchor="t" anchorCtr="0">
             <a:noAutofit/>
           </a:bodyPr>
           <a:lstStyle>
-            <a:lvl1pPr indent="-311150" lvl="0" marL="457200">
+            <a:lvl1pPr marL="457200" lvl="0" indent="-311150">
               <a:spcBef>
                 <a:spcPts val="0"/>
               </a:spcBef>
@@ -10992,7 +11138,7 @@
               <a:buChar char="●"/>
               <a:defRPr/>
             </a:lvl1pPr>
-            <a:lvl2pPr indent="-298450" lvl="1" marL="914400">
+            <a:lvl2pPr marL="914400" lvl="1" indent="-298450">
               <a:spcBef>
                 <a:spcPts val="1600"/>
               </a:spcBef>
@@ -11003,7 +11149,7 @@
               <a:buChar char="○"/>
               <a:defRPr/>
             </a:lvl2pPr>
-            <a:lvl3pPr indent="-298450" lvl="2" marL="1371600">
+            <a:lvl3pPr marL="1371600" lvl="2" indent="-298450">
               <a:spcBef>
                 <a:spcPts val="1600"/>
               </a:spcBef>
@@ -11014,7 +11160,7 @@
               <a:buChar char="■"/>
               <a:defRPr/>
             </a:lvl3pPr>
-            <a:lvl4pPr indent="-298450" lvl="3" marL="1828800">
+            <a:lvl4pPr marL="1828800" lvl="3" indent="-298450">
               <a:spcBef>
                 <a:spcPts val="1600"/>
               </a:spcBef>
@@ -11025,7 +11171,7 @@
               <a:buChar char="●"/>
               <a:defRPr/>
             </a:lvl4pPr>
-            <a:lvl5pPr indent="-298450" lvl="4" marL="2286000">
+            <a:lvl5pPr marL="2286000" lvl="4" indent="-298450">
               <a:spcBef>
                 <a:spcPts val="1600"/>
               </a:spcBef>
@@ -11036,7 +11182,7 @@
               <a:buChar char="○"/>
               <a:defRPr/>
             </a:lvl5pPr>
-            <a:lvl6pPr indent="-298450" lvl="5" marL="2743200">
+            <a:lvl6pPr marL="2743200" lvl="5" indent="-298450">
               <a:spcBef>
                 <a:spcPts val="1600"/>
               </a:spcBef>
@@ -11047,7 +11193,7 @@
               <a:buChar char="■"/>
               <a:defRPr/>
             </a:lvl6pPr>
-            <a:lvl7pPr indent="-298450" lvl="6" marL="3200400">
+            <a:lvl7pPr marL="3200400" lvl="6" indent="-298450">
               <a:spcBef>
                 <a:spcPts val="1600"/>
               </a:spcBef>
@@ -11058,7 +11204,7 @@
               <a:buChar char="●"/>
               <a:defRPr/>
             </a:lvl7pPr>
-            <a:lvl8pPr indent="-298450" lvl="7" marL="3657600">
+            <a:lvl8pPr marL="3657600" lvl="7" indent="-298450">
               <a:spcBef>
                 <a:spcPts val="1600"/>
               </a:spcBef>
@@ -11069,7 +11215,7 @@
               <a:buChar char="○"/>
               <a:defRPr/>
             </a:lvl8pPr>
-            <a:lvl9pPr indent="-298450" lvl="8" marL="4114800">
+            <a:lvl9pPr marL="4114800" lvl="8" indent="-298450">
               <a:spcBef>
                 <a:spcPts val="1600"/>
               </a:spcBef>
@@ -11081,15 +11227,19 @@
               <a:defRPr/>
             </a:lvl9pPr>
           </a:lstStyle>
-          <a:p/>
+          <a:p>
+            <a:endParaRPr/>
+          </a:p>
         </p:txBody>
       </p:sp>
       <p:sp>
         <p:nvSpPr>
           <p:cNvPr id="54" name="Google Shape;54;p7"/>
-          <p:cNvSpPr txBox="1"/>
+          <p:cNvSpPr txBox="1">
+            <a:spLocks noGrp="1"/>
+          </p:cNvSpPr>
           <p:nvPr>
-            <p:ph idx="12" type="sldNum"/>
+            <p:ph type="sldNum" idx="12"/>
           </p:nvPr>
         </p:nvSpPr>
         <p:spPr>
@@ -11102,7 +11252,7 @@
           </a:prstGeom>
         </p:spPr>
         <p:txBody>
-          <a:bodyPr anchorCtr="0" anchor="ctr" bIns="91425" lIns="91425" spcFirstLastPara="1" rIns="91425" wrap="square" tIns="91425">
+          <a:bodyPr spcFirstLastPara="1" wrap="square" lIns="91425" tIns="91425" rIns="91425" bIns="91425" anchor="ctr" anchorCtr="0">
             <a:noAutofit/>
           </a:bodyPr>
           <a:lstStyle>
@@ -11144,7 +11294,7 @@
             </a:lvl9pPr>
           </a:lstStyle>
           <a:p>
-            <a:pPr indent="0" lvl="0" marL="0" rtl="0" algn="r">
+            <a:pPr marL="0" lvl="0" indent="0" algn="r" rtl="0">
               <a:spcBef>
                 <a:spcPts val="0"/>
               </a:spcBef>
@@ -11170,18 +11320,19 @@
 </file>
 
 <file path=ppt/slideLayouts/slideLayout7.xml><?xml version="1.0" encoding="utf-8"?>
-<p:sldLayout xmlns:a="http://schemas.openxmlformats.org/drawingml/2006/main" xmlns:r="http://schemas.openxmlformats.org/officeDocument/2006/relationships" xmlns:mc="http://schemas.openxmlformats.org/markup-compatibility/2006" xmlns:mv="urn:schemas-microsoft-com:mac:vml" xmlns:p="http://schemas.openxmlformats.org/presentationml/2006/main" xmlns:c="http://schemas.openxmlformats.org/drawingml/2006/chart" xmlns:dgm="http://schemas.openxmlformats.org/drawingml/2006/diagram" xmlns:o="urn:schemas-microsoft-com:office:office" xmlns:v="urn:schemas-microsoft-com:vml" xmlns:pvml="urn:schemas-microsoft-com:office:powerpoint" xmlns:com="http://schemas.openxmlformats.org/drawingml/2006/compatibility" xmlns:p14="http://schemas.microsoft.com/office/powerpoint/2010/main" xmlns:p15="http://schemas.microsoft.com/office/powerpoint/2012/main" matchingName="Main point">
+<p:sldLayout xmlns:a="http://schemas.openxmlformats.org/drawingml/2006/main" xmlns:r="http://schemas.openxmlformats.org/officeDocument/2006/relationships" xmlns:p="http://schemas.openxmlformats.org/presentationml/2006/main" matchingName="Main point">
   <p:cSld name="MAIN_POINT">
     <p:bg>
       <p:bgPr>
         <a:solidFill>
           <a:schemeClr val="accent3"/>
         </a:solidFill>
+        <a:effectLst/>
       </p:bgPr>
     </p:bg>
     <p:spTree>
       <p:nvGrpSpPr>
-        <p:cNvPr id="55" name="Shape 55"/>
+        <p:cNvPr id="1" name="Shape 55"/>
         <p:cNvGrpSpPr/>
         <p:nvPr/>
       </p:nvGrpSpPr>
@@ -11229,12 +11380,12 @@
             </a:ln>
           </p:spPr>
           <p:txBody>
-            <a:bodyPr anchorCtr="0" anchor="ctr" bIns="91425" lIns="91425" spcFirstLastPara="1" rIns="91425" wrap="square" tIns="91425">
+            <a:bodyPr spcFirstLastPara="1" wrap="square" lIns="91425" tIns="91425" rIns="91425" bIns="91425" anchor="ctr" anchorCtr="0">
               <a:noAutofit/>
             </a:bodyPr>
             <a:lstStyle/>
             <a:p>
-              <a:pPr indent="0" lvl="0" marL="0" rtl="0" algn="l">
+              <a:pPr marL="0" lvl="0" indent="0" algn="l" rtl="0">
                 <a:spcBef>
                   <a:spcPts val="0"/>
                 </a:spcBef>
@@ -11243,9 +11394,6 @@
                 </a:spcAft>
                 <a:buNone/>
               </a:pPr>
-              <a:r>
-                <a:t/>
-              </a:r>
               <a:endParaRPr/>
             </a:p>
           </p:txBody>
@@ -11272,12 +11420,12 @@
             </a:ln>
           </p:spPr>
           <p:txBody>
-            <a:bodyPr anchorCtr="0" anchor="ctr" bIns="91425" lIns="91425" spcFirstLastPara="1" rIns="91425" wrap="square" tIns="91425">
+            <a:bodyPr spcFirstLastPara="1" wrap="square" lIns="91425" tIns="91425" rIns="91425" bIns="91425" anchor="ctr" anchorCtr="0">
               <a:noAutofit/>
             </a:bodyPr>
             <a:lstStyle/>
             <a:p>
-              <a:pPr indent="0" lvl="0" marL="0" rtl="0" algn="l">
+              <a:pPr marL="0" lvl="0" indent="0" algn="l" rtl="0">
                 <a:spcBef>
                   <a:spcPts val="0"/>
                 </a:spcBef>
@@ -11286,9 +11434,6 @@
                 </a:spcAft>
                 <a:buNone/>
               </a:pPr>
-              <a:r>
-                <a:t/>
-              </a:r>
               <a:endParaRPr/>
             </a:p>
           </p:txBody>
@@ -11297,7 +11442,9 @@
       <p:sp>
         <p:nvSpPr>
           <p:cNvPr id="59" name="Google Shape;59;p8"/>
-          <p:cNvSpPr txBox="1"/>
+          <p:cNvSpPr txBox="1">
+            <a:spLocks noGrp="1"/>
+          </p:cNvSpPr>
           <p:nvPr>
             <p:ph type="title"/>
           </p:nvPr>
@@ -11312,7 +11459,7 @@
           </a:prstGeom>
         </p:spPr>
         <p:txBody>
-          <a:bodyPr anchorCtr="0" anchor="ctr" bIns="91425" lIns="91425" spcFirstLastPara="1" rIns="91425" wrap="square" tIns="91425">
+          <a:bodyPr spcFirstLastPara="1" wrap="square" lIns="91425" tIns="91425" rIns="91425" bIns="91425" anchor="ctr" anchorCtr="0">
             <a:noAutofit/>
           </a:bodyPr>
           <a:lstStyle>
@@ -11479,15 +11626,19 @@
               </a:defRPr>
             </a:lvl9pPr>
           </a:lstStyle>
-          <a:p/>
+          <a:p>
+            <a:endParaRPr/>
+          </a:p>
         </p:txBody>
       </p:sp>
       <p:sp>
         <p:nvSpPr>
           <p:cNvPr id="60" name="Google Shape;60;p8"/>
-          <p:cNvSpPr txBox="1"/>
+          <p:cNvSpPr txBox="1">
+            <a:spLocks noGrp="1"/>
+          </p:cNvSpPr>
           <p:nvPr>
-            <p:ph idx="12" type="sldNum"/>
+            <p:ph type="sldNum" idx="12"/>
           </p:nvPr>
         </p:nvSpPr>
         <p:spPr>
@@ -11500,7 +11651,7 @@
           </a:prstGeom>
         </p:spPr>
         <p:txBody>
-          <a:bodyPr anchorCtr="0" anchor="ctr" bIns="91425" lIns="91425" spcFirstLastPara="1" rIns="91425" wrap="square" tIns="91425">
+          <a:bodyPr spcFirstLastPara="1" wrap="square" lIns="91425" tIns="91425" rIns="91425" bIns="91425" anchor="ctr" anchorCtr="0">
             <a:noAutofit/>
           </a:bodyPr>
           <a:lstStyle>
@@ -11578,7 +11729,7 @@
             </a:lvl9pPr>
           </a:lstStyle>
           <a:p>
-            <a:pPr indent="0" lvl="0" marL="0" rtl="0" algn="r">
+            <a:pPr marL="0" lvl="0" indent="0" algn="r" rtl="0">
               <a:spcBef>
                 <a:spcPts val="0"/>
               </a:spcBef>
@@ -11604,11 +11755,11 @@
 </file>
 
 <file path=ppt/slideLayouts/slideLayout8.xml><?xml version="1.0" encoding="utf-8"?>
-<p:sldLayout xmlns:a="http://schemas.openxmlformats.org/drawingml/2006/main" xmlns:r="http://schemas.openxmlformats.org/officeDocument/2006/relationships" xmlns:mc="http://schemas.openxmlformats.org/markup-compatibility/2006" xmlns:mv="urn:schemas-microsoft-com:mac:vml" xmlns:p="http://schemas.openxmlformats.org/presentationml/2006/main" xmlns:c="http://schemas.openxmlformats.org/drawingml/2006/chart" xmlns:dgm="http://schemas.openxmlformats.org/drawingml/2006/diagram" xmlns:o="urn:schemas-microsoft-com:office:office" xmlns:v="urn:schemas-microsoft-com:vml" xmlns:pvml="urn:schemas-microsoft-com:office:powerpoint" xmlns:com="http://schemas.openxmlformats.org/drawingml/2006/compatibility" xmlns:p14="http://schemas.microsoft.com/office/powerpoint/2010/main" xmlns:p15="http://schemas.microsoft.com/office/powerpoint/2012/main" matchingName="Section title and description">
+<p:sldLayout xmlns:a="http://schemas.openxmlformats.org/drawingml/2006/main" xmlns:r="http://schemas.openxmlformats.org/officeDocument/2006/relationships" xmlns:p="http://schemas.openxmlformats.org/presentationml/2006/main" matchingName="Section title and description">
   <p:cSld name="SECTION_TITLE_AND_DESCRIPTION">
     <p:spTree>
       <p:nvGrpSpPr>
-        <p:cNvPr id="61" name="Shape 61"/>
+        <p:cNvPr id="1" name="Shape 61"/>
         <p:cNvGrpSpPr/>
         <p:nvPr/>
       </p:nvGrpSpPr>
@@ -11642,12 +11793,12 @@
           </a:ln>
         </p:spPr>
         <p:txBody>
-          <a:bodyPr anchorCtr="0" anchor="ctr" bIns="91425" lIns="91425" spcFirstLastPara="1" rIns="91425" wrap="square" tIns="91425">
+          <a:bodyPr spcFirstLastPara="1" wrap="square" lIns="91425" tIns="91425" rIns="91425" bIns="91425" anchor="ctr" anchorCtr="0">
             <a:noAutofit/>
           </a:bodyPr>
           <a:lstStyle/>
           <a:p>
-            <a:pPr indent="0" lvl="0" marL="0" rtl="0" algn="l">
+            <a:pPr marL="0" lvl="0" indent="0" algn="l" rtl="0">
               <a:spcBef>
                 <a:spcPts val="0"/>
               </a:spcBef>
@@ -11656,9 +11807,6 @@
               </a:spcAft>
               <a:buNone/>
             </a:pPr>
-            <a:r>
-              <a:t/>
-            </a:r>
             <a:endParaRPr/>
           </a:p>
         </p:txBody>
@@ -11699,12 +11847,12 @@
             </a:ln>
           </p:spPr>
           <p:txBody>
-            <a:bodyPr anchorCtr="0" anchor="ctr" bIns="91425" lIns="91425" spcFirstLastPara="1" rIns="91425" wrap="square" tIns="91425">
+            <a:bodyPr spcFirstLastPara="1" wrap="square" lIns="91425" tIns="91425" rIns="91425" bIns="91425" anchor="ctr" anchorCtr="0">
               <a:noAutofit/>
             </a:bodyPr>
             <a:lstStyle/>
             <a:p>
-              <a:pPr indent="0" lvl="0" marL="0" rtl="0" algn="l">
+              <a:pPr marL="0" lvl="0" indent="0" algn="l" rtl="0">
                 <a:spcBef>
                   <a:spcPts val="0"/>
                 </a:spcBef>
@@ -11713,9 +11861,6 @@
                 </a:spcAft>
                 <a:buNone/>
               </a:pPr>
-              <a:r>
-                <a:t/>
-              </a:r>
               <a:endParaRPr/>
             </a:p>
           </p:txBody>
@@ -11742,12 +11887,12 @@
             </a:ln>
           </p:spPr>
           <p:txBody>
-            <a:bodyPr anchorCtr="0" anchor="ctr" bIns="91425" lIns="91425" spcFirstLastPara="1" rIns="91425" wrap="square" tIns="91425">
+            <a:bodyPr spcFirstLastPara="1" wrap="square" lIns="91425" tIns="91425" rIns="91425" bIns="91425" anchor="ctr" anchorCtr="0">
               <a:noAutofit/>
             </a:bodyPr>
             <a:lstStyle/>
             <a:p>
-              <a:pPr indent="0" lvl="0" marL="0" rtl="0" algn="l">
+              <a:pPr marL="0" lvl="0" indent="0" algn="l" rtl="0">
                 <a:spcBef>
                   <a:spcPts val="0"/>
                 </a:spcBef>
@@ -11756,9 +11901,6 @@
                 </a:spcAft>
                 <a:buNone/>
               </a:pPr>
-              <a:r>
-                <a:t/>
-              </a:r>
               <a:endParaRPr/>
             </a:p>
           </p:txBody>
@@ -11767,7 +11909,9 @@
       <p:sp>
         <p:nvSpPr>
           <p:cNvPr id="66" name="Google Shape;66;p9"/>
-          <p:cNvSpPr txBox="1"/>
+          <p:cNvSpPr txBox="1">
+            <a:spLocks noGrp="1"/>
+          </p:cNvSpPr>
           <p:nvPr>
             <p:ph type="title"/>
           </p:nvPr>
@@ -11782,7 +11926,7 @@
           </a:prstGeom>
         </p:spPr>
         <p:txBody>
-          <a:bodyPr anchorCtr="0" anchor="t" bIns="91425" lIns="91425" spcFirstLastPara="1" rIns="91425" wrap="square" tIns="91425">
+          <a:bodyPr spcFirstLastPara="1" wrap="square" lIns="91425" tIns="91425" rIns="91425" bIns="91425" anchor="t" anchorCtr="0">
             <a:noAutofit/>
           </a:bodyPr>
           <a:lstStyle>
@@ -11949,15 +12093,19 @@
               </a:defRPr>
             </a:lvl9pPr>
           </a:lstStyle>
-          <a:p/>
+          <a:p>
+            <a:endParaRPr/>
+          </a:p>
         </p:txBody>
       </p:sp>
       <p:sp>
         <p:nvSpPr>
           <p:cNvPr id="67" name="Google Shape;67;p9"/>
-          <p:cNvSpPr txBox="1"/>
+          <p:cNvSpPr txBox="1">
+            <a:spLocks noGrp="1"/>
+          </p:cNvSpPr>
           <p:nvPr>
-            <p:ph idx="1" type="subTitle"/>
+            <p:ph type="subTitle" idx="1"/>
           </p:nvPr>
         </p:nvSpPr>
         <p:spPr>
@@ -11970,7 +12118,7 @@
           </a:prstGeom>
         </p:spPr>
         <p:txBody>
-          <a:bodyPr anchorCtr="0" anchor="t" bIns="91425" lIns="91425" spcFirstLastPara="1" rIns="91425" wrap="square" tIns="91425">
+          <a:bodyPr spcFirstLastPara="1" wrap="square" lIns="91425" tIns="91425" rIns="91425" bIns="91425" anchor="t" anchorCtr="0">
             <a:noAutofit/>
           </a:bodyPr>
           <a:lstStyle>
@@ -12101,15 +12249,19 @@
               <a:defRPr sz="1600"/>
             </a:lvl9pPr>
           </a:lstStyle>
-          <a:p/>
+          <a:p>
+            <a:endParaRPr/>
+          </a:p>
         </p:txBody>
       </p:sp>
       <p:sp>
         <p:nvSpPr>
           <p:cNvPr id="68" name="Google Shape;68;p9"/>
-          <p:cNvSpPr txBox="1"/>
+          <p:cNvSpPr txBox="1">
+            <a:spLocks noGrp="1"/>
+          </p:cNvSpPr>
           <p:nvPr>
-            <p:ph idx="2" type="body"/>
+            <p:ph type="body" idx="2"/>
           </p:nvPr>
         </p:nvSpPr>
         <p:spPr>
@@ -12122,11 +12274,11 @@
           </a:prstGeom>
         </p:spPr>
         <p:txBody>
-          <a:bodyPr anchorCtr="0" anchor="t" bIns="91425" lIns="91425" spcFirstLastPara="1" rIns="91425" wrap="square" tIns="91425">
+          <a:bodyPr spcFirstLastPara="1" wrap="square" lIns="91425" tIns="91425" rIns="91425" bIns="91425" anchor="t" anchorCtr="0">
             <a:noAutofit/>
           </a:bodyPr>
           <a:lstStyle>
-            <a:lvl1pPr indent="-311150" lvl="0" marL="457200">
+            <a:lvl1pPr marL="457200" lvl="0" indent="-311150">
               <a:spcBef>
                 <a:spcPts val="0"/>
               </a:spcBef>
@@ -12137,7 +12289,7 @@
               <a:buChar char="●"/>
               <a:defRPr/>
             </a:lvl1pPr>
-            <a:lvl2pPr indent="-298450" lvl="1" marL="914400">
+            <a:lvl2pPr marL="914400" lvl="1" indent="-298450">
               <a:spcBef>
                 <a:spcPts val="1600"/>
               </a:spcBef>
@@ -12148,7 +12300,7 @@
               <a:buChar char="○"/>
               <a:defRPr/>
             </a:lvl2pPr>
-            <a:lvl3pPr indent="-298450" lvl="2" marL="1371600">
+            <a:lvl3pPr marL="1371600" lvl="2" indent="-298450">
               <a:spcBef>
                 <a:spcPts val="1600"/>
               </a:spcBef>
@@ -12159,7 +12311,7 @@
               <a:buChar char="■"/>
               <a:defRPr/>
             </a:lvl3pPr>
-            <a:lvl4pPr indent="-298450" lvl="3" marL="1828800">
+            <a:lvl4pPr marL="1828800" lvl="3" indent="-298450">
               <a:spcBef>
                 <a:spcPts val="1600"/>
               </a:spcBef>
@@ -12170,7 +12322,7 @@
               <a:buChar char="●"/>
               <a:defRPr/>
             </a:lvl4pPr>
-            <a:lvl5pPr indent="-298450" lvl="4" marL="2286000">
+            <a:lvl5pPr marL="2286000" lvl="4" indent="-298450">
               <a:spcBef>
                 <a:spcPts val="1600"/>
               </a:spcBef>
@@ -12181,7 +12333,7 @@
               <a:buChar char="○"/>
               <a:defRPr/>
             </a:lvl5pPr>
-            <a:lvl6pPr indent="-298450" lvl="5" marL="2743200">
+            <a:lvl6pPr marL="2743200" lvl="5" indent="-298450">
               <a:spcBef>
                 <a:spcPts val="1600"/>
               </a:spcBef>
@@ -12192,7 +12344,7 @@
               <a:buChar char="■"/>
               <a:defRPr/>
             </a:lvl6pPr>
-            <a:lvl7pPr indent="-298450" lvl="6" marL="3200400">
+            <a:lvl7pPr marL="3200400" lvl="6" indent="-298450">
               <a:spcBef>
                 <a:spcPts val="1600"/>
               </a:spcBef>
@@ -12203,7 +12355,7 @@
               <a:buChar char="●"/>
               <a:defRPr/>
             </a:lvl7pPr>
-            <a:lvl8pPr indent="-298450" lvl="7" marL="3657600">
+            <a:lvl8pPr marL="3657600" lvl="7" indent="-298450">
               <a:spcBef>
                 <a:spcPts val="1600"/>
               </a:spcBef>
@@ -12214,7 +12366,7 @@
               <a:buChar char="○"/>
               <a:defRPr/>
             </a:lvl8pPr>
-            <a:lvl9pPr indent="-298450" lvl="8" marL="4114800">
+            <a:lvl9pPr marL="4114800" lvl="8" indent="-298450">
               <a:spcBef>
                 <a:spcPts val="1600"/>
               </a:spcBef>
@@ -12226,15 +12378,19 @@
               <a:defRPr/>
             </a:lvl9pPr>
           </a:lstStyle>
-          <a:p/>
+          <a:p>
+            <a:endParaRPr/>
+          </a:p>
         </p:txBody>
       </p:sp>
       <p:sp>
         <p:nvSpPr>
           <p:cNvPr id="69" name="Google Shape;69;p9"/>
-          <p:cNvSpPr txBox="1"/>
+          <p:cNvSpPr txBox="1">
+            <a:spLocks noGrp="1"/>
+          </p:cNvSpPr>
           <p:nvPr>
-            <p:ph idx="12" type="sldNum"/>
+            <p:ph type="sldNum" idx="12"/>
           </p:nvPr>
         </p:nvSpPr>
         <p:spPr>
@@ -12247,7 +12403,7 @@
           </a:prstGeom>
         </p:spPr>
         <p:txBody>
-          <a:bodyPr anchorCtr="0" anchor="ctr" bIns="91425" lIns="91425" spcFirstLastPara="1" rIns="91425" wrap="square" tIns="91425">
+          <a:bodyPr spcFirstLastPara="1" wrap="square" lIns="91425" tIns="91425" rIns="91425" bIns="91425" anchor="ctr" anchorCtr="0">
             <a:noAutofit/>
           </a:bodyPr>
           <a:lstStyle>
@@ -12289,7 +12445,7 @@
             </a:lvl9pPr>
           </a:lstStyle>
           <a:p>
-            <a:pPr indent="0" lvl="0" marL="0" rtl="0" algn="r">
+            <a:pPr marL="0" lvl="0" indent="0" algn="r" rtl="0">
               <a:spcBef>
                 <a:spcPts val="0"/>
               </a:spcBef>
@@ -12315,11 +12471,11 @@
 </file>
 
 <file path=ppt/slideLayouts/slideLayout9.xml><?xml version="1.0" encoding="utf-8"?>
-<p:sldLayout xmlns:a="http://schemas.openxmlformats.org/drawingml/2006/main" xmlns:r="http://schemas.openxmlformats.org/officeDocument/2006/relationships" xmlns:mc="http://schemas.openxmlformats.org/markup-compatibility/2006" xmlns:mv="urn:schemas-microsoft-com:mac:vml" xmlns:p="http://schemas.openxmlformats.org/presentationml/2006/main" xmlns:c="http://schemas.openxmlformats.org/drawingml/2006/chart" xmlns:dgm="http://schemas.openxmlformats.org/drawingml/2006/diagram" xmlns:o="urn:schemas-microsoft-com:office:office" xmlns:v="urn:schemas-microsoft-com:vml" xmlns:pvml="urn:schemas-microsoft-com:office:powerpoint" xmlns:com="http://schemas.openxmlformats.org/drawingml/2006/compatibility" xmlns:p14="http://schemas.microsoft.com/office/powerpoint/2010/main" xmlns:p15="http://schemas.microsoft.com/office/powerpoint/2012/main" matchingName="Caption">
+<p:sldLayout xmlns:a="http://schemas.openxmlformats.org/drawingml/2006/main" xmlns:r="http://schemas.openxmlformats.org/officeDocument/2006/relationships" xmlns:p="http://schemas.openxmlformats.org/presentationml/2006/main" matchingName="Caption">
   <p:cSld name="CAPTION_ONLY">
     <p:spTree>
       <p:nvGrpSpPr>
-        <p:cNvPr id="70" name="Shape 70"/>
+        <p:cNvPr id="1" name="Shape 70"/>
         <p:cNvGrpSpPr/>
         <p:nvPr/>
       </p:nvGrpSpPr>
@@ -12334,9 +12490,11 @@
       <p:sp>
         <p:nvSpPr>
           <p:cNvPr id="71" name="Google Shape;71;p10"/>
-          <p:cNvSpPr txBox="1"/>
+          <p:cNvSpPr txBox="1">
+            <a:spLocks noGrp="1"/>
+          </p:cNvSpPr>
           <p:nvPr>
-            <p:ph idx="1" type="body"/>
+            <p:ph type="body" idx="1"/>
           </p:nvPr>
         </p:nvSpPr>
         <p:spPr>
@@ -12349,11 +12507,11 @@
           </a:prstGeom>
         </p:spPr>
         <p:txBody>
-          <a:bodyPr anchorCtr="0" anchor="ctr" bIns="91425" lIns="91425" spcFirstLastPara="1" rIns="91425" wrap="square" tIns="91425">
+          <a:bodyPr spcFirstLastPara="1" wrap="square" lIns="91425" tIns="91425" rIns="91425" bIns="91425" anchor="ctr" anchorCtr="0">
             <a:noAutofit/>
           </a:bodyPr>
           <a:lstStyle>
-            <a:lvl1pPr indent="-228600" lvl="0" marL="457200">
+            <a:lvl1pPr marL="457200" lvl="0" indent="-228600">
               <a:lnSpc>
                 <a:spcPct val="100000"/>
               </a:lnSpc>
@@ -12368,15 +12526,19 @@
               <a:defRPr/>
             </a:lvl1pPr>
           </a:lstStyle>
-          <a:p/>
+          <a:p>
+            <a:endParaRPr/>
+          </a:p>
         </p:txBody>
       </p:sp>
       <p:sp>
         <p:nvSpPr>
           <p:cNvPr id="72" name="Google Shape;72;p10"/>
-          <p:cNvSpPr txBox="1"/>
+          <p:cNvSpPr txBox="1">
+            <a:spLocks noGrp="1"/>
+          </p:cNvSpPr>
           <p:nvPr>
-            <p:ph idx="12" type="sldNum"/>
+            <p:ph type="sldNum" idx="12"/>
           </p:nvPr>
         </p:nvSpPr>
         <p:spPr>
@@ -12389,7 +12551,7 @@
           </a:prstGeom>
         </p:spPr>
         <p:txBody>
-          <a:bodyPr anchorCtr="0" anchor="ctr" bIns="91425" lIns="91425" spcFirstLastPara="1" rIns="91425" wrap="square" tIns="91425">
+          <a:bodyPr spcFirstLastPara="1" wrap="square" lIns="91425" tIns="91425" rIns="91425" bIns="91425" anchor="ctr" anchorCtr="0">
             <a:noAutofit/>
           </a:bodyPr>
           <a:lstStyle>
@@ -12431,7 +12593,7 @@
             </a:lvl9pPr>
           </a:lstStyle>
           <a:p>
-            <a:pPr indent="0" lvl="0" marL="0" rtl="0" algn="r">
+            <a:pPr marL="0" lvl="0" indent="0" algn="r" rtl="0">
               <a:spcBef>
                 <a:spcPts val="0"/>
               </a:spcBef>
@@ -12457,18 +12619,19 @@
 </file>
 
 <file path=ppt/slideMasters/slideMaster1.xml><?xml version="1.0" encoding="utf-8"?>
-<p:sldMaster xmlns:a="http://schemas.openxmlformats.org/drawingml/2006/main" xmlns:r="http://schemas.openxmlformats.org/officeDocument/2006/relationships" xmlns:mc="http://schemas.openxmlformats.org/markup-compatibility/2006" xmlns:mv="urn:schemas-microsoft-com:mac:vml" xmlns:p="http://schemas.openxmlformats.org/presentationml/2006/main" xmlns:c="http://schemas.openxmlformats.org/drawingml/2006/chart" xmlns:dgm="http://schemas.openxmlformats.org/drawingml/2006/diagram" xmlns:o="urn:schemas-microsoft-com:office:office" xmlns:v="urn:schemas-microsoft-com:vml" xmlns:pvml="urn:schemas-microsoft-com:office:powerpoint" xmlns:com="http://schemas.openxmlformats.org/drawingml/2006/compatibility" xmlns:p14="http://schemas.microsoft.com/office/powerpoint/2010/main" xmlns:p15="http://schemas.microsoft.com/office/powerpoint/2012/main">
+<p:sldMaster xmlns:a="http://schemas.openxmlformats.org/drawingml/2006/main" xmlns:r="http://schemas.openxmlformats.org/officeDocument/2006/relationships" xmlns:p="http://schemas.openxmlformats.org/presentationml/2006/main">
   <p:cSld name="streamline">
     <p:bg>
       <p:bgPr>
         <a:solidFill>
           <a:schemeClr val="lt1"/>
         </a:solidFill>
+        <a:effectLst/>
       </p:bgPr>
     </p:bg>
     <p:spTree>
       <p:nvGrpSpPr>
-        <p:cNvPr id="5" name="Shape 5"/>
+        <p:cNvPr id="1" name="Shape 5"/>
         <p:cNvGrpSpPr/>
         <p:nvPr/>
       </p:nvGrpSpPr>
@@ -12483,7 +12646,9 @@
       <p:sp>
         <p:nvSpPr>
           <p:cNvPr id="6" name="Google Shape;6;p1"/>
-          <p:cNvSpPr txBox="1"/>
+          <p:cNvSpPr txBox="1">
+            <a:spLocks noGrp="1"/>
+          </p:cNvSpPr>
           <p:nvPr>
             <p:ph type="title"/>
           </p:nvPr>
@@ -12502,7 +12667,7 @@
           </a:ln>
         </p:spPr>
         <p:txBody>
-          <a:bodyPr anchorCtr="0" anchor="t" bIns="91425" lIns="91425" spcFirstLastPara="1" rIns="91425" wrap="square" tIns="91425">
+          <a:bodyPr spcFirstLastPara="1" wrap="square" lIns="91425" tIns="91425" rIns="91425" bIns="91425" anchor="t" anchorCtr="0">
             <a:noAutofit/>
           </a:bodyPr>
           <a:lstStyle>
@@ -12516,7 +12681,7 @@
               <a:buSzPts val="2800"/>
               <a:buFont typeface="Raleway"/>
               <a:buNone/>
-              <a:defRPr b="1" sz="2800">
+              <a:defRPr sz="2800" b="1">
                 <a:latin typeface="Raleway"/>
                 <a:ea typeface="Raleway"/>
                 <a:cs typeface="Raleway"/>
@@ -12533,7 +12698,7 @@
               <a:buSzPts val="2800"/>
               <a:buFont typeface="Raleway"/>
               <a:buNone/>
-              <a:defRPr b="1" sz="2800">
+              <a:defRPr sz="2800" b="1">
                 <a:latin typeface="Raleway"/>
                 <a:ea typeface="Raleway"/>
                 <a:cs typeface="Raleway"/>
@@ -12550,7 +12715,7 @@
               <a:buSzPts val="2800"/>
               <a:buFont typeface="Raleway"/>
               <a:buNone/>
-              <a:defRPr b="1" sz="2800">
+              <a:defRPr sz="2800" b="1">
                 <a:latin typeface="Raleway"/>
                 <a:ea typeface="Raleway"/>
                 <a:cs typeface="Raleway"/>
@@ -12567,7 +12732,7 @@
               <a:buSzPts val="2800"/>
               <a:buFont typeface="Raleway"/>
               <a:buNone/>
-              <a:defRPr b="1" sz="2800">
+              <a:defRPr sz="2800" b="1">
                 <a:latin typeface="Raleway"/>
                 <a:ea typeface="Raleway"/>
                 <a:cs typeface="Raleway"/>
@@ -12584,7 +12749,7 @@
               <a:buSzPts val="2800"/>
               <a:buFont typeface="Raleway"/>
               <a:buNone/>
-              <a:defRPr b="1" sz="2800">
+              <a:defRPr sz="2800" b="1">
                 <a:latin typeface="Raleway"/>
                 <a:ea typeface="Raleway"/>
                 <a:cs typeface="Raleway"/>
@@ -12601,7 +12766,7 @@
               <a:buSzPts val="2800"/>
               <a:buFont typeface="Raleway"/>
               <a:buNone/>
-              <a:defRPr b="1" sz="2800">
+              <a:defRPr sz="2800" b="1">
                 <a:latin typeface="Raleway"/>
                 <a:ea typeface="Raleway"/>
                 <a:cs typeface="Raleway"/>
@@ -12618,7 +12783,7 @@
               <a:buSzPts val="2800"/>
               <a:buFont typeface="Raleway"/>
               <a:buNone/>
-              <a:defRPr b="1" sz="2800">
+              <a:defRPr sz="2800" b="1">
                 <a:latin typeface="Raleway"/>
                 <a:ea typeface="Raleway"/>
                 <a:cs typeface="Raleway"/>
@@ -12635,7 +12800,7 @@
               <a:buSzPts val="2800"/>
               <a:buFont typeface="Raleway"/>
               <a:buNone/>
-              <a:defRPr b="1" sz="2800">
+              <a:defRPr sz="2800" b="1">
                 <a:latin typeface="Raleway"/>
                 <a:ea typeface="Raleway"/>
                 <a:cs typeface="Raleway"/>
@@ -12652,7 +12817,7 @@
               <a:buSzPts val="2800"/>
               <a:buFont typeface="Raleway"/>
               <a:buNone/>
-              <a:defRPr b="1" sz="2800">
+              <a:defRPr sz="2800" b="1">
                 <a:latin typeface="Raleway"/>
                 <a:ea typeface="Raleway"/>
                 <a:cs typeface="Raleway"/>
@@ -12660,15 +12825,19 @@
               </a:defRPr>
             </a:lvl9pPr>
           </a:lstStyle>
-          <a:p/>
+          <a:p>
+            <a:endParaRPr/>
+          </a:p>
         </p:txBody>
       </p:sp>
       <p:sp>
         <p:nvSpPr>
           <p:cNvPr id="7" name="Google Shape;7;p1"/>
-          <p:cNvSpPr txBox="1"/>
+          <p:cNvSpPr txBox="1">
+            <a:spLocks noGrp="1"/>
+          </p:cNvSpPr>
           <p:nvPr>
-            <p:ph idx="1" type="body"/>
+            <p:ph type="body" idx="1"/>
           </p:nvPr>
         </p:nvSpPr>
         <p:spPr>
@@ -12685,11 +12854,11 @@
           </a:ln>
         </p:spPr>
         <p:txBody>
-          <a:bodyPr anchorCtr="0" anchor="t" bIns="91425" lIns="91425" spcFirstLastPara="1" rIns="91425" wrap="square" tIns="91425">
+          <a:bodyPr spcFirstLastPara="1" wrap="square" lIns="91425" tIns="91425" rIns="91425" bIns="91425" anchor="t" anchorCtr="0">
             <a:noAutofit/>
           </a:bodyPr>
           <a:lstStyle>
-            <a:lvl1pPr indent="-311150" lvl="0" marL="457200">
+            <a:lvl1pPr marL="457200" lvl="0" indent="-311150">
               <a:lnSpc>
                 <a:spcPct val="115000"/>
               </a:lnSpc>
@@ -12715,7 +12884,7 @@
                 <a:sym typeface="Lato"/>
               </a:defRPr>
             </a:lvl1pPr>
-            <a:lvl2pPr indent="-298450" lvl="1" marL="914400">
+            <a:lvl2pPr marL="914400" lvl="1" indent="-298450">
               <a:lnSpc>
                 <a:spcPct val="115000"/>
               </a:lnSpc>
@@ -12741,7 +12910,7 @@
                 <a:sym typeface="Lato"/>
               </a:defRPr>
             </a:lvl2pPr>
-            <a:lvl3pPr indent="-298450" lvl="2" marL="1371600">
+            <a:lvl3pPr marL="1371600" lvl="2" indent="-298450">
               <a:lnSpc>
                 <a:spcPct val="115000"/>
               </a:lnSpc>
@@ -12767,7 +12936,7 @@
                 <a:sym typeface="Lato"/>
               </a:defRPr>
             </a:lvl3pPr>
-            <a:lvl4pPr indent="-298450" lvl="3" marL="1828800">
+            <a:lvl4pPr marL="1828800" lvl="3" indent="-298450">
               <a:lnSpc>
                 <a:spcPct val="115000"/>
               </a:lnSpc>
@@ -12793,7 +12962,7 @@
                 <a:sym typeface="Lato"/>
               </a:defRPr>
             </a:lvl4pPr>
-            <a:lvl5pPr indent="-298450" lvl="4" marL="2286000">
+            <a:lvl5pPr marL="2286000" lvl="4" indent="-298450">
               <a:lnSpc>
                 <a:spcPct val="115000"/>
               </a:lnSpc>
@@ -12819,7 +12988,7 @@
                 <a:sym typeface="Lato"/>
               </a:defRPr>
             </a:lvl5pPr>
-            <a:lvl6pPr indent="-298450" lvl="5" marL="2743200">
+            <a:lvl6pPr marL="2743200" lvl="5" indent="-298450">
               <a:lnSpc>
                 <a:spcPct val="115000"/>
               </a:lnSpc>
@@ -12845,7 +13014,7 @@
                 <a:sym typeface="Lato"/>
               </a:defRPr>
             </a:lvl6pPr>
-            <a:lvl7pPr indent="-298450" lvl="6" marL="3200400">
+            <a:lvl7pPr marL="3200400" lvl="6" indent="-298450">
               <a:lnSpc>
                 <a:spcPct val="115000"/>
               </a:lnSpc>
@@ -12871,7 +13040,7 @@
                 <a:sym typeface="Lato"/>
               </a:defRPr>
             </a:lvl7pPr>
-            <a:lvl8pPr indent="-298450" lvl="7" marL="3657600">
+            <a:lvl8pPr marL="3657600" lvl="7" indent="-298450">
               <a:lnSpc>
                 <a:spcPct val="115000"/>
               </a:lnSpc>
@@ -12897,7 +13066,7 @@
                 <a:sym typeface="Lato"/>
               </a:defRPr>
             </a:lvl8pPr>
-            <a:lvl9pPr indent="-298450" lvl="8" marL="4114800">
+            <a:lvl9pPr marL="4114800" lvl="8" indent="-298450">
               <a:lnSpc>
                 <a:spcPct val="115000"/>
               </a:lnSpc>
@@ -12924,15 +13093,19 @@
               </a:defRPr>
             </a:lvl9pPr>
           </a:lstStyle>
-          <a:p/>
+          <a:p>
+            <a:endParaRPr/>
+          </a:p>
         </p:txBody>
       </p:sp>
       <p:sp>
         <p:nvSpPr>
           <p:cNvPr id="8" name="Google Shape;8;p1"/>
-          <p:cNvSpPr txBox="1"/>
+          <p:cNvSpPr txBox="1">
+            <a:spLocks noGrp="1"/>
+          </p:cNvSpPr>
           <p:nvPr>
-            <p:ph idx="12" type="sldNum"/>
+            <p:ph type="sldNum" idx="12"/>
           </p:nvPr>
         </p:nvSpPr>
         <p:spPr>
@@ -12949,7 +13122,7 @@
           </a:ln>
         </p:spPr>
         <p:txBody>
-          <a:bodyPr anchorCtr="0" anchor="ctr" bIns="91425" lIns="91425" spcFirstLastPara="1" rIns="91425" wrap="square" tIns="91425">
+          <a:bodyPr spcFirstLastPara="1" wrap="square" lIns="91425" tIns="91425" rIns="91425" bIns="91425" anchor="ctr" anchorCtr="0">
             <a:noAutofit/>
           </a:bodyPr>
           <a:lstStyle>
@@ -13063,7 +13236,7 @@
             </a:lvl9pPr>
           </a:lstStyle>
           <a:p>
-            <a:pPr indent="0" lvl="0" marL="0" rtl="0" algn="r">
+            <a:pPr marL="0" lvl="0" indent="0" algn="r" rtl="0">
               <a:spcBef>
                 <a:spcPts val="0"/>
               </a:spcBef>
@@ -13082,7 +13255,7 @@
       </p:sp>
     </p:spTree>
   </p:cSld>
-  <p:clrMap accent1="accent1" accent2="accent2" accent3="accent3" accent4="accent4" accent5="accent5" accent6="accent6" bg1="lt1" bg2="dk2" tx1="dk1" tx2="lt2" folHlink="folHlink" hlink="hlink"/>
+  <p:clrMap bg1="lt1" tx1="dk1" bg2="dk2" tx2="lt2" accent1="accent1" accent2="accent2" accent3="accent3" accent4="accent4" accent5="accent5" accent6="accent6" hlink="hlink" folHlink="folHlink"/>
   <p:sldLayoutIdLst>
     <p:sldLayoutId id="2147483648" r:id="rId1"/>
     <p:sldLayoutId id="2147483649" r:id="rId2"/>
@@ -13100,10 +13273,10 @@
     <p:sldLayoutId id="2147483661" r:id="rId14"/>
     <p:sldLayoutId id="2147483662" r:id="rId15"/>
   </p:sldLayoutIdLst>
-  <p:hf dt="0" ftr="0" hdr="0" sldNum="0"/>
+  <p:hf sldNum="0" hdr="0" ftr="0" dt="0"/>
   <p:txStyles>
     <p:titleStyle>
-      <a:defPPr lvl="0" marR="0" rtl="0" algn="l">
+      <a:defPPr marR="0" lvl="0" algn="l" rtl="0">
         <a:lnSpc>
           <a:spcPct val="100000"/>
         </a:lnSpc>
@@ -13114,7 +13287,7 @@
           <a:spcPts val="0"/>
         </a:spcAft>
       </a:defPPr>
-      <a:lvl1pPr lvl="0" marR="0" rtl="0" algn="l">
+      <a:lvl1pPr marR="0" lvl="0" algn="l" rtl="0">
         <a:lnSpc>
           <a:spcPct val="100000"/>
         </a:lnSpc>
@@ -13128,7 +13301,7 @@
           <a:srgbClr val="000000"/>
         </a:buClr>
         <a:buFont typeface="Arial"/>
-        <a:defRPr b="0" i="0" sz="1400" u="none" cap="none" strike="noStrike">
+        <a:defRPr sz="1400" b="0" i="0" u="none" strike="noStrike" cap="none">
           <a:solidFill>
             <a:srgbClr val="000000"/>
           </a:solidFill>
@@ -13138,7 +13311,7 @@
           <a:sym typeface="Arial"/>
         </a:defRPr>
       </a:lvl1pPr>
-      <a:lvl2pPr lvl="1" marR="0" rtl="0" algn="l">
+      <a:lvl2pPr marR="0" lvl="1" algn="l" rtl="0">
         <a:lnSpc>
           <a:spcPct val="100000"/>
         </a:lnSpc>
@@ -13152,7 +13325,7 @@
           <a:srgbClr val="000000"/>
         </a:buClr>
         <a:buFont typeface="Arial"/>
-        <a:defRPr b="0" i="0" sz="1400" u="none" cap="none" strike="noStrike">
+        <a:defRPr sz="1400" b="0" i="0" u="none" strike="noStrike" cap="none">
           <a:solidFill>
             <a:srgbClr val="000000"/>
           </a:solidFill>
@@ -13162,7 +13335,7 @@
           <a:sym typeface="Arial"/>
         </a:defRPr>
       </a:lvl2pPr>
-      <a:lvl3pPr lvl="2" marR="0" rtl="0" algn="l">
+      <a:lvl3pPr marR="0" lvl="2" algn="l" rtl="0">
         <a:lnSpc>
           <a:spcPct val="100000"/>
         </a:lnSpc>
@@ -13176,7 +13349,7 @@
           <a:srgbClr val="000000"/>
         </a:buClr>
         <a:buFont typeface="Arial"/>
-        <a:defRPr b="0" i="0" sz="1400" u="none" cap="none" strike="noStrike">
+        <a:defRPr sz="1400" b="0" i="0" u="none" strike="noStrike" cap="none">
           <a:solidFill>
             <a:srgbClr val="000000"/>
           </a:solidFill>
@@ -13186,7 +13359,7 @@
           <a:sym typeface="Arial"/>
         </a:defRPr>
       </a:lvl3pPr>
-      <a:lvl4pPr lvl="3" marR="0" rtl="0" algn="l">
+      <a:lvl4pPr marR="0" lvl="3" algn="l" rtl="0">
         <a:lnSpc>
           <a:spcPct val="100000"/>
         </a:lnSpc>
@@ -13200,7 +13373,7 @@
           <a:srgbClr val="000000"/>
         </a:buClr>
         <a:buFont typeface="Arial"/>
-        <a:defRPr b="0" i="0" sz="1400" u="none" cap="none" strike="noStrike">
+        <a:defRPr sz="1400" b="0" i="0" u="none" strike="noStrike" cap="none">
           <a:solidFill>
             <a:srgbClr val="000000"/>
           </a:solidFill>
@@ -13210,7 +13383,7 @@
           <a:sym typeface="Arial"/>
         </a:defRPr>
       </a:lvl4pPr>
-      <a:lvl5pPr lvl="4" marR="0" rtl="0" algn="l">
+      <a:lvl5pPr marR="0" lvl="4" algn="l" rtl="0">
         <a:lnSpc>
           <a:spcPct val="100000"/>
         </a:lnSpc>
@@ -13224,7 +13397,7 @@
           <a:srgbClr val="000000"/>
         </a:buClr>
         <a:buFont typeface="Arial"/>
-        <a:defRPr b="0" i="0" sz="1400" u="none" cap="none" strike="noStrike">
+        <a:defRPr sz="1400" b="0" i="0" u="none" strike="noStrike" cap="none">
           <a:solidFill>
             <a:srgbClr val="000000"/>
           </a:solidFill>
@@ -13234,7 +13407,7 @@
           <a:sym typeface="Arial"/>
         </a:defRPr>
       </a:lvl5pPr>
-      <a:lvl6pPr lvl="5" marR="0" rtl="0" algn="l">
+      <a:lvl6pPr marR="0" lvl="5" algn="l" rtl="0">
         <a:lnSpc>
           <a:spcPct val="100000"/>
         </a:lnSpc>
@@ -13248,7 +13421,7 @@
           <a:srgbClr val="000000"/>
         </a:buClr>
         <a:buFont typeface="Arial"/>
-        <a:defRPr b="0" i="0" sz="1400" u="none" cap="none" strike="noStrike">
+        <a:defRPr sz="1400" b="0" i="0" u="none" strike="noStrike" cap="none">
           <a:solidFill>
             <a:srgbClr val="000000"/>
           </a:solidFill>
@@ -13258,7 +13431,7 @@
           <a:sym typeface="Arial"/>
         </a:defRPr>
       </a:lvl6pPr>
-      <a:lvl7pPr lvl="6" marR="0" rtl="0" algn="l">
+      <a:lvl7pPr marR="0" lvl="6" algn="l" rtl="0">
         <a:lnSpc>
           <a:spcPct val="100000"/>
         </a:lnSpc>
@@ -13272,7 +13445,7 @@
           <a:srgbClr val="000000"/>
         </a:buClr>
         <a:buFont typeface="Arial"/>
-        <a:defRPr b="0" i="0" sz="1400" u="none" cap="none" strike="noStrike">
+        <a:defRPr sz="1400" b="0" i="0" u="none" strike="noStrike" cap="none">
           <a:solidFill>
             <a:srgbClr val="000000"/>
           </a:solidFill>
@@ -13282,7 +13455,7 @@
           <a:sym typeface="Arial"/>
         </a:defRPr>
       </a:lvl7pPr>
-      <a:lvl8pPr lvl="7" marR="0" rtl="0" algn="l">
+      <a:lvl8pPr marR="0" lvl="7" algn="l" rtl="0">
         <a:lnSpc>
           <a:spcPct val="100000"/>
         </a:lnSpc>
@@ -13296,7 +13469,7 @@
           <a:srgbClr val="000000"/>
         </a:buClr>
         <a:buFont typeface="Arial"/>
-        <a:defRPr b="0" i="0" sz="1400" u="none" cap="none" strike="noStrike">
+        <a:defRPr sz="1400" b="0" i="0" u="none" strike="noStrike" cap="none">
           <a:solidFill>
             <a:srgbClr val="000000"/>
           </a:solidFill>
@@ -13306,7 +13479,7 @@
           <a:sym typeface="Arial"/>
         </a:defRPr>
       </a:lvl8pPr>
-      <a:lvl9pPr lvl="8" marR="0" rtl="0" algn="l">
+      <a:lvl9pPr marR="0" lvl="8" algn="l" rtl="0">
         <a:lnSpc>
           <a:spcPct val="100000"/>
         </a:lnSpc>
@@ -13320,7 +13493,7 @@
           <a:srgbClr val="000000"/>
         </a:buClr>
         <a:buFont typeface="Arial"/>
-        <a:defRPr b="0" i="0" sz="1400" u="none" cap="none" strike="noStrike">
+        <a:defRPr sz="1400" b="0" i="0" u="none" strike="noStrike" cap="none">
           <a:solidFill>
             <a:srgbClr val="000000"/>
           </a:solidFill>
@@ -13332,7 +13505,7 @@
       </a:lvl9pPr>
     </p:titleStyle>
     <p:bodyStyle>
-      <a:defPPr lvl="0" marR="0" rtl="0" algn="l">
+      <a:defPPr marR="0" lvl="0" algn="l" rtl="0">
         <a:lnSpc>
           <a:spcPct val="100000"/>
         </a:lnSpc>
@@ -13343,7 +13516,7 @@
           <a:spcPts val="0"/>
         </a:spcAft>
       </a:defPPr>
-      <a:lvl1pPr lvl="0" marR="0" rtl="0" algn="l">
+      <a:lvl1pPr marR="0" lvl="0" algn="l" rtl="0">
         <a:lnSpc>
           <a:spcPct val="100000"/>
         </a:lnSpc>
@@ -13357,7 +13530,7 @@
           <a:srgbClr val="000000"/>
         </a:buClr>
         <a:buFont typeface="Arial"/>
-        <a:defRPr b="0" i="0" sz="1400" u="none" cap="none" strike="noStrike">
+        <a:defRPr sz="1400" b="0" i="0" u="none" strike="noStrike" cap="none">
           <a:solidFill>
             <a:srgbClr val="000000"/>
           </a:solidFill>
@@ -13367,7 +13540,7 @@
           <a:sym typeface="Arial"/>
         </a:defRPr>
       </a:lvl1pPr>
-      <a:lvl2pPr lvl="1" marR="0" rtl="0" algn="l">
+      <a:lvl2pPr marR="0" lvl="1" algn="l" rtl="0">
         <a:lnSpc>
           <a:spcPct val="100000"/>
         </a:lnSpc>
@@ -13381,7 +13554,7 @@
           <a:srgbClr val="000000"/>
         </a:buClr>
         <a:buFont typeface="Arial"/>
-        <a:defRPr b="0" i="0" sz="1400" u="none" cap="none" strike="noStrike">
+        <a:defRPr sz="1400" b="0" i="0" u="none" strike="noStrike" cap="none">
           <a:solidFill>
             <a:srgbClr val="000000"/>
           </a:solidFill>
@@ -13391,7 +13564,7 @@
           <a:sym typeface="Arial"/>
         </a:defRPr>
       </a:lvl2pPr>
-      <a:lvl3pPr lvl="2" marR="0" rtl="0" algn="l">
+      <a:lvl3pPr marR="0" lvl="2" algn="l" rtl="0">
         <a:lnSpc>
           <a:spcPct val="100000"/>
         </a:lnSpc>
@@ -13405,7 +13578,7 @@
           <a:srgbClr val="000000"/>
         </a:buClr>
         <a:buFont typeface="Arial"/>
-        <a:defRPr b="0" i="0" sz="1400" u="none" cap="none" strike="noStrike">
+        <a:defRPr sz="1400" b="0" i="0" u="none" strike="noStrike" cap="none">
           <a:solidFill>
             <a:srgbClr val="000000"/>
           </a:solidFill>
@@ -13415,7 +13588,7 @@
           <a:sym typeface="Arial"/>
         </a:defRPr>
       </a:lvl3pPr>
-      <a:lvl4pPr lvl="3" marR="0" rtl="0" algn="l">
+      <a:lvl4pPr marR="0" lvl="3" algn="l" rtl="0">
         <a:lnSpc>
           <a:spcPct val="100000"/>
         </a:lnSpc>
@@ -13429,7 +13602,7 @@
           <a:srgbClr val="000000"/>
         </a:buClr>
         <a:buFont typeface="Arial"/>
-        <a:defRPr b="0" i="0" sz="1400" u="none" cap="none" strike="noStrike">
+        <a:defRPr sz="1400" b="0" i="0" u="none" strike="noStrike" cap="none">
           <a:solidFill>
             <a:srgbClr val="000000"/>
           </a:solidFill>
@@ -13439,7 +13612,7 @@
           <a:sym typeface="Arial"/>
         </a:defRPr>
       </a:lvl4pPr>
-      <a:lvl5pPr lvl="4" marR="0" rtl="0" algn="l">
+      <a:lvl5pPr marR="0" lvl="4" algn="l" rtl="0">
         <a:lnSpc>
           <a:spcPct val="100000"/>
         </a:lnSpc>
@@ -13453,7 +13626,7 @@
           <a:srgbClr val="000000"/>
         </a:buClr>
         <a:buFont typeface="Arial"/>
-        <a:defRPr b="0" i="0" sz="1400" u="none" cap="none" strike="noStrike">
+        <a:defRPr sz="1400" b="0" i="0" u="none" strike="noStrike" cap="none">
           <a:solidFill>
             <a:srgbClr val="000000"/>
           </a:solidFill>
@@ -13463,7 +13636,7 @@
           <a:sym typeface="Arial"/>
         </a:defRPr>
       </a:lvl5pPr>
-      <a:lvl6pPr lvl="5" marR="0" rtl="0" algn="l">
+      <a:lvl6pPr marR="0" lvl="5" algn="l" rtl="0">
         <a:lnSpc>
           <a:spcPct val="100000"/>
         </a:lnSpc>
@@ -13477,7 +13650,7 @@
           <a:srgbClr val="000000"/>
         </a:buClr>
         <a:buFont typeface="Arial"/>
-        <a:defRPr b="0" i="0" sz="1400" u="none" cap="none" strike="noStrike">
+        <a:defRPr sz="1400" b="0" i="0" u="none" strike="noStrike" cap="none">
           <a:solidFill>
             <a:srgbClr val="000000"/>
           </a:solidFill>
@@ -13487,7 +13660,7 @@
           <a:sym typeface="Arial"/>
         </a:defRPr>
       </a:lvl6pPr>
-      <a:lvl7pPr lvl="6" marR="0" rtl="0" algn="l">
+      <a:lvl7pPr marR="0" lvl="6" algn="l" rtl="0">
         <a:lnSpc>
           <a:spcPct val="100000"/>
         </a:lnSpc>
@@ -13501,7 +13674,7 @@
           <a:srgbClr val="000000"/>
         </a:buClr>
         <a:buFont typeface="Arial"/>
-        <a:defRPr b="0" i="0" sz="1400" u="none" cap="none" strike="noStrike">
+        <a:defRPr sz="1400" b="0" i="0" u="none" strike="noStrike" cap="none">
           <a:solidFill>
             <a:srgbClr val="000000"/>
           </a:solidFill>
@@ -13511,7 +13684,7 @@
           <a:sym typeface="Arial"/>
         </a:defRPr>
       </a:lvl7pPr>
-      <a:lvl8pPr lvl="7" marR="0" rtl="0" algn="l">
+      <a:lvl8pPr marR="0" lvl="7" algn="l" rtl="0">
         <a:lnSpc>
           <a:spcPct val="100000"/>
         </a:lnSpc>
@@ -13525,7 +13698,7 @@
           <a:srgbClr val="000000"/>
         </a:buClr>
         <a:buFont typeface="Arial"/>
-        <a:defRPr b="0" i="0" sz="1400" u="none" cap="none" strike="noStrike">
+        <a:defRPr sz="1400" b="0" i="0" u="none" strike="noStrike" cap="none">
           <a:solidFill>
             <a:srgbClr val="000000"/>
           </a:solidFill>
@@ -13535,7 +13708,7 @@
           <a:sym typeface="Arial"/>
         </a:defRPr>
       </a:lvl8pPr>
-      <a:lvl9pPr lvl="8" marR="0" rtl="0" algn="l">
+      <a:lvl9pPr marR="0" lvl="8" algn="l" rtl="0">
         <a:lnSpc>
           <a:spcPct val="100000"/>
         </a:lnSpc>
@@ -13549,7 +13722,7 @@
           <a:srgbClr val="000000"/>
         </a:buClr>
         <a:buFont typeface="Arial"/>
-        <a:defRPr b="0" i="0" sz="1400" u="none" cap="none" strike="noStrike">
+        <a:defRPr sz="1400" b="0" i="0" u="none" strike="noStrike" cap="none">
           <a:solidFill>
             <a:srgbClr val="000000"/>
           </a:solidFill>
@@ -13561,7 +13734,7 @@
       </a:lvl9pPr>
     </p:bodyStyle>
     <p:otherStyle>
-      <a:defPPr lvl="0" marR="0" rtl="0" algn="l">
+      <a:defPPr marR="0" lvl="0" algn="l" rtl="0">
         <a:lnSpc>
           <a:spcPct val="100000"/>
         </a:lnSpc>
@@ -13572,7 +13745,7 @@
           <a:spcPts val="0"/>
         </a:spcAft>
       </a:defPPr>
-      <a:lvl1pPr lvl="0" marR="0" rtl="0" algn="l">
+      <a:lvl1pPr marR="0" lvl="0" algn="l" rtl="0">
         <a:lnSpc>
           <a:spcPct val="100000"/>
         </a:lnSpc>
@@ -13586,7 +13759,7 @@
           <a:srgbClr val="000000"/>
         </a:buClr>
         <a:buFont typeface="Arial"/>
-        <a:defRPr b="0" i="0" sz="1400" u="none" cap="none" strike="noStrike">
+        <a:defRPr sz="1400" b="0" i="0" u="none" strike="noStrike" cap="none">
           <a:solidFill>
             <a:srgbClr val="000000"/>
           </a:solidFill>
@@ -13596,7 +13769,7 @@
           <a:sym typeface="Arial"/>
         </a:defRPr>
       </a:lvl1pPr>
-      <a:lvl2pPr lvl="1" marR="0" rtl="0" algn="l">
+      <a:lvl2pPr marR="0" lvl="1" algn="l" rtl="0">
         <a:lnSpc>
           <a:spcPct val="100000"/>
         </a:lnSpc>
@@ -13610,7 +13783,7 @@
           <a:srgbClr val="000000"/>
         </a:buClr>
         <a:buFont typeface="Arial"/>
-        <a:defRPr b="0" i="0" sz="1400" u="none" cap="none" strike="noStrike">
+        <a:defRPr sz="1400" b="0" i="0" u="none" strike="noStrike" cap="none">
           <a:solidFill>
             <a:srgbClr val="000000"/>
           </a:solidFill>
@@ -13620,7 +13793,7 @@
           <a:sym typeface="Arial"/>
         </a:defRPr>
       </a:lvl2pPr>
-      <a:lvl3pPr lvl="2" marR="0" rtl="0" algn="l">
+      <a:lvl3pPr marR="0" lvl="2" algn="l" rtl="0">
         <a:lnSpc>
           <a:spcPct val="100000"/>
         </a:lnSpc>
@@ -13634,7 +13807,7 @@
           <a:srgbClr val="000000"/>
         </a:buClr>
         <a:buFont typeface="Arial"/>
-        <a:defRPr b="0" i="0" sz="1400" u="none" cap="none" strike="noStrike">
+        <a:defRPr sz="1400" b="0" i="0" u="none" strike="noStrike" cap="none">
           <a:solidFill>
             <a:srgbClr val="000000"/>
           </a:solidFill>
@@ -13644,7 +13817,7 @@
           <a:sym typeface="Arial"/>
         </a:defRPr>
       </a:lvl3pPr>
-      <a:lvl4pPr lvl="3" marR="0" rtl="0" algn="l">
+      <a:lvl4pPr marR="0" lvl="3" algn="l" rtl="0">
         <a:lnSpc>
           <a:spcPct val="100000"/>
         </a:lnSpc>
@@ -13658,7 +13831,7 @@
           <a:srgbClr val="000000"/>
         </a:buClr>
         <a:buFont typeface="Arial"/>
-        <a:defRPr b="0" i="0" sz="1400" u="none" cap="none" strike="noStrike">
+        <a:defRPr sz="1400" b="0" i="0" u="none" strike="noStrike" cap="none">
           <a:solidFill>
             <a:srgbClr val="000000"/>
           </a:solidFill>
@@ -13668,7 +13841,7 @@
           <a:sym typeface="Arial"/>
         </a:defRPr>
       </a:lvl4pPr>
-      <a:lvl5pPr lvl="4" marR="0" rtl="0" algn="l">
+      <a:lvl5pPr marR="0" lvl="4" algn="l" rtl="0">
         <a:lnSpc>
           <a:spcPct val="100000"/>
         </a:lnSpc>
@@ -13682,7 +13855,7 @@
           <a:srgbClr val="000000"/>
         </a:buClr>
         <a:buFont typeface="Arial"/>
-        <a:defRPr b="0" i="0" sz="1400" u="none" cap="none" strike="noStrike">
+        <a:defRPr sz="1400" b="0" i="0" u="none" strike="noStrike" cap="none">
           <a:solidFill>
             <a:srgbClr val="000000"/>
           </a:solidFill>
@@ -13692,7 +13865,7 @@
           <a:sym typeface="Arial"/>
         </a:defRPr>
       </a:lvl5pPr>
-      <a:lvl6pPr lvl="5" marR="0" rtl="0" algn="l">
+      <a:lvl6pPr marR="0" lvl="5" algn="l" rtl="0">
         <a:lnSpc>
           <a:spcPct val="100000"/>
         </a:lnSpc>
@@ -13706,7 +13879,7 @@
           <a:srgbClr val="000000"/>
         </a:buClr>
         <a:buFont typeface="Arial"/>
-        <a:defRPr b="0" i="0" sz="1400" u="none" cap="none" strike="noStrike">
+        <a:defRPr sz="1400" b="0" i="0" u="none" strike="noStrike" cap="none">
           <a:solidFill>
             <a:srgbClr val="000000"/>
           </a:solidFill>
@@ -13716,7 +13889,7 @@
           <a:sym typeface="Arial"/>
         </a:defRPr>
       </a:lvl6pPr>
-      <a:lvl7pPr lvl="6" marR="0" rtl="0" algn="l">
+      <a:lvl7pPr marR="0" lvl="6" algn="l" rtl="0">
         <a:lnSpc>
           <a:spcPct val="100000"/>
         </a:lnSpc>
@@ -13730,7 +13903,7 @@
           <a:srgbClr val="000000"/>
         </a:buClr>
         <a:buFont typeface="Arial"/>
-        <a:defRPr b="0" i="0" sz="1400" u="none" cap="none" strike="noStrike">
+        <a:defRPr sz="1400" b="0" i="0" u="none" strike="noStrike" cap="none">
           <a:solidFill>
             <a:srgbClr val="000000"/>
           </a:solidFill>
@@ -13740,7 +13913,7 @@
           <a:sym typeface="Arial"/>
         </a:defRPr>
       </a:lvl7pPr>
-      <a:lvl8pPr lvl="7" marR="0" rtl="0" algn="l">
+      <a:lvl8pPr marR="0" lvl="7" algn="l" rtl="0">
         <a:lnSpc>
           <a:spcPct val="100000"/>
         </a:lnSpc>
@@ -13754,7 +13927,7 @@
           <a:srgbClr val="000000"/>
         </a:buClr>
         <a:buFont typeface="Arial"/>
-        <a:defRPr b="0" i="0" sz="1400" u="none" cap="none" strike="noStrike">
+        <a:defRPr sz="1400" b="0" i="0" u="none" strike="noStrike" cap="none">
           <a:solidFill>
             <a:srgbClr val="000000"/>
           </a:solidFill>
@@ -13764,7 +13937,7 @@
           <a:sym typeface="Arial"/>
         </a:defRPr>
       </a:lvl8pPr>
-      <a:lvl9pPr lvl="8" marR="0" rtl="0" algn="l">
+      <a:lvl9pPr marR="0" lvl="8" algn="l" rtl="0">
         <a:lnSpc>
           <a:spcPct val="100000"/>
         </a:lnSpc>
@@ -13778,7 +13951,7 @@
           <a:srgbClr val="000000"/>
         </a:buClr>
         <a:buFont typeface="Arial"/>
-        <a:defRPr b="0" i="0" sz="1400" u="none" cap="none" strike="noStrike">
+        <a:defRPr sz="1400" b="0" i="0" u="none" strike="noStrike" cap="none">
           <a:solidFill>
             <a:srgbClr val="000000"/>
           </a:solidFill>
@@ -13794,11 +13967,11 @@
 </file>
 
 <file path=ppt/slides/slide1.xml><?xml version="1.0" encoding="utf-8"?>
-<p:sld xmlns:a="http://schemas.openxmlformats.org/drawingml/2006/main" xmlns:r="http://schemas.openxmlformats.org/officeDocument/2006/relationships" xmlns:mc="http://schemas.openxmlformats.org/markup-compatibility/2006" xmlns:mv="urn:schemas-microsoft-com:mac:vml" xmlns:p="http://schemas.openxmlformats.org/presentationml/2006/main" xmlns:c="http://schemas.openxmlformats.org/drawingml/2006/chart" xmlns:dgm="http://schemas.openxmlformats.org/drawingml/2006/diagram" xmlns:o="urn:schemas-microsoft-com:office:office" xmlns:v="urn:schemas-microsoft-com:vml" xmlns:pvml="urn:schemas-microsoft-com:office:powerpoint" xmlns:com="http://schemas.openxmlformats.org/drawingml/2006/compatibility" xmlns:p14="http://schemas.microsoft.com/office/powerpoint/2010/main" xmlns:p15="http://schemas.microsoft.com/office/powerpoint/2012/main">
+<p:sld xmlns:a="http://schemas.openxmlformats.org/drawingml/2006/main" xmlns:r="http://schemas.openxmlformats.org/officeDocument/2006/relationships" xmlns:p="http://schemas.openxmlformats.org/presentationml/2006/main">
   <p:cSld>
     <p:spTree>
       <p:nvGrpSpPr>
-        <p:cNvPr id="119" name="Shape 119"/>
+        <p:cNvPr id="1" name="Shape 119"/>
         <p:cNvGrpSpPr/>
         <p:nvPr/>
       </p:nvGrpSpPr>
@@ -13813,7 +13986,9 @@
       <p:sp>
         <p:nvSpPr>
           <p:cNvPr id="120" name="Google Shape;120;p17"/>
-          <p:cNvSpPr txBox="1"/>
+          <p:cNvSpPr txBox="1">
+            <a:spLocks noGrp="1"/>
+          </p:cNvSpPr>
           <p:nvPr>
             <p:ph type="title"/>
           </p:nvPr>
@@ -13832,12 +14007,12 @@
           </a:ln>
         </p:spPr>
         <p:txBody>
-          <a:bodyPr anchorCtr="0" anchor="b" bIns="0" lIns="0" spcFirstLastPara="1" rIns="0" wrap="square" tIns="0">
+          <a:bodyPr spcFirstLastPara="1" wrap="square" lIns="0" tIns="0" rIns="0" bIns="0" anchor="b" anchorCtr="0">
             <a:noAutofit/>
           </a:bodyPr>
           <a:lstStyle/>
           <a:p>
-            <a:pPr indent="0" lvl="0" marL="0" rtl="0" algn="l">
+            <a:pPr marL="0" lvl="0" indent="0" algn="l" rtl="0">
               <a:lnSpc>
                 <a:spcPct val="80000"/>
               </a:lnSpc>
@@ -13855,13 +14030,13 @@
               <a:buNone/>
             </a:pPr>
             <a:r>
-              <a:rPr b="1" lang="en" sz="2400"/>
+              <a:rPr lang="en" sz="2400" b="1"/>
               <a:t>Consumer Finance </a:t>
             </a:r>
-            <a:endParaRPr b="1" sz="2400"/>
+            <a:endParaRPr sz="2400" b="1"/>
           </a:p>
           <a:p>
-            <a:pPr indent="0" lvl="0" marL="0" rtl="0" algn="l">
+            <a:pPr marL="0" lvl="0" indent="0" algn="l" rtl="0">
               <a:lnSpc>
                 <a:spcPct val="80000"/>
               </a:lnSpc>
@@ -13879,7 +14054,7 @@
               <a:buNone/>
             </a:pPr>
             <a:r>
-              <a:rPr b="1" lang="en" sz="2400"/>
+              <a:rPr lang="en" sz="2400" b="1"/>
               <a:t>Complaint Product Classification</a:t>
             </a:r>
             <a:endParaRPr sz="2400"/>
@@ -13889,9 +14064,11 @@
       <p:sp>
         <p:nvSpPr>
           <p:cNvPr id="121" name="Google Shape;121;p17"/>
-          <p:cNvSpPr txBox="1"/>
+          <p:cNvSpPr txBox="1">
+            <a:spLocks noGrp="1"/>
+          </p:cNvSpPr>
           <p:nvPr>
-            <p:ph idx="1" type="body"/>
+            <p:ph type="body" idx="1"/>
           </p:nvPr>
         </p:nvSpPr>
         <p:spPr>
@@ -13908,12 +14085,12 @@
           </a:ln>
         </p:spPr>
         <p:txBody>
-          <a:bodyPr anchorCtr="0" anchor="t" bIns="0" lIns="8075" spcFirstLastPara="1" rIns="0" wrap="square" tIns="0">
+          <a:bodyPr spcFirstLastPara="1" wrap="square" lIns="8075" tIns="0" rIns="0" bIns="0" anchor="t" anchorCtr="0">
             <a:noAutofit/>
           </a:bodyPr>
           <a:lstStyle/>
           <a:p>
-            <a:pPr indent="0" lvl="0" marL="0" marR="0" rtl="0" algn="l">
+            <a:pPr marL="0" marR="0" lvl="0" indent="0" algn="l" rtl="0">
               <a:lnSpc>
                 <a:spcPct val="80000"/>
               </a:lnSpc>
@@ -13937,7 +14114,7 @@
             <a:endParaRPr sz="1800"/>
           </a:p>
           <a:p>
-            <a:pPr indent="0" lvl="0" marL="0" marR="0" rtl="0" algn="l">
+            <a:pPr marL="0" marR="0" lvl="0" indent="0" algn="l" rtl="0">
               <a:lnSpc>
                 <a:spcPct val="80000"/>
               </a:lnSpc>
@@ -13961,7 +14138,7 @@
             <a:endParaRPr sz="1400"/>
           </a:p>
           <a:p>
-            <a:pPr indent="0" lvl="0" marL="0" marR="0" rtl="0" algn="l">
+            <a:pPr marL="0" marR="0" lvl="0" indent="0" algn="l" rtl="0">
               <a:lnSpc>
                 <a:spcPct val="80000"/>
               </a:lnSpc>
@@ -13990,13 +14167,13 @@
   <p:clrMapOvr>
     <a:masterClrMapping/>
   </p:clrMapOvr>
-  <mc:AlternateContent>
+  <mc:AlternateContent xmlns:mc="http://schemas.openxmlformats.org/markup-compatibility/2006" xmlns:p14="http://schemas.microsoft.com/office/powerpoint/2010/main">
     <mc:Choice Requires="p14">
-      <p:transition spd="slow" p14:dur="700">
+      <p:transition spd="med" p14:dur="700">
         <p:fade/>
       </p:transition>
     </mc:Choice>
-    <mc:Fallback>
+    <mc:Fallback xmlns:p15="http://schemas.microsoft.com/office/powerpoint/2012/main" xmlns:com="http://schemas.openxmlformats.org/drawingml/2006/compatibility" xmlns:pvml="urn:schemas-microsoft-com:office:powerpoint" xmlns:v="urn:schemas-microsoft-com:vml" xmlns:o="urn:schemas-microsoft-com:office:office" xmlns:dgm="http://schemas.openxmlformats.org/drawingml/2006/diagram" xmlns:c="http://schemas.openxmlformats.org/drawingml/2006/chart" xmlns:mv="urn:schemas-microsoft-com:mac:vml" xmlns="">
       <p:transition spd="slow">
         <p:fade/>
       </p:transition>
@@ -14006,11 +14183,11 @@
 </file>
 
 <file path=ppt/slides/slide2.xml><?xml version="1.0" encoding="utf-8"?>
-<p:sld xmlns:a="http://schemas.openxmlformats.org/drawingml/2006/main" xmlns:r="http://schemas.openxmlformats.org/officeDocument/2006/relationships" xmlns:mc="http://schemas.openxmlformats.org/markup-compatibility/2006" xmlns:mv="urn:schemas-microsoft-com:mac:vml" xmlns:p="http://schemas.openxmlformats.org/presentationml/2006/main" xmlns:c="http://schemas.openxmlformats.org/drawingml/2006/chart" xmlns:dgm="http://schemas.openxmlformats.org/drawingml/2006/diagram" xmlns:o="urn:schemas-microsoft-com:office:office" xmlns:v="urn:schemas-microsoft-com:vml" xmlns:pvml="urn:schemas-microsoft-com:office:powerpoint" xmlns:com="http://schemas.openxmlformats.org/drawingml/2006/compatibility" xmlns:p14="http://schemas.microsoft.com/office/powerpoint/2010/main" xmlns:p15="http://schemas.microsoft.com/office/powerpoint/2012/main">
+<p:sld xmlns:a="http://schemas.openxmlformats.org/drawingml/2006/main" xmlns:r="http://schemas.openxmlformats.org/officeDocument/2006/relationships" xmlns:p="http://schemas.openxmlformats.org/presentationml/2006/main">
   <p:cSld>
     <p:spTree>
       <p:nvGrpSpPr>
-        <p:cNvPr id="126" name="Shape 126"/>
+        <p:cNvPr id="1" name="Shape 126"/>
         <p:cNvGrpSpPr/>
         <p:nvPr/>
       </p:nvGrpSpPr>
@@ -14025,7 +14202,9 @@
       <p:sp>
         <p:nvSpPr>
           <p:cNvPr id="127" name="Google Shape;127;p18"/>
-          <p:cNvSpPr txBox="1"/>
+          <p:cNvSpPr txBox="1">
+            <a:spLocks noGrp="1"/>
+          </p:cNvSpPr>
           <p:nvPr>
             <p:ph type="title"/>
           </p:nvPr>
@@ -14044,12 +14223,12 @@
           </a:ln>
         </p:spPr>
         <p:txBody>
-          <a:bodyPr anchorCtr="0" anchor="t" bIns="0" lIns="0" spcFirstLastPara="1" rIns="0" wrap="square" tIns="0">
+          <a:bodyPr spcFirstLastPara="1" wrap="square" lIns="0" tIns="0" rIns="0" bIns="0" anchor="t" anchorCtr="0">
             <a:noAutofit/>
           </a:bodyPr>
           <a:lstStyle/>
           <a:p>
-            <a:pPr indent="0" lvl="0" marL="0" rtl="0" algn="l">
+            <a:pPr marL="0" lvl="0" indent="0" algn="l" rtl="0">
               <a:spcBef>
                 <a:spcPts val="0"/>
               </a:spcBef>
@@ -14082,9 +14261,11 @@
       <p:sp>
         <p:nvSpPr>
           <p:cNvPr id="128" name="Google Shape;128;p18"/>
-          <p:cNvSpPr txBox="1"/>
+          <p:cNvSpPr txBox="1">
+            <a:spLocks noGrp="1"/>
+          </p:cNvSpPr>
           <p:nvPr>
-            <p:ph idx="12" type="sldNum"/>
+            <p:ph type="sldNum" idx="12"/>
           </p:nvPr>
         </p:nvSpPr>
         <p:spPr>
@@ -14101,12 +14282,12 @@
           </a:ln>
         </p:spPr>
         <p:txBody>
-          <a:bodyPr anchorCtr="0" anchor="b" bIns="0" lIns="0" spcFirstLastPara="1" rIns="0" wrap="square" tIns="0">
+          <a:bodyPr spcFirstLastPara="1" wrap="square" lIns="0" tIns="0" rIns="0" bIns="0" anchor="b" anchorCtr="0">
             <a:noAutofit/>
           </a:bodyPr>
           <a:lstStyle/>
           <a:p>
-            <a:pPr indent="0" lvl="0" marL="0" rtl="0" algn="l">
+            <a:pPr marL="0" lvl="0" indent="0" algn="l" rtl="0">
               <a:spcBef>
                 <a:spcPts val="0"/>
               </a:spcBef>
@@ -14121,7 +14302,7 @@
             </a:pPr>
             <a:fld id="{00000000-1234-1234-1234-123412341234}" type="slidenum">
               <a:rPr lang="en"/>
-              <a:t>‹#›</a:t>
+              <a:t>2</a:t>
             </a:fld>
             <a:endParaRPr/>
           </a:p>
@@ -14129,10 +14310,12 @@
       </p:sp>
       <p:sp>
         <p:nvSpPr>
-          <p:cNvPr descr="&#10;&#10;&#10;&#10;&#10;&#10;&#10;&#10;&#10;&#10;&#10;&#10;&#10;&#10;&#10;&#10;&#10;&#10;&#10;&#10;&#10;&#10;&#10;&#10;&#10;&#10;&#10;&#10;&#10;&#10;&#10;&#10;&#10;PresentationLoad.com" id="129" name="Google Shape;129;p18"/>
-          <p:cNvSpPr txBox="1"/>
+          <p:cNvPr id="129" name="Google Shape;129;p18" descr="&#10;&#10;&#10;&#10;&#10;&#10;&#10;&#10;&#10;&#10;&#10;&#10;&#10;&#10;&#10;&#10;&#10;&#10;&#10;&#10;&#10;&#10;&#10;&#10;&#10;&#10;&#10;&#10;&#10;&#10;&#10;&#10;&#10;PresentationLoad.com"/>
+          <p:cNvSpPr txBox="1">
+            <a:spLocks noGrp="1"/>
+          </p:cNvSpPr>
           <p:nvPr>
-            <p:ph idx="2" type="body"/>
+            <p:ph type="body" idx="2"/>
           </p:nvPr>
         </p:nvSpPr>
         <p:spPr>
@@ -14149,12 +14332,12 @@
           </a:ln>
         </p:spPr>
         <p:txBody>
-          <a:bodyPr anchorCtr="0" anchor="t" bIns="0" lIns="8075" spcFirstLastPara="1" rIns="0" wrap="square" tIns="0">
+          <a:bodyPr spcFirstLastPara="1" wrap="square" lIns="8075" tIns="0" rIns="0" bIns="0" anchor="t" anchorCtr="0">
             <a:noAutofit/>
           </a:bodyPr>
           <a:lstStyle/>
           <a:p>
-            <a:pPr indent="0" lvl="0" marL="203200" rtl="0" algn="l">
+            <a:pPr marL="203200" lvl="0" indent="0" algn="l" rtl="0">
               <a:lnSpc>
                 <a:spcPct val="90000"/>
               </a:lnSpc>
@@ -14167,7 +14350,7 @@
               <a:buNone/>
             </a:pPr>
             <a:r>
-              <a:rPr b="1" lang="en" sz="1800"/>
+              <a:rPr lang="en" sz="1800" b="1"/>
               <a:t>Objective</a:t>
             </a:r>
             <a:r>
@@ -14177,7 +14360,7 @@
             <a:endParaRPr sz="1800"/>
           </a:p>
           <a:p>
-            <a:pPr indent="0" lvl="0" marL="203200" rtl="0" algn="l">
+            <a:pPr marL="203200" lvl="0" indent="0" algn="l" rtl="0">
               <a:lnSpc>
                 <a:spcPct val="90000"/>
               </a:lnSpc>
@@ -14189,13 +14372,10 @@
               </a:spcAft>
               <a:buNone/>
             </a:pPr>
-            <a:r>
-              <a:t/>
-            </a:r>
             <a:endParaRPr sz="1800"/>
           </a:p>
           <a:p>
-            <a:pPr indent="0" lvl="0" marL="203200" rtl="0" algn="l">
+            <a:pPr marL="203200" lvl="0" indent="0" algn="l" rtl="0">
               <a:lnSpc>
                 <a:spcPct val="90000"/>
               </a:lnSpc>
@@ -14208,7 +14388,7 @@
               <a:buNone/>
             </a:pPr>
             <a:r>
-              <a:rPr b="1" lang="en" sz="1800"/>
+              <a:rPr lang="en" sz="1800" b="1"/>
               <a:t>Data Source</a:t>
             </a:r>
             <a:r>
@@ -14218,7 +14398,7 @@
             <a:endParaRPr sz="1800"/>
           </a:p>
           <a:p>
-            <a:pPr indent="0" lvl="0" marL="203200" rtl="0" algn="l">
+            <a:pPr marL="203200" lvl="0" indent="0" algn="l" rtl="0">
               <a:lnSpc>
                 <a:spcPct val="90000"/>
               </a:lnSpc>
@@ -14230,13 +14410,10 @@
               </a:spcAft>
               <a:buNone/>
             </a:pPr>
-            <a:r>
-              <a:t/>
-            </a:r>
             <a:endParaRPr sz="1800"/>
           </a:p>
           <a:p>
-            <a:pPr indent="0" lvl="0" marL="203200" rtl="0" algn="l">
+            <a:pPr marL="203200" lvl="0" indent="0" algn="l" rtl="0">
               <a:lnSpc>
                 <a:spcPct val="90000"/>
               </a:lnSpc>
@@ -14249,7 +14426,7 @@
               <a:buNone/>
             </a:pPr>
             <a:r>
-              <a:rPr b="1" lang="en" sz="1800"/>
+              <a:rPr lang="en" sz="1800" b="1"/>
               <a:t>Application Areas</a:t>
             </a:r>
             <a:r>
@@ -14259,7 +14436,7 @@
             <a:endParaRPr sz="1800"/>
           </a:p>
           <a:p>
-            <a:pPr indent="-342900" lvl="0" marL="914400" rtl="0" algn="l">
+            <a:pPr marL="914400" lvl="0" indent="-342900" algn="l" rtl="0">
               <a:lnSpc>
                 <a:spcPct val="90000"/>
               </a:lnSpc>
@@ -14282,7 +14459,7 @@
             <a:endParaRPr sz="1800"/>
           </a:p>
           <a:p>
-            <a:pPr indent="-342900" lvl="0" marL="914400" rtl="0" algn="l">
+            <a:pPr marL="914400" lvl="0" indent="-342900" algn="l" rtl="0">
               <a:lnSpc>
                 <a:spcPct val="90000"/>
               </a:lnSpc>
@@ -14300,20 +14477,12 @@
             </a:pPr>
             <a:r>
               <a:rPr lang="en" sz="1800"/>
-              <a:t>Businesses can quickly </a:t>
-            </a:r>
-            <a:r>
-              <a:rPr lang="en" sz="1800"/>
-              <a:t>receive</a:t>
-            </a:r>
-            <a:r>
-              <a:rPr lang="en" sz="1800"/>
-              <a:t> customer feedback and  evaluate performance of their products &amp; services</a:t>
+              <a:t>Businesses can quickly receive customer feedback and  evaluate performance of their products &amp; services</a:t>
             </a:r>
             <a:endParaRPr sz="1800"/>
           </a:p>
           <a:p>
-            <a:pPr indent="-342900" lvl="0" marL="914400" rtl="0" algn="l">
+            <a:pPr marL="914400" lvl="0" indent="-342900" algn="l" rtl="0">
               <a:lnSpc>
                 <a:spcPct val="90000"/>
               </a:lnSpc>
@@ -14342,13 +14511,13 @@
   <p:clrMapOvr>
     <a:masterClrMapping/>
   </p:clrMapOvr>
-  <mc:AlternateContent>
+  <mc:AlternateContent xmlns:mc="http://schemas.openxmlformats.org/markup-compatibility/2006" xmlns:p14="http://schemas.microsoft.com/office/powerpoint/2010/main">
     <mc:Choice Requires="p14">
-      <p:transition spd="slow" p14:dur="700">
+      <p:transition spd="med" p14:dur="700">
         <p:fade/>
       </p:transition>
     </mc:Choice>
-    <mc:Fallback>
+    <mc:Fallback xmlns:p15="http://schemas.microsoft.com/office/powerpoint/2012/main" xmlns:com="http://schemas.openxmlformats.org/drawingml/2006/compatibility" xmlns:pvml="urn:schemas-microsoft-com:office:powerpoint" xmlns:v="urn:schemas-microsoft-com:vml" xmlns:o="urn:schemas-microsoft-com:office:office" xmlns:dgm="http://schemas.openxmlformats.org/drawingml/2006/diagram" xmlns:c="http://schemas.openxmlformats.org/drawingml/2006/chart" xmlns:mv="urn:schemas-microsoft-com:mac:vml" xmlns="">
       <p:transition spd="slow">
         <p:fade/>
       </p:transition>
@@ -14358,11 +14527,11 @@
 </file>
 
 <file path=ppt/slides/slide3.xml><?xml version="1.0" encoding="utf-8"?>
-<p:sld xmlns:a="http://schemas.openxmlformats.org/drawingml/2006/main" xmlns:r="http://schemas.openxmlformats.org/officeDocument/2006/relationships" xmlns:mc="http://schemas.openxmlformats.org/markup-compatibility/2006" xmlns:mv="urn:schemas-microsoft-com:mac:vml" xmlns:p="http://schemas.openxmlformats.org/presentationml/2006/main" xmlns:c="http://schemas.openxmlformats.org/drawingml/2006/chart" xmlns:dgm="http://schemas.openxmlformats.org/drawingml/2006/diagram" xmlns:o="urn:schemas-microsoft-com:office:office" xmlns:v="urn:schemas-microsoft-com:vml" xmlns:pvml="urn:schemas-microsoft-com:office:powerpoint" xmlns:com="http://schemas.openxmlformats.org/drawingml/2006/compatibility" xmlns:p14="http://schemas.microsoft.com/office/powerpoint/2010/main" xmlns:p15="http://schemas.microsoft.com/office/powerpoint/2012/main">
+<p:sld xmlns:a="http://schemas.openxmlformats.org/drawingml/2006/main" xmlns:r="http://schemas.openxmlformats.org/officeDocument/2006/relationships" xmlns:p="http://schemas.openxmlformats.org/presentationml/2006/main">
   <p:cSld>
     <p:spTree>
       <p:nvGrpSpPr>
-        <p:cNvPr id="134" name="Shape 134"/>
+        <p:cNvPr id="1" name="Shape 134"/>
         <p:cNvGrpSpPr/>
         <p:nvPr/>
       </p:nvGrpSpPr>
@@ -14377,7 +14546,9 @@
       <p:sp>
         <p:nvSpPr>
           <p:cNvPr id="135" name="Google Shape;135;p19"/>
-          <p:cNvSpPr txBox="1"/>
+          <p:cNvSpPr txBox="1">
+            <a:spLocks noGrp="1"/>
+          </p:cNvSpPr>
           <p:nvPr>
             <p:ph type="title"/>
           </p:nvPr>
@@ -14396,12 +14567,12 @@
           </a:ln>
         </p:spPr>
         <p:txBody>
-          <a:bodyPr anchorCtr="0" anchor="t" bIns="0" lIns="0" spcFirstLastPara="1" rIns="0" wrap="square" tIns="0">
+          <a:bodyPr spcFirstLastPara="1" wrap="square" lIns="0" tIns="0" rIns="0" bIns="0" anchor="t" anchorCtr="0">
             <a:noAutofit/>
           </a:bodyPr>
           <a:lstStyle/>
           <a:p>
-            <a:pPr indent="0" lvl="0" marL="0" rtl="0" algn="l">
+            <a:pPr marL="0" lvl="0" indent="0" algn="l" rtl="0">
               <a:spcBef>
                 <a:spcPts val="0"/>
               </a:spcBef>
@@ -14416,19 +14587,21 @@
               <a:buNone/>
             </a:pPr>
             <a:r>
-              <a:rPr b="1" lang="en" sz="2400"/>
+              <a:rPr lang="en" sz="2400" b="1"/>
               <a:t>Approach</a:t>
             </a:r>
-            <a:endParaRPr b="1" sz="2400"/>
+            <a:endParaRPr sz="2400" b="1"/>
           </a:p>
         </p:txBody>
       </p:sp>
       <p:sp>
         <p:nvSpPr>
-          <p:cNvPr descr="&#10;&#10;&#10;&#10;&#10;&#10;&#10;&#10;&#10;&#10;&#10;&#10;&#10;&#10;&#10;&#10;&#10;&#10;&#10;&#10;&#10;&#10;&#10;&#10;&#10;&#10;&#10;&#10;&#10;&#10;&#10;&#10;&#10;PresentationLoad.com" id="136" name="Google Shape;136;p19"/>
-          <p:cNvSpPr txBox="1"/>
+          <p:cNvPr id="136" name="Google Shape;136;p19" descr="&#10;&#10;&#10;&#10;&#10;&#10;&#10;&#10;&#10;&#10;&#10;&#10;&#10;&#10;&#10;&#10;&#10;&#10;&#10;&#10;&#10;&#10;&#10;&#10;&#10;&#10;&#10;&#10;&#10;&#10;&#10;&#10;&#10;PresentationLoad.com"/>
+          <p:cNvSpPr txBox="1">
+            <a:spLocks noGrp="1"/>
+          </p:cNvSpPr>
           <p:nvPr>
-            <p:ph idx="3" type="body"/>
+            <p:ph type="body" idx="3"/>
           </p:nvPr>
         </p:nvSpPr>
         <p:spPr>
@@ -14445,12 +14618,12 @@
           </a:ln>
         </p:spPr>
         <p:txBody>
-          <a:bodyPr anchorCtr="0" anchor="t" bIns="0" lIns="8075" spcFirstLastPara="1" rIns="0" wrap="square" tIns="0">
+          <a:bodyPr spcFirstLastPara="1" wrap="square" lIns="8075" tIns="0" rIns="0" bIns="0" anchor="t" anchorCtr="0">
             <a:noAutofit/>
           </a:bodyPr>
           <a:lstStyle/>
           <a:p>
-            <a:pPr indent="0" lvl="0" marL="0" rtl="0" algn="l">
+            <a:pPr marL="0" lvl="0" indent="0" algn="l" rtl="0">
               <a:lnSpc>
                 <a:spcPct val="90000"/>
               </a:lnSpc>
@@ -14467,7 +14640,7 @@
               <a:buNone/>
             </a:pPr>
             <a:r>
-              <a:rPr b="1" lang="en" sz="1800"/>
+              <a:rPr lang="en" sz="1800" b="1"/>
               <a:t>Prework - </a:t>
             </a:r>
             <a:r>
@@ -14477,7 +14650,7 @@
             <a:endParaRPr sz="1800"/>
           </a:p>
           <a:p>
-            <a:pPr indent="0" lvl="0" marL="0" rtl="0" algn="l">
+            <a:pPr marL="0" lvl="0" indent="0" algn="l" rtl="0">
               <a:lnSpc>
                 <a:spcPct val="90000"/>
               </a:lnSpc>
@@ -14493,13 +14666,10 @@
               <a:buSzPts val="2400"/>
               <a:buNone/>
             </a:pPr>
-            <a:r>
-              <a:t/>
-            </a:r>
-            <a:endParaRPr b="1" sz="1800"/>
+            <a:endParaRPr sz="1800" b="1"/>
           </a:p>
           <a:p>
-            <a:pPr indent="0" lvl="0" marL="0" rtl="0" algn="l">
+            <a:pPr marL="0" lvl="0" indent="0" algn="l" rtl="0">
               <a:lnSpc>
                 <a:spcPct val="90000"/>
               </a:lnSpc>
@@ -14516,7 +14686,7 @@
               <a:buNone/>
             </a:pPr>
             <a:r>
-              <a:rPr b="1" lang="en" sz="1800"/>
+              <a:rPr lang="en" sz="1800" b="1"/>
               <a:t>Baseline - </a:t>
             </a:r>
             <a:r>
@@ -14526,7 +14696,7 @@
             <a:endParaRPr sz="1800"/>
           </a:p>
           <a:p>
-            <a:pPr indent="0" lvl="0" marL="0" rtl="0" algn="l">
+            <a:pPr marL="0" lvl="0" indent="0" algn="l" rtl="0">
               <a:lnSpc>
                 <a:spcPct val="90000"/>
               </a:lnSpc>
@@ -14542,13 +14712,10 @@
               <a:buSzPts val="2400"/>
               <a:buNone/>
             </a:pPr>
-            <a:r>
-              <a:t/>
-            </a:r>
-            <a:endParaRPr b="1" sz="1800"/>
+            <a:endParaRPr sz="1800" b="1"/>
           </a:p>
           <a:p>
-            <a:pPr indent="0" lvl="0" marL="0" rtl="0" algn="l">
+            <a:pPr marL="0" lvl="0" indent="0" algn="l" rtl="0">
               <a:lnSpc>
                 <a:spcPct val="90000"/>
               </a:lnSpc>
@@ -14565,7 +14732,7 @@
               <a:buNone/>
             </a:pPr>
             <a:r>
-              <a:rPr b="1" lang="en" sz="1800"/>
+              <a:rPr lang="en" sz="1800" b="1"/>
               <a:t>Model 1 - </a:t>
             </a:r>
             <a:r>
@@ -14575,7 +14742,7 @@
             <a:endParaRPr sz="1800"/>
           </a:p>
           <a:p>
-            <a:pPr indent="0" lvl="0" marL="0" rtl="0" algn="l">
+            <a:pPr marL="0" lvl="0" indent="0" algn="l" rtl="0">
               <a:lnSpc>
                 <a:spcPct val="90000"/>
               </a:lnSpc>
@@ -14591,13 +14758,10 @@
               <a:buSzPts val="2400"/>
               <a:buNone/>
             </a:pPr>
-            <a:r>
-              <a:t/>
-            </a:r>
-            <a:endParaRPr b="1" sz="1800"/>
+            <a:endParaRPr sz="1800" b="1"/>
           </a:p>
           <a:p>
-            <a:pPr indent="0" lvl="0" marL="0" rtl="0" algn="l">
+            <a:pPr marL="0" lvl="0" indent="0" algn="l" rtl="0">
               <a:lnSpc>
                 <a:spcPct val="90000"/>
               </a:lnSpc>
@@ -14610,7 +14774,7 @@
               <a:buNone/>
             </a:pPr>
             <a:r>
-              <a:rPr b="1" lang="en" sz="1800"/>
+              <a:rPr lang="en" sz="1800" b="1"/>
               <a:t>Model 2 - </a:t>
             </a:r>
             <a:r>
@@ -14620,7 +14784,7 @@
             <a:endParaRPr sz="1800"/>
           </a:p>
           <a:p>
-            <a:pPr indent="0" lvl="0" marL="0" rtl="0" algn="l">
+            <a:pPr marL="0" lvl="0" indent="0" algn="l" rtl="0">
               <a:lnSpc>
                 <a:spcPct val="90000"/>
               </a:lnSpc>
@@ -14632,9 +14796,6 @@
               </a:spcAft>
               <a:buNone/>
             </a:pPr>
-            <a:r>
-              <a:t/>
-            </a:r>
             <a:endParaRPr sz="1800"/>
           </a:p>
         </p:txBody>
@@ -14642,9 +14803,11 @@
       <p:sp>
         <p:nvSpPr>
           <p:cNvPr id="137" name="Google Shape;137;p19"/>
-          <p:cNvSpPr txBox="1"/>
+          <p:cNvSpPr txBox="1">
+            <a:spLocks noGrp="1"/>
+          </p:cNvSpPr>
           <p:nvPr>
-            <p:ph idx="12" type="sldNum"/>
+            <p:ph type="sldNum" idx="12"/>
           </p:nvPr>
         </p:nvSpPr>
         <p:spPr>
@@ -14661,12 +14824,12 @@
           </a:ln>
         </p:spPr>
         <p:txBody>
-          <a:bodyPr anchorCtr="0" anchor="b" bIns="0" lIns="0" spcFirstLastPara="1" rIns="0" wrap="square" tIns="0">
+          <a:bodyPr spcFirstLastPara="1" wrap="square" lIns="0" tIns="0" rIns="0" bIns="0" anchor="b" anchorCtr="0">
             <a:noAutofit/>
           </a:bodyPr>
           <a:lstStyle/>
           <a:p>
-            <a:pPr indent="0" lvl="0" marL="0" rtl="0" algn="l">
+            <a:pPr marL="0" lvl="0" indent="0" algn="l" rtl="0">
               <a:spcBef>
                 <a:spcPts val="0"/>
               </a:spcBef>
@@ -14681,7 +14844,7 @@
             </a:pPr>
             <a:fld id="{00000000-1234-1234-1234-123412341234}" type="slidenum">
               <a:rPr lang="en"/>
-              <a:t>‹#›</a:t>
+              <a:t>3</a:t>
             </a:fld>
             <a:endParaRPr/>
           </a:p>
@@ -14692,13 +14855,13 @@
   <p:clrMapOvr>
     <a:masterClrMapping/>
   </p:clrMapOvr>
-  <mc:AlternateContent>
+  <mc:AlternateContent xmlns:mc="http://schemas.openxmlformats.org/markup-compatibility/2006" xmlns:p14="http://schemas.microsoft.com/office/powerpoint/2010/main">
     <mc:Choice Requires="p14">
-      <p:transition spd="slow" p14:dur="700">
+      <p:transition spd="med" p14:dur="700">
         <p:fade/>
       </p:transition>
     </mc:Choice>
-    <mc:Fallback>
+    <mc:Fallback xmlns:p15="http://schemas.microsoft.com/office/powerpoint/2012/main" xmlns:com="http://schemas.openxmlformats.org/drawingml/2006/compatibility" xmlns:pvml="urn:schemas-microsoft-com:office:powerpoint" xmlns:v="urn:schemas-microsoft-com:vml" xmlns:o="urn:schemas-microsoft-com:office:office" xmlns:dgm="http://schemas.openxmlformats.org/drawingml/2006/diagram" xmlns:c="http://schemas.openxmlformats.org/drawingml/2006/chart" xmlns:mv="urn:schemas-microsoft-com:mac:vml" xmlns="">
       <p:transition spd="slow">
         <p:fade/>
       </p:transition>
@@ -14708,18 +14871,19 @@
 </file>
 
 <file path=ppt/slides/slide4.xml><?xml version="1.0" encoding="utf-8"?>
-<p:sld xmlns:a="http://schemas.openxmlformats.org/drawingml/2006/main" xmlns:r="http://schemas.openxmlformats.org/officeDocument/2006/relationships" xmlns:mc="http://schemas.openxmlformats.org/markup-compatibility/2006" xmlns:mv="urn:schemas-microsoft-com:mac:vml" xmlns:p="http://schemas.openxmlformats.org/presentationml/2006/main" xmlns:c="http://schemas.openxmlformats.org/drawingml/2006/chart" xmlns:dgm="http://schemas.openxmlformats.org/drawingml/2006/diagram" xmlns:o="urn:schemas-microsoft-com:office:office" xmlns:v="urn:schemas-microsoft-com:vml" xmlns:pvml="urn:schemas-microsoft-com:office:powerpoint" xmlns:com="http://schemas.openxmlformats.org/drawingml/2006/compatibility" xmlns:p14="http://schemas.microsoft.com/office/powerpoint/2010/main" xmlns:p15="http://schemas.microsoft.com/office/powerpoint/2012/main">
+<p:sld xmlns:a="http://schemas.openxmlformats.org/drawingml/2006/main" xmlns:r="http://schemas.openxmlformats.org/officeDocument/2006/relationships" xmlns:p="http://schemas.openxmlformats.org/presentationml/2006/main">
   <p:cSld>
     <p:bg>
       <p:bgPr>
         <a:solidFill>
           <a:srgbClr val="FFFFFF"/>
         </a:solidFill>
+        <a:effectLst/>
       </p:bgPr>
     </p:bg>
     <p:spTree>
       <p:nvGrpSpPr>
-        <p:cNvPr id="142" name="Shape 142"/>
+        <p:cNvPr id="1" name="Shape 142"/>
         <p:cNvGrpSpPr/>
         <p:nvPr/>
       </p:nvGrpSpPr>
@@ -14734,7 +14898,9 @@
       <p:sp>
         <p:nvSpPr>
           <p:cNvPr id="143" name="Google Shape;143;p20"/>
-          <p:cNvSpPr txBox="1"/>
+          <p:cNvSpPr txBox="1">
+            <a:spLocks noGrp="1"/>
+          </p:cNvSpPr>
           <p:nvPr>
             <p:ph type="title"/>
           </p:nvPr>
@@ -14753,12 +14919,12 @@
           </a:ln>
         </p:spPr>
         <p:txBody>
-          <a:bodyPr anchorCtr="0" anchor="t" bIns="0" lIns="0" spcFirstLastPara="1" rIns="0" wrap="square" tIns="0">
+          <a:bodyPr spcFirstLastPara="1" wrap="square" lIns="0" tIns="0" rIns="0" bIns="0" anchor="t" anchorCtr="0">
             <a:noAutofit/>
           </a:bodyPr>
           <a:lstStyle/>
           <a:p>
-            <a:pPr indent="0" lvl="0" marL="0" rtl="0" algn="l">
+            <a:pPr marL="0" lvl="0" indent="0" algn="l" rtl="0">
               <a:spcBef>
                 <a:spcPts val="0"/>
               </a:spcBef>
@@ -14773,7 +14939,7 @@
               <a:buNone/>
             </a:pPr>
             <a:r>
-              <a:rPr b="1" lang="en" sz="2400">
+              <a:rPr lang="en" sz="2400" b="1">
                 <a:solidFill>
                   <a:srgbClr val="000000"/>
                 </a:solidFill>
@@ -14791,9 +14957,11 @@
       <p:sp>
         <p:nvSpPr>
           <p:cNvPr id="144" name="Google Shape;144;p20"/>
-          <p:cNvSpPr txBox="1"/>
+          <p:cNvSpPr txBox="1">
+            <a:spLocks noGrp="1"/>
+          </p:cNvSpPr>
           <p:nvPr>
-            <p:ph idx="12" type="sldNum"/>
+            <p:ph type="sldNum" idx="12"/>
           </p:nvPr>
         </p:nvSpPr>
         <p:spPr>
@@ -14810,12 +14978,12 @@
           </a:ln>
         </p:spPr>
         <p:txBody>
-          <a:bodyPr anchorCtr="0" anchor="b" bIns="0" lIns="0" spcFirstLastPara="1" rIns="0" wrap="square" tIns="0">
+          <a:bodyPr spcFirstLastPara="1" wrap="square" lIns="0" tIns="0" rIns="0" bIns="0" anchor="b" anchorCtr="0">
             <a:noAutofit/>
           </a:bodyPr>
           <a:lstStyle/>
           <a:p>
-            <a:pPr indent="0" lvl="0" marL="0" rtl="0" algn="l">
+            <a:pPr marL="0" lvl="0" indent="0" algn="l" rtl="0">
               <a:spcBef>
                 <a:spcPts val="0"/>
               </a:spcBef>
@@ -14830,7 +14998,7 @@
             </a:pPr>
             <a:fld id="{00000000-1234-1234-1234-123412341234}" type="slidenum">
               <a:rPr lang="en"/>
-              <a:t>‹#›</a:t>
+              <a:t>4</a:t>
             </a:fld>
             <a:endParaRPr/>
           </a:p>
@@ -14838,10 +15006,12 @@
       </p:sp>
       <p:sp>
         <p:nvSpPr>
-          <p:cNvPr descr="&#10;&#10;&#10;&#10;&#10;&#10;&#10;&#10;&#10;&#10;&#10;&#10;&#10;&#10;&#10;&#10;&#10;&#10;&#10;&#10;&#10;&#10;&#10;&#10;&#10;&#10;&#10;&#10;&#10;&#10;&#10;&#10;&#10;PresentationLoad.com" id="145" name="Google Shape;145;p20"/>
-          <p:cNvSpPr txBox="1"/>
+          <p:cNvPr id="145" name="Google Shape;145;p20" descr="&#10;&#10;&#10;&#10;&#10;&#10;&#10;&#10;&#10;&#10;&#10;&#10;&#10;&#10;&#10;&#10;&#10;&#10;&#10;&#10;&#10;&#10;&#10;&#10;&#10;&#10;&#10;&#10;&#10;&#10;&#10;&#10;&#10;PresentationLoad.com"/>
+          <p:cNvSpPr txBox="1">
+            <a:spLocks noGrp="1"/>
+          </p:cNvSpPr>
           <p:nvPr>
-            <p:ph idx="2" type="body"/>
+            <p:ph type="body" idx="2"/>
           </p:nvPr>
         </p:nvSpPr>
         <p:spPr>
@@ -14858,12 +15028,12 @@
           </a:ln>
         </p:spPr>
         <p:txBody>
-          <a:bodyPr anchorCtr="0" anchor="t" bIns="0" lIns="8075" spcFirstLastPara="1" rIns="0" wrap="square" tIns="0">
+          <a:bodyPr spcFirstLastPara="1" wrap="square" lIns="8075" tIns="0" rIns="0" bIns="0" anchor="t" anchorCtr="0">
             <a:noAutofit/>
           </a:bodyPr>
           <a:lstStyle/>
           <a:p>
-            <a:pPr indent="0" lvl="0" marL="0" rtl="0" algn="l">
+            <a:pPr marL="0" lvl="0" indent="0" algn="l" rtl="0">
               <a:lnSpc>
                 <a:spcPct val="115000"/>
               </a:lnSpc>
@@ -14892,7 +15062,7 @@
             </a:endParaRPr>
           </a:p>
           <a:p>
-            <a:pPr indent="0" lvl="0" marL="0" rtl="0" algn="l">
+            <a:pPr marL="0" lvl="0" indent="0" algn="l" rtl="0">
               <a:lnSpc>
                 <a:spcPct val="115000"/>
               </a:lnSpc>
@@ -14904,9 +15074,6 @@
               </a:spcAft>
               <a:buNone/>
             </a:pPr>
-            <a:r>
-              <a:t/>
-            </a:r>
             <a:endParaRPr sz="1200">
               <a:latin typeface="Arial"/>
               <a:ea typeface="Arial"/>
@@ -14915,7 +15082,7 @@
             </a:endParaRPr>
           </a:p>
           <a:p>
-            <a:pPr indent="-165100" lvl="0" marL="203200" rtl="0" algn="l">
+            <a:pPr marL="203200" lvl="0" indent="-165100" algn="l" rtl="0">
               <a:lnSpc>
                 <a:spcPct val="115000"/>
               </a:lnSpc>
@@ -14949,7 +15116,7 @@
             </a:endParaRPr>
           </a:p>
           <a:p>
-            <a:pPr indent="-165100" lvl="0" marL="203200" rtl="0" algn="l">
+            <a:pPr marL="203200" lvl="0" indent="-165100" algn="l" rtl="0">
               <a:lnSpc>
                 <a:spcPct val="115000"/>
               </a:lnSpc>
@@ -14983,7 +15150,7 @@
             </a:endParaRPr>
           </a:p>
           <a:p>
-            <a:pPr indent="-190500" lvl="1" marL="609600" rtl="0" algn="l">
+            <a:pPr marL="609600" lvl="1" indent="-190500" algn="l" rtl="0">
               <a:lnSpc>
                 <a:spcPct val="115000"/>
               </a:lnSpc>
@@ -15017,7 +15184,7 @@
             </a:endParaRPr>
           </a:p>
           <a:p>
-            <a:pPr indent="-190500" lvl="1" marL="609600" rtl="0" algn="l">
+            <a:pPr marL="609600" lvl="1" indent="-190500" algn="l" rtl="0">
               <a:lnSpc>
                 <a:spcPct val="115000"/>
               </a:lnSpc>
@@ -15062,7 +15229,7 @@
           <a:blip r:embed="rId3">
             <a:alphaModFix/>
           </a:blip>
-          <a:srcRect b="0" l="0" r="0" t="0"/>
+          <a:srcRect/>
           <a:stretch/>
         </p:blipFill>
         <p:spPr>
@@ -15084,13 +15251,13 @@
   <p:clrMapOvr>
     <a:masterClrMapping/>
   </p:clrMapOvr>
-  <mc:AlternateContent>
+  <mc:AlternateContent xmlns:mc="http://schemas.openxmlformats.org/markup-compatibility/2006" xmlns:p14="http://schemas.microsoft.com/office/powerpoint/2010/main">
     <mc:Choice Requires="p14">
-      <p:transition spd="slow" p14:dur="700">
+      <p:transition spd="med" p14:dur="700">
         <p:fade/>
       </p:transition>
     </mc:Choice>
-    <mc:Fallback>
+    <mc:Fallback xmlns:p15="http://schemas.microsoft.com/office/powerpoint/2012/main" xmlns:com="http://schemas.openxmlformats.org/drawingml/2006/compatibility" xmlns:pvml="urn:schemas-microsoft-com:office:powerpoint" xmlns:v="urn:schemas-microsoft-com:vml" xmlns:o="urn:schemas-microsoft-com:office:office" xmlns:dgm="http://schemas.openxmlformats.org/drawingml/2006/diagram" xmlns:c="http://schemas.openxmlformats.org/drawingml/2006/chart" xmlns:mv="urn:schemas-microsoft-com:mac:vml" xmlns="">
       <p:transition spd="slow">
         <p:fade/>
       </p:transition>
@@ -15100,11 +15267,11 @@
 </file>
 
 <file path=ppt/slides/slide5.xml><?xml version="1.0" encoding="utf-8"?>
-<p:sld xmlns:a="http://schemas.openxmlformats.org/drawingml/2006/main" xmlns:r="http://schemas.openxmlformats.org/officeDocument/2006/relationships" xmlns:mc="http://schemas.openxmlformats.org/markup-compatibility/2006" xmlns:mv="urn:schemas-microsoft-com:mac:vml" xmlns:p="http://schemas.openxmlformats.org/presentationml/2006/main" xmlns:c="http://schemas.openxmlformats.org/drawingml/2006/chart" xmlns:dgm="http://schemas.openxmlformats.org/drawingml/2006/diagram" xmlns:o="urn:schemas-microsoft-com:office:office" xmlns:v="urn:schemas-microsoft-com:vml" xmlns:pvml="urn:schemas-microsoft-com:office:powerpoint" xmlns:com="http://schemas.openxmlformats.org/drawingml/2006/compatibility" xmlns:p14="http://schemas.microsoft.com/office/powerpoint/2010/main" xmlns:p15="http://schemas.microsoft.com/office/powerpoint/2012/main">
+<p:sld xmlns:a="http://schemas.openxmlformats.org/drawingml/2006/main" xmlns:r="http://schemas.openxmlformats.org/officeDocument/2006/relationships" xmlns:p="http://schemas.openxmlformats.org/presentationml/2006/main">
   <p:cSld>
     <p:spTree>
       <p:nvGrpSpPr>
-        <p:cNvPr id="151" name="Shape 151"/>
+        <p:cNvPr id="1" name="Shape 151"/>
         <p:cNvGrpSpPr/>
         <p:nvPr/>
       </p:nvGrpSpPr>
@@ -15119,7 +15286,9 @@
       <p:sp>
         <p:nvSpPr>
           <p:cNvPr id="152" name="Google Shape;152;p21"/>
-          <p:cNvSpPr txBox="1"/>
+          <p:cNvSpPr txBox="1">
+            <a:spLocks noGrp="1"/>
+          </p:cNvSpPr>
           <p:nvPr>
             <p:ph type="title"/>
           </p:nvPr>
@@ -15138,12 +15307,12 @@
           </a:ln>
         </p:spPr>
         <p:txBody>
-          <a:bodyPr anchorCtr="0" anchor="t" bIns="0" lIns="0" spcFirstLastPara="1" rIns="0" wrap="square" tIns="0">
+          <a:bodyPr spcFirstLastPara="1" wrap="square" lIns="0" tIns="0" rIns="0" bIns="0" anchor="t" anchorCtr="0">
             <a:noAutofit/>
           </a:bodyPr>
           <a:lstStyle/>
           <a:p>
-            <a:pPr indent="0" lvl="0" marL="0" rtl="0" algn="l">
+            <a:pPr marL="0" lvl="0" indent="0" algn="l" rtl="0">
               <a:spcBef>
                 <a:spcPts val="0"/>
               </a:spcBef>
@@ -15176,9 +15345,11 @@
       <p:sp>
         <p:nvSpPr>
           <p:cNvPr id="153" name="Google Shape;153;p21"/>
-          <p:cNvSpPr txBox="1"/>
+          <p:cNvSpPr txBox="1">
+            <a:spLocks noGrp="1"/>
+          </p:cNvSpPr>
           <p:nvPr>
-            <p:ph idx="12" type="sldNum"/>
+            <p:ph type="sldNum" idx="12"/>
           </p:nvPr>
         </p:nvSpPr>
         <p:spPr>
@@ -15195,12 +15366,12 @@
           </a:ln>
         </p:spPr>
         <p:txBody>
-          <a:bodyPr anchorCtr="0" anchor="b" bIns="0" lIns="0" spcFirstLastPara="1" rIns="0" wrap="square" tIns="0">
+          <a:bodyPr spcFirstLastPara="1" wrap="square" lIns="0" tIns="0" rIns="0" bIns="0" anchor="b" anchorCtr="0">
             <a:noAutofit/>
           </a:bodyPr>
           <a:lstStyle/>
           <a:p>
-            <a:pPr indent="0" lvl="0" marL="0" rtl="0" algn="l">
+            <a:pPr marL="0" lvl="0" indent="0" algn="l" rtl="0">
               <a:spcBef>
                 <a:spcPts val="0"/>
               </a:spcBef>
@@ -15215,7 +15386,7 @@
             </a:pPr>
             <a:fld id="{00000000-1234-1234-1234-123412341234}" type="slidenum">
               <a:rPr lang="en"/>
-              <a:t>‹#›</a:t>
+              <a:t>5</a:t>
             </a:fld>
             <a:endParaRPr/>
           </a:p>
@@ -15223,10 +15394,12 @@
       </p:sp>
       <p:sp>
         <p:nvSpPr>
-          <p:cNvPr descr="&#10;&#10;&#10;&#10;&#10;&#10;&#10;&#10;&#10;&#10;&#10;&#10;&#10;&#10;&#10;&#10;&#10;&#10;&#10;&#10;&#10;&#10;&#10;&#10;&#10;&#10;&#10;&#10;&#10;&#10;&#10;&#10;&#10;PresentationLoad.com" id="154" name="Google Shape;154;p21"/>
-          <p:cNvSpPr txBox="1"/>
+          <p:cNvPr id="154" name="Google Shape;154;p21" descr="&#10;&#10;&#10;&#10;&#10;&#10;&#10;&#10;&#10;&#10;&#10;&#10;&#10;&#10;&#10;&#10;&#10;&#10;&#10;&#10;&#10;&#10;&#10;&#10;&#10;&#10;&#10;&#10;&#10;&#10;&#10;&#10;&#10;PresentationLoad.com"/>
+          <p:cNvSpPr txBox="1">
+            <a:spLocks noGrp="1"/>
+          </p:cNvSpPr>
           <p:nvPr>
-            <p:ph idx="2" type="body"/>
+            <p:ph type="body" idx="2"/>
           </p:nvPr>
         </p:nvSpPr>
         <p:spPr>
@@ -15243,12 +15416,12 @@
           </a:ln>
         </p:spPr>
         <p:txBody>
-          <a:bodyPr anchorCtr="0" anchor="t" bIns="0" lIns="8075" spcFirstLastPara="1" rIns="0" wrap="square" tIns="0">
+          <a:bodyPr spcFirstLastPara="1" wrap="square" lIns="8075" tIns="0" rIns="0" bIns="0" anchor="t" anchorCtr="0">
             <a:noAutofit/>
           </a:bodyPr>
           <a:lstStyle/>
           <a:p>
-            <a:pPr indent="-203200" lvl="0" marL="203200" rtl="0" algn="l">
+            <a:pPr marL="203200" lvl="0" indent="-203200" algn="l" rtl="0">
               <a:lnSpc>
                 <a:spcPct val="115000"/>
               </a:lnSpc>
@@ -15281,7 +15454,7 @@
             </a:endParaRPr>
           </a:p>
           <a:p>
-            <a:pPr indent="-203200" lvl="0" marL="203200" rtl="0" algn="l">
+            <a:pPr marL="203200" lvl="0" indent="-203200" algn="l" rtl="0">
               <a:lnSpc>
                 <a:spcPct val="115000"/>
               </a:lnSpc>
@@ -15314,7 +15487,7 @@
             </a:endParaRPr>
           </a:p>
           <a:p>
-            <a:pPr indent="-203200" lvl="0" marL="203200" rtl="0" algn="l">
+            <a:pPr marL="203200" lvl="0" indent="-203200" algn="l" rtl="0">
               <a:lnSpc>
                 <a:spcPct val="115000"/>
               </a:lnSpc>
@@ -15337,16 +15510,7 @@
                 <a:cs typeface="Arial"/>
                 <a:sym typeface="Arial"/>
               </a:rPr>
-              <a:t>Much improved </a:t>
-            </a:r>
-            <a:r>
-              <a:rPr lang="en" sz="1200">
-                <a:latin typeface="Arial"/>
-                <a:ea typeface="Arial"/>
-                <a:cs typeface="Arial"/>
-                <a:sym typeface="Arial"/>
-              </a:rPr>
-              <a:t>Macro Average Precision of 74%</a:t>
+              <a:t>Much improved Macro Average Precision of 74%</a:t>
             </a:r>
             <a:endParaRPr sz="1200">
               <a:latin typeface="Arial"/>
@@ -15356,7 +15520,7 @@
             </a:endParaRPr>
           </a:p>
           <a:p>
-            <a:pPr indent="0" lvl="0" marL="203200" rtl="0" algn="l">
+            <a:pPr marL="203200" lvl="0" indent="0" algn="l" rtl="0">
               <a:lnSpc>
                 <a:spcPct val="115000"/>
               </a:lnSpc>
@@ -15368,9 +15532,6 @@
               </a:spcAft>
               <a:buNone/>
             </a:pPr>
-            <a:r>
-              <a:t/>
-            </a:r>
             <a:endParaRPr sz="1200">
               <a:latin typeface="Arial"/>
               <a:ea typeface="Arial"/>
@@ -15379,7 +15540,7 @@
             </a:endParaRPr>
           </a:p>
           <a:p>
-            <a:pPr indent="0" lvl="0" marL="203200" rtl="0" algn="l">
+            <a:pPr marL="203200" lvl="0" indent="0" algn="l" rtl="0">
               <a:lnSpc>
                 <a:spcPct val="115000"/>
               </a:lnSpc>
@@ -15391,9 +15552,6 @@
               </a:spcAft>
               <a:buNone/>
             </a:pPr>
-            <a:r>
-              <a:t/>
-            </a:r>
             <a:endParaRPr sz="1200">
               <a:latin typeface="Arial"/>
               <a:ea typeface="Arial"/>
@@ -15413,7 +15571,7 @@
           <a:blip r:embed="rId3">
             <a:alphaModFix/>
           </a:blip>
-          <a:srcRect b="0" l="0" r="0" t="0"/>
+          <a:srcRect/>
           <a:stretch/>
         </p:blipFill>
         <p:spPr>
@@ -15435,13 +15593,13 @@
   <p:clrMapOvr>
     <a:masterClrMapping/>
   </p:clrMapOvr>
-  <mc:AlternateContent>
+  <mc:AlternateContent xmlns:mc="http://schemas.openxmlformats.org/markup-compatibility/2006" xmlns:p14="http://schemas.microsoft.com/office/powerpoint/2010/main">
     <mc:Choice Requires="p14">
-      <p:transition spd="slow" p14:dur="700">
+      <p:transition spd="med" p14:dur="700">
         <p:fade/>
       </p:transition>
     </mc:Choice>
-    <mc:Fallback>
+    <mc:Fallback xmlns:p15="http://schemas.microsoft.com/office/powerpoint/2012/main" xmlns:com="http://schemas.openxmlformats.org/drawingml/2006/compatibility" xmlns:pvml="urn:schemas-microsoft-com:office:powerpoint" xmlns:v="urn:schemas-microsoft-com:vml" xmlns:o="urn:schemas-microsoft-com:office:office" xmlns:dgm="http://schemas.openxmlformats.org/drawingml/2006/diagram" xmlns:c="http://schemas.openxmlformats.org/drawingml/2006/chart" xmlns:mv="urn:schemas-microsoft-com:mac:vml" xmlns="">
       <p:transition spd="slow">
         <p:fade/>
       </p:transition>
@@ -15451,11 +15609,11 @@
 </file>
 
 <file path=ppt/slides/slide6.xml><?xml version="1.0" encoding="utf-8"?>
-<p:sld xmlns:a="http://schemas.openxmlformats.org/drawingml/2006/main" xmlns:r="http://schemas.openxmlformats.org/officeDocument/2006/relationships" xmlns:mc="http://schemas.openxmlformats.org/markup-compatibility/2006" xmlns:mv="urn:schemas-microsoft-com:mac:vml" xmlns:p="http://schemas.openxmlformats.org/presentationml/2006/main" xmlns:c="http://schemas.openxmlformats.org/drawingml/2006/chart" xmlns:dgm="http://schemas.openxmlformats.org/drawingml/2006/diagram" xmlns:o="urn:schemas-microsoft-com:office:office" xmlns:v="urn:schemas-microsoft-com:vml" xmlns:pvml="urn:schemas-microsoft-com:office:powerpoint" xmlns:com="http://schemas.openxmlformats.org/drawingml/2006/compatibility" xmlns:p14="http://schemas.microsoft.com/office/powerpoint/2010/main" xmlns:p15="http://schemas.microsoft.com/office/powerpoint/2012/main">
+<p:sld xmlns:a="http://schemas.openxmlformats.org/drawingml/2006/main" xmlns:r="http://schemas.openxmlformats.org/officeDocument/2006/relationships" xmlns:p="http://schemas.openxmlformats.org/presentationml/2006/main">
   <p:cSld>
     <p:spTree>
       <p:nvGrpSpPr>
-        <p:cNvPr id="160" name="Shape 160"/>
+        <p:cNvPr id="1" name="Shape 160"/>
         <p:cNvGrpSpPr/>
         <p:nvPr/>
       </p:nvGrpSpPr>
@@ -15470,7 +15628,9 @@
       <p:sp>
         <p:nvSpPr>
           <p:cNvPr id="161" name="Google Shape;161;p22"/>
-          <p:cNvSpPr txBox="1"/>
+          <p:cNvSpPr txBox="1">
+            <a:spLocks noGrp="1"/>
+          </p:cNvSpPr>
           <p:nvPr>
             <p:ph type="title"/>
           </p:nvPr>
@@ -15489,12 +15649,12 @@
           </a:ln>
         </p:spPr>
         <p:txBody>
-          <a:bodyPr anchorCtr="0" anchor="t" bIns="0" lIns="0" spcFirstLastPara="1" rIns="0" wrap="square" tIns="0">
+          <a:bodyPr spcFirstLastPara="1" wrap="square" lIns="0" tIns="0" rIns="0" bIns="0" anchor="t" anchorCtr="0">
             <a:noAutofit/>
           </a:bodyPr>
           <a:lstStyle/>
           <a:p>
-            <a:pPr indent="0" lvl="0" marL="0" rtl="0" algn="l">
+            <a:pPr marL="0" lvl="0" indent="0" algn="l" rtl="0">
               <a:spcBef>
                 <a:spcPts val="0"/>
               </a:spcBef>
@@ -15527,9 +15687,11 @@
       <p:sp>
         <p:nvSpPr>
           <p:cNvPr id="162" name="Google Shape;162;p22"/>
-          <p:cNvSpPr txBox="1"/>
+          <p:cNvSpPr txBox="1">
+            <a:spLocks noGrp="1"/>
+          </p:cNvSpPr>
           <p:nvPr>
-            <p:ph idx="12" type="sldNum"/>
+            <p:ph type="sldNum" idx="12"/>
           </p:nvPr>
         </p:nvSpPr>
         <p:spPr>
@@ -15546,12 +15708,12 @@
           </a:ln>
         </p:spPr>
         <p:txBody>
-          <a:bodyPr anchorCtr="0" anchor="b" bIns="0" lIns="0" spcFirstLastPara="1" rIns="0" wrap="square" tIns="0">
+          <a:bodyPr spcFirstLastPara="1" wrap="square" lIns="0" tIns="0" rIns="0" bIns="0" anchor="b" anchorCtr="0">
             <a:noAutofit/>
           </a:bodyPr>
           <a:lstStyle/>
           <a:p>
-            <a:pPr indent="0" lvl="0" marL="0" rtl="0" algn="l">
+            <a:pPr marL="0" lvl="0" indent="0" algn="l" rtl="0">
               <a:spcBef>
                 <a:spcPts val="0"/>
               </a:spcBef>
@@ -15566,7 +15728,7 @@
             </a:pPr>
             <a:fld id="{00000000-1234-1234-1234-123412341234}" type="slidenum">
               <a:rPr lang="en"/>
-              <a:t>‹#›</a:t>
+              <a:t>6</a:t>
             </a:fld>
             <a:endParaRPr/>
           </a:p>
@@ -15574,10 +15736,12 @@
       </p:sp>
       <p:sp>
         <p:nvSpPr>
-          <p:cNvPr descr="&#10;&#10;&#10;&#10;&#10;&#10;&#10;&#10;&#10;&#10;&#10;&#10;&#10;&#10;&#10;&#10;&#10;&#10;&#10;&#10;&#10;&#10;&#10;&#10;&#10;&#10;&#10;&#10;&#10;&#10;&#10;&#10;&#10;PresentationLoad.com" id="163" name="Google Shape;163;p22"/>
-          <p:cNvSpPr txBox="1"/>
+          <p:cNvPr id="163" name="Google Shape;163;p22" descr="&#10;&#10;&#10;&#10;&#10;&#10;&#10;&#10;&#10;&#10;&#10;&#10;&#10;&#10;&#10;&#10;&#10;&#10;&#10;&#10;&#10;&#10;&#10;&#10;&#10;&#10;&#10;&#10;&#10;&#10;&#10;&#10;&#10;PresentationLoad.com"/>
+          <p:cNvSpPr txBox="1">
+            <a:spLocks noGrp="1"/>
+          </p:cNvSpPr>
           <p:nvPr>
-            <p:ph idx="2" type="body"/>
+            <p:ph type="body" idx="2"/>
           </p:nvPr>
         </p:nvSpPr>
         <p:spPr>
@@ -15594,12 +15758,12 @@
           </a:ln>
         </p:spPr>
         <p:txBody>
-          <a:bodyPr anchorCtr="0" anchor="t" bIns="0" lIns="8075" spcFirstLastPara="1" rIns="0" wrap="square" tIns="0">
+          <a:bodyPr spcFirstLastPara="1" wrap="square" lIns="8075" tIns="0" rIns="0" bIns="0" anchor="t" anchorCtr="0">
             <a:noAutofit/>
           </a:bodyPr>
           <a:lstStyle/>
           <a:p>
-            <a:pPr indent="-203200" lvl="0" marL="203200" rtl="0" algn="l">
+            <a:pPr marL="203200" lvl="0" indent="-203200" algn="l" rtl="0">
               <a:lnSpc>
                 <a:spcPct val="115000"/>
               </a:lnSpc>
@@ -15616,15 +15780,15 @@
               <a:buChar char="●"/>
             </a:pPr>
             <a:r>
-              <a:rPr lang="en" sz="1200">
+              <a:rPr lang="en-US" sz="1200" dirty="0">
                 <a:latin typeface="Arial"/>
                 <a:ea typeface="Arial"/>
                 <a:cs typeface="Arial"/>
                 <a:sym typeface="Arial"/>
               </a:rPr>
-              <a:t>Replaced LSTM layer with attention as Multi Headed attention model that used the embedding directectly to generate keys, value and queries.</a:t>
+              <a:t>Using the same LSTM structure as in base model with the attention layer</a:t>
             </a:r>
-            <a:endParaRPr sz="1200">
+            <a:endParaRPr sz="1200" dirty="0">
               <a:latin typeface="Arial"/>
               <a:ea typeface="Arial"/>
               <a:cs typeface="Arial"/>
@@ -15632,7 +15796,7 @@
             </a:endParaRPr>
           </a:p>
           <a:p>
-            <a:pPr indent="-203200" lvl="0" marL="203200" rtl="0" algn="l">
+            <a:pPr marL="203200" lvl="0" indent="-203200" algn="l" rtl="0">
               <a:lnSpc>
                 <a:spcPct val="115000"/>
               </a:lnSpc>
@@ -15649,7 +15813,7 @@
               <a:buChar char="●"/>
             </a:pPr>
             <a:r>
-              <a:rPr lang="en" sz="1200">
+              <a:rPr lang="en" sz="1200" dirty="0">
                 <a:latin typeface="Arial"/>
                 <a:ea typeface="Arial"/>
                 <a:cs typeface="Arial"/>
@@ -15657,7 +15821,7 @@
               </a:rPr>
               <a:t>Over accuracy of 82%</a:t>
             </a:r>
-            <a:endParaRPr sz="1200">
+            <a:endParaRPr sz="1200" dirty="0">
               <a:latin typeface="Arial"/>
               <a:ea typeface="Arial"/>
               <a:cs typeface="Arial"/>
@@ -15665,7 +15829,7 @@
             </a:endParaRPr>
           </a:p>
           <a:p>
-            <a:pPr indent="-203200" lvl="0" marL="203200" rtl="0" algn="l">
+            <a:pPr marL="203200" lvl="0" indent="-203200" algn="l" rtl="0">
               <a:lnSpc>
                 <a:spcPct val="115000"/>
               </a:lnSpc>
@@ -15682,7 +15846,7 @@
               <a:buChar char="●"/>
             </a:pPr>
             <a:r>
-              <a:rPr lang="en" sz="1200">
+              <a:rPr lang="en" sz="1200" dirty="0">
                 <a:latin typeface="Arial"/>
                 <a:ea typeface="Arial"/>
                 <a:cs typeface="Arial"/>
@@ -15690,7 +15854,7 @@
               </a:rPr>
               <a:t>Much improved Macro Average Precision of 56%</a:t>
             </a:r>
-            <a:endParaRPr sz="1200">
+            <a:endParaRPr sz="1200" dirty="0">
               <a:latin typeface="Arial"/>
               <a:ea typeface="Arial"/>
               <a:cs typeface="Arial"/>
@@ -15698,7 +15862,7 @@
             </a:endParaRPr>
           </a:p>
           <a:p>
-            <a:pPr indent="0" lvl="0" marL="0" rtl="0" algn="l">
+            <a:pPr marL="0" lvl="0" indent="0" algn="l" rtl="0">
               <a:lnSpc>
                 <a:spcPct val="90000"/>
               </a:lnSpc>
@@ -15710,10 +15874,7 @@
               </a:spcAft>
               <a:buNone/>
             </a:pPr>
-            <a:r>
-              <a:t/>
-            </a:r>
-            <a:endParaRPr sz="1800"/>
+            <a:endParaRPr sz="1800" dirty="0"/>
           </a:p>
         </p:txBody>
       </p:sp>
@@ -15727,7 +15888,7 @@
           <a:blip r:embed="rId3">
             <a:alphaModFix/>
           </a:blip>
-          <a:srcRect b="0" l="0" r="0" t="0"/>
+          <a:srcRect/>
           <a:stretch/>
         </p:blipFill>
         <p:spPr>
@@ -15749,13 +15910,13 @@
   <p:clrMapOvr>
     <a:masterClrMapping/>
   </p:clrMapOvr>
-  <mc:AlternateContent>
+  <mc:AlternateContent xmlns:mc="http://schemas.openxmlformats.org/markup-compatibility/2006" xmlns:p14="http://schemas.microsoft.com/office/powerpoint/2010/main">
     <mc:Choice Requires="p14">
-      <p:transition spd="slow" p14:dur="700">
+      <p:transition spd="med" p14:dur="700">
         <p:fade/>
       </p:transition>
     </mc:Choice>
-    <mc:Fallback>
+    <mc:Fallback xmlns:p15="http://schemas.microsoft.com/office/powerpoint/2012/main" xmlns:com="http://schemas.openxmlformats.org/drawingml/2006/compatibility" xmlns:pvml="urn:schemas-microsoft-com:office:powerpoint" xmlns:v="urn:schemas-microsoft-com:vml" xmlns:o="urn:schemas-microsoft-com:office:office" xmlns:dgm="http://schemas.openxmlformats.org/drawingml/2006/diagram" xmlns:c="http://schemas.openxmlformats.org/drawingml/2006/chart" xmlns:mv="urn:schemas-microsoft-com:mac:vml" xmlns="">
       <p:transition spd="slow">
         <p:fade/>
       </p:transition>
@@ -15765,11 +15926,11 @@
 </file>
 
 <file path=ppt/slides/slide7.xml><?xml version="1.0" encoding="utf-8"?>
-<p:sld xmlns:a="http://schemas.openxmlformats.org/drawingml/2006/main" xmlns:r="http://schemas.openxmlformats.org/officeDocument/2006/relationships" xmlns:mc="http://schemas.openxmlformats.org/markup-compatibility/2006" xmlns:mv="urn:schemas-microsoft-com:mac:vml" xmlns:p="http://schemas.openxmlformats.org/presentationml/2006/main" xmlns:c="http://schemas.openxmlformats.org/drawingml/2006/chart" xmlns:dgm="http://schemas.openxmlformats.org/drawingml/2006/diagram" xmlns:o="urn:schemas-microsoft-com:office:office" xmlns:v="urn:schemas-microsoft-com:vml" xmlns:pvml="urn:schemas-microsoft-com:office:powerpoint" xmlns:com="http://schemas.openxmlformats.org/drawingml/2006/compatibility" xmlns:p14="http://schemas.microsoft.com/office/powerpoint/2010/main" xmlns:p15="http://schemas.microsoft.com/office/powerpoint/2012/main">
+<p:sld xmlns:a="http://schemas.openxmlformats.org/drawingml/2006/main" xmlns:r="http://schemas.openxmlformats.org/officeDocument/2006/relationships" xmlns:p="http://schemas.openxmlformats.org/presentationml/2006/main">
   <p:cSld>
     <p:spTree>
       <p:nvGrpSpPr>
-        <p:cNvPr id="169" name="Shape 169"/>
+        <p:cNvPr id="1" name="Shape 169"/>
         <p:cNvGrpSpPr/>
         <p:nvPr/>
       </p:nvGrpSpPr>
@@ -15784,7 +15945,9 @@
       <p:sp>
         <p:nvSpPr>
           <p:cNvPr id="170" name="Google Shape;170;p23"/>
-          <p:cNvSpPr txBox="1"/>
+          <p:cNvSpPr txBox="1">
+            <a:spLocks noGrp="1"/>
+          </p:cNvSpPr>
           <p:nvPr>
             <p:ph type="title"/>
           </p:nvPr>
@@ -15803,12 +15966,12 @@
           </a:ln>
         </p:spPr>
         <p:txBody>
-          <a:bodyPr anchorCtr="0" anchor="t" bIns="0" lIns="0" spcFirstLastPara="1" rIns="0" wrap="square" tIns="0">
+          <a:bodyPr spcFirstLastPara="1" wrap="square" lIns="0" tIns="0" rIns="0" bIns="0" anchor="t" anchorCtr="0">
             <a:noAutofit/>
           </a:bodyPr>
           <a:lstStyle/>
           <a:p>
-            <a:pPr indent="0" lvl="0" marL="0" rtl="0" algn="l">
+            <a:pPr marL="0" lvl="0" indent="0" algn="l" rtl="0">
               <a:spcBef>
                 <a:spcPts val="0"/>
               </a:spcBef>
@@ -15841,9 +16004,11 @@
       <p:sp>
         <p:nvSpPr>
           <p:cNvPr id="171" name="Google Shape;171;p23"/>
-          <p:cNvSpPr txBox="1"/>
+          <p:cNvSpPr txBox="1">
+            <a:spLocks noGrp="1"/>
+          </p:cNvSpPr>
           <p:nvPr>
-            <p:ph idx="12" type="sldNum"/>
+            <p:ph type="sldNum" idx="12"/>
           </p:nvPr>
         </p:nvSpPr>
         <p:spPr>
@@ -15860,12 +16025,12 @@
           </a:ln>
         </p:spPr>
         <p:txBody>
-          <a:bodyPr anchorCtr="0" anchor="b" bIns="0" lIns="0" spcFirstLastPara="1" rIns="0" wrap="square" tIns="0">
+          <a:bodyPr spcFirstLastPara="1" wrap="square" lIns="0" tIns="0" rIns="0" bIns="0" anchor="b" anchorCtr="0">
             <a:noAutofit/>
           </a:bodyPr>
           <a:lstStyle/>
           <a:p>
-            <a:pPr indent="0" lvl="0" marL="0" rtl="0" algn="l">
+            <a:pPr marL="0" lvl="0" indent="0" algn="l" rtl="0">
               <a:spcBef>
                 <a:spcPts val="0"/>
               </a:spcBef>
@@ -15880,7 +16045,7 @@
             </a:pPr>
             <a:fld id="{00000000-1234-1234-1234-123412341234}" type="slidenum">
               <a:rPr lang="en"/>
-              <a:t>‹#›</a:t>
+              <a:t>7</a:t>
             </a:fld>
             <a:endParaRPr/>
           </a:p>
@@ -15888,10 +16053,12 @@
       </p:sp>
       <p:sp>
         <p:nvSpPr>
-          <p:cNvPr descr="&#10;&#10;&#10;&#10;&#10;&#10;&#10;&#10;&#10;&#10;&#10;&#10;&#10;&#10;&#10;&#10;&#10;&#10;&#10;&#10;&#10;&#10;&#10;&#10;&#10;&#10;&#10;&#10;&#10;&#10;&#10;&#10;&#10;PresentationLoad.com" id="172" name="Google Shape;172;p23"/>
-          <p:cNvSpPr txBox="1"/>
+          <p:cNvPr id="172" name="Google Shape;172;p23" descr="&#10;&#10;&#10;&#10;&#10;&#10;&#10;&#10;&#10;&#10;&#10;&#10;&#10;&#10;&#10;&#10;&#10;&#10;&#10;&#10;&#10;&#10;&#10;&#10;&#10;&#10;&#10;&#10;&#10;&#10;&#10;&#10;&#10;PresentationLoad.com"/>
+          <p:cNvSpPr txBox="1">
+            <a:spLocks noGrp="1"/>
+          </p:cNvSpPr>
           <p:nvPr>
-            <p:ph idx="2" type="body"/>
+            <p:ph type="body" idx="2"/>
           </p:nvPr>
         </p:nvSpPr>
         <p:spPr>
@@ -15908,12 +16075,12 @@
           </a:ln>
         </p:spPr>
         <p:txBody>
-          <a:bodyPr anchorCtr="0" anchor="t" bIns="0" lIns="8075" spcFirstLastPara="1" rIns="0" wrap="square" tIns="0">
+          <a:bodyPr spcFirstLastPara="1" wrap="square" lIns="8075" tIns="0" rIns="0" bIns="0" anchor="t" anchorCtr="0">
             <a:noAutofit/>
           </a:bodyPr>
           <a:lstStyle/>
           <a:p>
-            <a:pPr indent="-177800" lvl="0" marL="203200" rtl="0" algn="l">
+            <a:pPr marL="203200" lvl="0" indent="-177800" algn="l" rtl="0">
               <a:lnSpc>
                 <a:spcPct val="115000"/>
               </a:lnSpc>
@@ -15947,7 +16114,7 @@
             </a:endParaRPr>
           </a:p>
           <a:p>
-            <a:pPr indent="0" lvl="0" marL="203200" rtl="0" algn="l">
+            <a:pPr marL="203200" lvl="0" indent="0" algn="l" rtl="0">
               <a:lnSpc>
                 <a:spcPct val="115000"/>
               </a:lnSpc>
@@ -15976,7 +16143,7 @@
             </a:endParaRPr>
           </a:p>
           <a:p>
-            <a:pPr indent="-177800" lvl="0" marL="203200" rtl="0" algn="l">
+            <a:pPr marL="203200" lvl="0" indent="-177800" algn="l" rtl="0">
               <a:lnSpc>
                 <a:spcPct val="115000"/>
               </a:lnSpc>
@@ -16010,7 +16177,7 @@
             </a:endParaRPr>
           </a:p>
           <a:p>
-            <a:pPr indent="0" lvl="0" marL="203200" rtl="0" algn="l">
+            <a:pPr marL="203200" lvl="0" indent="0" algn="l" rtl="0">
               <a:lnSpc>
                 <a:spcPct val="115000"/>
               </a:lnSpc>
@@ -16022,9 +16189,6 @@
               </a:spcAft>
               <a:buNone/>
             </a:pPr>
-            <a:r>
-              <a:t/>
-            </a:r>
             <a:endParaRPr sz="1400">
               <a:latin typeface="Arial"/>
               <a:ea typeface="Arial"/>
@@ -16033,7 +16197,7 @@
             </a:endParaRPr>
           </a:p>
           <a:p>
-            <a:pPr indent="-177800" lvl="0" marL="203200" rtl="0" algn="l">
+            <a:pPr marL="203200" lvl="0" indent="-177800" algn="l" rtl="0">
               <a:lnSpc>
                 <a:spcPct val="115000"/>
               </a:lnSpc>
@@ -16067,7 +16231,7 @@
             </a:endParaRPr>
           </a:p>
           <a:p>
-            <a:pPr indent="0" lvl="0" marL="203200" rtl="0" algn="l">
+            <a:pPr marL="203200" lvl="0" indent="0" algn="l" rtl="0">
               <a:lnSpc>
                 <a:spcPct val="115000"/>
               </a:lnSpc>
@@ -16079,9 +16243,6 @@
               </a:spcAft>
               <a:buNone/>
             </a:pPr>
-            <a:r>
-              <a:t/>
-            </a:r>
             <a:endParaRPr sz="1400">
               <a:latin typeface="Arial"/>
               <a:ea typeface="Arial"/>
@@ -16090,7 +16251,7 @@
             </a:endParaRPr>
           </a:p>
           <a:p>
-            <a:pPr indent="0" lvl="0" marL="203200" rtl="0" algn="l">
+            <a:pPr marL="203200" lvl="0" indent="0" algn="l" rtl="0">
               <a:lnSpc>
                 <a:spcPct val="115000"/>
               </a:lnSpc>
@@ -16102,9 +16263,6 @@
               </a:spcAft>
               <a:buNone/>
             </a:pPr>
-            <a:r>
-              <a:t/>
-            </a:r>
             <a:endParaRPr sz="1400">
               <a:latin typeface="Arial"/>
               <a:ea typeface="Arial"/>
@@ -16113,7 +16271,7 @@
             </a:endParaRPr>
           </a:p>
           <a:p>
-            <a:pPr indent="0" lvl="0" marL="0" rtl="0" algn="l">
+            <a:pPr marL="0" lvl="0" indent="0" algn="l" rtl="0">
               <a:lnSpc>
                 <a:spcPct val="90000"/>
               </a:lnSpc>
@@ -16125,9 +16283,6 @@
               </a:spcAft>
               <a:buNone/>
             </a:pPr>
-            <a:r>
-              <a:t/>
-            </a:r>
             <a:endParaRPr sz="1400">
               <a:latin typeface="Arial"/>
               <a:ea typeface="Arial"/>
@@ -16142,13 +16297,13 @@
   <p:clrMapOvr>
     <a:masterClrMapping/>
   </p:clrMapOvr>
-  <mc:AlternateContent>
+  <mc:AlternateContent xmlns:mc="http://schemas.openxmlformats.org/markup-compatibility/2006" xmlns:p14="http://schemas.microsoft.com/office/powerpoint/2010/main">
     <mc:Choice Requires="p14">
-      <p:transition spd="slow" p14:dur="700">
+      <p:transition spd="med" p14:dur="700">
         <p:fade/>
       </p:transition>
     </mc:Choice>
-    <mc:Fallback>
+    <mc:Fallback xmlns:p15="http://schemas.microsoft.com/office/powerpoint/2012/main" xmlns:com="http://schemas.openxmlformats.org/drawingml/2006/compatibility" xmlns:pvml="urn:schemas-microsoft-com:office:powerpoint" xmlns:v="urn:schemas-microsoft-com:vml" xmlns:o="urn:schemas-microsoft-com:office:office" xmlns:dgm="http://schemas.openxmlformats.org/drawingml/2006/diagram" xmlns:c="http://schemas.openxmlformats.org/drawingml/2006/chart" xmlns:mv="urn:schemas-microsoft-com:mac:vml" xmlns="">
       <p:transition spd="slow">
         <p:fade/>
       </p:transition>
@@ -16158,11 +16313,11 @@
 </file>
 
 <file path=ppt/slides/slide8.xml><?xml version="1.0" encoding="utf-8"?>
-<p:sld xmlns:a="http://schemas.openxmlformats.org/drawingml/2006/main" xmlns:r="http://schemas.openxmlformats.org/officeDocument/2006/relationships" xmlns:mc="http://schemas.openxmlformats.org/markup-compatibility/2006" xmlns:mv="urn:schemas-microsoft-com:mac:vml" xmlns:p="http://schemas.openxmlformats.org/presentationml/2006/main" xmlns:c="http://schemas.openxmlformats.org/drawingml/2006/chart" xmlns:dgm="http://schemas.openxmlformats.org/drawingml/2006/diagram" xmlns:o="urn:schemas-microsoft-com:office:office" xmlns:v="urn:schemas-microsoft-com:vml" xmlns:pvml="urn:schemas-microsoft-com:office:powerpoint" xmlns:com="http://schemas.openxmlformats.org/drawingml/2006/compatibility" xmlns:p14="http://schemas.microsoft.com/office/powerpoint/2010/main" xmlns:p15="http://schemas.microsoft.com/office/powerpoint/2012/main">
+<p:sld xmlns:a="http://schemas.openxmlformats.org/drawingml/2006/main" xmlns:r="http://schemas.openxmlformats.org/officeDocument/2006/relationships" xmlns:p="http://schemas.openxmlformats.org/presentationml/2006/main">
   <p:cSld>
     <p:spTree>
       <p:nvGrpSpPr>
-        <p:cNvPr id="177" name="Shape 177"/>
+        <p:cNvPr id="1" name="Shape 177"/>
         <p:cNvGrpSpPr/>
         <p:nvPr/>
       </p:nvGrpSpPr>
@@ -16177,7 +16332,9 @@
       <p:sp>
         <p:nvSpPr>
           <p:cNvPr id="178" name="Google Shape;178;p24"/>
-          <p:cNvSpPr txBox="1"/>
+          <p:cNvSpPr txBox="1">
+            <a:spLocks noGrp="1"/>
+          </p:cNvSpPr>
           <p:nvPr>
             <p:ph type="title"/>
           </p:nvPr>
@@ -16196,12 +16353,12 @@
           </a:ln>
         </p:spPr>
         <p:txBody>
-          <a:bodyPr anchorCtr="0" anchor="t" bIns="0" lIns="0" spcFirstLastPara="1" rIns="0" wrap="square" tIns="0">
+          <a:bodyPr spcFirstLastPara="1" wrap="square" lIns="0" tIns="0" rIns="0" bIns="0" anchor="t" anchorCtr="0">
             <a:noAutofit/>
           </a:bodyPr>
           <a:lstStyle/>
           <a:p>
-            <a:pPr indent="0" lvl="0" marL="0" rtl="0" algn="l">
+            <a:pPr marL="0" lvl="0" indent="0" algn="l" rtl="0">
               <a:spcBef>
                 <a:spcPts val="0"/>
               </a:spcBef>
@@ -16226,9 +16383,11 @@
       <p:sp>
         <p:nvSpPr>
           <p:cNvPr id="179" name="Google Shape;179;p24"/>
-          <p:cNvSpPr txBox="1"/>
+          <p:cNvSpPr txBox="1">
+            <a:spLocks noGrp="1"/>
+          </p:cNvSpPr>
           <p:nvPr>
-            <p:ph idx="2" type="body"/>
+            <p:ph type="body" idx="2"/>
           </p:nvPr>
         </p:nvSpPr>
         <p:spPr>
@@ -16245,12 +16404,12 @@
           </a:ln>
         </p:spPr>
         <p:txBody>
-          <a:bodyPr anchorCtr="0" anchor="t" bIns="0" lIns="8075" spcFirstLastPara="1" rIns="0" wrap="square" tIns="0">
+          <a:bodyPr spcFirstLastPara="1" wrap="square" lIns="8075" tIns="0" rIns="0" bIns="0" anchor="t" anchorCtr="0">
             <a:noAutofit/>
           </a:bodyPr>
           <a:lstStyle/>
           <a:p>
-            <a:pPr indent="-342900" lvl="0" marL="457200" rtl="0" algn="l">
+            <a:pPr marL="457200" lvl="0" indent="-342900" algn="l" rtl="0">
               <a:lnSpc>
                 <a:spcPct val="90000"/>
               </a:lnSpc>
@@ -16273,7 +16432,7 @@
             <a:endParaRPr sz="1800"/>
           </a:p>
           <a:p>
-            <a:pPr indent="0" lvl="0" marL="457200" rtl="0" algn="l">
+            <a:pPr marL="457200" lvl="0" indent="0" algn="l" rtl="0">
               <a:lnSpc>
                 <a:spcPct val="90000"/>
               </a:lnSpc>
@@ -16285,13 +16444,10 @@
               </a:spcAft>
               <a:buNone/>
             </a:pPr>
-            <a:r>
-              <a:t/>
-            </a:r>
             <a:endParaRPr sz="1800"/>
           </a:p>
           <a:p>
-            <a:pPr indent="-342900" lvl="0" marL="457200" rtl="0" algn="l">
+            <a:pPr marL="457200" lvl="0" indent="-342900" algn="l" rtl="0">
               <a:lnSpc>
                 <a:spcPct val="90000"/>
               </a:lnSpc>
@@ -16309,20 +16465,12 @@
             </a:pPr>
             <a:r>
               <a:rPr lang="en" sz="1800"/>
-              <a:t>Struggle to improve </a:t>
-            </a:r>
-            <a:r>
-              <a:rPr lang="en" sz="1800"/>
-              <a:t>accuracy</a:t>
-            </a:r>
-            <a:r>
-              <a:rPr lang="en" sz="1800"/>
-              <a:t> for products with few data points</a:t>
+              <a:t>Struggle to improve accuracy for products with few data points</a:t>
             </a:r>
             <a:endParaRPr sz="1800"/>
           </a:p>
           <a:p>
-            <a:pPr indent="0" lvl="0" marL="0" rtl="0" algn="l">
+            <a:pPr marL="0" lvl="0" indent="0" algn="l" rtl="0">
               <a:lnSpc>
                 <a:spcPct val="90000"/>
               </a:lnSpc>
@@ -16334,13 +16482,10 @@
               </a:spcAft>
               <a:buNone/>
             </a:pPr>
-            <a:r>
-              <a:t/>
-            </a:r>
             <a:endParaRPr sz="1800"/>
           </a:p>
           <a:p>
-            <a:pPr indent="-342900" lvl="0" marL="457200" rtl="0" algn="l">
+            <a:pPr marL="457200" lvl="0" indent="-342900" algn="l" rtl="0">
               <a:lnSpc>
                 <a:spcPct val="90000"/>
               </a:lnSpc>
@@ -16363,7 +16508,7 @@
             <a:endParaRPr sz="1800"/>
           </a:p>
           <a:p>
-            <a:pPr indent="0" lvl="0" marL="0" rtl="0" algn="l">
+            <a:pPr marL="0" lvl="0" indent="0" algn="l" rtl="0">
               <a:lnSpc>
                 <a:spcPct val="90000"/>
               </a:lnSpc>
@@ -16375,13 +16520,10 @@
               </a:spcAft>
               <a:buNone/>
             </a:pPr>
-            <a:r>
-              <a:t/>
-            </a:r>
             <a:endParaRPr sz="1800"/>
           </a:p>
           <a:p>
-            <a:pPr indent="-342900" lvl="0" marL="457200" rtl="0" algn="l">
+            <a:pPr marL="457200" lvl="0" indent="-342900" algn="l" rtl="0">
               <a:lnSpc>
                 <a:spcPct val="90000"/>
               </a:lnSpc>
@@ -16404,7 +16546,7 @@
             <a:endParaRPr sz="1800"/>
           </a:p>
           <a:p>
-            <a:pPr indent="-342900" lvl="1" marL="914400" rtl="0" algn="l">
+            <a:pPr marL="914400" lvl="1" indent="-342900" algn="l" rtl="0">
               <a:lnSpc>
                 <a:spcPct val="90000"/>
               </a:lnSpc>
@@ -16427,7 +16569,7 @@
             <a:endParaRPr sz="1800"/>
           </a:p>
           <a:p>
-            <a:pPr indent="-342900" lvl="1" marL="914400" rtl="0" algn="l">
+            <a:pPr marL="914400" lvl="1" indent="-342900" algn="l" rtl="0">
               <a:lnSpc>
                 <a:spcPct val="90000"/>
               </a:lnSpc>
@@ -16454,9 +16596,11 @@
       <p:sp>
         <p:nvSpPr>
           <p:cNvPr id="180" name="Google Shape;180;p24"/>
-          <p:cNvSpPr txBox="1"/>
+          <p:cNvSpPr txBox="1">
+            <a:spLocks noGrp="1"/>
+          </p:cNvSpPr>
           <p:nvPr>
-            <p:ph idx="12" type="sldNum"/>
+            <p:ph type="sldNum" idx="12"/>
           </p:nvPr>
         </p:nvSpPr>
         <p:spPr>
@@ -16473,12 +16617,12 @@
           </a:ln>
         </p:spPr>
         <p:txBody>
-          <a:bodyPr anchorCtr="0" anchor="b" bIns="0" lIns="0" spcFirstLastPara="1" rIns="0" wrap="square" tIns="0">
+          <a:bodyPr spcFirstLastPara="1" wrap="square" lIns="0" tIns="0" rIns="0" bIns="0" anchor="b" anchorCtr="0">
             <a:noAutofit/>
           </a:bodyPr>
           <a:lstStyle/>
           <a:p>
-            <a:pPr indent="0" lvl="0" marL="0" rtl="0" algn="l">
+            <a:pPr marL="0" lvl="0" indent="0" algn="l" rtl="0">
               <a:spcBef>
                 <a:spcPts val="0"/>
               </a:spcBef>
@@ -16493,7 +16637,7 @@
             </a:pPr>
             <a:fld id="{00000000-1234-1234-1234-123412341234}" type="slidenum">
               <a:rPr lang="en"/>
-              <a:t>‹#›</a:t>
+              <a:t>8</a:t>
             </a:fld>
             <a:endParaRPr/>
           </a:p>
@@ -16504,13 +16648,13 @@
   <p:clrMapOvr>
     <a:masterClrMapping/>
   </p:clrMapOvr>
-  <mc:AlternateContent>
+  <mc:AlternateContent xmlns:mc="http://schemas.openxmlformats.org/markup-compatibility/2006" xmlns:p14="http://schemas.microsoft.com/office/powerpoint/2010/main">
     <mc:Choice Requires="p14">
-      <p:transition spd="slow" p14:dur="700">
+      <p:transition spd="med" p14:dur="700">
         <p:fade/>
       </p:transition>
     </mc:Choice>
-    <mc:Fallback>
+    <mc:Fallback xmlns:p15="http://schemas.microsoft.com/office/powerpoint/2012/main" xmlns:com="http://schemas.openxmlformats.org/drawingml/2006/compatibility" xmlns:pvml="urn:schemas-microsoft-com:office:powerpoint" xmlns:v="urn:schemas-microsoft-com:vml" xmlns:o="urn:schemas-microsoft-com:office:office" xmlns:dgm="http://schemas.openxmlformats.org/drawingml/2006/diagram" xmlns:c="http://schemas.openxmlformats.org/drawingml/2006/chart" xmlns:mv="urn:schemas-microsoft-com:mac:vml" xmlns="">
       <p:transition spd="slow">
         <p:fade/>
       </p:transition>
@@ -16520,11 +16664,11 @@
 </file>
 
 <file path=ppt/slides/slide9.xml><?xml version="1.0" encoding="utf-8"?>
-<p:sld xmlns:a="http://schemas.openxmlformats.org/drawingml/2006/main" xmlns:r="http://schemas.openxmlformats.org/officeDocument/2006/relationships" xmlns:mc="http://schemas.openxmlformats.org/markup-compatibility/2006" xmlns:mv="urn:schemas-microsoft-com:mac:vml" xmlns:p="http://schemas.openxmlformats.org/presentationml/2006/main" xmlns:c="http://schemas.openxmlformats.org/drawingml/2006/chart" xmlns:dgm="http://schemas.openxmlformats.org/drawingml/2006/diagram" xmlns:o="urn:schemas-microsoft-com:office:office" xmlns:v="urn:schemas-microsoft-com:vml" xmlns:pvml="urn:schemas-microsoft-com:office:powerpoint" xmlns:com="http://schemas.openxmlformats.org/drawingml/2006/compatibility" xmlns:p14="http://schemas.microsoft.com/office/powerpoint/2010/main" xmlns:p15="http://schemas.microsoft.com/office/powerpoint/2012/main">
+<p:sld xmlns:a="http://schemas.openxmlformats.org/drawingml/2006/main" xmlns:r="http://schemas.openxmlformats.org/officeDocument/2006/relationships" xmlns:p="http://schemas.openxmlformats.org/presentationml/2006/main">
   <p:cSld>
     <p:spTree>
       <p:nvGrpSpPr>
-        <p:cNvPr id="184" name="Shape 184"/>
+        <p:cNvPr id="1" name="Shape 184"/>
         <p:cNvGrpSpPr/>
         <p:nvPr/>
       </p:nvGrpSpPr>
@@ -16539,7 +16683,9 @@
       <p:sp>
         <p:nvSpPr>
           <p:cNvPr id="185" name="Google Shape;185;p25"/>
-          <p:cNvSpPr txBox="1"/>
+          <p:cNvSpPr txBox="1">
+            <a:spLocks noGrp="1"/>
+          </p:cNvSpPr>
           <p:nvPr>
             <p:ph type="title"/>
           </p:nvPr>
@@ -16558,12 +16704,12 @@
           </a:ln>
         </p:spPr>
         <p:txBody>
-          <a:bodyPr anchorCtr="0" anchor="t" bIns="0" lIns="0" spcFirstLastPara="1" rIns="0" wrap="square" tIns="0">
+          <a:bodyPr spcFirstLastPara="1" wrap="square" lIns="0" tIns="0" rIns="0" bIns="0" anchor="t" anchorCtr="0">
             <a:noAutofit/>
           </a:bodyPr>
           <a:lstStyle/>
           <a:p>
-            <a:pPr indent="0" lvl="0" marL="0" rtl="0" algn="l">
+            <a:pPr marL="0" lvl="0" indent="0" algn="l" rtl="0">
               <a:spcBef>
                 <a:spcPts val="0"/>
               </a:spcBef>
@@ -16588,9 +16734,11 @@
       <p:sp>
         <p:nvSpPr>
           <p:cNvPr id="186" name="Google Shape;186;p25"/>
-          <p:cNvSpPr txBox="1"/>
+          <p:cNvSpPr txBox="1">
+            <a:spLocks noGrp="1"/>
+          </p:cNvSpPr>
           <p:nvPr>
-            <p:ph idx="2" type="body"/>
+            <p:ph type="body" idx="2"/>
           </p:nvPr>
         </p:nvSpPr>
         <p:spPr>
@@ -16607,12 +16755,12 @@
           </a:ln>
         </p:spPr>
         <p:txBody>
-          <a:bodyPr anchorCtr="0" anchor="t" bIns="0" lIns="8075" spcFirstLastPara="1" rIns="0" wrap="square" tIns="0">
+          <a:bodyPr spcFirstLastPara="1" wrap="square" lIns="8075" tIns="0" rIns="0" bIns="0" anchor="t" anchorCtr="0">
             <a:noAutofit/>
           </a:bodyPr>
           <a:lstStyle/>
           <a:p>
-            <a:pPr indent="0" lvl="0" marL="0" rtl="0" algn="l">
+            <a:pPr marL="0" lvl="0" indent="0" algn="l" rtl="0">
               <a:lnSpc>
                 <a:spcPct val="115000"/>
               </a:lnSpc>
@@ -16625,7 +16773,7 @@
               <a:buNone/>
             </a:pPr>
             <a:r>
-              <a:rPr b="1" lang="en" sz="1200">
+              <a:rPr lang="en" sz="1200" b="1">
                 <a:solidFill>
                   <a:srgbClr val="000000"/>
                 </a:solidFill>
@@ -16634,33 +16782,9 @@
                 <a:cs typeface="Arial"/>
                 <a:sym typeface="Arial"/>
               </a:rPr>
-              <a:t>Paper </a:t>
+              <a:t>Paper Link:</a:t>
             </a:r>
-            <a:r>
-              <a:rPr b="1" lang="en" sz="1200">
-                <a:solidFill>
-                  <a:srgbClr val="000000"/>
-                </a:solidFill>
-                <a:latin typeface="Arial"/>
-                <a:ea typeface="Arial"/>
-                <a:cs typeface="Arial"/>
-                <a:sym typeface="Arial"/>
-              </a:rPr>
-              <a:t>L</a:t>
-            </a:r>
-            <a:r>
-              <a:rPr b="1" lang="en" sz="1200">
-                <a:solidFill>
-                  <a:srgbClr val="000000"/>
-                </a:solidFill>
-                <a:latin typeface="Arial"/>
-                <a:ea typeface="Arial"/>
-                <a:cs typeface="Arial"/>
-                <a:sym typeface="Arial"/>
-              </a:rPr>
-              <a:t>ink:</a:t>
-            </a:r>
-            <a:endParaRPr b="1" sz="1200">
+            <a:endParaRPr sz="1200" b="1">
               <a:solidFill>
                 <a:srgbClr val="000000"/>
               </a:solidFill>
@@ -16671,7 +16795,7 @@
             </a:endParaRPr>
           </a:p>
           <a:p>
-            <a:pPr indent="0" lvl="0" marL="0" rtl="0" algn="l">
+            <a:pPr marL="0" lvl="0" indent="0" algn="l" rtl="0">
               <a:lnSpc>
                 <a:spcPct val="115000"/>
               </a:lnSpc>
@@ -16705,7 +16829,7 @@
                 <a:ea typeface="Arial"/>
                 <a:cs typeface="Arial"/>
                 <a:sym typeface="Arial"/>
-                <a:hlinkClick r:id="rId4"/>
+                <a:hlinkClick r:id="rId3"/>
               </a:rPr>
               <a:t>%20</a:t>
             </a:r>
@@ -16718,11 +16842,11 @@
                 <a:ea typeface="Arial"/>
                 <a:cs typeface="Arial"/>
                 <a:sym typeface="Arial"/>
-                <a:hlinkClick r:id="rId5"/>
+                <a:hlinkClick r:id="rId3"/>
               </a:rPr>
               <a:t>Finance%20Complaint%20Product%20Classification.pdf</a:t>
             </a:r>
-            <a:endParaRPr b="1" sz="1200">
+            <a:endParaRPr sz="1200" b="1">
               <a:solidFill>
                 <a:srgbClr val="000000"/>
               </a:solidFill>
@@ -16733,7 +16857,7 @@
             </a:endParaRPr>
           </a:p>
           <a:p>
-            <a:pPr indent="0" lvl="0" marL="0" rtl="0" algn="l">
+            <a:pPr marL="0" lvl="0" indent="0" algn="l" rtl="0">
               <a:lnSpc>
                 <a:spcPct val="115000"/>
               </a:lnSpc>
@@ -16745,10 +16869,7 @@
               </a:spcAft>
               <a:buNone/>
             </a:pPr>
-            <a:r>
-              <a:t/>
-            </a:r>
-            <a:endParaRPr b="1" sz="1200">
+            <a:endParaRPr sz="1200" b="1">
               <a:solidFill>
                 <a:srgbClr val="000000"/>
               </a:solidFill>
@@ -16759,7 +16880,7 @@
             </a:endParaRPr>
           </a:p>
           <a:p>
-            <a:pPr indent="0" lvl="0" marL="0" rtl="0" algn="l">
+            <a:pPr marL="0" lvl="0" indent="0" algn="l" rtl="0">
               <a:lnSpc>
                 <a:spcPct val="115000"/>
               </a:lnSpc>
@@ -16772,7 +16893,7 @@
               <a:buNone/>
             </a:pPr>
             <a:r>
-              <a:rPr b="1" lang="en" sz="1200">
+              <a:rPr lang="en" sz="1200" b="1">
                 <a:solidFill>
                   <a:srgbClr val="000000"/>
                 </a:solidFill>
@@ -16792,11 +16913,11 @@
                 <a:ea typeface="Arial"/>
                 <a:cs typeface="Arial"/>
                 <a:sym typeface="Arial"/>
-                <a:hlinkClick r:id="rId6"/>
+                <a:hlinkClick r:id="rId4"/>
               </a:rPr>
               <a:t>https://github.com/hong6us/W266_Fall2019_FinalProject/blob/master/Customer_Complaints_Analysis.ipynb</a:t>
             </a:r>
-            <a:endParaRPr b="1" sz="1200">
+            <a:endParaRPr sz="1200" b="1">
               <a:solidFill>
                 <a:srgbClr val="000000"/>
               </a:solidFill>
@@ -16807,7 +16928,7 @@
             </a:endParaRPr>
           </a:p>
           <a:p>
-            <a:pPr indent="0" lvl="0" marL="0" rtl="0" algn="l">
+            <a:pPr marL="0" lvl="0" indent="0" algn="l" rtl="0">
               <a:lnSpc>
                 <a:spcPct val="115000"/>
               </a:lnSpc>
@@ -16819,10 +16940,7 @@
               </a:spcAft>
               <a:buNone/>
             </a:pPr>
-            <a:r>
-              <a:t/>
-            </a:r>
-            <a:endParaRPr b="1" sz="1200">
+            <a:endParaRPr sz="1200" b="1">
               <a:solidFill>
                 <a:srgbClr val="000000"/>
               </a:solidFill>
@@ -16833,7 +16951,7 @@
             </a:endParaRPr>
           </a:p>
           <a:p>
-            <a:pPr indent="0" lvl="0" marL="0" rtl="0" algn="l">
+            <a:pPr marL="0" lvl="0" indent="0" algn="l" rtl="0">
               <a:lnSpc>
                 <a:spcPct val="115000"/>
               </a:lnSpc>
@@ -16846,7 +16964,7 @@
               <a:buNone/>
             </a:pPr>
             <a:r>
-              <a:rPr b="1" lang="en" sz="1200">
+              <a:rPr lang="en" sz="1200" b="1">
                 <a:solidFill>
                   <a:srgbClr val="000000"/>
                 </a:solidFill>
@@ -16857,7 +16975,7 @@
               </a:rPr>
               <a:t>Data Source: </a:t>
             </a:r>
-            <a:endParaRPr b="1" sz="1200">
+            <a:endParaRPr sz="1200" b="1">
               <a:solidFill>
                 <a:srgbClr val="000000"/>
               </a:solidFill>
@@ -16868,7 +16986,7 @@
             </a:endParaRPr>
           </a:p>
           <a:p>
-            <a:pPr indent="0" lvl="0" marL="0" rtl="0" algn="l">
+            <a:pPr marL="0" lvl="0" indent="0" algn="l" rtl="0">
               <a:lnSpc>
                 <a:spcPct val="115000"/>
               </a:lnSpc>
@@ -16889,11 +17007,11 @@
                 <a:ea typeface="Arial"/>
                 <a:cs typeface="Arial"/>
                 <a:sym typeface="Arial"/>
-                <a:hlinkClick r:id="rId7"/>
+                <a:hlinkClick r:id="rId5"/>
               </a:rPr>
               <a:t>https://www.consumerfinance.gov/data-research/consumer-complaints/</a:t>
             </a:r>
-            <a:endParaRPr b="1" sz="1200">
+            <a:endParaRPr sz="1200" b="1">
               <a:solidFill>
                 <a:srgbClr val="000000"/>
               </a:solidFill>
@@ -16910,13 +17028,13 @@
   <p:clrMapOvr>
     <a:masterClrMapping/>
   </p:clrMapOvr>
-  <mc:AlternateContent>
+  <mc:AlternateContent xmlns:mc="http://schemas.openxmlformats.org/markup-compatibility/2006" xmlns:p14="http://schemas.microsoft.com/office/powerpoint/2010/main">
     <mc:Choice Requires="p14">
-      <p:transition spd="slow" p14:dur="700">
+      <p:transition spd="med" p14:dur="700">
         <p:fade/>
       </p:transition>
     </mc:Choice>
-    <mc:Fallback>
+    <mc:Fallback xmlns:p15="http://schemas.microsoft.com/office/powerpoint/2012/main" xmlns:com="http://schemas.openxmlformats.org/drawingml/2006/compatibility" xmlns:pvml="urn:schemas-microsoft-com:office:powerpoint" xmlns:v="urn:schemas-microsoft-com:vml" xmlns:o="urn:schemas-microsoft-com:office:office" xmlns:dgm="http://schemas.openxmlformats.org/drawingml/2006/diagram" xmlns:c="http://schemas.openxmlformats.org/drawingml/2006/chart" xmlns:mv="urn:schemas-microsoft-com:mac:vml" xmlns="">
       <p:transition spd="slow">
         <p:fade/>
       </p:transition>
@@ -16926,7 +17044,288 @@
 </file>
 
 <file path=ppt/theme/theme1.xml><?xml version="1.0" encoding="utf-8"?>
-<a:theme xmlns:a="http://schemas.openxmlformats.org/drawingml/2006/main" xmlns:r="http://schemas.openxmlformats.org/officeDocument/2006/relationships">
+<a:theme xmlns:a="http://schemas.openxmlformats.org/drawingml/2006/main" name="Streamline">
+  <a:themeElements>
+    <a:clrScheme name="Streamline">
+      <a:dk1>
+        <a:srgbClr val="1A9988"/>
+      </a:dk1>
+      <a:lt1>
+        <a:srgbClr val="FFFFFF"/>
+      </a:lt1>
+      <a:dk2>
+        <a:srgbClr val="1A1A1A"/>
+      </a:dk2>
+      <a:lt2>
+        <a:srgbClr val="E9EDEE"/>
+      </a:lt2>
+      <a:accent1>
+        <a:srgbClr val="595959"/>
+      </a:accent1>
+      <a:accent2>
+        <a:srgbClr val="6AA4C8"/>
+      </a:accent2>
+      <a:accent3>
+        <a:srgbClr val="EB5600"/>
+      </a:accent3>
+      <a:accent4>
+        <a:srgbClr val="A2FFE8"/>
+      </a:accent4>
+      <a:accent5>
+        <a:srgbClr val="1C3678"/>
+      </a:accent5>
+      <a:accent6>
+        <a:srgbClr val="FFB8A2"/>
+      </a:accent6>
+      <a:hlink>
+        <a:srgbClr val="1C3678"/>
+      </a:hlink>
+      <a:folHlink>
+        <a:srgbClr val="1C3678"/>
+      </a:folHlink>
+    </a:clrScheme>
+    <a:fontScheme name="Office">
+      <a:majorFont>
+        <a:latin typeface="Arial"/>
+        <a:ea typeface=""/>
+        <a:cs typeface=""/>
+        <a:font script="Jpan" typeface="ＭＳ Ｐゴシック"/>
+        <a:font script="Hang" typeface="맑은 고딕"/>
+        <a:font script="Hans" typeface="宋体"/>
+        <a:font script="Hant" typeface="新細明體"/>
+        <a:font script="Arab" typeface="Times New Roman"/>
+        <a:font script="Hebr" typeface="Times New Roman"/>
+        <a:font script="Thai" typeface="Angsana New"/>
+        <a:font script="Ethi" typeface="Nyala"/>
+        <a:font script="Beng" typeface="Vrinda"/>
+        <a:font script="Gujr" typeface="Shruti"/>
+        <a:font script="Khmr" typeface="MoolBoran"/>
+        <a:font script="Knda" typeface="Tunga"/>
+        <a:font script="Guru" typeface="Raavi"/>
+        <a:font script="Cans" typeface="Euphemia"/>
+        <a:font script="Cher" typeface="Plantagenet Cherokee"/>
+        <a:font script="Yiii" typeface="Microsoft Yi Baiti"/>
+        <a:font script="Tibt" typeface="Microsoft Himalaya"/>
+        <a:font script="Thaa" typeface="MV Boli"/>
+        <a:font script="Deva" typeface="Mangal"/>
+        <a:font script="Telu" typeface="Gautami"/>
+        <a:font script="Taml" typeface="Latha"/>
+        <a:font script="Syrc" typeface="Estrangelo Edessa"/>
+        <a:font script="Orya" typeface="Kalinga"/>
+        <a:font script="Mlym" typeface="Kartika"/>
+        <a:font script="Laoo" typeface="DokChampa"/>
+        <a:font script="Sinh" typeface="Iskoola Pota"/>
+        <a:font script="Mong" typeface="Mongolian Baiti"/>
+        <a:font script="Viet" typeface="Times New Roman"/>
+        <a:font script="Uigh" typeface="Microsoft Uighur"/>
+        <a:font script="Geor" typeface="Sylfaen"/>
+      </a:majorFont>
+      <a:minorFont>
+        <a:latin typeface="Arial"/>
+        <a:ea typeface=""/>
+        <a:cs typeface=""/>
+        <a:font script="Jpan" typeface="ＭＳ Ｐゴシック"/>
+        <a:font script="Hang" typeface="맑은 고딕"/>
+        <a:font script="Hans" typeface="宋体"/>
+        <a:font script="Hant" typeface="新細明體"/>
+        <a:font script="Arab" typeface="Arial"/>
+        <a:font script="Hebr" typeface="Arial"/>
+        <a:font script="Thai" typeface="Cordia New"/>
+        <a:font script="Ethi" typeface="Nyala"/>
+        <a:font script="Beng" typeface="Vrinda"/>
+        <a:font script="Gujr" typeface="Shruti"/>
+        <a:font script="Khmr" typeface="DaunPenh"/>
+        <a:font script="Knda" typeface="Tunga"/>
+        <a:font script="Guru" typeface="Raavi"/>
+        <a:font script="Cans" typeface="Euphemia"/>
+        <a:font script="Cher" typeface="Plantagenet Cherokee"/>
+        <a:font script="Yiii" typeface="Microsoft Yi Baiti"/>
+        <a:font script="Tibt" typeface="Microsoft Himalaya"/>
+        <a:font script="Thaa" typeface="MV Boli"/>
+        <a:font script="Deva" typeface="Mangal"/>
+        <a:font script="Telu" typeface="Gautami"/>
+        <a:font script="Taml" typeface="Latha"/>
+        <a:font script="Syrc" typeface="Estrangelo Edessa"/>
+        <a:font script="Orya" typeface="Kalinga"/>
+        <a:font script="Mlym" typeface="Kartika"/>
+        <a:font script="Laoo" typeface="DokChampa"/>
+        <a:font script="Sinh" typeface="Iskoola Pota"/>
+        <a:font script="Mong" typeface="Mongolian Baiti"/>
+        <a:font script="Viet" typeface="Arial"/>
+        <a:font script="Uigh" typeface="Microsoft Uighur"/>
+        <a:font script="Geor" typeface="Sylfaen"/>
+      </a:minorFont>
+    </a:fontScheme>
+    <a:fmtScheme name="Office">
+      <a:fillStyleLst>
+        <a:solidFill>
+          <a:schemeClr val="phClr"/>
+        </a:solidFill>
+        <a:gradFill rotWithShape="1">
+          <a:gsLst>
+            <a:gs pos="0">
+              <a:schemeClr val="phClr">
+                <a:tint val="50000"/>
+                <a:satMod val="300000"/>
+              </a:schemeClr>
+            </a:gs>
+            <a:gs pos="35000">
+              <a:schemeClr val="phClr">
+                <a:tint val="37000"/>
+                <a:satMod val="300000"/>
+              </a:schemeClr>
+            </a:gs>
+            <a:gs pos="100000">
+              <a:schemeClr val="phClr">
+                <a:tint val="15000"/>
+                <a:satMod val="350000"/>
+              </a:schemeClr>
+            </a:gs>
+          </a:gsLst>
+          <a:lin ang="16200000" scaled="1"/>
+        </a:gradFill>
+        <a:gradFill rotWithShape="1">
+          <a:gsLst>
+            <a:gs pos="0">
+              <a:schemeClr val="phClr">
+                <a:tint val="100000"/>
+                <a:shade val="100000"/>
+                <a:satMod val="130000"/>
+              </a:schemeClr>
+            </a:gs>
+            <a:gs pos="100000">
+              <a:schemeClr val="phClr">
+                <a:tint val="50000"/>
+                <a:shade val="100000"/>
+                <a:satMod val="350000"/>
+              </a:schemeClr>
+            </a:gs>
+          </a:gsLst>
+          <a:lin ang="16200000" scaled="0"/>
+        </a:gradFill>
+      </a:fillStyleLst>
+      <a:lnStyleLst>
+        <a:ln w="9525" cap="flat" cmpd="sng" algn="ctr">
+          <a:solidFill>
+            <a:schemeClr val="phClr">
+              <a:shade val="95000"/>
+              <a:satMod val="105000"/>
+            </a:schemeClr>
+          </a:solidFill>
+          <a:prstDash val="solid"/>
+        </a:ln>
+        <a:ln w="25400" cap="flat" cmpd="sng" algn="ctr">
+          <a:solidFill>
+            <a:schemeClr val="phClr"/>
+          </a:solidFill>
+          <a:prstDash val="solid"/>
+        </a:ln>
+        <a:ln w="38100" cap="flat" cmpd="sng" algn="ctr">
+          <a:solidFill>
+            <a:schemeClr val="phClr"/>
+          </a:solidFill>
+          <a:prstDash val="solid"/>
+        </a:ln>
+      </a:lnStyleLst>
+      <a:effectStyleLst>
+        <a:effectStyle>
+          <a:effectLst>
+            <a:outerShdw blurRad="40000" dist="20000" dir="5400000" rotWithShape="0">
+              <a:srgbClr val="000000">
+                <a:alpha val="38000"/>
+              </a:srgbClr>
+            </a:outerShdw>
+          </a:effectLst>
+        </a:effectStyle>
+        <a:effectStyle>
+          <a:effectLst>
+            <a:outerShdw blurRad="40000" dist="23000" dir="5400000" rotWithShape="0">
+              <a:srgbClr val="000000">
+                <a:alpha val="35000"/>
+              </a:srgbClr>
+            </a:outerShdw>
+          </a:effectLst>
+        </a:effectStyle>
+        <a:effectStyle>
+          <a:effectLst>
+            <a:outerShdw blurRad="40000" dist="23000" dir="5400000" rotWithShape="0">
+              <a:srgbClr val="000000">
+                <a:alpha val="35000"/>
+              </a:srgbClr>
+            </a:outerShdw>
+          </a:effectLst>
+          <a:scene3d>
+            <a:camera prst="orthographicFront">
+              <a:rot lat="0" lon="0" rev="0"/>
+            </a:camera>
+            <a:lightRig rig="threePt" dir="t">
+              <a:rot lat="0" lon="0" rev="1200000"/>
+            </a:lightRig>
+          </a:scene3d>
+          <a:sp3d>
+            <a:bevelT w="63500" h="25400"/>
+          </a:sp3d>
+        </a:effectStyle>
+      </a:effectStyleLst>
+      <a:bgFillStyleLst>
+        <a:solidFill>
+          <a:schemeClr val="phClr"/>
+        </a:solidFill>
+        <a:gradFill rotWithShape="1">
+          <a:gsLst>
+            <a:gs pos="0">
+              <a:schemeClr val="phClr">
+                <a:tint val="40000"/>
+                <a:satMod val="350000"/>
+              </a:schemeClr>
+            </a:gs>
+            <a:gs pos="40000">
+              <a:schemeClr val="phClr">
+                <a:tint val="45000"/>
+                <a:shade val="99000"/>
+                <a:satMod val="350000"/>
+              </a:schemeClr>
+            </a:gs>
+            <a:gs pos="100000">
+              <a:schemeClr val="phClr">
+                <a:shade val="20000"/>
+                <a:satMod val="255000"/>
+              </a:schemeClr>
+            </a:gs>
+          </a:gsLst>
+          <a:path path="circle">
+            <a:fillToRect l="50000" t="-80000" r="50000" b="180000"/>
+          </a:path>
+        </a:gradFill>
+        <a:gradFill rotWithShape="1">
+          <a:gsLst>
+            <a:gs pos="0">
+              <a:schemeClr val="phClr">
+                <a:tint val="80000"/>
+                <a:satMod val="300000"/>
+              </a:schemeClr>
+            </a:gs>
+            <a:gs pos="100000">
+              <a:schemeClr val="phClr">
+                <a:shade val="30000"/>
+                <a:satMod val="200000"/>
+              </a:schemeClr>
+            </a:gs>
+          </a:gsLst>
+          <a:path path="circle">
+            <a:fillToRect l="50000" t="50000" r="50000" b="50000"/>
+          </a:path>
+        </a:gradFill>
+      </a:bgFillStyleLst>
+    </a:fmtScheme>
+  </a:themeElements>
+  <a:objectDefaults/>
+  <a:extraClrSchemeLst/>
+</a:theme>
+</file>
+
+<file path=ppt/theme/theme2.xml><?xml version="1.0" encoding="utf-8"?>
+<a:theme xmlns:a="http://schemas.openxmlformats.org/drawingml/2006/main">
   <a:themeElements>
     <a:clrScheme name="Default">
       <a:dk1>
@@ -17201,284 +17600,7 @@
       </a:bgFillStyleLst>
     </a:fmtScheme>
   </a:themeElements>
-</a:theme>
-</file>
-
-<file path=ppt/theme/theme2.xml><?xml version="1.0" encoding="utf-8"?>
-<a:theme xmlns:a="http://schemas.openxmlformats.org/drawingml/2006/main" xmlns:r="http://schemas.openxmlformats.org/officeDocument/2006/relationships" name="Streamline">
-  <a:themeElements>
-    <a:clrScheme name="Streamline">
-      <a:dk1>
-        <a:srgbClr val="1A9988"/>
-      </a:dk1>
-      <a:lt1>
-        <a:srgbClr val="FFFFFF"/>
-      </a:lt1>
-      <a:dk2>
-        <a:srgbClr val="1A1A1A"/>
-      </a:dk2>
-      <a:lt2>
-        <a:srgbClr val="E9EDEE"/>
-      </a:lt2>
-      <a:accent1>
-        <a:srgbClr val="595959"/>
-      </a:accent1>
-      <a:accent2>
-        <a:srgbClr val="6AA4C8"/>
-      </a:accent2>
-      <a:accent3>
-        <a:srgbClr val="EB5600"/>
-      </a:accent3>
-      <a:accent4>
-        <a:srgbClr val="A2FFE8"/>
-      </a:accent4>
-      <a:accent5>
-        <a:srgbClr val="1C3678"/>
-      </a:accent5>
-      <a:accent6>
-        <a:srgbClr val="FFB8A2"/>
-      </a:accent6>
-      <a:hlink>
-        <a:srgbClr val="1C3678"/>
-      </a:hlink>
-      <a:folHlink>
-        <a:srgbClr val="1C3678"/>
-      </a:folHlink>
-    </a:clrScheme>
-    <a:fontScheme name="Office">
-      <a:majorFont>
-        <a:latin typeface="Arial"/>
-        <a:ea typeface=""/>
-        <a:cs typeface=""/>
-        <a:font script="Jpan" typeface="ＭＳ Ｐゴシック"/>
-        <a:font script="Hang" typeface="맑은 고딕"/>
-        <a:font script="Hans" typeface="宋体"/>
-        <a:font script="Hant" typeface="新細明體"/>
-        <a:font script="Arab" typeface="Times New Roman"/>
-        <a:font script="Hebr" typeface="Times New Roman"/>
-        <a:font script="Thai" typeface="Angsana New"/>
-        <a:font script="Ethi" typeface="Nyala"/>
-        <a:font script="Beng" typeface="Vrinda"/>
-        <a:font script="Gujr" typeface="Shruti"/>
-        <a:font script="Khmr" typeface="MoolBoran"/>
-        <a:font script="Knda" typeface="Tunga"/>
-        <a:font script="Guru" typeface="Raavi"/>
-        <a:font script="Cans" typeface="Euphemia"/>
-        <a:font script="Cher" typeface="Plantagenet Cherokee"/>
-        <a:font script="Yiii" typeface="Microsoft Yi Baiti"/>
-        <a:font script="Tibt" typeface="Microsoft Himalaya"/>
-        <a:font script="Thaa" typeface="MV Boli"/>
-        <a:font script="Deva" typeface="Mangal"/>
-        <a:font script="Telu" typeface="Gautami"/>
-        <a:font script="Taml" typeface="Latha"/>
-        <a:font script="Syrc" typeface="Estrangelo Edessa"/>
-        <a:font script="Orya" typeface="Kalinga"/>
-        <a:font script="Mlym" typeface="Kartika"/>
-        <a:font script="Laoo" typeface="DokChampa"/>
-        <a:font script="Sinh" typeface="Iskoola Pota"/>
-        <a:font script="Mong" typeface="Mongolian Baiti"/>
-        <a:font script="Viet" typeface="Times New Roman"/>
-        <a:font script="Uigh" typeface="Microsoft Uighur"/>
-        <a:font script="Geor" typeface="Sylfaen"/>
-      </a:majorFont>
-      <a:minorFont>
-        <a:latin typeface="Arial"/>
-        <a:ea typeface=""/>
-        <a:cs typeface=""/>
-        <a:font script="Jpan" typeface="ＭＳ Ｐゴシック"/>
-        <a:font script="Hang" typeface="맑은 고딕"/>
-        <a:font script="Hans" typeface="宋体"/>
-        <a:font script="Hant" typeface="新細明體"/>
-        <a:font script="Arab" typeface="Arial"/>
-        <a:font script="Hebr" typeface="Arial"/>
-        <a:font script="Thai" typeface="Cordia New"/>
-        <a:font script="Ethi" typeface="Nyala"/>
-        <a:font script="Beng" typeface="Vrinda"/>
-        <a:font script="Gujr" typeface="Shruti"/>
-        <a:font script="Khmr" typeface="DaunPenh"/>
-        <a:font script="Knda" typeface="Tunga"/>
-        <a:font script="Guru" typeface="Raavi"/>
-        <a:font script="Cans" typeface="Euphemia"/>
-        <a:font script="Cher" typeface="Plantagenet Cherokee"/>
-        <a:font script="Yiii" typeface="Microsoft Yi Baiti"/>
-        <a:font script="Tibt" typeface="Microsoft Himalaya"/>
-        <a:font script="Thaa" typeface="MV Boli"/>
-        <a:font script="Deva" typeface="Mangal"/>
-        <a:font script="Telu" typeface="Gautami"/>
-        <a:font script="Taml" typeface="Latha"/>
-        <a:font script="Syrc" typeface="Estrangelo Edessa"/>
-        <a:font script="Orya" typeface="Kalinga"/>
-        <a:font script="Mlym" typeface="Kartika"/>
-        <a:font script="Laoo" typeface="DokChampa"/>
-        <a:font script="Sinh" typeface="Iskoola Pota"/>
-        <a:font script="Mong" typeface="Mongolian Baiti"/>
-        <a:font script="Viet" typeface="Arial"/>
-        <a:font script="Uigh" typeface="Microsoft Uighur"/>
-        <a:font script="Geor" typeface="Sylfaen"/>
-      </a:minorFont>
-    </a:fontScheme>
-    <a:fmtScheme name="Office">
-      <a:fillStyleLst>
-        <a:solidFill>
-          <a:schemeClr val="phClr"/>
-        </a:solidFill>
-        <a:gradFill rotWithShape="1">
-          <a:gsLst>
-            <a:gs pos="0">
-              <a:schemeClr val="phClr">
-                <a:tint val="50000"/>
-                <a:satMod val="300000"/>
-              </a:schemeClr>
-            </a:gs>
-            <a:gs pos="35000">
-              <a:schemeClr val="phClr">
-                <a:tint val="37000"/>
-                <a:satMod val="300000"/>
-              </a:schemeClr>
-            </a:gs>
-            <a:gs pos="100000">
-              <a:schemeClr val="phClr">
-                <a:tint val="15000"/>
-                <a:satMod val="350000"/>
-              </a:schemeClr>
-            </a:gs>
-          </a:gsLst>
-          <a:lin ang="16200000" scaled="1"/>
-        </a:gradFill>
-        <a:gradFill rotWithShape="1">
-          <a:gsLst>
-            <a:gs pos="0">
-              <a:schemeClr val="phClr">
-                <a:tint val="100000"/>
-                <a:shade val="100000"/>
-                <a:satMod val="130000"/>
-              </a:schemeClr>
-            </a:gs>
-            <a:gs pos="100000">
-              <a:schemeClr val="phClr">
-                <a:tint val="50000"/>
-                <a:shade val="100000"/>
-                <a:satMod val="350000"/>
-              </a:schemeClr>
-            </a:gs>
-          </a:gsLst>
-          <a:lin ang="16200000" scaled="0"/>
-        </a:gradFill>
-      </a:fillStyleLst>
-      <a:lnStyleLst>
-        <a:ln w="9525" cap="flat" cmpd="sng" algn="ctr">
-          <a:solidFill>
-            <a:schemeClr val="phClr">
-              <a:shade val="95000"/>
-              <a:satMod val="105000"/>
-            </a:schemeClr>
-          </a:solidFill>
-          <a:prstDash val="solid"/>
-        </a:ln>
-        <a:ln w="25400" cap="flat" cmpd="sng" algn="ctr">
-          <a:solidFill>
-            <a:schemeClr val="phClr"/>
-          </a:solidFill>
-          <a:prstDash val="solid"/>
-        </a:ln>
-        <a:ln w="38100" cap="flat" cmpd="sng" algn="ctr">
-          <a:solidFill>
-            <a:schemeClr val="phClr"/>
-          </a:solidFill>
-          <a:prstDash val="solid"/>
-        </a:ln>
-      </a:lnStyleLst>
-      <a:effectStyleLst>
-        <a:effectStyle>
-          <a:effectLst>
-            <a:outerShdw blurRad="40000" dist="20000" dir="5400000" rotWithShape="0">
-              <a:srgbClr val="000000">
-                <a:alpha val="38000"/>
-              </a:srgbClr>
-            </a:outerShdw>
-          </a:effectLst>
-        </a:effectStyle>
-        <a:effectStyle>
-          <a:effectLst>
-            <a:outerShdw blurRad="40000" dist="23000" dir="5400000" rotWithShape="0">
-              <a:srgbClr val="000000">
-                <a:alpha val="35000"/>
-              </a:srgbClr>
-            </a:outerShdw>
-          </a:effectLst>
-        </a:effectStyle>
-        <a:effectStyle>
-          <a:effectLst>
-            <a:outerShdw blurRad="40000" dist="23000" dir="5400000" rotWithShape="0">
-              <a:srgbClr val="000000">
-                <a:alpha val="35000"/>
-              </a:srgbClr>
-            </a:outerShdw>
-          </a:effectLst>
-          <a:scene3d>
-            <a:camera prst="orthographicFront">
-              <a:rot lat="0" lon="0" rev="0"/>
-            </a:camera>
-            <a:lightRig rig="threePt" dir="t">
-              <a:rot lat="0" lon="0" rev="1200000"/>
-            </a:lightRig>
-          </a:scene3d>
-          <a:sp3d>
-            <a:bevelT w="63500" h="25400"/>
-          </a:sp3d>
-        </a:effectStyle>
-      </a:effectStyleLst>
-      <a:bgFillStyleLst>
-        <a:solidFill>
-          <a:schemeClr val="phClr"/>
-        </a:solidFill>
-        <a:gradFill rotWithShape="1">
-          <a:gsLst>
-            <a:gs pos="0">
-              <a:schemeClr val="phClr">
-                <a:tint val="40000"/>
-                <a:satMod val="350000"/>
-              </a:schemeClr>
-            </a:gs>
-            <a:gs pos="40000">
-              <a:schemeClr val="phClr">
-                <a:tint val="45000"/>
-                <a:shade val="99000"/>
-                <a:satMod val="350000"/>
-              </a:schemeClr>
-            </a:gs>
-            <a:gs pos="100000">
-              <a:schemeClr val="phClr">
-                <a:shade val="20000"/>
-                <a:satMod val="255000"/>
-              </a:schemeClr>
-            </a:gs>
-          </a:gsLst>
-          <a:path path="circle">
-            <a:fillToRect l="50000" t="-80000" r="50000" b="180000"/>
-          </a:path>
-        </a:gradFill>
-        <a:gradFill rotWithShape="1">
-          <a:gsLst>
-            <a:gs pos="0">
-              <a:schemeClr val="phClr">
-                <a:tint val="80000"/>
-                <a:satMod val="300000"/>
-              </a:schemeClr>
-            </a:gs>
-            <a:gs pos="100000">
-              <a:schemeClr val="phClr">
-                <a:shade val="30000"/>
-                <a:satMod val="200000"/>
-              </a:schemeClr>
-            </a:gs>
-          </a:gsLst>
-          <a:path path="circle">
-            <a:fillToRect l="50000" t="50000" r="50000" b="50000"/>
-          </a:path>
-        </a:gradFill>
-      </a:bgFillStyleLst>
-    </a:fmtScheme>
-  </a:themeElements>
+  <a:objectDefaults/>
+  <a:extraClrSchemeLst/>
 </a:theme>
 </file>